--- a/Introduction to R Workshop 1.pptx
+++ b/Introduction to R Workshop 1.pptx
@@ -10,28 +10,28 @@
     <p:sldId id="510" r:id="rId4"/>
     <p:sldId id="258" r:id="rId5"/>
     <p:sldId id="259" r:id="rId6"/>
-    <p:sldId id="513" r:id="rId7"/>
-    <p:sldId id="475" r:id="rId8"/>
-    <p:sldId id="491" r:id="rId9"/>
-    <p:sldId id="480" r:id="rId10"/>
-    <p:sldId id="481" r:id="rId11"/>
-    <p:sldId id="483" r:id="rId12"/>
-    <p:sldId id="484" r:id="rId13"/>
-    <p:sldId id="489" r:id="rId14"/>
-    <p:sldId id="495" r:id="rId15"/>
-    <p:sldId id="514" r:id="rId16"/>
-    <p:sldId id="492" r:id="rId17"/>
-    <p:sldId id="490" r:id="rId18"/>
-    <p:sldId id="500" r:id="rId19"/>
-    <p:sldId id="504" r:id="rId20"/>
-    <p:sldId id="505" r:id="rId21"/>
-    <p:sldId id="506" r:id="rId22"/>
-    <p:sldId id="507" r:id="rId23"/>
-    <p:sldId id="494" r:id="rId24"/>
-    <p:sldId id="493" r:id="rId25"/>
-    <p:sldId id="497" r:id="rId26"/>
-    <p:sldId id="516" r:id="rId27"/>
-    <p:sldId id="517" r:id="rId28"/>
+    <p:sldId id="475" r:id="rId7"/>
+    <p:sldId id="491" r:id="rId8"/>
+    <p:sldId id="480" r:id="rId9"/>
+    <p:sldId id="481" r:id="rId10"/>
+    <p:sldId id="483" r:id="rId11"/>
+    <p:sldId id="484" r:id="rId12"/>
+    <p:sldId id="489" r:id="rId13"/>
+    <p:sldId id="495" r:id="rId14"/>
+    <p:sldId id="514" r:id="rId15"/>
+    <p:sldId id="492" r:id="rId16"/>
+    <p:sldId id="490" r:id="rId17"/>
+    <p:sldId id="500" r:id="rId18"/>
+    <p:sldId id="504" r:id="rId19"/>
+    <p:sldId id="505" r:id="rId20"/>
+    <p:sldId id="506" r:id="rId21"/>
+    <p:sldId id="507" r:id="rId22"/>
+    <p:sldId id="494" r:id="rId23"/>
+    <p:sldId id="493" r:id="rId24"/>
+    <p:sldId id="497" r:id="rId25"/>
+    <p:sldId id="516" r:id="rId26"/>
+    <p:sldId id="517" r:id="rId27"/>
+    <p:sldId id="518" r:id="rId28"/>
     <p:sldId id="501" r:id="rId29"/>
     <p:sldId id="508" r:id="rId30"/>
     <p:sldId id="511" r:id="rId31"/>
@@ -144,7 +144,7 @@
 <file path=ppt/revisionInfo.xml><?xml version="1.0" encoding="utf-8"?>
 <p1510:revInfo xmlns:a="http://schemas.openxmlformats.org/drawingml/2006/main" xmlns:r="http://schemas.openxmlformats.org/officeDocument/2006/relationships" xmlns:p1510="http://schemas.microsoft.com/office/powerpoint/2015/10/main">
   <p1510:revLst>
-    <p1510:client id="{F242522B-6172-4F94-B25D-5926311B3CF4}" v="94" dt="2025-03-31T22:07:28.311"/>
+    <p1510:client id="{F242522B-6172-4F94-B25D-5926311B3CF4}" v="96" dt="2025-03-31T22:37:07.568"/>
   </p1510:revLst>
 </p1510:revInfo>
 </file>
@@ -154,7 +154,7 @@
   <pc:docChgLst>
     <pc:chgData name="Whitney Woelmer" userId="cc1e44da-7691-4c78-aceb-77bbb5a56163" providerId="ADAL" clId="{F242522B-6172-4F94-B25D-5926311B3CF4}"/>
     <pc:docChg chg="custSel addSld delSld modSld sldOrd">
-      <pc:chgData name="Whitney Woelmer" userId="cc1e44da-7691-4c78-aceb-77bbb5a56163" providerId="ADAL" clId="{F242522B-6172-4F94-B25D-5926311B3CF4}" dt="2025-03-31T22:07:28.311" v="621" actId="47"/>
+      <pc:chgData name="Whitney Woelmer" userId="cc1e44da-7691-4c78-aceb-77bbb5a56163" providerId="ADAL" clId="{F242522B-6172-4F94-B25D-5926311B3CF4}" dt="2025-03-31T22:37:36.771" v="765" actId="313"/>
       <pc:docMkLst>
         <pc:docMk/>
       </pc:docMkLst>
@@ -206,13 +206,13 @@
         </pc:picChg>
       </pc:sldChg>
       <pc:sldChg chg="modSp mod">
-        <pc:chgData name="Whitney Woelmer" userId="cc1e44da-7691-4c78-aceb-77bbb5a56163" providerId="ADAL" clId="{F242522B-6172-4F94-B25D-5926311B3CF4}" dt="2025-03-31T21:19:47.065" v="58" actId="13926"/>
+        <pc:chgData name="Whitney Woelmer" userId="cc1e44da-7691-4c78-aceb-77bbb5a56163" providerId="ADAL" clId="{F242522B-6172-4F94-B25D-5926311B3CF4}" dt="2025-03-31T22:35:36.603" v="667" actId="20577"/>
         <pc:sldMkLst>
           <pc:docMk/>
           <pc:sldMk cId="4106393768" sldId="257"/>
         </pc:sldMkLst>
         <pc:spChg chg="mod">
-          <ac:chgData name="Whitney Woelmer" userId="cc1e44da-7691-4c78-aceb-77bbb5a56163" providerId="ADAL" clId="{F242522B-6172-4F94-B25D-5926311B3CF4}" dt="2025-03-31T21:19:47.065" v="58" actId="13926"/>
+          <ac:chgData name="Whitney Woelmer" userId="cc1e44da-7691-4c78-aceb-77bbb5a56163" providerId="ADAL" clId="{F242522B-6172-4F94-B25D-5926311B3CF4}" dt="2025-03-31T22:35:36.603" v="667" actId="20577"/>
           <ac:spMkLst>
             <pc:docMk/>
             <pc:sldMk cId="4106393768" sldId="257"/>
@@ -330,8 +330,8 @@
           </ac:picMkLst>
         </pc:picChg>
       </pc:sldChg>
-      <pc:sldChg chg="addSp delSp modSp new mod modShow">
-        <pc:chgData name="Whitney Woelmer" userId="cc1e44da-7691-4c78-aceb-77bbb5a56163" providerId="ADAL" clId="{F242522B-6172-4F94-B25D-5926311B3CF4}" dt="2025-03-31T21:55:49.122" v="195" actId="729"/>
+      <pc:sldChg chg="addSp delSp modSp new del mod modShow">
+        <pc:chgData name="Whitney Woelmer" userId="cc1e44da-7691-4c78-aceb-77bbb5a56163" providerId="ADAL" clId="{F242522B-6172-4F94-B25D-5926311B3CF4}" dt="2025-03-31T22:33:39.594" v="622" actId="47"/>
         <pc:sldMkLst>
           <pc:docMk/>
           <pc:sldMk cId="712365973" sldId="513"/>
@@ -386,7 +386,7 @@
         </pc:picChg>
       </pc:sldChg>
       <pc:sldChg chg="addSp modSp new mod modAnim">
-        <pc:chgData name="Whitney Woelmer" userId="cc1e44da-7691-4c78-aceb-77bbb5a56163" providerId="ADAL" clId="{F242522B-6172-4F94-B25D-5926311B3CF4}" dt="2025-03-31T21:59:04.901" v="240"/>
+        <pc:chgData name="Whitney Woelmer" userId="cc1e44da-7691-4c78-aceb-77bbb5a56163" providerId="ADAL" clId="{F242522B-6172-4F94-B25D-5926311B3CF4}" dt="2025-03-31T22:34:57.038" v="626"/>
         <pc:sldMkLst>
           <pc:docMk/>
           <pc:sldMk cId="536556539" sldId="514"/>
@@ -413,6 +413,14 @@
             <pc:docMk/>
             <pc:sldMk cId="536556539" sldId="514"/>
             <ac:picMk id="5" creationId="{38B40B10-3DDB-E1FA-1B86-8B03EEA3C733}"/>
+          </ac:picMkLst>
+        </pc:picChg>
+        <pc:picChg chg="add mod">
+          <ac:chgData name="Whitney Woelmer" userId="cc1e44da-7691-4c78-aceb-77bbb5a56163" providerId="ADAL" clId="{F242522B-6172-4F94-B25D-5926311B3CF4}" dt="2025-03-31T22:34:53.697" v="625" actId="1076"/>
+          <ac:picMkLst>
+            <pc:docMk/>
+            <pc:sldMk cId="536556539" sldId="514"/>
+            <ac:picMk id="6" creationId="{7E7C0B38-CF23-295F-BE84-5F0868745BB3}"/>
           </ac:picMkLst>
         </pc:picChg>
         <pc:picChg chg="add mod">
@@ -477,6 +485,29 @@
           </ac:picMkLst>
         </pc:picChg>
       </pc:sldChg>
+      <pc:sldChg chg="modSp new mod">
+        <pc:chgData name="Whitney Woelmer" userId="cc1e44da-7691-4c78-aceb-77bbb5a56163" providerId="ADAL" clId="{F242522B-6172-4F94-B25D-5926311B3CF4}" dt="2025-03-31T22:37:36.771" v="765" actId="313"/>
+        <pc:sldMkLst>
+          <pc:docMk/>
+          <pc:sldMk cId="1621439892" sldId="518"/>
+        </pc:sldMkLst>
+        <pc:spChg chg="mod">
+          <ac:chgData name="Whitney Woelmer" userId="cc1e44da-7691-4c78-aceb-77bbb5a56163" providerId="ADAL" clId="{F242522B-6172-4F94-B25D-5926311B3CF4}" dt="2025-03-31T22:37:36.771" v="765" actId="313"/>
+          <ac:spMkLst>
+            <pc:docMk/>
+            <pc:sldMk cId="1621439892" sldId="518"/>
+            <ac:spMk id="2" creationId="{A08ADA87-3EEE-5DB4-E312-14EE30A1383F}"/>
+          </ac:spMkLst>
+        </pc:spChg>
+        <pc:spChg chg="mod">
+          <ac:chgData name="Whitney Woelmer" userId="cc1e44da-7691-4c78-aceb-77bbb5a56163" providerId="ADAL" clId="{F242522B-6172-4F94-B25D-5926311B3CF4}" dt="2025-03-31T22:37:27.535" v="761" actId="20577"/>
+          <ac:spMkLst>
+            <pc:docMk/>
+            <pc:sldMk cId="1621439892" sldId="518"/>
+            <ac:spMk id="3" creationId="{34466161-D9D6-E141-9BDC-BFE98A04D640}"/>
+          </ac:spMkLst>
+        </pc:spChg>
+      </pc:sldChg>
     </pc:docChg>
   </pc:docChgLst>
 </pc:chgInfo>
@@ -631,7 +662,7 @@
           <a:p>
             <a:fld id="{34DAE4EE-2DF8-45FB-8651-0A1C8E883882}" type="datetimeFigureOut">
               <a:rPr lang="en-NZ" smtClean="0"/>
-              <a:t>31/03/2025</a:t>
+              <a:t>1/04/2025</a:t>
             </a:fld>
             <a:endParaRPr lang="en-NZ"/>
           </a:p>
@@ -831,7 +862,7 @@
           <a:p>
             <a:fld id="{34DAE4EE-2DF8-45FB-8651-0A1C8E883882}" type="datetimeFigureOut">
               <a:rPr lang="en-NZ" smtClean="0"/>
-              <a:t>31/03/2025</a:t>
+              <a:t>1/04/2025</a:t>
             </a:fld>
             <a:endParaRPr lang="en-NZ"/>
           </a:p>
@@ -1041,7 +1072,7 @@
           <a:p>
             <a:fld id="{34DAE4EE-2DF8-45FB-8651-0A1C8E883882}" type="datetimeFigureOut">
               <a:rPr lang="en-NZ" smtClean="0"/>
-              <a:t>31/03/2025</a:t>
+              <a:t>1/04/2025</a:t>
             </a:fld>
             <a:endParaRPr lang="en-NZ"/>
           </a:p>
@@ -1241,7 +1272,7 @@
           <a:p>
             <a:fld id="{34DAE4EE-2DF8-45FB-8651-0A1C8E883882}" type="datetimeFigureOut">
               <a:rPr lang="en-NZ" smtClean="0"/>
-              <a:t>31/03/2025</a:t>
+              <a:t>1/04/2025</a:t>
             </a:fld>
             <a:endParaRPr lang="en-NZ"/>
           </a:p>
@@ -1517,7 +1548,7 @@
           <a:p>
             <a:fld id="{34DAE4EE-2DF8-45FB-8651-0A1C8E883882}" type="datetimeFigureOut">
               <a:rPr lang="en-NZ" smtClean="0"/>
-              <a:t>31/03/2025</a:t>
+              <a:t>1/04/2025</a:t>
             </a:fld>
             <a:endParaRPr lang="en-NZ"/>
           </a:p>
@@ -1785,7 +1816,7 @@
           <a:p>
             <a:fld id="{34DAE4EE-2DF8-45FB-8651-0A1C8E883882}" type="datetimeFigureOut">
               <a:rPr lang="en-NZ" smtClean="0"/>
-              <a:t>31/03/2025</a:t>
+              <a:t>1/04/2025</a:t>
             </a:fld>
             <a:endParaRPr lang="en-NZ"/>
           </a:p>
@@ -2200,7 +2231,7 @@
           <a:p>
             <a:fld id="{34DAE4EE-2DF8-45FB-8651-0A1C8E883882}" type="datetimeFigureOut">
               <a:rPr lang="en-NZ" smtClean="0"/>
-              <a:t>31/03/2025</a:t>
+              <a:t>1/04/2025</a:t>
             </a:fld>
             <a:endParaRPr lang="en-NZ"/>
           </a:p>
@@ -2342,7 +2373,7 @@
           <a:p>
             <a:fld id="{34DAE4EE-2DF8-45FB-8651-0A1C8E883882}" type="datetimeFigureOut">
               <a:rPr lang="en-NZ" smtClean="0"/>
-              <a:t>31/03/2025</a:t>
+              <a:t>1/04/2025</a:t>
             </a:fld>
             <a:endParaRPr lang="en-NZ"/>
           </a:p>
@@ -2455,7 +2486,7 @@
           <a:p>
             <a:fld id="{34DAE4EE-2DF8-45FB-8651-0A1C8E883882}" type="datetimeFigureOut">
               <a:rPr lang="en-NZ" smtClean="0"/>
-              <a:t>31/03/2025</a:t>
+              <a:t>1/04/2025</a:t>
             </a:fld>
             <a:endParaRPr lang="en-NZ"/>
           </a:p>
@@ -2768,7 +2799,7 @@
           <a:p>
             <a:fld id="{34DAE4EE-2DF8-45FB-8651-0A1C8E883882}" type="datetimeFigureOut">
               <a:rPr lang="en-NZ" smtClean="0"/>
-              <a:t>31/03/2025</a:t>
+              <a:t>1/04/2025</a:t>
             </a:fld>
             <a:endParaRPr lang="en-NZ"/>
           </a:p>
@@ -3057,7 +3088,7 @@
           <a:p>
             <a:fld id="{34DAE4EE-2DF8-45FB-8651-0A1C8E883882}" type="datetimeFigureOut">
               <a:rPr lang="en-NZ" smtClean="0"/>
-              <a:t>31/03/2025</a:t>
+              <a:t>1/04/2025</a:t>
             </a:fld>
             <a:endParaRPr lang="en-NZ"/>
           </a:p>
@@ -3300,7 +3331,7 @@
           <a:p>
             <a:fld id="{34DAE4EE-2DF8-45FB-8651-0A1C8E883882}" type="datetimeFigureOut">
               <a:rPr lang="en-NZ" smtClean="0"/>
-              <a:t>31/03/2025</a:t>
+              <a:t>1/04/2025</a:t>
             </a:fld>
             <a:endParaRPr lang="en-NZ"/>
           </a:p>
@@ -3943,256 +3974,6 @@
               <a:t>Step 3: Select “New Directory” -&gt; “New Project”</a:t>
             </a:r>
           </a:p>
-        </p:txBody>
-      </p:sp>
-      <p:pic>
-        <p:nvPicPr>
-          <p:cNvPr id="5" name="Picture 4">
-            <a:extLst>
-              <a:ext uri="{FF2B5EF4-FFF2-40B4-BE49-F238E27FC236}">
-                <a16:creationId xmlns:a16="http://schemas.microsoft.com/office/drawing/2014/main" id="{091345EF-C472-73E1-EA89-1FFD558BAFEE}"/>
-              </a:ext>
-            </a:extLst>
-          </p:cNvPr>
-          <p:cNvPicPr>
-            <a:picLocks noChangeAspect="1"/>
-          </p:cNvPicPr>
-          <p:nvPr/>
-        </p:nvPicPr>
-        <p:blipFill>
-          <a:blip r:embed="rId2"/>
-          <a:stretch>
-            <a:fillRect/>
-          </a:stretch>
-        </p:blipFill>
-        <p:spPr>
-          <a:xfrm>
-            <a:off x="8384397" y="1086313"/>
-            <a:ext cx="3372321" cy="4544059"/>
-          </a:xfrm>
-          <a:prstGeom prst="rect">
-            <a:avLst/>
-          </a:prstGeom>
-        </p:spPr>
-      </p:pic>
-      <p:sp>
-        <p:nvSpPr>
-          <p:cNvPr id="6" name="Rectangle 5">
-            <a:extLst>
-              <a:ext uri="{FF2B5EF4-FFF2-40B4-BE49-F238E27FC236}">
-                <a16:creationId xmlns:a16="http://schemas.microsoft.com/office/drawing/2014/main" id="{50D6393F-3CB5-4AB4-83CA-CCEFE10F3B52}"/>
-              </a:ext>
-            </a:extLst>
-          </p:cNvPr>
-          <p:cNvSpPr/>
-          <p:nvPr/>
-        </p:nvSpPr>
-        <p:spPr>
-          <a:xfrm>
-            <a:off x="8735492" y="1952782"/>
-            <a:ext cx="1968759" cy="258992"/>
-          </a:xfrm>
-          <a:prstGeom prst="rect">
-            <a:avLst/>
-          </a:prstGeom>
-          <a:noFill/>
-          <a:ln w="28575">
-            <a:solidFill>
-              <a:srgbClr val="FF0000"/>
-            </a:solidFill>
-          </a:ln>
-        </p:spPr>
-        <p:style>
-          <a:lnRef idx="2">
-            <a:schemeClr val="accent1">
-              <a:shade val="15000"/>
-            </a:schemeClr>
-          </a:lnRef>
-          <a:fillRef idx="1">
-            <a:schemeClr val="accent1"/>
-          </a:fillRef>
-          <a:effectRef idx="0">
-            <a:schemeClr val="accent1"/>
-          </a:effectRef>
-          <a:fontRef idx="minor">
-            <a:schemeClr val="lt1"/>
-          </a:fontRef>
-        </p:style>
-        <p:txBody>
-          <a:bodyPr rtlCol="0" anchor="ctr"/>
-          <a:lstStyle/>
-          <a:p>
-            <a:pPr algn="ctr"/>
-            <a:endParaRPr lang="en-NZ"/>
-          </a:p>
-        </p:txBody>
-      </p:sp>
-      <p:pic>
-        <p:nvPicPr>
-          <p:cNvPr id="8" name="Picture 7">
-            <a:extLst>
-              <a:ext uri="{FF2B5EF4-FFF2-40B4-BE49-F238E27FC236}">
-                <a16:creationId xmlns:a16="http://schemas.microsoft.com/office/drawing/2014/main" id="{4EA98AF1-7323-55D3-F4AA-19ED812AA35E}"/>
-              </a:ext>
-            </a:extLst>
-          </p:cNvPr>
-          <p:cNvPicPr>
-            <a:picLocks noChangeAspect="1"/>
-          </p:cNvPicPr>
-          <p:nvPr/>
-        </p:nvPicPr>
-        <p:blipFill>
-          <a:blip r:embed="rId3"/>
-          <a:stretch>
-            <a:fillRect/>
-          </a:stretch>
-        </p:blipFill>
-        <p:spPr>
-          <a:xfrm>
-            <a:off x="6096000" y="1690688"/>
-            <a:ext cx="4782217" cy="3305636"/>
-          </a:xfrm>
-          <a:prstGeom prst="rect">
-            <a:avLst/>
-          </a:prstGeom>
-        </p:spPr>
-      </p:pic>
-      <p:pic>
-        <p:nvPicPr>
-          <p:cNvPr id="10" name="Picture 9">
-            <a:extLst>
-              <a:ext uri="{FF2B5EF4-FFF2-40B4-BE49-F238E27FC236}">
-                <a16:creationId xmlns:a16="http://schemas.microsoft.com/office/drawing/2014/main" id="{0D739BA2-EF2A-9C89-AF7C-8162C9C2AC4E}"/>
-              </a:ext>
-            </a:extLst>
-          </p:cNvPr>
-          <p:cNvPicPr>
-            <a:picLocks noChangeAspect="1"/>
-          </p:cNvPicPr>
-          <p:nvPr/>
-        </p:nvPicPr>
-        <p:blipFill>
-          <a:blip r:embed="rId4"/>
-          <a:stretch>
-            <a:fillRect/>
-          </a:stretch>
-        </p:blipFill>
-        <p:spPr>
-          <a:xfrm>
-            <a:off x="7116713" y="3765507"/>
-            <a:ext cx="4258269" cy="3105583"/>
-          </a:xfrm>
-          <a:prstGeom prst="rect">
-            <a:avLst/>
-          </a:prstGeom>
-        </p:spPr>
-      </p:pic>
-    </p:spTree>
-    <p:extLst>
-      <p:ext uri="{BB962C8B-B14F-4D97-AF65-F5344CB8AC3E}">
-        <p14:creationId xmlns:p14="http://schemas.microsoft.com/office/powerpoint/2010/main" val="3513143537"/>
-      </p:ext>
-    </p:extLst>
-  </p:cSld>
-  <p:clrMapOvr>
-    <a:masterClrMapping/>
-  </p:clrMapOvr>
-</p:sld>
-</file>
-
-<file path=ppt/slides/slide11.xml><?xml version="1.0" encoding="utf-8"?>
-<p:sld xmlns:a="http://schemas.openxmlformats.org/drawingml/2006/main" xmlns:r="http://schemas.openxmlformats.org/officeDocument/2006/relationships" xmlns:p="http://schemas.openxmlformats.org/presentationml/2006/main">
-  <p:cSld>
-    <p:spTree>
-      <p:nvGrpSpPr>
-        <p:cNvPr id="1" name=""/>
-        <p:cNvGrpSpPr/>
-        <p:nvPr/>
-      </p:nvGrpSpPr>
-      <p:grpSpPr>
-        <a:xfrm>
-          <a:off x="0" y="0"/>
-          <a:ext cx="0" cy="0"/>
-          <a:chOff x="0" y="0"/>
-          <a:chExt cx="0" cy="0"/>
-        </a:xfrm>
-      </p:grpSpPr>
-      <p:sp>
-        <p:nvSpPr>
-          <p:cNvPr id="2" name="Title 1">
-            <a:extLst>
-              <a:ext uri="{FF2B5EF4-FFF2-40B4-BE49-F238E27FC236}">
-                <a16:creationId xmlns:a16="http://schemas.microsoft.com/office/drawing/2014/main" id="{0E3B55EA-E157-ED47-AA45-B3CED349C012}"/>
-              </a:ext>
-            </a:extLst>
-          </p:cNvPr>
-          <p:cNvSpPr>
-            <a:spLocks noGrp="1"/>
-          </p:cNvSpPr>
-          <p:nvPr>
-            <p:ph type="title"/>
-          </p:nvPr>
-        </p:nvSpPr>
-        <p:spPr/>
-        <p:txBody>
-          <a:bodyPr/>
-          <a:lstStyle/>
-          <a:p>
-            <a:r>
-              <a:rPr lang="en-NZ"/>
-              <a:t>Setting up a “Project” in R</a:t>
-            </a:r>
-          </a:p>
-        </p:txBody>
-      </p:sp>
-      <p:sp>
-        <p:nvSpPr>
-          <p:cNvPr id="3" name="Content Placeholder 2">
-            <a:extLst>
-              <a:ext uri="{FF2B5EF4-FFF2-40B4-BE49-F238E27FC236}">
-                <a16:creationId xmlns:a16="http://schemas.microsoft.com/office/drawing/2014/main" id="{45DE22BE-2708-1BDA-02F3-278D3F163E61}"/>
-              </a:ext>
-            </a:extLst>
-          </p:cNvPr>
-          <p:cNvSpPr>
-            <a:spLocks noGrp="1"/>
-          </p:cNvSpPr>
-          <p:nvPr>
-            <p:ph idx="1"/>
-          </p:nvPr>
-        </p:nvSpPr>
-        <p:spPr>
-          <a:xfrm>
-            <a:off x="838200" y="1825625"/>
-            <a:ext cx="4876063" cy="4351338"/>
-          </a:xfrm>
-        </p:spPr>
-        <p:txBody>
-          <a:bodyPr/>
-          <a:lstStyle/>
-          <a:p>
-            <a:r>
-              <a:rPr lang="en-NZ"/>
-              <a:t>Step 1: Open RStudio</a:t>
-            </a:r>
-          </a:p>
-          <a:p>
-            <a:r>
-              <a:rPr lang="en-NZ"/>
-              <a:t>Step 2: Select “New Project” in upper right in </a:t>
-            </a:r>
-            <a:r>
-              <a:rPr lang="en-NZ" err="1"/>
-              <a:t>Rstudio</a:t>
-            </a:r>
-            <a:endParaRPr lang="en-NZ"/>
-          </a:p>
-          <a:p>
-            <a:r>
-              <a:rPr lang="en-NZ"/>
-              <a:t>Step 3: Select “New Directory” -&gt; “New Project”</a:t>
-            </a:r>
-          </a:p>
           <a:p>
             <a:r>
               <a:rPr lang="en-NZ"/>
@@ -4386,7 +4167,7 @@
 </p:sld>
 </file>
 
-<file path=ppt/slides/slide12.xml><?xml version="1.0" encoding="utf-8"?>
+<file path=ppt/slides/slide11.xml><?xml version="1.0" encoding="utf-8"?>
 <p:sld xmlns:a="http://schemas.openxmlformats.org/drawingml/2006/main" xmlns:r="http://schemas.openxmlformats.org/officeDocument/2006/relationships" xmlns:p="http://schemas.openxmlformats.org/presentationml/2006/main">
   <p:cSld>
     <p:spTree>
@@ -4738,7 +4519,7 @@
 </p:sld>
 </file>
 
-<file path=ppt/slides/slide13.xml><?xml version="1.0" encoding="utf-8"?>
+<file path=ppt/slides/slide12.xml><?xml version="1.0" encoding="utf-8"?>
 <p:sld xmlns:a="http://schemas.openxmlformats.org/drawingml/2006/main" xmlns:r="http://schemas.openxmlformats.org/officeDocument/2006/relationships" xmlns:p="http://schemas.openxmlformats.org/presentationml/2006/main">
   <p:cSld>
     <p:spTree>
@@ -4903,7 +4684,7 @@
 </p:sld>
 </file>
 
-<file path=ppt/slides/slide14.xml><?xml version="1.0" encoding="utf-8"?>
+<file path=ppt/slides/slide13.xml><?xml version="1.0" encoding="utf-8"?>
 <p:sld xmlns:a="http://schemas.openxmlformats.org/drawingml/2006/main" xmlns:r="http://schemas.openxmlformats.org/officeDocument/2006/relationships" xmlns:p="http://schemas.openxmlformats.org/presentationml/2006/main">
   <p:cSld>
     <p:spTree>
@@ -5162,7 +4943,7 @@
 </p:sld>
 </file>
 
-<file path=ppt/slides/slide15.xml><?xml version="1.0" encoding="utf-8"?>
+<file path=ppt/slides/slide14.xml><?xml version="1.0" encoding="utf-8"?>
 <p:sld xmlns:a="http://schemas.openxmlformats.org/drawingml/2006/main" xmlns:r="http://schemas.openxmlformats.org/officeDocument/2006/relationships" xmlns:p="http://schemas.openxmlformats.org/presentationml/2006/main">
   <p:cSld>
     <p:spTree>
@@ -5289,6 +5070,36 @@
           <a:xfrm>
             <a:off x="5373841" y="2295144"/>
             <a:ext cx="6528067" cy="4517136"/>
+          </a:xfrm>
+          <a:prstGeom prst="rect">
+            <a:avLst/>
+          </a:prstGeom>
+        </p:spPr>
+      </p:pic>
+      <p:pic>
+        <p:nvPicPr>
+          <p:cNvPr id="6" name="Picture 5">
+            <a:extLst>
+              <a:ext uri="{FF2B5EF4-FFF2-40B4-BE49-F238E27FC236}">
+                <a16:creationId xmlns:a16="http://schemas.microsoft.com/office/drawing/2014/main" id="{7E7C0B38-CF23-295F-BE84-5F0868745BB3}"/>
+              </a:ext>
+            </a:extLst>
+          </p:cNvPr>
+          <p:cNvPicPr>
+            <a:picLocks noChangeAspect="1"/>
+          </p:cNvPicPr>
+          <p:nvPr/>
+        </p:nvPicPr>
+        <p:blipFill>
+          <a:blip r:embed="rId4"/>
+          <a:stretch>
+            <a:fillRect/>
+          </a:stretch>
+        </p:blipFill>
+        <p:spPr>
+          <a:xfrm>
+            <a:off x="1339882" y="3839237"/>
+            <a:ext cx="7678222" cy="1428949"/>
           </a:xfrm>
           <a:prstGeom prst="rect">
             <a:avLst/>
@@ -5358,6 +5169,51 @@
                       </p:childTnLst>
                     </p:cTn>
                   </p:par>
+                  <p:par>
+                    <p:cTn id="7" fill="hold">
+                      <p:stCondLst>
+                        <p:cond delay="indefinite"/>
+                      </p:stCondLst>
+                      <p:childTnLst>
+                        <p:par>
+                          <p:cTn id="8" fill="hold">
+                            <p:stCondLst>
+                              <p:cond delay="0"/>
+                            </p:stCondLst>
+                            <p:childTnLst>
+                              <p:par>
+                                <p:cTn id="9" presetID="1" presetClass="entr" presetSubtype="0" fill="hold" nodeType="clickEffect">
+                                  <p:stCondLst>
+                                    <p:cond delay="0"/>
+                                  </p:stCondLst>
+                                  <p:childTnLst>
+                                    <p:set>
+                                      <p:cBhvr>
+                                        <p:cTn id="10" dur="1" fill="hold">
+                                          <p:stCondLst>
+                                            <p:cond delay="0"/>
+                                          </p:stCondLst>
+                                        </p:cTn>
+                                        <p:tgtEl>
+                                          <p:spTgt spid="6"/>
+                                        </p:tgtEl>
+                                        <p:attrNameLst>
+                                          <p:attrName>style.visibility</p:attrName>
+                                        </p:attrNameLst>
+                                      </p:cBhvr>
+                                      <p:to>
+                                        <p:strVal val="visible"/>
+                                      </p:to>
+                                    </p:set>
+                                  </p:childTnLst>
+                                </p:cTn>
+                              </p:par>
+                            </p:childTnLst>
+                          </p:cTn>
+                        </p:par>
+                      </p:childTnLst>
+                    </p:cTn>
+                  </p:par>
                 </p:childTnLst>
               </p:cTn>
               <p:prevCondLst>
@@ -5383,7 +5239,7 @@
 </p:sld>
 </file>
 
-<file path=ppt/slides/slide16.xml><?xml version="1.0" encoding="utf-8"?>
+<file path=ppt/slides/slide15.xml><?xml version="1.0" encoding="utf-8"?>
 <p:sld xmlns:a="http://schemas.openxmlformats.org/drawingml/2006/main" xmlns:r="http://schemas.openxmlformats.org/officeDocument/2006/relationships" xmlns:p="http://schemas.openxmlformats.org/presentationml/2006/main">
   <p:cSld>
     <p:spTree>
@@ -5527,7 +5383,7 @@
 </p:sld>
 </file>
 
-<file path=ppt/slides/slide17.xml><?xml version="1.0" encoding="utf-8"?>
+<file path=ppt/slides/slide16.xml><?xml version="1.0" encoding="utf-8"?>
 <p:sld xmlns:a="http://schemas.openxmlformats.org/drawingml/2006/main" xmlns:r="http://schemas.openxmlformats.org/officeDocument/2006/relationships" xmlns:p="http://schemas.openxmlformats.org/presentationml/2006/main">
   <p:cSld>
     <p:spTree>
@@ -6267,7 +6123,7 @@
 </p:sld>
 </file>
 
-<file path=ppt/slides/slide18.xml><?xml version="1.0" encoding="utf-8"?>
+<file path=ppt/slides/slide17.xml><?xml version="1.0" encoding="utf-8"?>
 <p:sld xmlns:a="http://schemas.openxmlformats.org/drawingml/2006/main" xmlns:r="http://schemas.openxmlformats.org/officeDocument/2006/relationships" xmlns:p="http://schemas.openxmlformats.org/presentationml/2006/main">
   <p:cSld>
     <p:spTree>
@@ -6853,7 +6709,7 @@
 </p:sld>
 </file>
 
-<file path=ppt/slides/slide19.xml><?xml version="1.0" encoding="utf-8"?>
+<file path=ppt/slides/slide18.xml><?xml version="1.0" encoding="utf-8"?>
 <p:sld xmlns:a="http://schemas.openxmlformats.org/drawingml/2006/main" xmlns:r="http://schemas.openxmlformats.org/officeDocument/2006/relationships" xmlns:p="http://schemas.openxmlformats.org/presentationml/2006/main">
   <p:cSld>
     <p:spTree>
@@ -6962,162 +6818,7 @@
 </p:sld>
 </file>
 
-<file path=ppt/slides/slide2.xml><?xml version="1.0" encoding="utf-8"?>
-<p:sld xmlns:a="http://schemas.openxmlformats.org/drawingml/2006/main" xmlns:r="http://schemas.openxmlformats.org/officeDocument/2006/relationships" xmlns:p="http://schemas.openxmlformats.org/presentationml/2006/main">
-  <p:cSld>
-    <p:spTree>
-      <p:nvGrpSpPr>
-        <p:cNvPr id="1" name=""/>
-        <p:cNvGrpSpPr/>
-        <p:nvPr/>
-      </p:nvGrpSpPr>
-      <p:grpSpPr>
-        <a:xfrm>
-          <a:off x="0" y="0"/>
-          <a:ext cx="0" cy="0"/>
-          <a:chOff x="0" y="0"/>
-          <a:chExt cx="0" cy="0"/>
-        </a:xfrm>
-      </p:grpSpPr>
-      <p:sp>
-        <p:nvSpPr>
-          <p:cNvPr id="2" name="Title 1">
-            <a:extLst>
-              <a:ext uri="{FF2B5EF4-FFF2-40B4-BE49-F238E27FC236}">
-                <a16:creationId xmlns:a16="http://schemas.microsoft.com/office/drawing/2014/main" id="{EB6A6314-C8EF-BB3E-4BD3-6690211DBFD5}"/>
-              </a:ext>
-            </a:extLst>
-          </p:cNvPr>
-          <p:cNvSpPr>
-            <a:spLocks noGrp="1"/>
-          </p:cNvSpPr>
-          <p:nvPr>
-            <p:ph type="title"/>
-          </p:nvPr>
-        </p:nvSpPr>
-        <p:spPr/>
-        <p:txBody>
-          <a:bodyPr/>
-          <a:lstStyle/>
-          <a:p>
-            <a:r>
-              <a:rPr lang="en-NZ"/>
-              <a:t>Topics</a:t>
-            </a:r>
-          </a:p>
-        </p:txBody>
-      </p:sp>
-      <p:sp>
-        <p:nvSpPr>
-          <p:cNvPr id="3" name="Content Placeholder 2">
-            <a:extLst>
-              <a:ext uri="{FF2B5EF4-FFF2-40B4-BE49-F238E27FC236}">
-                <a16:creationId xmlns:a16="http://schemas.microsoft.com/office/drawing/2014/main" id="{B19E93A5-97F5-820C-D2C2-CEDE6A204914}"/>
-              </a:ext>
-            </a:extLst>
-          </p:cNvPr>
-          <p:cNvSpPr>
-            <a:spLocks noGrp="1"/>
-          </p:cNvSpPr>
-          <p:nvPr>
-            <p:ph idx="1"/>
-          </p:nvPr>
-        </p:nvSpPr>
-        <p:spPr/>
-        <p:txBody>
-          <a:bodyPr/>
-          <a:lstStyle/>
-          <a:p>
-            <a:r>
-              <a:rPr lang="en-NZ"/>
-              <a:t>How to set up a project in R</a:t>
-            </a:r>
-          </a:p>
-          <a:p>
-            <a:pPr lvl="1"/>
-            <a:r>
-              <a:rPr lang="en-NZ"/>
-              <a:t>Relative directories</a:t>
-            </a:r>
-          </a:p>
-          <a:p>
-            <a:r>
-              <a:rPr lang="en-NZ"/>
-              <a:t>Best practices in R coding</a:t>
-            </a:r>
-          </a:p>
-          <a:p>
-            <a:r>
-              <a:rPr lang="en-NZ"/>
-              <a:t>Common questions and errors in R</a:t>
-            </a:r>
-          </a:p>
-          <a:p>
-            <a:r>
-              <a:rPr lang="en-NZ"/>
-              <a:t>Real code examples</a:t>
-            </a:r>
-          </a:p>
-          <a:p>
-            <a:pPr lvl="1"/>
-            <a:r>
-              <a:rPr lang="en-NZ">
-                <a:highlight>
-                  <a:srgbClr val="FFFF00"/>
-                </a:highlight>
-              </a:rPr>
-              <a:t>Accessing buoy and BOPRC data</a:t>
-            </a:r>
-          </a:p>
-          <a:p>
-            <a:pPr lvl="1"/>
-            <a:r>
-              <a:rPr lang="en-NZ">
-                <a:highlight>
-                  <a:srgbClr val="FFFF00"/>
-                </a:highlight>
-              </a:rPr>
-              <a:t>Visualizing a CTD profile</a:t>
-            </a:r>
-          </a:p>
-          <a:p>
-            <a:pPr lvl="1"/>
-            <a:r>
-              <a:rPr lang="en-NZ">
-                <a:highlight>
-                  <a:srgbClr val="FFFF00"/>
-                </a:highlight>
-              </a:rPr>
-              <a:t>Visualizing a time series of buoy data</a:t>
-            </a:r>
-          </a:p>
-          <a:p>
-            <a:pPr lvl="1"/>
-            <a:r>
-              <a:rPr lang="en-NZ">
-                <a:highlight>
-                  <a:srgbClr val="FFFF00"/>
-                </a:highlight>
-              </a:rPr>
-              <a:t>Calculating common limno-metrics (thermocline depth, etc.)</a:t>
-            </a:r>
-          </a:p>
-        </p:txBody>
-      </p:sp>
-    </p:spTree>
-    <p:extLst>
-      <p:ext uri="{BB962C8B-B14F-4D97-AF65-F5344CB8AC3E}">
-        <p14:creationId xmlns:p14="http://schemas.microsoft.com/office/powerpoint/2010/main" val="4106393768"/>
-      </p:ext>
-    </p:extLst>
-  </p:cSld>
-  <p:clrMapOvr>
-    <a:masterClrMapping/>
-  </p:clrMapOvr>
-</p:sld>
-</file>
-
-<file path=ppt/slides/slide20.xml><?xml version="1.0" encoding="utf-8"?>
+<file path=ppt/slides/slide19.xml><?xml version="1.0" encoding="utf-8"?>
 <p:sld xmlns:a="http://schemas.openxmlformats.org/drawingml/2006/main" xmlns:r="http://schemas.openxmlformats.org/officeDocument/2006/relationships" xmlns:p="http://schemas.openxmlformats.org/presentationml/2006/main">
   <p:cSld>
     <p:spTree>
@@ -7250,7 +6951,168 @@
 </p:sld>
 </file>
 
-<file path=ppt/slides/slide21.xml><?xml version="1.0" encoding="utf-8"?>
+<file path=ppt/slides/slide2.xml><?xml version="1.0" encoding="utf-8"?>
+<p:sld xmlns:a="http://schemas.openxmlformats.org/drawingml/2006/main" xmlns:r="http://schemas.openxmlformats.org/officeDocument/2006/relationships" xmlns:p="http://schemas.openxmlformats.org/presentationml/2006/main">
+  <p:cSld>
+    <p:spTree>
+      <p:nvGrpSpPr>
+        <p:cNvPr id="1" name=""/>
+        <p:cNvGrpSpPr/>
+        <p:nvPr/>
+      </p:nvGrpSpPr>
+      <p:grpSpPr>
+        <a:xfrm>
+          <a:off x="0" y="0"/>
+          <a:ext cx="0" cy="0"/>
+          <a:chOff x="0" y="0"/>
+          <a:chExt cx="0" cy="0"/>
+        </a:xfrm>
+      </p:grpSpPr>
+      <p:sp>
+        <p:nvSpPr>
+          <p:cNvPr id="2" name="Title 1">
+            <a:extLst>
+              <a:ext uri="{FF2B5EF4-FFF2-40B4-BE49-F238E27FC236}">
+                <a16:creationId xmlns:a16="http://schemas.microsoft.com/office/drawing/2014/main" id="{EB6A6314-C8EF-BB3E-4BD3-6690211DBFD5}"/>
+              </a:ext>
+            </a:extLst>
+          </p:cNvPr>
+          <p:cNvSpPr>
+            <a:spLocks noGrp="1"/>
+          </p:cNvSpPr>
+          <p:nvPr>
+            <p:ph type="title"/>
+          </p:nvPr>
+        </p:nvSpPr>
+        <p:spPr/>
+        <p:txBody>
+          <a:bodyPr/>
+          <a:lstStyle/>
+          <a:p>
+            <a:r>
+              <a:rPr lang="en-NZ"/>
+              <a:t>Topics</a:t>
+            </a:r>
+          </a:p>
+        </p:txBody>
+      </p:sp>
+      <p:sp>
+        <p:nvSpPr>
+          <p:cNvPr id="3" name="Content Placeholder 2">
+            <a:extLst>
+              <a:ext uri="{FF2B5EF4-FFF2-40B4-BE49-F238E27FC236}">
+                <a16:creationId xmlns:a16="http://schemas.microsoft.com/office/drawing/2014/main" id="{B19E93A5-97F5-820C-D2C2-CEDE6A204914}"/>
+              </a:ext>
+            </a:extLst>
+          </p:cNvPr>
+          <p:cNvSpPr>
+            <a:spLocks noGrp="1"/>
+          </p:cNvSpPr>
+          <p:nvPr>
+            <p:ph idx="1"/>
+          </p:nvPr>
+        </p:nvSpPr>
+        <p:spPr/>
+        <p:txBody>
+          <a:bodyPr>
+            <a:normAutofit lnSpcReduction="10000"/>
+          </a:bodyPr>
+          <a:lstStyle/>
+          <a:p>
+            <a:r>
+              <a:rPr lang="en-NZ" dirty="0"/>
+              <a:t>How to set up a project in R</a:t>
+            </a:r>
+          </a:p>
+          <a:p>
+            <a:pPr lvl="1"/>
+            <a:r>
+              <a:rPr lang="en-NZ" dirty="0"/>
+              <a:t>Relative directories</a:t>
+            </a:r>
+          </a:p>
+          <a:p>
+            <a:r>
+              <a:rPr lang="en-NZ" dirty="0"/>
+              <a:t>Best practices in R coding</a:t>
+            </a:r>
+          </a:p>
+          <a:p>
+            <a:r>
+              <a:rPr lang="en-NZ" dirty="0"/>
+              <a:t>Common questions and errors in R</a:t>
+            </a:r>
+          </a:p>
+          <a:p>
+            <a:r>
+              <a:rPr lang="en-NZ" dirty="0"/>
+              <a:t>Real code examples</a:t>
+            </a:r>
+          </a:p>
+          <a:p>
+            <a:pPr lvl="1"/>
+            <a:r>
+              <a:rPr lang="en-NZ" dirty="0"/>
+              <a:t>Install some packages</a:t>
+            </a:r>
+          </a:p>
+          <a:p>
+            <a:pPr lvl="1"/>
+            <a:r>
+              <a:rPr lang="en-NZ" dirty="0"/>
+              <a:t>Create new object in R</a:t>
+            </a:r>
+          </a:p>
+          <a:p>
+            <a:pPr lvl="1"/>
+            <a:r>
+              <a:rPr lang="en-NZ" dirty="0"/>
+              <a:t>Read in a .csv and a .</a:t>
+            </a:r>
+            <a:r>
+              <a:rPr lang="en-NZ" dirty="0" err="1"/>
+              <a:t>xls</a:t>
+            </a:r>
+            <a:r>
+              <a:rPr lang="en-NZ" dirty="0"/>
+              <a:t> file</a:t>
+            </a:r>
+          </a:p>
+          <a:p>
+            <a:pPr lvl="1"/>
+            <a:r>
+              <a:rPr lang="en-NZ" dirty="0"/>
+              <a:t>Understand the structure of a </a:t>
+            </a:r>
+            <a:r>
+              <a:rPr lang="en-NZ" dirty="0" err="1"/>
+              <a:t>dataframe</a:t>
+            </a:r>
+            <a:endParaRPr lang="en-NZ" dirty="0"/>
+          </a:p>
+          <a:p>
+            <a:pPr lvl="1"/>
+            <a:r>
+              <a:rPr lang="en-NZ" dirty="0"/>
+              <a:t>Look at help documentation for a function</a:t>
+            </a:r>
+          </a:p>
+        </p:txBody>
+      </p:sp>
+    </p:spTree>
+    <p:extLst>
+      <p:ext uri="{BB962C8B-B14F-4D97-AF65-F5344CB8AC3E}">
+        <p14:creationId xmlns:p14="http://schemas.microsoft.com/office/powerpoint/2010/main" val="4106393768"/>
+      </p:ext>
+    </p:extLst>
+  </p:cSld>
+  <p:clrMapOvr>
+    <a:masterClrMapping/>
+  </p:clrMapOvr>
+</p:sld>
+</file>
+
+<file path=ppt/slides/slide20.xml><?xml version="1.0" encoding="utf-8"?>
 <p:sld xmlns:a="http://schemas.openxmlformats.org/drawingml/2006/main" xmlns:r="http://schemas.openxmlformats.org/officeDocument/2006/relationships" xmlns:p="http://schemas.openxmlformats.org/presentationml/2006/main">
   <p:cSld>
     <p:spTree>
@@ -7741,7 +7603,7 @@
 </p:sld>
 </file>
 
-<file path=ppt/slides/slide22.xml><?xml version="1.0" encoding="utf-8"?>
+<file path=ppt/slides/slide21.xml><?xml version="1.0" encoding="utf-8"?>
 <p:sld xmlns:a="http://schemas.openxmlformats.org/drawingml/2006/main" xmlns:r="http://schemas.openxmlformats.org/officeDocument/2006/relationships" xmlns:p="http://schemas.openxmlformats.org/presentationml/2006/main">
   <p:cSld>
     <p:spTree>
@@ -7981,6 +7843,144 @@
     <p:extLst>
       <p:ext uri="{BB962C8B-B14F-4D97-AF65-F5344CB8AC3E}">
         <p14:creationId xmlns:p14="http://schemas.microsoft.com/office/powerpoint/2010/main" val="3558655378"/>
+      </p:ext>
+    </p:extLst>
+  </p:cSld>
+  <p:clrMapOvr>
+    <a:masterClrMapping/>
+  </p:clrMapOvr>
+</p:sld>
+</file>
+
+<file path=ppt/slides/slide22.xml><?xml version="1.0" encoding="utf-8"?>
+<p:sld xmlns:a="http://schemas.openxmlformats.org/drawingml/2006/main" xmlns:r="http://schemas.openxmlformats.org/officeDocument/2006/relationships" xmlns:p="http://schemas.openxmlformats.org/presentationml/2006/main">
+  <p:cSld>
+    <p:spTree>
+      <p:nvGrpSpPr>
+        <p:cNvPr id="1" name=""/>
+        <p:cNvGrpSpPr/>
+        <p:nvPr/>
+      </p:nvGrpSpPr>
+      <p:grpSpPr>
+        <a:xfrm>
+          <a:off x="0" y="0"/>
+          <a:ext cx="0" cy="0"/>
+          <a:chOff x="0" y="0"/>
+          <a:chExt cx="0" cy="0"/>
+        </a:xfrm>
+      </p:grpSpPr>
+      <p:sp>
+        <p:nvSpPr>
+          <p:cNvPr id="2" name="Title 1">
+            <a:extLst>
+              <a:ext uri="{FF2B5EF4-FFF2-40B4-BE49-F238E27FC236}">
+                <a16:creationId xmlns:a16="http://schemas.microsoft.com/office/drawing/2014/main" id="{0B0DDE12-CC47-6E02-1CD5-08A93B4D5FE9}"/>
+              </a:ext>
+            </a:extLst>
+          </p:cNvPr>
+          <p:cNvSpPr>
+            <a:spLocks noGrp="1"/>
+          </p:cNvSpPr>
+          <p:nvPr>
+            <p:ph type="title"/>
+          </p:nvPr>
+        </p:nvSpPr>
+        <p:spPr/>
+        <p:txBody>
+          <a:bodyPr/>
+          <a:lstStyle/>
+          <a:p>
+            <a:r>
+              <a:rPr lang="en-NZ"/>
+              <a:t>Useful resources</a:t>
+            </a:r>
+          </a:p>
+        </p:txBody>
+      </p:sp>
+      <p:sp>
+        <p:nvSpPr>
+          <p:cNvPr id="3" name="Content Placeholder 2">
+            <a:extLst>
+              <a:ext uri="{FF2B5EF4-FFF2-40B4-BE49-F238E27FC236}">
+                <a16:creationId xmlns:a16="http://schemas.microsoft.com/office/drawing/2014/main" id="{891D5551-6C94-DED9-2F21-C1024CFDCC13}"/>
+              </a:ext>
+            </a:extLst>
+          </p:cNvPr>
+          <p:cNvSpPr>
+            <a:spLocks noGrp="1"/>
+          </p:cNvSpPr>
+          <p:nvPr>
+            <p:ph idx="1"/>
+          </p:nvPr>
+        </p:nvSpPr>
+        <p:spPr/>
+        <p:txBody>
+          <a:bodyPr/>
+          <a:lstStyle/>
+          <a:p>
+            <a:r>
+              <a:rPr lang="en-NZ">
+                <a:hlinkClick r:id="rId2"/>
+              </a:rPr>
+              <a:t>Style guidelines in R</a:t>
+            </a:r>
+            <a:endParaRPr lang="en-NZ"/>
+          </a:p>
+          <a:p>
+            <a:r>
+              <a:rPr lang="en-NZ">
+                <a:hlinkClick r:id="rId3"/>
+              </a:rPr>
+              <a:t>Blog on project-oriented workflows</a:t>
+            </a:r>
+            <a:endParaRPr lang="en-NZ"/>
+          </a:p>
+          <a:p>
+            <a:r>
+              <a:rPr lang="en-NZ"/>
+              <a:t>ChatGPT and Google</a:t>
+            </a:r>
+          </a:p>
+          <a:p>
+            <a:pPr lvl="1"/>
+            <a:r>
+              <a:rPr lang="en-NZ">
+                <a:hlinkClick r:id="rId4"/>
+              </a:rPr>
+              <a:t>Article on suggestions for how to best utilize ChatGPT</a:t>
+            </a:r>
+            <a:endParaRPr lang="en-NZ"/>
+          </a:p>
+          <a:p>
+            <a:pPr lvl="2"/>
+            <a:r>
+              <a:rPr lang="en-NZ"/>
+              <a:t>When first starting out, if you wouldn’t be able to explain what the code is doing, try not to use it—or ask someone to help you understand</a:t>
+            </a:r>
+          </a:p>
+          <a:p>
+            <a:pPr lvl="3"/>
+            <a:r>
+              <a:rPr lang="en-NZ"/>
+              <a:t>ChatGPT will give you functions, for loops, etc. These are more advanced techniques that you will need to write yourself some day</a:t>
+            </a:r>
+          </a:p>
+          <a:p>
+            <a:r>
+              <a:rPr lang="en-NZ"/>
+              <a:t>Each other!</a:t>
+            </a:r>
+          </a:p>
+          <a:p>
+            <a:pPr lvl="3"/>
+            <a:endParaRPr lang="en-NZ"/>
+          </a:p>
+        </p:txBody>
+      </p:sp>
+    </p:spTree>
+    <p:extLst>
+      <p:ext uri="{BB962C8B-B14F-4D97-AF65-F5344CB8AC3E}">
+        <p14:creationId xmlns:p14="http://schemas.microsoft.com/office/powerpoint/2010/main" val="776326194"/>
       </p:ext>
     </p:extLst>
   </p:cSld>
@@ -8012,144 +8012,6 @@
           <p:cNvPr id="2" name="Title 1">
             <a:extLst>
               <a:ext uri="{FF2B5EF4-FFF2-40B4-BE49-F238E27FC236}">
-                <a16:creationId xmlns:a16="http://schemas.microsoft.com/office/drawing/2014/main" id="{0B0DDE12-CC47-6E02-1CD5-08A93B4D5FE9}"/>
-              </a:ext>
-            </a:extLst>
-          </p:cNvPr>
-          <p:cNvSpPr>
-            <a:spLocks noGrp="1"/>
-          </p:cNvSpPr>
-          <p:nvPr>
-            <p:ph type="title"/>
-          </p:nvPr>
-        </p:nvSpPr>
-        <p:spPr/>
-        <p:txBody>
-          <a:bodyPr/>
-          <a:lstStyle/>
-          <a:p>
-            <a:r>
-              <a:rPr lang="en-NZ"/>
-              <a:t>Useful resources</a:t>
-            </a:r>
-          </a:p>
-        </p:txBody>
-      </p:sp>
-      <p:sp>
-        <p:nvSpPr>
-          <p:cNvPr id="3" name="Content Placeholder 2">
-            <a:extLst>
-              <a:ext uri="{FF2B5EF4-FFF2-40B4-BE49-F238E27FC236}">
-                <a16:creationId xmlns:a16="http://schemas.microsoft.com/office/drawing/2014/main" id="{891D5551-6C94-DED9-2F21-C1024CFDCC13}"/>
-              </a:ext>
-            </a:extLst>
-          </p:cNvPr>
-          <p:cNvSpPr>
-            <a:spLocks noGrp="1"/>
-          </p:cNvSpPr>
-          <p:nvPr>
-            <p:ph idx="1"/>
-          </p:nvPr>
-        </p:nvSpPr>
-        <p:spPr/>
-        <p:txBody>
-          <a:bodyPr/>
-          <a:lstStyle/>
-          <a:p>
-            <a:r>
-              <a:rPr lang="en-NZ">
-                <a:hlinkClick r:id="rId2"/>
-              </a:rPr>
-              <a:t>Style guidelines in R</a:t>
-            </a:r>
-            <a:endParaRPr lang="en-NZ"/>
-          </a:p>
-          <a:p>
-            <a:r>
-              <a:rPr lang="en-NZ">
-                <a:hlinkClick r:id="rId3"/>
-              </a:rPr>
-              <a:t>Blog on project-oriented workflows</a:t>
-            </a:r>
-            <a:endParaRPr lang="en-NZ"/>
-          </a:p>
-          <a:p>
-            <a:r>
-              <a:rPr lang="en-NZ"/>
-              <a:t>ChatGPT and Google</a:t>
-            </a:r>
-          </a:p>
-          <a:p>
-            <a:pPr lvl="1"/>
-            <a:r>
-              <a:rPr lang="en-NZ">
-                <a:hlinkClick r:id="rId4"/>
-              </a:rPr>
-              <a:t>Article on suggestions for how to best utilize ChatGPT</a:t>
-            </a:r>
-            <a:endParaRPr lang="en-NZ"/>
-          </a:p>
-          <a:p>
-            <a:pPr lvl="2"/>
-            <a:r>
-              <a:rPr lang="en-NZ"/>
-              <a:t>When first starting out, if you wouldn’t be able to explain what the code is doing, try not to use it—or ask someone to help you understand</a:t>
-            </a:r>
-          </a:p>
-          <a:p>
-            <a:pPr lvl="3"/>
-            <a:r>
-              <a:rPr lang="en-NZ"/>
-              <a:t>ChatGPT will give you functions, for loops, etc. These are more advanced techniques that you will need to write yourself some day</a:t>
-            </a:r>
-          </a:p>
-          <a:p>
-            <a:r>
-              <a:rPr lang="en-NZ"/>
-              <a:t>Each other!</a:t>
-            </a:r>
-          </a:p>
-          <a:p>
-            <a:pPr lvl="3"/>
-            <a:endParaRPr lang="en-NZ"/>
-          </a:p>
-        </p:txBody>
-      </p:sp>
-    </p:spTree>
-    <p:extLst>
-      <p:ext uri="{BB962C8B-B14F-4D97-AF65-F5344CB8AC3E}">
-        <p14:creationId xmlns:p14="http://schemas.microsoft.com/office/powerpoint/2010/main" val="776326194"/>
-      </p:ext>
-    </p:extLst>
-  </p:cSld>
-  <p:clrMapOvr>
-    <a:masterClrMapping/>
-  </p:clrMapOvr>
-</p:sld>
-</file>
-
-<file path=ppt/slides/slide24.xml><?xml version="1.0" encoding="utf-8"?>
-<p:sld xmlns:a="http://schemas.openxmlformats.org/drawingml/2006/main" xmlns:r="http://schemas.openxmlformats.org/officeDocument/2006/relationships" xmlns:p="http://schemas.openxmlformats.org/presentationml/2006/main">
-  <p:cSld>
-    <p:spTree>
-      <p:nvGrpSpPr>
-        <p:cNvPr id="1" name=""/>
-        <p:cNvGrpSpPr/>
-        <p:nvPr/>
-      </p:nvGrpSpPr>
-      <p:grpSpPr>
-        <a:xfrm>
-          <a:off x="0" y="0"/>
-          <a:ext cx="0" cy="0"/>
-          <a:chOff x="0" y="0"/>
-          <a:chExt cx="0" cy="0"/>
-        </a:xfrm>
-      </p:grpSpPr>
-      <p:sp>
-        <p:nvSpPr>
-          <p:cNvPr id="2" name="Title 1">
-            <a:extLst>
-              <a:ext uri="{FF2B5EF4-FFF2-40B4-BE49-F238E27FC236}">
                 <a16:creationId xmlns:a16="http://schemas.microsoft.com/office/drawing/2014/main" id="{891D5FEC-7D39-4D40-A86D-E2A2A3BDE594}"/>
               </a:ext>
             </a:extLst>
@@ -8200,19 +8062,19 @@
               <a:buNone/>
             </a:pPr>
             <a:r>
-              <a:rPr lang="en-NZ"/>
+              <a:rPr lang="en-NZ" dirty="0"/>
               <a:t>Link here to a </a:t>
             </a:r>
             <a:r>
-              <a:rPr lang="en-NZ" err="1"/>
+              <a:rPr lang="en-NZ" dirty="0" err="1"/>
               <a:t>Github</a:t>
             </a:r>
             <a:r>
-              <a:rPr lang="en-NZ"/>
+              <a:rPr lang="en-NZ" dirty="0"/>
               <a:t> repository: </a:t>
             </a:r>
             <a:r>
-              <a:rPr lang="en-NZ">
+              <a:rPr lang="en-NZ" dirty="0">
                 <a:highlight>
                   <a:srgbClr val="FFFF00"/>
                 </a:highlight>
@@ -8226,7 +8088,7 @@
               <a:buAutoNum type="arabicPeriod"/>
             </a:pPr>
             <a:r>
-              <a:rPr lang="en-NZ"/>
+              <a:rPr lang="en-NZ" dirty="0"/>
               <a:t>Create a project using an existing directory (where you unzipped the folder)</a:t>
             </a:r>
           </a:p>
@@ -8236,43 +8098,43 @@
               <a:buAutoNum type="arabicPeriod"/>
             </a:pPr>
             <a:r>
-              <a:rPr lang="en-NZ"/>
+              <a:rPr lang="en-NZ" dirty="0"/>
               <a:t>Open the script “Lesson1_Fundamentals_of_R.R” in RStudio</a:t>
             </a:r>
           </a:p>
           <a:p>
             <a:pPr lvl="1"/>
             <a:r>
-              <a:rPr lang="en-NZ"/>
+              <a:rPr lang="en-NZ" dirty="0"/>
               <a:t>Install some packages</a:t>
             </a:r>
           </a:p>
           <a:p>
             <a:pPr lvl="1"/>
             <a:r>
-              <a:rPr lang="en-NZ"/>
+              <a:rPr lang="en-NZ" dirty="0"/>
               <a:t>Create new object in R</a:t>
             </a:r>
           </a:p>
           <a:p>
             <a:pPr lvl="1"/>
             <a:r>
-              <a:rPr lang="en-NZ"/>
+              <a:rPr lang="en-NZ" dirty="0"/>
               <a:t>Read in a .csv and a .</a:t>
             </a:r>
             <a:r>
-              <a:rPr lang="en-NZ" err="1"/>
+              <a:rPr lang="en-NZ" dirty="0" err="1"/>
               <a:t>xls</a:t>
             </a:r>
             <a:r>
-              <a:rPr lang="en-NZ"/>
+              <a:rPr lang="en-NZ" dirty="0"/>
               <a:t> file</a:t>
             </a:r>
           </a:p>
           <a:p>
             <a:pPr lvl="1"/>
             <a:r>
-              <a:rPr lang="en-NZ"/>
+              <a:rPr lang="en-NZ" dirty="0"/>
               <a:t>Look at help documentation for a function</a:t>
             </a:r>
           </a:p>
@@ -8291,7 +8153,7 @@
 </p:sld>
 </file>
 
-<file path=ppt/slides/slide25.xml><?xml version="1.0" encoding="utf-8"?>
+<file path=ppt/slides/slide24.xml><?xml version="1.0" encoding="utf-8"?>
 <p:sld xmlns:a="http://schemas.openxmlformats.org/drawingml/2006/main" xmlns:r="http://schemas.openxmlformats.org/officeDocument/2006/relationships" xmlns:p="http://schemas.openxmlformats.org/presentationml/2006/main">
   <p:cSld>
     <p:spTree>
@@ -8475,7 +8337,7 @@
 </p:sld>
 </file>
 
-<file path=ppt/slides/slide26.xml><?xml version="1.0" encoding="utf-8"?>
+<file path=ppt/slides/slide25.xml><?xml version="1.0" encoding="utf-8"?>
 <p:sld xmlns:a="http://schemas.openxmlformats.org/drawingml/2006/main" xmlns:r="http://schemas.openxmlformats.org/officeDocument/2006/relationships" xmlns:p="http://schemas.openxmlformats.org/presentationml/2006/main">
   <p:cSld>
     <p:spTree>
@@ -8777,7 +8639,7 @@
 </p:sld>
 </file>
 
-<file path=ppt/slides/slide27.xml><?xml version="1.0" encoding="utf-8"?>
+<file path=ppt/slides/slide26.xml><?xml version="1.0" encoding="utf-8"?>
 <p:sld xmlns:a="http://schemas.openxmlformats.org/drawingml/2006/main" xmlns:r="http://schemas.openxmlformats.org/officeDocument/2006/relationships" xmlns:p="http://schemas.openxmlformats.org/presentationml/2006/main">
   <p:cSld>
     <p:spTree>
@@ -8933,6 +8795,150 @@
     <p:extLst>
       <p:ext uri="{BB962C8B-B14F-4D97-AF65-F5344CB8AC3E}">
         <p14:creationId xmlns:p14="http://schemas.microsoft.com/office/powerpoint/2010/main" val="2651678924"/>
+      </p:ext>
+    </p:extLst>
+  </p:cSld>
+  <p:clrMapOvr>
+    <a:masterClrMapping/>
+  </p:clrMapOvr>
+</p:sld>
+</file>
+
+<file path=ppt/slides/slide27.xml><?xml version="1.0" encoding="utf-8"?>
+<p:sld xmlns:a="http://schemas.openxmlformats.org/drawingml/2006/main" xmlns:r="http://schemas.openxmlformats.org/officeDocument/2006/relationships" xmlns:p="http://schemas.openxmlformats.org/presentationml/2006/main">
+  <p:cSld>
+    <p:spTree>
+      <p:nvGrpSpPr>
+        <p:cNvPr id="1" name=""/>
+        <p:cNvGrpSpPr/>
+        <p:nvPr/>
+      </p:nvGrpSpPr>
+      <p:grpSpPr>
+        <a:xfrm>
+          <a:off x="0" y="0"/>
+          <a:ext cx="0" cy="0"/>
+          <a:chOff x="0" y="0"/>
+          <a:chExt cx="0" cy="0"/>
+        </a:xfrm>
+      </p:grpSpPr>
+      <p:sp>
+        <p:nvSpPr>
+          <p:cNvPr id="2" name="Title 1">
+            <a:extLst>
+              <a:ext uri="{FF2B5EF4-FFF2-40B4-BE49-F238E27FC236}">
+                <a16:creationId xmlns:a16="http://schemas.microsoft.com/office/drawing/2014/main" id="{A08ADA87-3EEE-5DB4-E312-14EE30A1383F}"/>
+              </a:ext>
+            </a:extLst>
+          </p:cNvPr>
+          <p:cNvSpPr>
+            <a:spLocks noGrp="1"/>
+          </p:cNvSpPr>
+          <p:nvPr>
+            <p:ph type="title"/>
+          </p:nvPr>
+        </p:nvSpPr>
+        <p:spPr/>
+        <p:txBody>
+          <a:bodyPr/>
+          <a:lstStyle/>
+          <a:p>
+            <a:r>
+              <a:rPr lang="en-NZ"/>
+              <a:t>Some “homework”…</a:t>
+            </a:r>
+            <a:endParaRPr lang="en-NZ" dirty="0"/>
+          </a:p>
+        </p:txBody>
+      </p:sp>
+      <p:sp>
+        <p:nvSpPr>
+          <p:cNvPr id="3" name="Content Placeholder 2">
+            <a:extLst>
+              <a:ext uri="{FF2B5EF4-FFF2-40B4-BE49-F238E27FC236}">
+                <a16:creationId xmlns:a16="http://schemas.microsoft.com/office/drawing/2014/main" id="{34466161-D9D6-E141-9BDC-BFE98A04D640}"/>
+              </a:ext>
+            </a:extLst>
+          </p:cNvPr>
+          <p:cNvSpPr>
+            <a:spLocks noGrp="1"/>
+          </p:cNvSpPr>
+          <p:nvPr>
+            <p:ph idx="1"/>
+          </p:nvPr>
+        </p:nvSpPr>
+        <p:spPr/>
+        <p:txBody>
+          <a:bodyPr/>
+          <a:lstStyle/>
+          <a:p>
+            <a:r>
+              <a:rPr lang="en-NZ" dirty="0"/>
+              <a:t>Download Lesson 2 (LINK) and create a project in R</a:t>
+            </a:r>
+          </a:p>
+          <a:p>
+            <a:endParaRPr lang="en-NZ" dirty="0"/>
+          </a:p>
+          <a:p>
+            <a:r>
+              <a:rPr lang="en-NZ" dirty="0"/>
+              <a:t>Run </a:t>
+            </a:r>
+            <a:r>
+              <a:rPr lang="en-NZ" dirty="0">
+                <a:latin typeface="Aptos (Body)"/>
+              </a:rPr>
+              <a:t>through </a:t>
+            </a:r>
+            <a:r>
+              <a:rPr lang="en-NZ" kern="100" dirty="0">
+                <a:effectLst/>
+                <a:latin typeface="Aptos (Body)"/>
+                <a:ea typeface="Aptos" panose="020B0004020202020204" pitchFamily="34" charset="0"/>
+                <a:cs typeface="Times New Roman" panose="02020603050405020304" pitchFamily="18" charset="0"/>
+              </a:rPr>
+              <a:t>Data Carpentries, Data analysis and visualization in R for Ecologists: </a:t>
+            </a:r>
+            <a:r>
+              <a:rPr lang="en-NZ" u="sng" kern="100" dirty="0">
+                <a:solidFill>
+                  <a:srgbClr val="467886"/>
+                </a:solidFill>
+                <a:effectLst/>
+                <a:latin typeface="Aptos (Body)"/>
+                <a:ea typeface="Aptos" panose="020B0004020202020204" pitchFamily="34" charset="0"/>
+                <a:cs typeface="Times New Roman" panose="02020603050405020304" pitchFamily="18" charset="0"/>
+                <a:hlinkClick r:id="rId2"/>
+              </a:rPr>
+              <a:t>https://datacarpentry.org/R-ecology-lesson/index.html</a:t>
+            </a:r>
+            <a:endParaRPr lang="en-NZ" u="sng" kern="100" dirty="0">
+              <a:solidFill>
+                <a:srgbClr val="467886"/>
+              </a:solidFill>
+              <a:effectLst/>
+              <a:latin typeface="Aptos (Body)"/>
+              <a:ea typeface="Aptos" panose="020B0004020202020204" pitchFamily="34" charset="0"/>
+              <a:cs typeface="Times New Roman" panose="02020603050405020304" pitchFamily="18" charset="0"/>
+            </a:endParaRPr>
+          </a:p>
+          <a:p>
+            <a:endParaRPr lang="en-NZ" kern="100" dirty="0">
+              <a:effectLst/>
+              <a:latin typeface="Aptos (Body)"/>
+              <a:ea typeface="Aptos" panose="020B0004020202020204" pitchFamily="34" charset="0"/>
+              <a:cs typeface="Times New Roman" panose="02020603050405020304" pitchFamily="18" charset="0"/>
+            </a:endParaRPr>
+          </a:p>
+          <a:p>
+            <a:endParaRPr lang="en-NZ" dirty="0"/>
+          </a:p>
+        </p:txBody>
+      </p:sp>
+    </p:spTree>
+    <p:extLst>
+      <p:ext uri="{BB962C8B-B14F-4D97-AF65-F5344CB8AC3E}">
+        <p14:creationId xmlns:p14="http://schemas.microsoft.com/office/powerpoint/2010/main" val="1621439892"/>
       </p:ext>
     </p:extLst>
   </p:cSld>
@@ -9983,247 +9989,6 @@
 </file>
 
 <file path=ppt/slides/slide6.xml><?xml version="1.0" encoding="utf-8"?>
-<p:sld xmlns:a="http://schemas.openxmlformats.org/drawingml/2006/main" xmlns:r="http://schemas.openxmlformats.org/officeDocument/2006/relationships" xmlns:p="http://schemas.openxmlformats.org/presentationml/2006/main" show="0">
-  <p:cSld>
-    <p:spTree>
-      <p:nvGrpSpPr>
-        <p:cNvPr id="1" name=""/>
-        <p:cNvGrpSpPr/>
-        <p:nvPr/>
-      </p:nvGrpSpPr>
-      <p:grpSpPr>
-        <a:xfrm>
-          <a:off x="0" y="0"/>
-          <a:ext cx="0" cy="0"/>
-          <a:chOff x="0" y="0"/>
-          <a:chExt cx="0" cy="0"/>
-        </a:xfrm>
-      </p:grpSpPr>
-      <p:sp>
-        <p:nvSpPr>
-          <p:cNvPr id="2" name="Title 1">
-            <a:extLst>
-              <a:ext uri="{FF2B5EF4-FFF2-40B4-BE49-F238E27FC236}">
-                <a16:creationId xmlns:a16="http://schemas.microsoft.com/office/drawing/2014/main" id="{3B16057D-C52D-61AE-1684-E59F4B87C718}"/>
-              </a:ext>
-            </a:extLst>
-          </p:cNvPr>
-          <p:cNvSpPr>
-            <a:spLocks noGrp="1"/>
-          </p:cNvSpPr>
-          <p:nvPr>
-            <p:ph type="title"/>
-          </p:nvPr>
-        </p:nvSpPr>
-        <p:spPr/>
-        <p:txBody>
-          <a:bodyPr/>
-          <a:lstStyle/>
-          <a:p>
-            <a:endParaRPr lang="en-NZ"/>
-          </a:p>
-        </p:txBody>
-      </p:sp>
-      <p:pic>
-        <p:nvPicPr>
-          <p:cNvPr id="6" name="Picture 5">
-            <a:extLst>
-              <a:ext uri="{FF2B5EF4-FFF2-40B4-BE49-F238E27FC236}">
-                <a16:creationId xmlns:a16="http://schemas.microsoft.com/office/drawing/2014/main" id="{1CC0281B-1A6F-B1A9-B72D-3DDA9DF09DD9}"/>
-              </a:ext>
-            </a:extLst>
-          </p:cNvPr>
-          <p:cNvPicPr>
-            <a:picLocks noChangeAspect="1"/>
-          </p:cNvPicPr>
-          <p:nvPr/>
-        </p:nvPicPr>
-        <p:blipFill>
-          <a:blip r:embed="rId2"/>
-          <a:stretch>
-            <a:fillRect/>
-          </a:stretch>
-        </p:blipFill>
-        <p:spPr>
-          <a:xfrm>
-            <a:off x="0" y="140410"/>
-            <a:ext cx="12192000" cy="6577179"/>
-          </a:xfrm>
-          <a:prstGeom prst="rect">
-            <a:avLst/>
-          </a:prstGeom>
-        </p:spPr>
-      </p:pic>
-      <p:sp>
-        <p:nvSpPr>
-          <p:cNvPr id="7" name="TextBox 6">
-            <a:extLst>
-              <a:ext uri="{FF2B5EF4-FFF2-40B4-BE49-F238E27FC236}">
-                <a16:creationId xmlns:a16="http://schemas.microsoft.com/office/drawing/2014/main" id="{0FD23F49-1082-C115-2DF0-28C8933EDFFB}"/>
-              </a:ext>
-            </a:extLst>
-          </p:cNvPr>
-          <p:cNvSpPr txBox="1"/>
-          <p:nvPr/>
-        </p:nvSpPr>
-        <p:spPr>
-          <a:xfrm>
-            <a:off x="385011" y="1321356"/>
-            <a:ext cx="2011680" cy="369332"/>
-          </a:xfrm>
-          <a:prstGeom prst="rect">
-            <a:avLst/>
-          </a:prstGeom>
-          <a:solidFill>
-            <a:srgbClr val="FFFFFF">
-              <a:alpha val="74902"/>
-            </a:srgbClr>
-          </a:solidFill>
-        </p:spPr>
-        <p:txBody>
-          <a:bodyPr wrap="square" rtlCol="0">
-            <a:spAutoFit/>
-          </a:bodyPr>
-          <a:lstStyle/>
-          <a:p>
-            <a:r>
-              <a:rPr lang="en-NZ"/>
-              <a:t>1. Source code</a:t>
-            </a:r>
-          </a:p>
-        </p:txBody>
-      </p:sp>
-      <p:sp>
-        <p:nvSpPr>
-          <p:cNvPr id="8" name="TextBox 7">
-            <a:extLst>
-              <a:ext uri="{FF2B5EF4-FFF2-40B4-BE49-F238E27FC236}">
-                <a16:creationId xmlns:a16="http://schemas.microsoft.com/office/drawing/2014/main" id="{B79CC015-089B-37B2-9752-ECAAB79A06DE}"/>
-              </a:ext>
-            </a:extLst>
-          </p:cNvPr>
-          <p:cNvSpPr txBox="1"/>
-          <p:nvPr/>
-        </p:nvSpPr>
-        <p:spPr>
-          <a:xfrm>
-            <a:off x="199083" y="4719876"/>
-            <a:ext cx="2011680" cy="369332"/>
-          </a:xfrm>
-          <a:prstGeom prst="rect">
-            <a:avLst/>
-          </a:prstGeom>
-          <a:solidFill>
-            <a:srgbClr val="FFFFFF">
-              <a:alpha val="74902"/>
-            </a:srgbClr>
-          </a:solidFill>
-        </p:spPr>
-        <p:txBody>
-          <a:bodyPr wrap="square" rtlCol="0">
-            <a:spAutoFit/>
-          </a:bodyPr>
-          <a:lstStyle/>
-          <a:p>
-            <a:r>
-              <a:rPr lang="en-NZ"/>
-              <a:t>2. Console</a:t>
-            </a:r>
-          </a:p>
-        </p:txBody>
-      </p:sp>
-      <p:sp>
-        <p:nvSpPr>
-          <p:cNvPr id="9" name="TextBox 8">
-            <a:extLst>
-              <a:ext uri="{FF2B5EF4-FFF2-40B4-BE49-F238E27FC236}">
-                <a16:creationId xmlns:a16="http://schemas.microsoft.com/office/drawing/2014/main" id="{3053335F-5D3A-0CB4-1565-B68805A3E428}"/>
-              </a:ext>
-            </a:extLst>
-          </p:cNvPr>
-          <p:cNvSpPr txBox="1"/>
-          <p:nvPr/>
-        </p:nvSpPr>
-        <p:spPr>
-          <a:xfrm>
-            <a:off x="8087307" y="2138220"/>
-            <a:ext cx="1843078" cy="369332"/>
-          </a:xfrm>
-          <a:prstGeom prst="rect">
-            <a:avLst/>
-          </a:prstGeom>
-          <a:solidFill>
-            <a:srgbClr val="FFFFFF">
-              <a:alpha val="74902"/>
-            </a:srgbClr>
-          </a:solidFill>
-        </p:spPr>
-        <p:txBody>
-          <a:bodyPr wrap="square" rtlCol="0">
-            <a:spAutoFit/>
-          </a:bodyPr>
-          <a:lstStyle/>
-          <a:p>
-            <a:r>
-              <a:rPr lang="en-NZ"/>
-              <a:t>3. Environment</a:t>
-            </a:r>
-          </a:p>
-        </p:txBody>
-      </p:sp>
-      <p:sp>
-        <p:nvSpPr>
-          <p:cNvPr id="10" name="TextBox 9">
-            <a:extLst>
-              <a:ext uri="{FF2B5EF4-FFF2-40B4-BE49-F238E27FC236}">
-                <a16:creationId xmlns:a16="http://schemas.microsoft.com/office/drawing/2014/main" id="{0FD77982-DACB-899F-CC4B-651E727591C7}"/>
-              </a:ext>
-            </a:extLst>
-          </p:cNvPr>
-          <p:cNvSpPr txBox="1"/>
-          <p:nvPr/>
-        </p:nvSpPr>
-        <p:spPr>
-          <a:xfrm>
-            <a:off x="7910522" y="4165783"/>
-            <a:ext cx="3443277" cy="646331"/>
-          </a:xfrm>
-          <a:prstGeom prst="rect">
-            <a:avLst/>
-          </a:prstGeom>
-          <a:solidFill>
-            <a:srgbClr val="FFFFFF">
-              <a:alpha val="74902"/>
-            </a:srgbClr>
-          </a:solidFill>
-        </p:spPr>
-        <p:txBody>
-          <a:bodyPr wrap="square" rtlCol="0">
-            <a:spAutoFit/>
-          </a:bodyPr>
-          <a:lstStyle/>
-          <a:p>
-            <a:r>
-              <a:rPr lang="en-NZ"/>
-              <a:t>4. Files/Plots/Packages/Help documentation</a:t>
-            </a:r>
-          </a:p>
-        </p:txBody>
-      </p:sp>
-    </p:spTree>
-    <p:extLst>
-      <p:ext uri="{BB962C8B-B14F-4D97-AF65-F5344CB8AC3E}">
-        <p14:creationId xmlns:p14="http://schemas.microsoft.com/office/powerpoint/2010/main" val="712365973"/>
-      </p:ext>
-    </p:extLst>
-  </p:cSld>
-  <p:clrMapOvr>
-    <a:masterClrMapping/>
-  </p:clrMapOvr>
-</p:sld>
-</file>
-
-<file path=ppt/slides/slide7.xml><?xml version="1.0" encoding="utf-8"?>
 <p:sld xmlns:a="http://schemas.openxmlformats.org/drawingml/2006/main" xmlns:r="http://schemas.openxmlformats.org/officeDocument/2006/relationships" xmlns:p="http://schemas.openxmlformats.org/presentationml/2006/main">
   <p:cSld>
     <p:spTree>
@@ -10478,7 +10243,7 @@
 </p:sld>
 </file>
 
-<file path=ppt/slides/slide8.xml><?xml version="1.0" encoding="utf-8"?>
+<file path=ppt/slides/slide7.xml><?xml version="1.0" encoding="utf-8"?>
 <p:sld xmlns:a="http://schemas.openxmlformats.org/drawingml/2006/main" xmlns:r="http://schemas.openxmlformats.org/officeDocument/2006/relationships" xmlns:p="http://schemas.openxmlformats.org/presentationml/2006/main">
   <p:cSld>
     <p:spTree>
@@ -10828,7 +10593,7 @@
 </p:sld>
 </file>
 
-<file path=ppt/slides/slide9.xml><?xml version="1.0" encoding="utf-8"?>
+<file path=ppt/slides/slide8.xml><?xml version="1.0" encoding="utf-8"?>
 <p:sld xmlns:a="http://schemas.openxmlformats.org/drawingml/2006/main" xmlns:r="http://schemas.openxmlformats.org/officeDocument/2006/relationships" xmlns:p="http://schemas.openxmlformats.org/presentationml/2006/main">
   <p:cSld>
     <p:spTree>
@@ -11003,6 +10768,256 @@
     <p:extLst>
       <p:ext uri="{BB962C8B-B14F-4D97-AF65-F5344CB8AC3E}">
         <p14:creationId xmlns:p14="http://schemas.microsoft.com/office/powerpoint/2010/main" val="1747411298"/>
+      </p:ext>
+    </p:extLst>
+  </p:cSld>
+  <p:clrMapOvr>
+    <a:masterClrMapping/>
+  </p:clrMapOvr>
+</p:sld>
+</file>
+
+<file path=ppt/slides/slide9.xml><?xml version="1.0" encoding="utf-8"?>
+<p:sld xmlns:a="http://schemas.openxmlformats.org/drawingml/2006/main" xmlns:r="http://schemas.openxmlformats.org/officeDocument/2006/relationships" xmlns:p="http://schemas.openxmlformats.org/presentationml/2006/main">
+  <p:cSld>
+    <p:spTree>
+      <p:nvGrpSpPr>
+        <p:cNvPr id="1" name=""/>
+        <p:cNvGrpSpPr/>
+        <p:nvPr/>
+      </p:nvGrpSpPr>
+      <p:grpSpPr>
+        <a:xfrm>
+          <a:off x="0" y="0"/>
+          <a:ext cx="0" cy="0"/>
+          <a:chOff x="0" y="0"/>
+          <a:chExt cx="0" cy="0"/>
+        </a:xfrm>
+      </p:grpSpPr>
+      <p:sp>
+        <p:nvSpPr>
+          <p:cNvPr id="2" name="Title 1">
+            <a:extLst>
+              <a:ext uri="{FF2B5EF4-FFF2-40B4-BE49-F238E27FC236}">
+                <a16:creationId xmlns:a16="http://schemas.microsoft.com/office/drawing/2014/main" id="{0E3B55EA-E157-ED47-AA45-B3CED349C012}"/>
+              </a:ext>
+            </a:extLst>
+          </p:cNvPr>
+          <p:cNvSpPr>
+            <a:spLocks noGrp="1"/>
+          </p:cNvSpPr>
+          <p:nvPr>
+            <p:ph type="title"/>
+          </p:nvPr>
+        </p:nvSpPr>
+        <p:spPr/>
+        <p:txBody>
+          <a:bodyPr/>
+          <a:lstStyle/>
+          <a:p>
+            <a:r>
+              <a:rPr lang="en-NZ"/>
+              <a:t>Setting up a “Project” in R</a:t>
+            </a:r>
+          </a:p>
+        </p:txBody>
+      </p:sp>
+      <p:sp>
+        <p:nvSpPr>
+          <p:cNvPr id="3" name="Content Placeholder 2">
+            <a:extLst>
+              <a:ext uri="{FF2B5EF4-FFF2-40B4-BE49-F238E27FC236}">
+                <a16:creationId xmlns:a16="http://schemas.microsoft.com/office/drawing/2014/main" id="{45DE22BE-2708-1BDA-02F3-278D3F163E61}"/>
+              </a:ext>
+            </a:extLst>
+          </p:cNvPr>
+          <p:cNvSpPr>
+            <a:spLocks noGrp="1"/>
+          </p:cNvSpPr>
+          <p:nvPr>
+            <p:ph idx="1"/>
+          </p:nvPr>
+        </p:nvSpPr>
+        <p:spPr>
+          <a:xfrm>
+            <a:off x="838200" y="1825625"/>
+            <a:ext cx="4876063" cy="4351338"/>
+          </a:xfrm>
+        </p:spPr>
+        <p:txBody>
+          <a:bodyPr/>
+          <a:lstStyle/>
+          <a:p>
+            <a:r>
+              <a:rPr lang="en-NZ"/>
+              <a:t>Step 1: Open RStudio</a:t>
+            </a:r>
+          </a:p>
+          <a:p>
+            <a:r>
+              <a:rPr lang="en-NZ"/>
+              <a:t>Step 2: Select “New Project” in upper right in </a:t>
+            </a:r>
+            <a:r>
+              <a:rPr lang="en-NZ" err="1"/>
+              <a:t>Rstudio</a:t>
+            </a:r>
+            <a:endParaRPr lang="en-NZ"/>
+          </a:p>
+          <a:p>
+            <a:r>
+              <a:rPr lang="en-NZ"/>
+              <a:t>Step 3: Select “New Directory” -&gt; “New Project”</a:t>
+            </a:r>
+          </a:p>
+        </p:txBody>
+      </p:sp>
+      <p:pic>
+        <p:nvPicPr>
+          <p:cNvPr id="5" name="Picture 4">
+            <a:extLst>
+              <a:ext uri="{FF2B5EF4-FFF2-40B4-BE49-F238E27FC236}">
+                <a16:creationId xmlns:a16="http://schemas.microsoft.com/office/drawing/2014/main" id="{091345EF-C472-73E1-EA89-1FFD558BAFEE}"/>
+              </a:ext>
+            </a:extLst>
+          </p:cNvPr>
+          <p:cNvPicPr>
+            <a:picLocks noChangeAspect="1"/>
+          </p:cNvPicPr>
+          <p:nvPr/>
+        </p:nvPicPr>
+        <p:blipFill>
+          <a:blip r:embed="rId2"/>
+          <a:stretch>
+            <a:fillRect/>
+          </a:stretch>
+        </p:blipFill>
+        <p:spPr>
+          <a:xfrm>
+            <a:off x="8384397" y="1086313"/>
+            <a:ext cx="3372321" cy="4544059"/>
+          </a:xfrm>
+          <a:prstGeom prst="rect">
+            <a:avLst/>
+          </a:prstGeom>
+        </p:spPr>
+      </p:pic>
+      <p:sp>
+        <p:nvSpPr>
+          <p:cNvPr id="6" name="Rectangle 5">
+            <a:extLst>
+              <a:ext uri="{FF2B5EF4-FFF2-40B4-BE49-F238E27FC236}">
+                <a16:creationId xmlns:a16="http://schemas.microsoft.com/office/drawing/2014/main" id="{50D6393F-3CB5-4AB4-83CA-CCEFE10F3B52}"/>
+              </a:ext>
+            </a:extLst>
+          </p:cNvPr>
+          <p:cNvSpPr/>
+          <p:nvPr/>
+        </p:nvSpPr>
+        <p:spPr>
+          <a:xfrm>
+            <a:off x="8735492" y="1952782"/>
+            <a:ext cx="1968759" cy="258992"/>
+          </a:xfrm>
+          <a:prstGeom prst="rect">
+            <a:avLst/>
+          </a:prstGeom>
+          <a:noFill/>
+          <a:ln w="28575">
+            <a:solidFill>
+              <a:srgbClr val="FF0000"/>
+            </a:solidFill>
+          </a:ln>
+        </p:spPr>
+        <p:style>
+          <a:lnRef idx="2">
+            <a:schemeClr val="accent1">
+              <a:shade val="15000"/>
+            </a:schemeClr>
+          </a:lnRef>
+          <a:fillRef idx="1">
+            <a:schemeClr val="accent1"/>
+          </a:fillRef>
+          <a:effectRef idx="0">
+            <a:schemeClr val="accent1"/>
+          </a:effectRef>
+          <a:fontRef idx="minor">
+            <a:schemeClr val="lt1"/>
+          </a:fontRef>
+        </p:style>
+        <p:txBody>
+          <a:bodyPr rtlCol="0" anchor="ctr"/>
+          <a:lstStyle/>
+          <a:p>
+            <a:pPr algn="ctr"/>
+            <a:endParaRPr lang="en-NZ"/>
+          </a:p>
+        </p:txBody>
+      </p:sp>
+      <p:pic>
+        <p:nvPicPr>
+          <p:cNvPr id="8" name="Picture 7">
+            <a:extLst>
+              <a:ext uri="{FF2B5EF4-FFF2-40B4-BE49-F238E27FC236}">
+                <a16:creationId xmlns:a16="http://schemas.microsoft.com/office/drawing/2014/main" id="{4EA98AF1-7323-55D3-F4AA-19ED812AA35E}"/>
+              </a:ext>
+            </a:extLst>
+          </p:cNvPr>
+          <p:cNvPicPr>
+            <a:picLocks noChangeAspect="1"/>
+          </p:cNvPicPr>
+          <p:nvPr/>
+        </p:nvPicPr>
+        <p:blipFill>
+          <a:blip r:embed="rId3"/>
+          <a:stretch>
+            <a:fillRect/>
+          </a:stretch>
+        </p:blipFill>
+        <p:spPr>
+          <a:xfrm>
+            <a:off x="6096000" y="1690688"/>
+            <a:ext cx="4782217" cy="3305636"/>
+          </a:xfrm>
+          <a:prstGeom prst="rect">
+            <a:avLst/>
+          </a:prstGeom>
+        </p:spPr>
+      </p:pic>
+      <p:pic>
+        <p:nvPicPr>
+          <p:cNvPr id="10" name="Picture 9">
+            <a:extLst>
+              <a:ext uri="{FF2B5EF4-FFF2-40B4-BE49-F238E27FC236}">
+                <a16:creationId xmlns:a16="http://schemas.microsoft.com/office/drawing/2014/main" id="{0D739BA2-EF2A-9C89-AF7C-8162C9C2AC4E}"/>
+              </a:ext>
+            </a:extLst>
+          </p:cNvPr>
+          <p:cNvPicPr>
+            <a:picLocks noChangeAspect="1"/>
+          </p:cNvPicPr>
+          <p:nvPr/>
+        </p:nvPicPr>
+        <p:blipFill>
+          <a:blip r:embed="rId4"/>
+          <a:stretch>
+            <a:fillRect/>
+          </a:stretch>
+        </p:blipFill>
+        <p:spPr>
+          <a:xfrm>
+            <a:off x="7116713" y="3765507"/>
+            <a:ext cx="4258269" cy="3105583"/>
+          </a:xfrm>
+          <a:prstGeom prst="rect">
+            <a:avLst/>
+          </a:prstGeom>
+        </p:spPr>
+      </p:pic>
+    </p:spTree>
+    <p:extLst>
+      <p:ext uri="{BB962C8B-B14F-4D97-AF65-F5344CB8AC3E}">
+        <p14:creationId xmlns:p14="http://schemas.microsoft.com/office/powerpoint/2010/main" val="3513143537"/>
       </p:ext>
     </p:extLst>
   </p:cSld>

--- a/Introduction to R Workshop 1.pptx
+++ b/Introduction to R Workshop 1.pptx
@@ -8,33 +8,41 @@
     <p:sldId id="256" r:id="rId2"/>
     <p:sldId id="257" r:id="rId3"/>
     <p:sldId id="510" r:id="rId4"/>
-    <p:sldId id="258" r:id="rId5"/>
-    <p:sldId id="259" r:id="rId6"/>
-    <p:sldId id="475" r:id="rId7"/>
-    <p:sldId id="491" r:id="rId8"/>
-    <p:sldId id="480" r:id="rId9"/>
-    <p:sldId id="481" r:id="rId10"/>
-    <p:sldId id="483" r:id="rId11"/>
-    <p:sldId id="484" r:id="rId12"/>
-    <p:sldId id="489" r:id="rId13"/>
-    <p:sldId id="495" r:id="rId14"/>
-    <p:sldId id="514" r:id="rId15"/>
-    <p:sldId id="492" r:id="rId16"/>
-    <p:sldId id="490" r:id="rId17"/>
-    <p:sldId id="500" r:id="rId18"/>
-    <p:sldId id="504" r:id="rId19"/>
-    <p:sldId id="505" r:id="rId20"/>
-    <p:sldId id="506" r:id="rId21"/>
-    <p:sldId id="507" r:id="rId22"/>
-    <p:sldId id="494" r:id="rId23"/>
-    <p:sldId id="493" r:id="rId24"/>
-    <p:sldId id="497" r:id="rId25"/>
-    <p:sldId id="516" r:id="rId26"/>
-    <p:sldId id="517" r:id="rId27"/>
-    <p:sldId id="518" r:id="rId28"/>
-    <p:sldId id="501" r:id="rId29"/>
-    <p:sldId id="508" r:id="rId30"/>
-    <p:sldId id="511" r:id="rId31"/>
+    <p:sldId id="520" r:id="rId5"/>
+    <p:sldId id="521" r:id="rId6"/>
+    <p:sldId id="522" r:id="rId7"/>
+    <p:sldId id="524" r:id="rId8"/>
+    <p:sldId id="525" r:id="rId9"/>
+    <p:sldId id="527" r:id="rId10"/>
+    <p:sldId id="526" r:id="rId11"/>
+    <p:sldId id="528" r:id="rId12"/>
+    <p:sldId id="529" r:id="rId13"/>
+    <p:sldId id="532" r:id="rId14"/>
+    <p:sldId id="533" r:id="rId15"/>
+    <p:sldId id="534" r:id="rId16"/>
+    <p:sldId id="535" r:id="rId17"/>
+    <p:sldId id="536" r:id="rId18"/>
+    <p:sldId id="490" r:id="rId19"/>
+    <p:sldId id="491" r:id="rId20"/>
+    <p:sldId id="495" r:id="rId21"/>
+    <p:sldId id="514" r:id="rId22"/>
+    <p:sldId id="492" r:id="rId23"/>
+    <p:sldId id="500" r:id="rId24"/>
+    <p:sldId id="504" r:id="rId25"/>
+    <p:sldId id="505" r:id="rId26"/>
+    <p:sldId id="506" r:id="rId27"/>
+    <p:sldId id="507" r:id="rId28"/>
+    <p:sldId id="494" r:id="rId29"/>
+    <p:sldId id="493" r:id="rId30"/>
+    <p:sldId id="531" r:id="rId31"/>
+    <p:sldId id="497" r:id="rId32"/>
+    <p:sldId id="516" r:id="rId33"/>
+    <p:sldId id="517" r:id="rId34"/>
+    <p:sldId id="519" r:id="rId35"/>
+    <p:sldId id="518" r:id="rId36"/>
+    <p:sldId id="501" r:id="rId37"/>
+    <p:sldId id="508" r:id="rId38"/>
+    <p:sldId id="511" r:id="rId39"/>
   </p:sldIdLst>
   <p:sldSz cx="12192000" cy="6858000"/>
   <p:notesSz cx="6858000" cy="9144000"/>
@@ -144,7 +152,7 @@
 <file path=ppt/revisionInfo.xml><?xml version="1.0" encoding="utf-8"?>
 <p1510:revInfo xmlns:a="http://schemas.openxmlformats.org/drawingml/2006/main" xmlns:r="http://schemas.openxmlformats.org/officeDocument/2006/relationships" xmlns:p1510="http://schemas.microsoft.com/office/powerpoint/2015/10/main">
   <p1510:revLst>
-    <p1510:client id="{F242522B-6172-4F94-B25D-5926311B3CF4}" v="96" dt="2025-03-31T22:37:07.568"/>
+    <p1510:client id="{F242522B-6172-4F94-B25D-5926311B3CF4}" v="230" dt="2025-04-24T02:14:30.130"/>
   </p1510:revLst>
 </p1510:revInfo>
 </file>
@@ -153,13 +161,13 @@
 <pc:chgInfo xmlns:a="http://schemas.openxmlformats.org/drawingml/2006/main" xmlns:r="http://schemas.openxmlformats.org/officeDocument/2006/relationships" xmlns:ac="http://schemas.microsoft.com/office/drawing/2013/main/command" xmlns:pc="http://schemas.microsoft.com/office/powerpoint/2013/main/command">
   <pc:docChgLst>
     <pc:chgData name="Whitney Woelmer" userId="cc1e44da-7691-4c78-aceb-77bbb5a56163" providerId="ADAL" clId="{F242522B-6172-4F94-B25D-5926311B3CF4}"/>
-    <pc:docChg chg="custSel addSld delSld modSld sldOrd">
-      <pc:chgData name="Whitney Woelmer" userId="cc1e44da-7691-4c78-aceb-77bbb5a56163" providerId="ADAL" clId="{F242522B-6172-4F94-B25D-5926311B3CF4}" dt="2025-03-31T22:37:36.771" v="765" actId="313"/>
+    <pc:docChg chg="undo custSel addSld delSld modSld sldOrd">
+      <pc:chgData name="Whitney Woelmer" userId="cc1e44da-7691-4c78-aceb-77bbb5a56163" providerId="ADAL" clId="{F242522B-6172-4F94-B25D-5926311B3CF4}" dt="2025-04-24T02:15:09.734" v="5059" actId="20577"/>
       <pc:docMkLst>
         <pc:docMk/>
       </pc:docMkLst>
       <pc:sldChg chg="addSp delSp modSp mod">
-        <pc:chgData name="Whitney Woelmer" userId="cc1e44da-7691-4c78-aceb-77bbb5a56163" providerId="ADAL" clId="{F242522B-6172-4F94-B25D-5926311B3CF4}" dt="2025-03-31T21:19:30.518" v="57" actId="1076"/>
+        <pc:chgData name="Whitney Woelmer" userId="cc1e44da-7691-4c78-aceb-77bbb5a56163" providerId="ADAL" clId="{F242522B-6172-4F94-B25D-5926311B3CF4}" dt="2025-04-23T22:50:17.924" v="1723" actId="732"/>
         <pc:sldMkLst>
           <pc:docMk/>
           <pc:sldMk cId="3948170987" sldId="256"/>
@@ -181,38 +189,22 @@
           </ac:spMkLst>
         </pc:spChg>
         <pc:picChg chg="add mod">
-          <ac:chgData name="Whitney Woelmer" userId="cc1e44da-7691-4c78-aceb-77bbb5a56163" providerId="ADAL" clId="{F242522B-6172-4F94-B25D-5926311B3CF4}" dt="2025-03-31T21:19:27.351" v="56" actId="1076"/>
+          <ac:chgData name="Whitney Woelmer" userId="cc1e44da-7691-4c78-aceb-77bbb5a56163" providerId="ADAL" clId="{F242522B-6172-4F94-B25D-5926311B3CF4}" dt="2025-04-23T22:50:17.924" v="1723" actId="732"/>
           <ac:picMkLst>
             <pc:docMk/>
             <pc:sldMk cId="3948170987" sldId="256"/>
             <ac:picMk id="4" creationId="{494A9F85-061E-9A8B-7D21-C5CECAB8D89E}"/>
           </ac:picMkLst>
         </pc:picChg>
-        <pc:picChg chg="del">
-          <ac:chgData name="Whitney Woelmer" userId="cc1e44da-7691-4c78-aceb-77bbb5a56163" providerId="ADAL" clId="{F242522B-6172-4F94-B25D-5926311B3CF4}" dt="2025-03-31T21:17:11.633" v="0" actId="478"/>
-          <ac:picMkLst>
-            <pc:docMk/>
-            <pc:sldMk cId="3948170987" sldId="256"/>
-            <ac:picMk id="1026" creationId="{F6B1D2FD-05D6-19C8-7718-D4376200F7F7}"/>
-          </ac:picMkLst>
-        </pc:picChg>
-        <pc:picChg chg="del mod">
-          <ac:chgData name="Whitney Woelmer" userId="cc1e44da-7691-4c78-aceb-77bbb5a56163" providerId="ADAL" clId="{F242522B-6172-4F94-B25D-5926311B3CF4}" dt="2025-03-31T21:19:20.140" v="53" actId="478"/>
-          <ac:picMkLst>
-            <pc:docMk/>
-            <pc:sldMk cId="3948170987" sldId="256"/>
-            <ac:picMk id="1028" creationId="{62580917-4B08-DC23-9435-0A68CE01A233}"/>
-          </ac:picMkLst>
-        </pc:picChg>
       </pc:sldChg>
       <pc:sldChg chg="modSp mod">
-        <pc:chgData name="Whitney Woelmer" userId="cc1e44da-7691-4c78-aceb-77bbb5a56163" providerId="ADAL" clId="{F242522B-6172-4F94-B25D-5926311B3CF4}" dt="2025-03-31T22:35:36.603" v="667" actId="20577"/>
+        <pc:chgData name="Whitney Woelmer" userId="cc1e44da-7691-4c78-aceb-77bbb5a56163" providerId="ADAL" clId="{F242522B-6172-4F94-B25D-5926311B3CF4}" dt="2025-04-24T00:03:17.858" v="4052" actId="20577"/>
         <pc:sldMkLst>
           <pc:docMk/>
           <pc:sldMk cId="4106393768" sldId="257"/>
         </pc:sldMkLst>
         <pc:spChg chg="mod">
-          <ac:chgData name="Whitney Woelmer" userId="cc1e44da-7691-4c78-aceb-77bbb5a56163" providerId="ADAL" clId="{F242522B-6172-4F94-B25D-5926311B3CF4}" dt="2025-03-31T22:35:36.603" v="667" actId="20577"/>
+          <ac:chgData name="Whitney Woelmer" userId="cc1e44da-7691-4c78-aceb-77bbb5a56163" providerId="ADAL" clId="{F242522B-6172-4F94-B25D-5926311B3CF4}" dt="2025-04-24T00:03:17.858" v="4052" actId="20577"/>
           <ac:spMkLst>
             <pc:docMk/>
             <pc:sldMk cId="4106393768" sldId="257"/>
@@ -220,14 +212,29 @@
           </ac:spMkLst>
         </pc:spChg>
       </pc:sldChg>
-      <pc:sldChg chg="modSp mod ord">
-        <pc:chgData name="Whitney Woelmer" userId="cc1e44da-7691-4c78-aceb-77bbb5a56163" providerId="ADAL" clId="{F242522B-6172-4F94-B25D-5926311B3CF4}" dt="2025-03-31T21:55:45.961" v="194"/>
+      <pc:sldChg chg="del">
+        <pc:chgData name="Whitney Woelmer" userId="cc1e44da-7691-4c78-aceb-77bbb5a56163" providerId="ADAL" clId="{F242522B-6172-4F94-B25D-5926311B3CF4}" dt="2025-04-23T22:45:24.716" v="1647" actId="47"/>
+        <pc:sldMkLst>
+          <pc:docMk/>
+          <pc:sldMk cId="4167962273" sldId="258"/>
+        </pc:sldMkLst>
+      </pc:sldChg>
+      <pc:sldChg chg="addSp delSp modSp del mod ord">
+        <pc:chgData name="Whitney Woelmer" userId="cc1e44da-7691-4c78-aceb-77bbb5a56163" providerId="ADAL" clId="{F242522B-6172-4F94-B25D-5926311B3CF4}" dt="2025-04-23T23:16:44.088" v="2509" actId="47"/>
         <pc:sldMkLst>
           <pc:docMk/>
           <pc:sldMk cId="1218801410" sldId="259"/>
         </pc:sldMkLst>
+        <pc:picChg chg="add del">
+          <ac:chgData name="Whitney Woelmer" userId="cc1e44da-7691-4c78-aceb-77bbb5a56163" providerId="ADAL" clId="{F242522B-6172-4F94-B25D-5926311B3CF4}" dt="2025-04-23T23:02:46.300" v="1836" actId="478"/>
+          <ac:picMkLst>
+            <pc:docMk/>
+            <pc:sldMk cId="1218801410" sldId="259"/>
+            <ac:picMk id="5" creationId="{1758AA46-8990-0B2B-AA04-A677C1AACC3D}"/>
+          </ac:picMkLst>
+        </pc:picChg>
         <pc:picChg chg="mod">
-          <ac:chgData name="Whitney Woelmer" userId="cc1e44da-7691-4c78-aceb-77bbb5a56163" providerId="ADAL" clId="{F242522B-6172-4F94-B25D-5926311B3CF4}" dt="2025-03-31T21:21:31.835" v="59" actId="1076"/>
+          <ac:chgData name="Whitney Woelmer" userId="cc1e44da-7691-4c78-aceb-77bbb5a56163" providerId="ADAL" clId="{F242522B-6172-4F94-B25D-5926311B3CF4}" dt="2025-04-23T23:03:13.651" v="1843" actId="1076"/>
           <ac:picMkLst>
             <pc:docMk/>
             <pc:sldMk cId="1218801410" sldId="259"/>
@@ -235,18 +242,106 @@
           </ac:picMkLst>
         </pc:picChg>
       </pc:sldChg>
+      <pc:sldChg chg="del">
+        <pc:chgData name="Whitney Woelmer" userId="cc1e44da-7691-4c78-aceb-77bbb5a56163" providerId="ADAL" clId="{F242522B-6172-4F94-B25D-5926311B3CF4}" dt="2025-04-23T23:37:21.430" v="3615" actId="47"/>
+        <pc:sldMkLst>
+          <pc:docMk/>
+          <pc:sldMk cId="3372727847" sldId="475"/>
+        </pc:sldMkLst>
+      </pc:sldChg>
+      <pc:sldChg chg="del">
+        <pc:chgData name="Whitney Woelmer" userId="cc1e44da-7691-4c78-aceb-77bbb5a56163" providerId="ADAL" clId="{F242522B-6172-4F94-B25D-5926311B3CF4}" dt="2025-04-23T23:12:33.226" v="2507" actId="47"/>
+        <pc:sldMkLst>
+          <pc:docMk/>
+          <pc:sldMk cId="1747411298" sldId="480"/>
+        </pc:sldMkLst>
+      </pc:sldChg>
+      <pc:sldChg chg="del">
+        <pc:chgData name="Whitney Woelmer" userId="cc1e44da-7691-4c78-aceb-77bbb5a56163" providerId="ADAL" clId="{F242522B-6172-4F94-B25D-5926311B3CF4}" dt="2025-04-23T23:12:33.226" v="2507" actId="47"/>
+        <pc:sldMkLst>
+          <pc:docMk/>
+          <pc:sldMk cId="3513143537" sldId="481"/>
+        </pc:sldMkLst>
+      </pc:sldChg>
+      <pc:sldChg chg="del">
+        <pc:chgData name="Whitney Woelmer" userId="cc1e44da-7691-4c78-aceb-77bbb5a56163" providerId="ADAL" clId="{F242522B-6172-4F94-B25D-5926311B3CF4}" dt="2025-04-23T23:12:33.226" v="2507" actId="47"/>
+        <pc:sldMkLst>
+          <pc:docMk/>
+          <pc:sldMk cId="795841240" sldId="483"/>
+        </pc:sldMkLst>
+      </pc:sldChg>
+      <pc:sldChg chg="del">
+        <pc:chgData name="Whitney Woelmer" userId="cc1e44da-7691-4c78-aceb-77bbb5a56163" providerId="ADAL" clId="{F242522B-6172-4F94-B25D-5926311B3CF4}" dt="2025-04-23T23:12:33.226" v="2507" actId="47"/>
+        <pc:sldMkLst>
+          <pc:docMk/>
+          <pc:sldMk cId="803767791" sldId="484"/>
+        </pc:sldMkLst>
+      </pc:sldChg>
+      <pc:sldChg chg="del">
+        <pc:chgData name="Whitney Woelmer" userId="cc1e44da-7691-4c78-aceb-77bbb5a56163" providerId="ADAL" clId="{F242522B-6172-4F94-B25D-5926311B3CF4}" dt="2025-04-23T23:12:57.521" v="2508" actId="47"/>
+        <pc:sldMkLst>
+          <pc:docMk/>
+          <pc:sldMk cId="1720701469" sldId="489"/>
+        </pc:sldMkLst>
+      </pc:sldChg>
+      <pc:sldChg chg="delSp modSp mod ord">
+        <pc:chgData name="Whitney Woelmer" userId="cc1e44da-7691-4c78-aceb-77bbb5a56163" providerId="ADAL" clId="{F242522B-6172-4F94-B25D-5926311B3CF4}" dt="2025-04-24T00:08:16.980" v="4211" actId="1076"/>
+        <pc:sldMkLst>
+          <pc:docMk/>
+          <pc:sldMk cId="109847312" sldId="490"/>
+        </pc:sldMkLst>
+        <pc:spChg chg="mod">
+          <ac:chgData name="Whitney Woelmer" userId="cc1e44da-7691-4c78-aceb-77bbb5a56163" providerId="ADAL" clId="{F242522B-6172-4F94-B25D-5926311B3CF4}" dt="2025-04-24T00:08:16.980" v="4211" actId="1076"/>
+          <ac:spMkLst>
+            <pc:docMk/>
+            <pc:sldMk cId="109847312" sldId="490"/>
+            <ac:spMk id="2" creationId="{F02609FF-25DA-ADDD-2C6B-995478744182}"/>
+          </ac:spMkLst>
+        </pc:spChg>
+        <pc:spChg chg="del mod">
+          <ac:chgData name="Whitney Woelmer" userId="cc1e44da-7691-4c78-aceb-77bbb5a56163" providerId="ADAL" clId="{F242522B-6172-4F94-B25D-5926311B3CF4}" dt="2025-04-24T00:07:49.796" v="4208" actId="478"/>
+          <ac:spMkLst>
+            <pc:docMk/>
+            <pc:sldMk cId="109847312" sldId="490"/>
+            <ac:spMk id="3" creationId="{3E39AE31-D10B-8AF6-2409-C9471B8BA189}"/>
+          </ac:spMkLst>
+        </pc:spChg>
+        <pc:graphicFrameChg chg="mod modGraphic">
+          <ac:chgData name="Whitney Woelmer" userId="cc1e44da-7691-4c78-aceb-77bbb5a56163" providerId="ADAL" clId="{F242522B-6172-4F94-B25D-5926311B3CF4}" dt="2025-04-24T00:07:30.163" v="4207" actId="20577"/>
+          <ac:graphicFrameMkLst>
+            <pc:docMk/>
+            <pc:sldMk cId="109847312" sldId="490"/>
+            <ac:graphicFrameMk id="5" creationId="{416B9DC9-C957-02E9-25F6-1860FA1E030C}"/>
+          </ac:graphicFrameMkLst>
+        </pc:graphicFrameChg>
+      </pc:sldChg>
       <pc:sldChg chg="modSp mod">
-        <pc:chgData name="Whitney Woelmer" userId="cc1e44da-7691-4c78-aceb-77bbb5a56163" providerId="ADAL" clId="{F242522B-6172-4F94-B25D-5926311B3CF4}" dt="2025-03-31T22:01:22.210" v="536" actId="15"/>
+        <pc:chgData name="Whitney Woelmer" userId="cc1e44da-7691-4c78-aceb-77bbb5a56163" providerId="ADAL" clId="{F242522B-6172-4F94-B25D-5926311B3CF4}" dt="2025-04-23T23:55:10.992" v="4006" actId="20577"/>
         <pc:sldMkLst>
           <pc:docMk/>
           <pc:sldMk cId="1710418133" sldId="493"/>
         </pc:sldMkLst>
         <pc:spChg chg="mod">
-          <ac:chgData name="Whitney Woelmer" userId="cc1e44da-7691-4c78-aceb-77bbb5a56163" providerId="ADAL" clId="{F242522B-6172-4F94-B25D-5926311B3CF4}" dt="2025-03-31T22:01:22.210" v="536" actId="15"/>
+          <ac:chgData name="Whitney Woelmer" userId="cc1e44da-7691-4c78-aceb-77bbb5a56163" providerId="ADAL" clId="{F242522B-6172-4F94-B25D-5926311B3CF4}" dt="2025-04-23T23:55:10.992" v="4006" actId="20577"/>
           <ac:spMkLst>
             <pc:docMk/>
             <pc:sldMk cId="1710418133" sldId="493"/>
             <ac:spMk id="5" creationId="{A00DA842-CE19-2836-C24F-0124C4144507}"/>
+          </ac:spMkLst>
+        </pc:spChg>
+      </pc:sldChg>
+      <pc:sldChg chg="modSp mod">
+        <pc:chgData name="Whitney Woelmer" userId="cc1e44da-7691-4c78-aceb-77bbb5a56163" providerId="ADAL" clId="{F242522B-6172-4F94-B25D-5926311B3CF4}" dt="2025-04-23T23:38:59.087" v="3618" actId="313"/>
+        <pc:sldMkLst>
+          <pc:docMk/>
+          <pc:sldMk cId="776326194" sldId="494"/>
+        </pc:sldMkLst>
+        <pc:spChg chg="mod">
+          <ac:chgData name="Whitney Woelmer" userId="cc1e44da-7691-4c78-aceb-77bbb5a56163" providerId="ADAL" clId="{F242522B-6172-4F94-B25D-5926311B3CF4}" dt="2025-04-23T23:38:59.087" v="3618" actId="313"/>
+          <ac:spMkLst>
+            <pc:docMk/>
+            <pc:sldMk cId="776326194" sldId="494"/>
+            <ac:spMk id="3" creationId="{891D5551-6C94-DED9-2F21-C1024CFDCC13}"/>
           </ac:spMkLst>
         </pc:spChg>
       </pc:sldChg>
@@ -315,20 +410,75 @@
           <pc:sldMk cId="2779063014" sldId="509"/>
         </pc:sldMkLst>
       </pc:sldChg>
+      <pc:sldChg chg="addSp delSp modSp mod">
+        <pc:chgData name="Whitney Woelmer" userId="cc1e44da-7691-4c78-aceb-77bbb5a56163" providerId="ADAL" clId="{F242522B-6172-4F94-B25D-5926311B3CF4}" dt="2025-04-23T22:54:16.963" v="1756" actId="1076"/>
+        <pc:sldMkLst>
+          <pc:docMk/>
+          <pc:sldMk cId="1383627114" sldId="510"/>
+        </pc:sldMkLst>
+        <pc:spChg chg="mod">
+          <ac:chgData name="Whitney Woelmer" userId="cc1e44da-7691-4c78-aceb-77bbb5a56163" providerId="ADAL" clId="{F242522B-6172-4F94-B25D-5926311B3CF4}" dt="2025-04-23T22:16:03.709" v="1045" actId="20577"/>
+          <ac:spMkLst>
+            <pc:docMk/>
+            <pc:sldMk cId="1383627114" sldId="510"/>
+            <ac:spMk id="2" creationId="{000B4007-10B0-487D-8AC0-75065DFE0876}"/>
+          </ac:spMkLst>
+        </pc:spChg>
+        <pc:spChg chg="mod">
+          <ac:chgData name="Whitney Woelmer" userId="cc1e44da-7691-4c78-aceb-77bbb5a56163" providerId="ADAL" clId="{F242522B-6172-4F94-B25D-5926311B3CF4}" dt="2025-04-23T22:39:17.904" v="1419" actId="20577"/>
+          <ac:spMkLst>
+            <pc:docMk/>
+            <pc:sldMk cId="1383627114" sldId="510"/>
+            <ac:spMk id="3" creationId="{93D009D5-DF8E-476D-8BDE-3EBB2404D4B2}"/>
+          </ac:spMkLst>
+        </pc:spChg>
+        <pc:spChg chg="add mod">
+          <ac:chgData name="Whitney Woelmer" userId="cc1e44da-7691-4c78-aceb-77bbb5a56163" providerId="ADAL" clId="{F242522B-6172-4F94-B25D-5926311B3CF4}" dt="2025-04-23T22:54:16.963" v="1756" actId="1076"/>
+          <ac:spMkLst>
+            <pc:docMk/>
+            <pc:sldMk cId="1383627114" sldId="510"/>
+            <ac:spMk id="4" creationId="{2F7F0186-4D28-59DD-3CBC-0E74084EA720}"/>
+          </ac:spMkLst>
+        </pc:spChg>
+        <pc:picChg chg="add del mod">
+          <ac:chgData name="Whitney Woelmer" userId="cc1e44da-7691-4c78-aceb-77bbb5a56163" providerId="ADAL" clId="{F242522B-6172-4F94-B25D-5926311B3CF4}" dt="2025-04-23T22:36:38.018" v="1271" actId="478"/>
+          <ac:picMkLst>
+            <pc:docMk/>
+            <pc:sldMk cId="1383627114" sldId="510"/>
+            <ac:picMk id="1026" creationId="{DA77B7BF-CCF6-B3A3-5412-24927CED392D}"/>
+          </ac:picMkLst>
+        </pc:picChg>
+        <pc:picChg chg="add mod">
+          <ac:chgData name="Whitney Woelmer" userId="cc1e44da-7691-4c78-aceb-77bbb5a56163" providerId="ADAL" clId="{F242522B-6172-4F94-B25D-5926311B3CF4}" dt="2025-04-23T22:44:25.034" v="1565" actId="1076"/>
+          <ac:picMkLst>
+            <pc:docMk/>
+            <pc:sldMk cId="1383627114" sldId="510"/>
+            <ac:picMk id="1028" creationId="{41FC2245-2D5B-8CC1-FBA2-AEC13157B867}"/>
+          </ac:picMkLst>
+        </pc:picChg>
+        <pc:picChg chg="add">
+          <ac:chgData name="Whitney Woelmer" userId="cc1e44da-7691-4c78-aceb-77bbb5a56163" providerId="ADAL" clId="{F242522B-6172-4F94-B25D-5926311B3CF4}" dt="2025-04-23T22:39:27.808" v="1420"/>
+          <ac:picMkLst>
+            <pc:docMk/>
+            <pc:sldMk cId="1383627114" sldId="510"/>
+            <ac:picMk id="1030" creationId="{9FA9B73A-DB32-FC1A-027B-025C7A8D2C9F}"/>
+          </ac:picMkLst>
+        </pc:picChg>
+        <pc:picChg chg="add del mod">
+          <ac:chgData name="Whitney Woelmer" userId="cc1e44da-7691-4c78-aceb-77bbb5a56163" providerId="ADAL" clId="{F242522B-6172-4F94-B25D-5926311B3CF4}" dt="2025-04-23T22:44:19.984" v="1564" actId="478"/>
+          <ac:picMkLst>
+            <pc:docMk/>
+            <pc:sldMk cId="1383627114" sldId="510"/>
+            <ac:picMk id="1032" creationId="{62C5DD17-EE10-C1BE-59D1-3C73A0D8AC0B}"/>
+          </ac:picMkLst>
+        </pc:picChg>
+      </pc:sldChg>
       <pc:sldChg chg="addSp delSp new del mod">
         <pc:chgData name="Whitney Woelmer" userId="cc1e44da-7691-4c78-aceb-77bbb5a56163" providerId="ADAL" clId="{F242522B-6172-4F94-B25D-5926311B3CF4}" dt="2025-03-31T21:55:51.940" v="196" actId="47"/>
         <pc:sldMkLst>
           <pc:docMk/>
           <pc:sldMk cId="3951928135" sldId="512"/>
         </pc:sldMkLst>
-        <pc:picChg chg="add del">
-          <ac:chgData name="Whitney Woelmer" userId="cc1e44da-7691-4c78-aceb-77bbb5a56163" providerId="ADAL" clId="{F242522B-6172-4F94-B25D-5926311B3CF4}" dt="2025-03-31T21:21:40.540" v="62" actId="478"/>
-          <ac:picMkLst>
-            <pc:docMk/>
-            <pc:sldMk cId="3951928135" sldId="512"/>
-            <ac:picMk id="4" creationId="{F0EA018A-F2F5-CC06-EF09-5BC794E0A3D9}"/>
-          </ac:picMkLst>
-        </pc:picChg>
       </pc:sldChg>
       <pc:sldChg chg="addSp delSp modSp new del mod modShow">
         <pc:chgData name="Whitney Woelmer" userId="cc1e44da-7691-4c78-aceb-77bbb5a56163" providerId="ADAL" clId="{F242522B-6172-4F94-B25D-5926311B3CF4}" dt="2025-03-31T22:33:39.594" v="622" actId="47"/>
@@ -336,54 +486,6 @@
           <pc:docMk/>
           <pc:sldMk cId="712365973" sldId="513"/>
         </pc:sldMkLst>
-        <pc:spChg chg="add mod">
-          <ac:chgData name="Whitney Woelmer" userId="cc1e44da-7691-4c78-aceb-77bbb5a56163" providerId="ADAL" clId="{F242522B-6172-4F94-B25D-5926311B3CF4}" dt="2025-03-31T21:53:44.911" v="86" actId="207"/>
-          <ac:spMkLst>
-            <pc:docMk/>
-            <pc:sldMk cId="712365973" sldId="513"/>
-            <ac:spMk id="7" creationId="{0FD23F49-1082-C115-2DF0-28C8933EDFFB}"/>
-          </ac:spMkLst>
-        </pc:spChg>
-        <pc:spChg chg="add mod">
-          <ac:chgData name="Whitney Woelmer" userId="cc1e44da-7691-4c78-aceb-77bbb5a56163" providerId="ADAL" clId="{F242522B-6172-4F94-B25D-5926311B3CF4}" dt="2025-03-31T21:54:02.715" v="108" actId="20577"/>
-          <ac:spMkLst>
-            <pc:docMk/>
-            <pc:sldMk cId="712365973" sldId="513"/>
-            <ac:spMk id="8" creationId="{B79CC015-089B-37B2-9752-ECAAB79A06DE}"/>
-          </ac:spMkLst>
-        </pc:spChg>
-        <pc:spChg chg="add mod">
-          <ac:chgData name="Whitney Woelmer" userId="cc1e44da-7691-4c78-aceb-77bbb5a56163" providerId="ADAL" clId="{F242522B-6172-4F94-B25D-5926311B3CF4}" dt="2025-03-31T21:54:31.692" v="135" actId="14100"/>
-          <ac:spMkLst>
-            <pc:docMk/>
-            <pc:sldMk cId="712365973" sldId="513"/>
-            <ac:spMk id="9" creationId="{3053335F-5D3A-0CB4-1565-B68805A3E428}"/>
-          </ac:spMkLst>
-        </pc:spChg>
-        <pc:spChg chg="add mod">
-          <ac:chgData name="Whitney Woelmer" userId="cc1e44da-7691-4c78-aceb-77bbb5a56163" providerId="ADAL" clId="{F242522B-6172-4F94-B25D-5926311B3CF4}" dt="2025-03-31T21:54:56.431" v="192" actId="14100"/>
-          <ac:spMkLst>
-            <pc:docMk/>
-            <pc:sldMk cId="712365973" sldId="513"/>
-            <ac:spMk id="10" creationId="{0FD77982-DACB-899F-CC4B-651E727591C7}"/>
-          </ac:spMkLst>
-        </pc:spChg>
-        <pc:picChg chg="add del">
-          <ac:chgData name="Whitney Woelmer" userId="cc1e44da-7691-4c78-aceb-77bbb5a56163" providerId="ADAL" clId="{F242522B-6172-4F94-B25D-5926311B3CF4}" dt="2025-03-31T21:52:33.306" v="65" actId="478"/>
-          <ac:picMkLst>
-            <pc:docMk/>
-            <pc:sldMk cId="712365973" sldId="513"/>
-            <ac:picMk id="4" creationId="{E8412DD9-C97E-2E8B-DD5F-A261F600CE61}"/>
-          </ac:picMkLst>
-        </pc:picChg>
-        <pc:picChg chg="add">
-          <ac:chgData name="Whitney Woelmer" userId="cc1e44da-7691-4c78-aceb-77bbb5a56163" providerId="ADAL" clId="{F242522B-6172-4F94-B25D-5926311B3CF4}" dt="2025-03-31T21:52:33.715" v="66" actId="22"/>
-          <ac:picMkLst>
-            <pc:docMk/>
-            <pc:sldMk cId="712365973" sldId="513"/>
-            <ac:picMk id="6" creationId="{1CC0281B-1A6F-B1A9-B72D-3DDA9DF09DD9}"/>
-          </ac:picMkLst>
-        </pc:picChg>
       </pc:sldChg>
       <pc:sldChg chg="addSp modSp new mod modAnim">
         <pc:chgData name="Whitney Woelmer" userId="cc1e44da-7691-4c78-aceb-77bbb5a56163" providerId="ADAL" clId="{F242522B-6172-4F94-B25D-5926311B3CF4}" dt="2025-03-31T22:34:57.038" v="626"/>
@@ -468,14 +570,6 @@
             <ac:spMk id="6" creationId="{57A5DF49-1824-A03D-C8C0-23701BEADE0E}"/>
           </ac:spMkLst>
         </pc:spChg>
-        <pc:picChg chg="del">
-          <ac:chgData name="Whitney Woelmer" userId="cc1e44da-7691-4c78-aceb-77bbb5a56163" providerId="ADAL" clId="{F242522B-6172-4F94-B25D-5926311B3CF4}" dt="2025-03-31T22:06:40.128" v="541" actId="478"/>
-          <ac:picMkLst>
-            <pc:docMk/>
-            <pc:sldMk cId="2651678924" sldId="517"/>
-            <ac:picMk id="5" creationId="{FFBC021C-BA80-BF65-4F40-38ABB84392AD}"/>
-          </ac:picMkLst>
-        </pc:picChg>
         <pc:picChg chg="add mod ord">
           <ac:chgData name="Whitney Woelmer" userId="cc1e44da-7691-4c78-aceb-77bbb5a56163" providerId="ADAL" clId="{F242522B-6172-4F94-B25D-5926311B3CF4}" dt="2025-03-31T22:06:44.144" v="544" actId="167"/>
           <ac:picMkLst>
@@ -508,9 +602,1053 @@
           </ac:spMkLst>
         </pc:spChg>
       </pc:sldChg>
+      <pc:sldChg chg="modSp new mod">
+        <pc:chgData name="Whitney Woelmer" userId="cc1e44da-7691-4c78-aceb-77bbb5a56163" providerId="ADAL" clId="{F242522B-6172-4F94-B25D-5926311B3CF4}" dt="2025-04-11T04:14:22.747" v="929" actId="20577"/>
+        <pc:sldMkLst>
+          <pc:docMk/>
+          <pc:sldMk cId="3301916229" sldId="519"/>
+        </pc:sldMkLst>
+        <pc:spChg chg="mod">
+          <ac:chgData name="Whitney Woelmer" userId="cc1e44da-7691-4c78-aceb-77bbb5a56163" providerId="ADAL" clId="{F242522B-6172-4F94-B25D-5926311B3CF4}" dt="2025-04-11T04:14:22.747" v="929" actId="20577"/>
+          <ac:spMkLst>
+            <pc:docMk/>
+            <pc:sldMk cId="3301916229" sldId="519"/>
+            <ac:spMk id="2" creationId="{4D6083D2-4192-3343-67E4-8869FCB4672F}"/>
+          </ac:spMkLst>
+        </pc:spChg>
+        <pc:spChg chg="mod">
+          <ac:chgData name="Whitney Woelmer" userId="cc1e44da-7691-4c78-aceb-77bbb5a56163" providerId="ADAL" clId="{F242522B-6172-4F94-B25D-5926311B3CF4}" dt="2025-04-11T04:14:17.736" v="915" actId="20577"/>
+          <ac:spMkLst>
+            <pc:docMk/>
+            <pc:sldMk cId="3301916229" sldId="519"/>
+            <ac:spMk id="3" creationId="{8A204C1E-B0B6-6442-7CB3-D8A4EE50C3C4}"/>
+          </ac:spMkLst>
+        </pc:spChg>
+      </pc:sldChg>
+      <pc:sldChg chg="modSp new del mod">
+        <pc:chgData name="Whitney Woelmer" userId="cc1e44da-7691-4c78-aceb-77bbb5a56163" providerId="ADAL" clId="{F242522B-6172-4F94-B25D-5926311B3CF4}" dt="2025-04-23T22:16:06.469" v="1046" actId="47"/>
+        <pc:sldMkLst>
+          <pc:docMk/>
+          <pc:sldMk cId="2894135038" sldId="520"/>
+        </pc:sldMkLst>
+        <pc:spChg chg="mod">
+          <ac:chgData name="Whitney Woelmer" userId="cc1e44da-7691-4c78-aceb-77bbb5a56163" providerId="ADAL" clId="{F242522B-6172-4F94-B25D-5926311B3CF4}" dt="2025-04-23T22:15:50.124" v="1032" actId="20577"/>
+          <ac:spMkLst>
+            <pc:docMk/>
+            <pc:sldMk cId="2894135038" sldId="520"/>
+            <ac:spMk id="2" creationId="{3B94A77A-6538-3948-CC8F-EF8A1006204F}"/>
+          </ac:spMkLst>
+        </pc:spChg>
+      </pc:sldChg>
+      <pc:sldChg chg="addSp delSp modSp add mod">
+        <pc:chgData name="Whitney Woelmer" userId="cc1e44da-7691-4c78-aceb-77bbb5a56163" providerId="ADAL" clId="{F242522B-6172-4F94-B25D-5926311B3CF4}" dt="2025-04-23T22:45:38.912" v="1656" actId="20577"/>
+        <pc:sldMkLst>
+          <pc:docMk/>
+          <pc:sldMk cId="2905640424" sldId="520"/>
+        </pc:sldMkLst>
+        <pc:spChg chg="mod">
+          <ac:chgData name="Whitney Woelmer" userId="cc1e44da-7691-4c78-aceb-77bbb5a56163" providerId="ADAL" clId="{F242522B-6172-4F94-B25D-5926311B3CF4}" dt="2025-04-23T22:45:38.912" v="1656" actId="20577"/>
+          <ac:spMkLst>
+            <pc:docMk/>
+            <pc:sldMk cId="2905640424" sldId="520"/>
+            <ac:spMk id="3" creationId="{DFF01584-CD93-EBC3-5CA2-2E3EF53B8F00}"/>
+          </ac:spMkLst>
+        </pc:spChg>
+        <pc:spChg chg="add mod">
+          <ac:chgData name="Whitney Woelmer" userId="cc1e44da-7691-4c78-aceb-77bbb5a56163" providerId="ADAL" clId="{F242522B-6172-4F94-B25D-5926311B3CF4}" dt="2025-04-23T22:41:58.960" v="1520" actId="20577"/>
+          <ac:spMkLst>
+            <pc:docMk/>
+            <pc:sldMk cId="2905640424" sldId="520"/>
+            <ac:spMk id="4" creationId="{86803142-5E60-E2C4-FF77-5C5CF6B265A6}"/>
+          </ac:spMkLst>
+        </pc:spChg>
+        <pc:spChg chg="add mod">
+          <ac:chgData name="Whitney Woelmer" userId="cc1e44da-7691-4c78-aceb-77bbb5a56163" providerId="ADAL" clId="{F242522B-6172-4F94-B25D-5926311B3CF4}" dt="2025-04-23T22:42:34.275" v="1554" actId="1076"/>
+          <ac:spMkLst>
+            <pc:docMk/>
+            <pc:sldMk cId="2905640424" sldId="520"/>
+            <ac:spMk id="5" creationId="{596EDD67-8DFB-FBAF-3BDA-1DD4FB538813}"/>
+          </ac:spMkLst>
+        </pc:spChg>
+        <pc:picChg chg="del">
+          <ac:chgData name="Whitney Woelmer" userId="cc1e44da-7691-4c78-aceb-77bbb5a56163" providerId="ADAL" clId="{F242522B-6172-4F94-B25D-5926311B3CF4}" dt="2025-04-23T22:40:45.700" v="1481" actId="478"/>
+          <ac:picMkLst>
+            <pc:docMk/>
+            <pc:sldMk cId="2905640424" sldId="520"/>
+            <ac:picMk id="1028" creationId="{2F6A7EAF-9DDF-A0A3-1699-2F0A17587EFE}"/>
+          </ac:picMkLst>
+        </pc:picChg>
+        <pc:picChg chg="add mod">
+          <ac:chgData name="Whitney Woelmer" userId="cc1e44da-7691-4c78-aceb-77bbb5a56163" providerId="ADAL" clId="{F242522B-6172-4F94-B25D-5926311B3CF4}" dt="2025-04-23T22:42:34.275" v="1554" actId="1076"/>
+          <ac:picMkLst>
+            <pc:docMk/>
+            <pc:sldMk cId="2905640424" sldId="520"/>
+            <ac:picMk id="2050" creationId="{FCBEA4A8-BBFF-983E-A920-0E2AA9B1E298}"/>
+          </ac:picMkLst>
+        </pc:picChg>
+        <pc:picChg chg="add mod">
+          <ac:chgData name="Whitney Woelmer" userId="cc1e44da-7691-4c78-aceb-77bbb5a56163" providerId="ADAL" clId="{F242522B-6172-4F94-B25D-5926311B3CF4}" dt="2025-04-23T22:41:36.185" v="1490" actId="1076"/>
+          <ac:picMkLst>
+            <pc:docMk/>
+            <pc:sldMk cId="2905640424" sldId="520"/>
+            <ac:picMk id="2052" creationId="{4EC74598-820B-6D26-4F13-85FF9CF2D262}"/>
+          </ac:picMkLst>
+        </pc:picChg>
+      </pc:sldChg>
+      <pc:sldChg chg="addSp delSp modSp new mod">
+        <pc:chgData name="Whitney Woelmer" userId="cc1e44da-7691-4c78-aceb-77bbb5a56163" providerId="ADAL" clId="{F242522B-6172-4F94-B25D-5926311B3CF4}" dt="2025-04-23T23:18:08.552" v="2513" actId="1076"/>
+        <pc:sldMkLst>
+          <pc:docMk/>
+          <pc:sldMk cId="331280755" sldId="521"/>
+        </pc:sldMkLst>
+        <pc:spChg chg="del mod">
+          <ac:chgData name="Whitney Woelmer" userId="cc1e44da-7691-4c78-aceb-77bbb5a56163" providerId="ADAL" clId="{F242522B-6172-4F94-B25D-5926311B3CF4}" dt="2025-04-23T23:17:58.371" v="2511" actId="478"/>
+          <ac:spMkLst>
+            <pc:docMk/>
+            <pc:sldMk cId="331280755" sldId="521"/>
+            <ac:spMk id="2" creationId="{DBC34469-0FFB-B5A0-7E6E-DAB4F93288F9}"/>
+          </ac:spMkLst>
+        </pc:spChg>
+        <pc:spChg chg="del">
+          <ac:chgData name="Whitney Woelmer" userId="cc1e44da-7691-4c78-aceb-77bbb5a56163" providerId="ADAL" clId="{F242522B-6172-4F94-B25D-5926311B3CF4}" dt="2025-04-23T22:48:40.660" v="1677" actId="478"/>
+          <ac:spMkLst>
+            <pc:docMk/>
+            <pc:sldMk cId="331280755" sldId="521"/>
+            <ac:spMk id="3" creationId="{D80C42CD-450D-3D84-E12F-4FA062255B76}"/>
+          </ac:spMkLst>
+        </pc:spChg>
+        <pc:spChg chg="add del mod">
+          <ac:chgData name="Whitney Woelmer" userId="cc1e44da-7691-4c78-aceb-77bbb5a56163" providerId="ADAL" clId="{F242522B-6172-4F94-B25D-5926311B3CF4}" dt="2025-04-23T22:49:05.938" v="1697" actId="478"/>
+          <ac:spMkLst>
+            <pc:docMk/>
+            <pc:sldMk cId="331280755" sldId="521"/>
+            <ac:spMk id="4" creationId="{92FC9AA5-6C4C-ED80-D8CC-8E4E2F0905A0}"/>
+          </ac:spMkLst>
+        </pc:spChg>
+        <pc:spChg chg="add mod">
+          <ac:chgData name="Whitney Woelmer" userId="cc1e44da-7691-4c78-aceb-77bbb5a56163" providerId="ADAL" clId="{F242522B-6172-4F94-B25D-5926311B3CF4}" dt="2025-04-23T23:18:08.552" v="2513" actId="1076"/>
+          <ac:spMkLst>
+            <pc:docMk/>
+            <pc:sldMk cId="331280755" sldId="521"/>
+            <ac:spMk id="5" creationId="{64B6B42B-6CA3-CEEB-D35D-770DCA16E2C1}"/>
+          </ac:spMkLst>
+        </pc:spChg>
+        <pc:spChg chg="add mod">
+          <ac:chgData name="Whitney Woelmer" userId="cc1e44da-7691-4c78-aceb-77bbb5a56163" providerId="ADAL" clId="{F242522B-6172-4F94-B25D-5926311B3CF4}" dt="2025-04-23T23:18:08.552" v="2513" actId="1076"/>
+          <ac:spMkLst>
+            <pc:docMk/>
+            <pc:sldMk cId="331280755" sldId="521"/>
+            <ac:spMk id="7" creationId="{DB914362-8366-BDAB-9DB2-4AEC0DF18E5C}"/>
+          </ac:spMkLst>
+        </pc:spChg>
+        <pc:spChg chg="add del mod">
+          <ac:chgData name="Whitney Woelmer" userId="cc1e44da-7691-4c78-aceb-77bbb5a56163" providerId="ADAL" clId="{F242522B-6172-4F94-B25D-5926311B3CF4}" dt="2025-04-23T23:17:59.902" v="2512" actId="478"/>
+          <ac:spMkLst>
+            <pc:docMk/>
+            <pc:sldMk cId="331280755" sldId="521"/>
+            <ac:spMk id="9" creationId="{93EBFB40-6CE7-7BBC-AACD-FDBCA4A0CAAC}"/>
+          </ac:spMkLst>
+        </pc:spChg>
+        <pc:picChg chg="add del mod">
+          <ac:chgData name="Whitney Woelmer" userId="cc1e44da-7691-4c78-aceb-77bbb5a56163" providerId="ADAL" clId="{F242522B-6172-4F94-B25D-5926311B3CF4}" dt="2025-04-23T22:54:36.184" v="1757" actId="478"/>
+          <ac:picMkLst>
+            <pc:docMk/>
+            <pc:sldMk cId="331280755" sldId="521"/>
+            <ac:picMk id="6" creationId="{37588B2F-9354-0048-7668-49253E7FF87B}"/>
+          </ac:picMkLst>
+        </pc:picChg>
+        <pc:picChg chg="add mod">
+          <ac:chgData name="Whitney Woelmer" userId="cc1e44da-7691-4c78-aceb-77bbb5a56163" providerId="ADAL" clId="{F242522B-6172-4F94-B25D-5926311B3CF4}" dt="2025-04-23T23:18:08.552" v="2513" actId="1076"/>
+          <ac:picMkLst>
+            <pc:docMk/>
+            <pc:sldMk cId="331280755" sldId="521"/>
+            <ac:picMk id="3074" creationId="{9DBA2D11-60C3-BBA4-1509-B100A4AF5327}"/>
+          </ac:picMkLst>
+        </pc:picChg>
+        <pc:picChg chg="add mod">
+          <ac:chgData name="Whitney Woelmer" userId="cc1e44da-7691-4c78-aceb-77bbb5a56163" providerId="ADAL" clId="{F242522B-6172-4F94-B25D-5926311B3CF4}" dt="2025-04-23T23:18:08.552" v="2513" actId="1076"/>
+          <ac:picMkLst>
+            <pc:docMk/>
+            <pc:sldMk cId="331280755" sldId="521"/>
+            <ac:picMk id="3076" creationId="{0E0FD291-227C-32DC-7819-C1838E00A9E7}"/>
+          </ac:picMkLst>
+        </pc:picChg>
+        <pc:picChg chg="add del mod">
+          <ac:chgData name="Whitney Woelmer" userId="cc1e44da-7691-4c78-aceb-77bbb5a56163" providerId="ADAL" clId="{F242522B-6172-4F94-B25D-5926311B3CF4}" dt="2025-04-23T22:55:53.513" v="1772" actId="478"/>
+          <ac:picMkLst>
+            <pc:docMk/>
+            <pc:sldMk cId="331280755" sldId="521"/>
+            <ac:picMk id="3078" creationId="{F379D9A2-6861-7721-BECE-FCE0672BAA78}"/>
+          </ac:picMkLst>
+        </pc:picChg>
+        <pc:picChg chg="add mod">
+          <ac:chgData name="Whitney Woelmer" userId="cc1e44da-7691-4c78-aceb-77bbb5a56163" providerId="ADAL" clId="{F242522B-6172-4F94-B25D-5926311B3CF4}" dt="2025-04-23T23:18:08.552" v="2513" actId="1076"/>
+          <ac:picMkLst>
+            <pc:docMk/>
+            <pc:sldMk cId="331280755" sldId="521"/>
+            <ac:picMk id="3080" creationId="{1CDF0165-5733-B40E-8577-552DA1608343}"/>
+          </ac:picMkLst>
+        </pc:picChg>
+        <pc:picChg chg="add del mod">
+          <ac:chgData name="Whitney Woelmer" userId="cc1e44da-7691-4c78-aceb-77bbb5a56163" providerId="ADAL" clId="{F242522B-6172-4F94-B25D-5926311B3CF4}" dt="2025-04-23T22:58:51.115" v="1801" actId="478"/>
+          <ac:picMkLst>
+            <pc:docMk/>
+            <pc:sldMk cId="331280755" sldId="521"/>
+            <ac:picMk id="3082" creationId="{57BA4794-E756-7A08-AE70-5B40876B21D0}"/>
+          </ac:picMkLst>
+        </pc:picChg>
+        <pc:picChg chg="add del mod">
+          <ac:chgData name="Whitney Woelmer" userId="cc1e44da-7691-4c78-aceb-77bbb5a56163" providerId="ADAL" clId="{F242522B-6172-4F94-B25D-5926311B3CF4}" dt="2025-04-23T22:58:53.721" v="1804" actId="478"/>
+          <ac:picMkLst>
+            <pc:docMk/>
+            <pc:sldMk cId="331280755" sldId="521"/>
+            <ac:picMk id="3084" creationId="{745C60C1-8C9C-14C0-42D3-BA9D77F5FECC}"/>
+          </ac:picMkLst>
+        </pc:picChg>
+        <pc:picChg chg="add del">
+          <ac:chgData name="Whitney Woelmer" userId="cc1e44da-7691-4c78-aceb-77bbb5a56163" providerId="ADAL" clId="{F242522B-6172-4F94-B25D-5926311B3CF4}" dt="2025-04-23T22:59:06.811" v="1806" actId="478"/>
+          <ac:picMkLst>
+            <pc:docMk/>
+            <pc:sldMk cId="331280755" sldId="521"/>
+            <ac:picMk id="3086" creationId="{DC0772C5-70F9-ECE5-F59E-B67D5B3B0DF4}"/>
+          </ac:picMkLst>
+        </pc:picChg>
+        <pc:picChg chg="add del mod">
+          <ac:chgData name="Whitney Woelmer" userId="cc1e44da-7691-4c78-aceb-77bbb5a56163" providerId="ADAL" clId="{F242522B-6172-4F94-B25D-5926311B3CF4}" dt="2025-04-23T22:59:48.044" v="1824" actId="478"/>
+          <ac:picMkLst>
+            <pc:docMk/>
+            <pc:sldMk cId="331280755" sldId="521"/>
+            <ac:picMk id="3088" creationId="{B1D8A4F5-CDFB-5EE3-F3E6-23780EF2F9A8}"/>
+          </ac:picMkLst>
+        </pc:picChg>
+        <pc:picChg chg="add del">
+          <ac:chgData name="Whitney Woelmer" userId="cc1e44da-7691-4c78-aceb-77bbb5a56163" providerId="ADAL" clId="{F242522B-6172-4F94-B25D-5926311B3CF4}" dt="2025-04-23T23:00:12.940" v="1826" actId="478"/>
+          <ac:picMkLst>
+            <pc:docMk/>
+            <pc:sldMk cId="331280755" sldId="521"/>
+            <ac:picMk id="3090" creationId="{7EDD99AB-B00E-661F-D7D9-07F7F353C8C0}"/>
+          </ac:picMkLst>
+        </pc:picChg>
+        <pc:picChg chg="add mod">
+          <ac:chgData name="Whitney Woelmer" userId="cc1e44da-7691-4c78-aceb-77bbb5a56163" providerId="ADAL" clId="{F242522B-6172-4F94-B25D-5926311B3CF4}" dt="2025-04-23T23:18:08.552" v="2513" actId="1076"/>
+          <ac:picMkLst>
+            <pc:docMk/>
+            <pc:sldMk cId="331280755" sldId="521"/>
+            <ac:picMk id="3092" creationId="{1B7FE7DB-4703-06DF-FBFC-B084BEA07839}"/>
+          </ac:picMkLst>
+        </pc:picChg>
+      </pc:sldChg>
+      <pc:sldChg chg="addSp delSp modSp new mod">
+        <pc:chgData name="Whitney Woelmer" userId="cc1e44da-7691-4c78-aceb-77bbb5a56163" providerId="ADAL" clId="{F242522B-6172-4F94-B25D-5926311B3CF4}" dt="2025-04-23T23:10:42.276" v="2506" actId="14100"/>
+        <pc:sldMkLst>
+          <pc:docMk/>
+          <pc:sldMk cId="1659628676" sldId="522"/>
+        </pc:sldMkLst>
+        <pc:spChg chg="del">
+          <ac:chgData name="Whitney Woelmer" userId="cc1e44da-7691-4c78-aceb-77bbb5a56163" providerId="ADAL" clId="{F242522B-6172-4F94-B25D-5926311B3CF4}" dt="2025-04-23T23:03:00.634" v="1839" actId="478"/>
+          <ac:spMkLst>
+            <pc:docMk/>
+            <pc:sldMk cId="1659628676" sldId="522"/>
+            <ac:spMk id="2" creationId="{856D63B5-E3AD-44DF-BAD1-378EE6FF1A03}"/>
+          </ac:spMkLst>
+        </pc:spChg>
+        <pc:spChg chg="add del mod">
+          <ac:chgData name="Whitney Woelmer" userId="cc1e44da-7691-4c78-aceb-77bbb5a56163" providerId="ADAL" clId="{F242522B-6172-4F94-B25D-5926311B3CF4}" dt="2025-04-23T23:04:08.638" v="1885" actId="478"/>
+          <ac:spMkLst>
+            <pc:docMk/>
+            <pc:sldMk cId="1659628676" sldId="522"/>
+            <ac:spMk id="5" creationId="{4D5C51E3-CE3E-7776-E2D6-C54966BB9AAD}"/>
+          </ac:spMkLst>
+        </pc:spChg>
+        <pc:spChg chg="add mod">
+          <ac:chgData name="Whitney Woelmer" userId="cc1e44da-7691-4c78-aceb-77bbb5a56163" providerId="ADAL" clId="{F242522B-6172-4F94-B25D-5926311B3CF4}" dt="2025-04-23T23:05:15.719" v="1902" actId="1582"/>
+          <ac:spMkLst>
+            <pc:docMk/>
+            <pc:sldMk cId="1659628676" sldId="522"/>
+            <ac:spMk id="9" creationId="{DD5AC240-C3E9-AFB6-E725-3FEA4DF664F7}"/>
+          </ac:spMkLst>
+        </pc:spChg>
+        <pc:spChg chg="add mod">
+          <ac:chgData name="Whitney Woelmer" userId="cc1e44da-7691-4c78-aceb-77bbb5a56163" providerId="ADAL" clId="{F242522B-6172-4F94-B25D-5926311B3CF4}" dt="2025-04-23T23:09:36.093" v="2326" actId="1076"/>
+          <ac:spMkLst>
+            <pc:docMk/>
+            <pc:sldMk cId="1659628676" sldId="522"/>
+            <ac:spMk id="10" creationId="{8F7798DD-FCA1-FD13-7B64-288FDC37144D}"/>
+          </ac:spMkLst>
+        </pc:spChg>
+        <pc:spChg chg="add mod">
+          <ac:chgData name="Whitney Woelmer" userId="cc1e44da-7691-4c78-aceb-77bbb5a56163" providerId="ADAL" clId="{F242522B-6172-4F94-B25D-5926311B3CF4}" dt="2025-04-23T23:06:04.993" v="1938" actId="1582"/>
+          <ac:spMkLst>
+            <pc:docMk/>
+            <pc:sldMk cId="1659628676" sldId="522"/>
+            <ac:spMk id="11" creationId="{3AA186EC-268D-62E1-7F4A-4962FAF6CBA1}"/>
+          </ac:spMkLst>
+        </pc:spChg>
+        <pc:spChg chg="add mod">
+          <ac:chgData name="Whitney Woelmer" userId="cc1e44da-7691-4c78-aceb-77bbb5a56163" providerId="ADAL" clId="{F242522B-6172-4F94-B25D-5926311B3CF4}" dt="2025-04-23T23:06:40.659" v="2004" actId="14100"/>
+          <ac:spMkLst>
+            <pc:docMk/>
+            <pc:sldMk cId="1659628676" sldId="522"/>
+            <ac:spMk id="12" creationId="{C9E9DD23-1EE7-23A3-5299-8CE3ADDC7E90}"/>
+          </ac:spMkLst>
+        </pc:spChg>
+        <pc:spChg chg="add mod">
+          <ac:chgData name="Whitney Woelmer" userId="cc1e44da-7691-4c78-aceb-77bbb5a56163" providerId="ADAL" clId="{F242522B-6172-4F94-B25D-5926311B3CF4}" dt="2025-04-23T23:07:15.950" v="2117" actId="208"/>
+          <ac:spMkLst>
+            <pc:docMk/>
+            <pc:sldMk cId="1659628676" sldId="522"/>
+            <ac:spMk id="13" creationId="{B23F3B39-D9D1-3E4D-E439-B3A9D281470B}"/>
+          </ac:spMkLst>
+        </pc:spChg>
+        <pc:spChg chg="add mod">
+          <ac:chgData name="Whitney Woelmer" userId="cc1e44da-7691-4c78-aceb-77bbb5a56163" providerId="ADAL" clId="{F242522B-6172-4F94-B25D-5926311B3CF4}" dt="2025-04-23T23:09:43.597" v="2328" actId="1076"/>
+          <ac:spMkLst>
+            <pc:docMk/>
+            <pc:sldMk cId="1659628676" sldId="522"/>
+            <ac:spMk id="14" creationId="{89A42016-C3C8-C677-24EC-95577B36F43F}"/>
+          </ac:spMkLst>
+        </pc:spChg>
+        <pc:spChg chg="add mod">
+          <ac:chgData name="Whitney Woelmer" userId="cc1e44da-7691-4c78-aceb-77bbb5a56163" providerId="ADAL" clId="{F242522B-6172-4F94-B25D-5926311B3CF4}" dt="2025-04-23T23:09:31.014" v="2325" actId="1076"/>
+          <ac:spMkLst>
+            <pc:docMk/>
+            <pc:sldMk cId="1659628676" sldId="522"/>
+            <ac:spMk id="15" creationId="{9EA90995-7E19-689F-2C4B-C04DC9AC7EA0}"/>
+          </ac:spMkLst>
+        </pc:spChg>
+        <pc:spChg chg="add mod">
+          <ac:chgData name="Whitney Woelmer" userId="cc1e44da-7691-4c78-aceb-77bbb5a56163" providerId="ADAL" clId="{F242522B-6172-4F94-B25D-5926311B3CF4}" dt="2025-04-23T23:09:40.629" v="2327" actId="1076"/>
+          <ac:spMkLst>
+            <pc:docMk/>
+            <pc:sldMk cId="1659628676" sldId="522"/>
+            <ac:spMk id="16" creationId="{053D5C61-CF2D-0513-8A36-F641954A45D3}"/>
+          </ac:spMkLst>
+        </pc:spChg>
+        <pc:spChg chg="add mod">
+          <ac:chgData name="Whitney Woelmer" userId="cc1e44da-7691-4c78-aceb-77bbb5a56163" providerId="ADAL" clId="{F242522B-6172-4F94-B25D-5926311B3CF4}" dt="2025-04-23T23:10:42.276" v="2506" actId="14100"/>
+          <ac:spMkLst>
+            <pc:docMk/>
+            <pc:sldMk cId="1659628676" sldId="522"/>
+            <ac:spMk id="17" creationId="{3ADB1F15-F335-244A-5BFD-2505685A665D}"/>
+          </ac:spMkLst>
+        </pc:spChg>
+        <pc:spChg chg="add mod">
+          <ac:chgData name="Whitney Woelmer" userId="cc1e44da-7691-4c78-aceb-77bbb5a56163" providerId="ADAL" clId="{F242522B-6172-4F94-B25D-5926311B3CF4}" dt="2025-04-23T23:10:37.844" v="2505" actId="1076"/>
+          <ac:spMkLst>
+            <pc:docMk/>
+            <pc:sldMk cId="1659628676" sldId="522"/>
+            <ac:spMk id="18" creationId="{34A04514-FFE1-812C-E8B4-3A767FF055A8}"/>
+          </ac:spMkLst>
+        </pc:spChg>
+        <pc:picChg chg="add del mod">
+          <ac:chgData name="Whitney Woelmer" userId="cc1e44da-7691-4c78-aceb-77bbb5a56163" providerId="ADAL" clId="{F242522B-6172-4F94-B25D-5926311B3CF4}" dt="2025-04-23T23:04:06.092" v="1884" actId="478"/>
+          <ac:picMkLst>
+            <pc:docMk/>
+            <pc:sldMk cId="1659628676" sldId="522"/>
+            <ac:picMk id="4" creationId="{B0807DD7-F246-4803-7CD1-F7279D12F5E0}"/>
+          </ac:picMkLst>
+        </pc:picChg>
+        <pc:picChg chg="add mod">
+          <ac:chgData name="Whitney Woelmer" userId="cc1e44da-7691-4c78-aceb-77bbb5a56163" providerId="ADAL" clId="{F242522B-6172-4F94-B25D-5926311B3CF4}" dt="2025-04-23T23:07:37.372" v="2123" actId="1076"/>
+          <ac:picMkLst>
+            <pc:docMk/>
+            <pc:sldMk cId="1659628676" sldId="522"/>
+            <ac:picMk id="7" creationId="{D5D7702D-4586-CEA3-9AAA-0C4B2EECE50B}"/>
+          </ac:picMkLst>
+        </pc:picChg>
+        <pc:picChg chg="add del mod">
+          <ac:chgData name="Whitney Woelmer" userId="cc1e44da-7691-4c78-aceb-77bbb5a56163" providerId="ADAL" clId="{F242522B-6172-4F94-B25D-5926311B3CF4}" dt="2025-04-23T23:10:29.674" v="2504" actId="478"/>
+          <ac:picMkLst>
+            <pc:docMk/>
+            <pc:sldMk cId="1659628676" sldId="522"/>
+            <ac:picMk id="8" creationId="{5555932D-F98C-4DBE-5E42-24C74AB4E47A}"/>
+          </ac:picMkLst>
+        </pc:picChg>
+      </pc:sldChg>
+      <pc:sldChg chg="new del">
+        <pc:chgData name="Whitney Woelmer" userId="cc1e44da-7691-4c78-aceb-77bbb5a56163" providerId="ADAL" clId="{F242522B-6172-4F94-B25D-5926311B3CF4}" dt="2025-04-23T23:37:22.380" v="3616" actId="47"/>
+        <pc:sldMkLst>
+          <pc:docMk/>
+          <pc:sldMk cId="3316993041" sldId="523"/>
+        </pc:sldMkLst>
+      </pc:sldChg>
+      <pc:sldChg chg="addSp modSp new mod modClrScheme chgLayout">
+        <pc:chgData name="Whitney Woelmer" userId="cc1e44da-7691-4c78-aceb-77bbb5a56163" providerId="ADAL" clId="{F242522B-6172-4F94-B25D-5926311B3CF4}" dt="2025-04-23T23:22:28.695" v="2769" actId="1076"/>
+        <pc:sldMkLst>
+          <pc:docMk/>
+          <pc:sldMk cId="1973130145" sldId="524"/>
+        </pc:sldMkLst>
+        <pc:spChg chg="mod ord">
+          <ac:chgData name="Whitney Woelmer" userId="cc1e44da-7691-4c78-aceb-77bbb5a56163" providerId="ADAL" clId="{F242522B-6172-4F94-B25D-5926311B3CF4}" dt="2025-04-23T23:18:42.486" v="2558" actId="700"/>
+          <ac:spMkLst>
+            <pc:docMk/>
+            <pc:sldMk cId="1973130145" sldId="524"/>
+            <ac:spMk id="2" creationId="{3FFF4BD0-4986-81BF-0737-276F553F9322}"/>
+          </ac:spMkLst>
+        </pc:spChg>
+        <pc:spChg chg="add mod ord">
+          <ac:chgData name="Whitney Woelmer" userId="cc1e44da-7691-4c78-aceb-77bbb5a56163" providerId="ADAL" clId="{F242522B-6172-4F94-B25D-5926311B3CF4}" dt="2025-04-23T23:19:31.613" v="2751" actId="20577"/>
+          <ac:spMkLst>
+            <pc:docMk/>
+            <pc:sldMk cId="1973130145" sldId="524"/>
+            <ac:spMk id="3" creationId="{FB8B0742-41DD-84CE-8DCC-9ABADC95E599}"/>
+          </ac:spMkLst>
+        </pc:spChg>
+        <pc:spChg chg="add mod">
+          <ac:chgData name="Whitney Woelmer" userId="cc1e44da-7691-4c78-aceb-77bbb5a56163" providerId="ADAL" clId="{F242522B-6172-4F94-B25D-5926311B3CF4}" dt="2025-04-23T23:22:28.695" v="2769" actId="1076"/>
+          <ac:spMkLst>
+            <pc:docMk/>
+            <pc:sldMk cId="1973130145" sldId="524"/>
+            <ac:spMk id="8" creationId="{DD3AC0EA-76DC-5196-B11E-D925483CCBED}"/>
+          </ac:spMkLst>
+        </pc:spChg>
+        <pc:spChg chg="add mod">
+          <ac:chgData name="Whitney Woelmer" userId="cc1e44da-7691-4c78-aceb-77bbb5a56163" providerId="ADAL" clId="{F242522B-6172-4F94-B25D-5926311B3CF4}" dt="2025-04-23T23:22:23.646" v="2768" actId="20577"/>
+          <ac:spMkLst>
+            <pc:docMk/>
+            <pc:sldMk cId="1973130145" sldId="524"/>
+            <ac:spMk id="9" creationId="{454BA6BD-B457-D532-2F27-EA7951EB9B9B}"/>
+          </ac:spMkLst>
+        </pc:spChg>
+        <pc:picChg chg="add mod">
+          <ac:chgData name="Whitney Woelmer" userId="cc1e44da-7691-4c78-aceb-77bbb5a56163" providerId="ADAL" clId="{F242522B-6172-4F94-B25D-5926311B3CF4}" dt="2025-04-23T23:22:14.094" v="2761" actId="1076"/>
+          <ac:picMkLst>
+            <pc:docMk/>
+            <pc:sldMk cId="1973130145" sldId="524"/>
+            <ac:picMk id="5" creationId="{75205E0B-D224-161F-0807-DFAA6BF8481F}"/>
+          </ac:picMkLst>
+        </pc:picChg>
+        <pc:picChg chg="add mod">
+          <ac:chgData name="Whitney Woelmer" userId="cc1e44da-7691-4c78-aceb-77bbb5a56163" providerId="ADAL" clId="{F242522B-6172-4F94-B25D-5926311B3CF4}" dt="2025-04-23T23:22:28.695" v="2769" actId="1076"/>
+          <ac:picMkLst>
+            <pc:docMk/>
+            <pc:sldMk cId="1973130145" sldId="524"/>
+            <ac:picMk id="7" creationId="{CC02E646-A224-233E-6546-69D376772374}"/>
+          </ac:picMkLst>
+        </pc:picChg>
+      </pc:sldChg>
+      <pc:sldChg chg="addSp delSp modSp add mod">
+        <pc:chgData name="Whitney Woelmer" userId="cc1e44da-7691-4c78-aceb-77bbb5a56163" providerId="ADAL" clId="{F242522B-6172-4F94-B25D-5926311B3CF4}" dt="2025-04-23T23:24:00.135" v="2851" actId="1076"/>
+        <pc:sldMkLst>
+          <pc:docMk/>
+          <pc:sldMk cId="1539637338" sldId="525"/>
+        </pc:sldMkLst>
+        <pc:spChg chg="mod">
+          <ac:chgData name="Whitney Woelmer" userId="cc1e44da-7691-4c78-aceb-77bbb5a56163" providerId="ADAL" clId="{F242522B-6172-4F94-B25D-5926311B3CF4}" dt="2025-04-23T23:23:00.815" v="2843" actId="20577"/>
+          <ac:spMkLst>
+            <pc:docMk/>
+            <pc:sldMk cId="1539637338" sldId="525"/>
+            <ac:spMk id="3" creationId="{D0F2C80A-8435-F725-0191-B692C106646B}"/>
+          </ac:spMkLst>
+        </pc:spChg>
+        <pc:spChg chg="mod">
+          <ac:chgData name="Whitney Woelmer" userId="cc1e44da-7691-4c78-aceb-77bbb5a56163" providerId="ADAL" clId="{F242522B-6172-4F94-B25D-5926311B3CF4}" dt="2025-04-23T23:23:35.310" v="2847" actId="1076"/>
+          <ac:spMkLst>
+            <pc:docMk/>
+            <pc:sldMk cId="1539637338" sldId="525"/>
+            <ac:spMk id="8" creationId="{0AC2A61E-DF18-A7C4-8B68-D5E62FB9265F}"/>
+          </ac:spMkLst>
+        </pc:spChg>
+        <pc:picChg chg="del">
+          <ac:chgData name="Whitney Woelmer" userId="cc1e44da-7691-4c78-aceb-77bbb5a56163" providerId="ADAL" clId="{F242522B-6172-4F94-B25D-5926311B3CF4}" dt="2025-04-23T23:23:55.083" v="2849" actId="478"/>
+          <ac:picMkLst>
+            <pc:docMk/>
+            <pc:sldMk cId="1539637338" sldId="525"/>
+            <ac:picMk id="5" creationId="{0C6E81DD-841D-E22C-3988-4AD922D4E063}"/>
+          </ac:picMkLst>
+        </pc:picChg>
+        <pc:picChg chg="add mod">
+          <ac:chgData name="Whitney Woelmer" userId="cc1e44da-7691-4c78-aceb-77bbb5a56163" providerId="ADAL" clId="{F242522B-6172-4F94-B25D-5926311B3CF4}" dt="2025-04-23T23:23:36.837" v="2848" actId="1076"/>
+          <ac:picMkLst>
+            <pc:docMk/>
+            <pc:sldMk cId="1539637338" sldId="525"/>
+            <ac:picMk id="6" creationId="{F168C18F-FA56-23EA-6983-C8F66C0555B1}"/>
+          </ac:picMkLst>
+        </pc:picChg>
+        <pc:picChg chg="del">
+          <ac:chgData name="Whitney Woelmer" userId="cc1e44da-7691-4c78-aceb-77bbb5a56163" providerId="ADAL" clId="{F242522B-6172-4F94-B25D-5926311B3CF4}" dt="2025-04-23T23:23:29.915" v="2844" actId="478"/>
+          <ac:picMkLst>
+            <pc:docMk/>
+            <pc:sldMk cId="1539637338" sldId="525"/>
+            <ac:picMk id="7" creationId="{790B1E4A-D4B8-6BD8-6CCD-5A95D816BA03}"/>
+          </ac:picMkLst>
+        </pc:picChg>
+        <pc:picChg chg="add mod">
+          <ac:chgData name="Whitney Woelmer" userId="cc1e44da-7691-4c78-aceb-77bbb5a56163" providerId="ADAL" clId="{F242522B-6172-4F94-B25D-5926311B3CF4}" dt="2025-04-23T23:24:00.135" v="2851" actId="1076"/>
+          <ac:picMkLst>
+            <pc:docMk/>
+            <pc:sldMk cId="1539637338" sldId="525"/>
+            <ac:picMk id="11" creationId="{950BD794-6A77-D88D-FD80-EFEC1A66BBBC}"/>
+          </ac:picMkLst>
+        </pc:picChg>
+      </pc:sldChg>
+      <pc:sldChg chg="addSp modSp new mod">
+        <pc:chgData name="Whitney Woelmer" userId="cc1e44da-7691-4c78-aceb-77bbb5a56163" providerId="ADAL" clId="{F242522B-6172-4F94-B25D-5926311B3CF4}" dt="2025-04-23T23:26:47.900" v="3040" actId="1076"/>
+        <pc:sldMkLst>
+          <pc:docMk/>
+          <pc:sldMk cId="2263016475" sldId="526"/>
+        </pc:sldMkLst>
+        <pc:spChg chg="mod">
+          <ac:chgData name="Whitney Woelmer" userId="cc1e44da-7691-4c78-aceb-77bbb5a56163" providerId="ADAL" clId="{F242522B-6172-4F94-B25D-5926311B3CF4}" dt="2025-04-23T23:24:37.662" v="2872" actId="20577"/>
+          <ac:spMkLst>
+            <pc:docMk/>
+            <pc:sldMk cId="2263016475" sldId="526"/>
+            <ac:spMk id="2" creationId="{FF97F707-6363-5818-18A4-5D69D016C555}"/>
+          </ac:spMkLst>
+        </pc:spChg>
+        <pc:spChg chg="mod">
+          <ac:chgData name="Whitney Woelmer" userId="cc1e44da-7691-4c78-aceb-77bbb5a56163" providerId="ADAL" clId="{F242522B-6172-4F94-B25D-5926311B3CF4}" dt="2025-04-23T23:25:33.743" v="3038" actId="20577"/>
+          <ac:spMkLst>
+            <pc:docMk/>
+            <pc:sldMk cId="2263016475" sldId="526"/>
+            <ac:spMk id="3" creationId="{2DB821B6-52A8-007D-8AC5-3E3804FF70EA}"/>
+          </ac:spMkLst>
+        </pc:spChg>
+        <pc:picChg chg="add mod">
+          <ac:chgData name="Whitney Woelmer" userId="cc1e44da-7691-4c78-aceb-77bbb5a56163" providerId="ADAL" clId="{F242522B-6172-4F94-B25D-5926311B3CF4}" dt="2025-04-23T23:26:47.900" v="3040" actId="1076"/>
+          <ac:picMkLst>
+            <pc:docMk/>
+            <pc:sldMk cId="2263016475" sldId="526"/>
+            <ac:picMk id="5" creationId="{4DEB345A-D2C9-4ED4-F544-152A58AC2546}"/>
+          </ac:picMkLst>
+        </pc:picChg>
+      </pc:sldChg>
+      <pc:sldChg chg="addSp delSp modSp add mod">
+        <pc:chgData name="Whitney Woelmer" userId="cc1e44da-7691-4c78-aceb-77bbb5a56163" providerId="ADAL" clId="{F242522B-6172-4F94-B25D-5926311B3CF4}" dt="2025-04-23T23:30:35.536" v="3190" actId="20577"/>
+        <pc:sldMkLst>
+          <pc:docMk/>
+          <pc:sldMk cId="3270316992" sldId="527"/>
+        </pc:sldMkLst>
+        <pc:spChg chg="mod">
+          <ac:chgData name="Whitney Woelmer" userId="cc1e44da-7691-4c78-aceb-77bbb5a56163" providerId="ADAL" clId="{F242522B-6172-4F94-B25D-5926311B3CF4}" dt="2025-04-23T23:30:35.536" v="3190" actId="20577"/>
+          <ac:spMkLst>
+            <pc:docMk/>
+            <pc:sldMk cId="3270316992" sldId="527"/>
+            <ac:spMk id="3" creationId="{C0B5E0B3-CBAC-7C52-76A1-02C2995D1AE9}"/>
+          </ac:spMkLst>
+        </pc:spChg>
+        <pc:spChg chg="del">
+          <ac:chgData name="Whitney Woelmer" userId="cc1e44da-7691-4c78-aceb-77bbb5a56163" providerId="ADAL" clId="{F242522B-6172-4F94-B25D-5926311B3CF4}" dt="2025-04-23T23:30:12.717" v="3127" actId="478"/>
+          <ac:spMkLst>
+            <pc:docMk/>
+            <pc:sldMk cId="3270316992" sldId="527"/>
+            <ac:spMk id="8" creationId="{AA20AF7C-1794-2387-64BF-C58FE0E420B0}"/>
+          </ac:spMkLst>
+        </pc:spChg>
+        <pc:spChg chg="del">
+          <ac:chgData name="Whitney Woelmer" userId="cc1e44da-7691-4c78-aceb-77bbb5a56163" providerId="ADAL" clId="{F242522B-6172-4F94-B25D-5926311B3CF4}" dt="2025-04-23T23:30:13.776" v="3128" actId="478"/>
+          <ac:spMkLst>
+            <pc:docMk/>
+            <pc:sldMk cId="3270316992" sldId="527"/>
+            <ac:spMk id="9" creationId="{16C18B30-09D6-0728-EA43-4775501702B6}"/>
+          </ac:spMkLst>
+        </pc:spChg>
+        <pc:picChg chg="add del mod">
+          <ac:chgData name="Whitney Woelmer" userId="cc1e44da-7691-4c78-aceb-77bbb5a56163" providerId="ADAL" clId="{F242522B-6172-4F94-B25D-5926311B3CF4}" dt="2025-04-23T23:29:59.027" v="3124" actId="478"/>
+          <ac:picMkLst>
+            <pc:docMk/>
+            <pc:sldMk cId="3270316992" sldId="527"/>
+            <ac:picMk id="5" creationId="{611A7CD3-443A-64A4-ACAD-DC2E1CDDB148}"/>
+          </ac:picMkLst>
+        </pc:picChg>
+        <pc:picChg chg="del">
+          <ac:chgData name="Whitney Woelmer" userId="cc1e44da-7691-4c78-aceb-77bbb5a56163" providerId="ADAL" clId="{F242522B-6172-4F94-B25D-5926311B3CF4}" dt="2025-04-23T23:29:54.785" v="3121" actId="478"/>
+          <ac:picMkLst>
+            <pc:docMk/>
+            <pc:sldMk cId="3270316992" sldId="527"/>
+            <ac:picMk id="6" creationId="{E2FF85B1-1824-0AFA-3A0C-9A75E808FFBE}"/>
+          </ac:picMkLst>
+        </pc:picChg>
+        <pc:picChg chg="add mod">
+          <ac:chgData name="Whitney Woelmer" userId="cc1e44da-7691-4c78-aceb-77bbb5a56163" providerId="ADAL" clId="{F242522B-6172-4F94-B25D-5926311B3CF4}" dt="2025-04-23T23:30:18.831" v="3130" actId="1076"/>
+          <ac:picMkLst>
+            <pc:docMk/>
+            <pc:sldMk cId="3270316992" sldId="527"/>
+            <ac:picMk id="10" creationId="{97BD58C0-22A7-DB29-FB2E-DA6BA6315230}"/>
+          </ac:picMkLst>
+        </pc:picChg>
+        <pc:picChg chg="del">
+          <ac:chgData name="Whitney Woelmer" userId="cc1e44da-7691-4c78-aceb-77bbb5a56163" providerId="ADAL" clId="{F242522B-6172-4F94-B25D-5926311B3CF4}" dt="2025-04-23T23:30:14.445" v="3129" actId="478"/>
+          <ac:picMkLst>
+            <pc:docMk/>
+            <pc:sldMk cId="3270316992" sldId="527"/>
+            <ac:picMk id="11" creationId="{71DA1817-D5E9-7572-7B52-65494AC73353}"/>
+          </ac:picMkLst>
+        </pc:picChg>
+      </pc:sldChg>
+      <pc:sldChg chg="addSp delSp modSp add mod">
+        <pc:chgData name="Whitney Woelmer" userId="cc1e44da-7691-4c78-aceb-77bbb5a56163" providerId="ADAL" clId="{F242522B-6172-4F94-B25D-5926311B3CF4}" dt="2025-04-23T23:36:47.924" v="3614" actId="27636"/>
+        <pc:sldMkLst>
+          <pc:docMk/>
+          <pc:sldMk cId="779704714" sldId="528"/>
+        </pc:sldMkLst>
+        <pc:spChg chg="mod">
+          <ac:chgData name="Whitney Woelmer" userId="cc1e44da-7691-4c78-aceb-77bbb5a56163" providerId="ADAL" clId="{F242522B-6172-4F94-B25D-5926311B3CF4}" dt="2025-04-23T23:36:47.924" v="3614" actId="27636"/>
+          <ac:spMkLst>
+            <pc:docMk/>
+            <pc:sldMk cId="779704714" sldId="528"/>
+            <ac:spMk id="3" creationId="{D57A27F7-050B-12C2-6CCE-7A0478E02441}"/>
+          </ac:spMkLst>
+        </pc:spChg>
+        <pc:picChg chg="del">
+          <ac:chgData name="Whitney Woelmer" userId="cc1e44da-7691-4c78-aceb-77bbb5a56163" providerId="ADAL" clId="{F242522B-6172-4F94-B25D-5926311B3CF4}" dt="2025-04-23T23:31:25.058" v="3192" actId="478"/>
+          <ac:picMkLst>
+            <pc:docMk/>
+            <pc:sldMk cId="779704714" sldId="528"/>
+            <ac:picMk id="5" creationId="{C7F4CC5A-886E-C746-AA08-A08C53C2B3FF}"/>
+          </ac:picMkLst>
+        </pc:picChg>
+        <pc:picChg chg="add mod">
+          <ac:chgData name="Whitney Woelmer" userId="cc1e44da-7691-4c78-aceb-77bbb5a56163" providerId="ADAL" clId="{F242522B-6172-4F94-B25D-5926311B3CF4}" dt="2025-04-23T23:32:47.874" v="3294" actId="1076"/>
+          <ac:picMkLst>
+            <pc:docMk/>
+            <pc:sldMk cId="779704714" sldId="528"/>
+            <ac:picMk id="6" creationId="{BCB0BD30-7704-BF9C-A949-23C2B7E3E8E3}"/>
+          </ac:picMkLst>
+        </pc:picChg>
+      </pc:sldChg>
+      <pc:sldChg chg="addSp delSp modSp add mod">
+        <pc:chgData name="Whitney Woelmer" userId="cc1e44da-7691-4c78-aceb-77bbb5a56163" providerId="ADAL" clId="{F242522B-6172-4F94-B25D-5926311B3CF4}" dt="2025-04-23T23:36:12.862" v="3490" actId="1076"/>
+        <pc:sldMkLst>
+          <pc:docMk/>
+          <pc:sldMk cId="1540252618" sldId="529"/>
+        </pc:sldMkLst>
+        <pc:spChg chg="mod">
+          <ac:chgData name="Whitney Woelmer" userId="cc1e44da-7691-4c78-aceb-77bbb5a56163" providerId="ADAL" clId="{F242522B-6172-4F94-B25D-5926311B3CF4}" dt="2025-04-23T23:34:38.860" v="3477" actId="20577"/>
+          <ac:spMkLst>
+            <pc:docMk/>
+            <pc:sldMk cId="1540252618" sldId="529"/>
+            <ac:spMk id="3" creationId="{3F5FDC8E-D273-5E06-AB17-FB628542108E}"/>
+          </ac:spMkLst>
+        </pc:spChg>
+        <pc:picChg chg="add mod">
+          <ac:chgData name="Whitney Woelmer" userId="cc1e44da-7691-4c78-aceb-77bbb5a56163" providerId="ADAL" clId="{F242522B-6172-4F94-B25D-5926311B3CF4}" dt="2025-04-23T23:35:20.879" v="3480" actId="1076"/>
+          <ac:picMkLst>
+            <pc:docMk/>
+            <pc:sldMk cId="1540252618" sldId="529"/>
+            <ac:picMk id="5" creationId="{A812DE6C-7C9E-595F-7141-6C02850D682F}"/>
+          </ac:picMkLst>
+        </pc:picChg>
+        <pc:picChg chg="del">
+          <ac:chgData name="Whitney Woelmer" userId="cc1e44da-7691-4c78-aceb-77bbb5a56163" providerId="ADAL" clId="{F242522B-6172-4F94-B25D-5926311B3CF4}" dt="2025-04-23T23:34:41.805" v="3478" actId="478"/>
+          <ac:picMkLst>
+            <pc:docMk/>
+            <pc:sldMk cId="1540252618" sldId="529"/>
+            <ac:picMk id="6" creationId="{916B7B68-2019-D574-A3C0-B9D0E45E6A39}"/>
+          </ac:picMkLst>
+        </pc:picChg>
+        <pc:picChg chg="add mod">
+          <ac:chgData name="Whitney Woelmer" userId="cc1e44da-7691-4c78-aceb-77bbb5a56163" providerId="ADAL" clId="{F242522B-6172-4F94-B25D-5926311B3CF4}" dt="2025-04-23T23:36:11.078" v="3489" actId="1076"/>
+          <ac:picMkLst>
+            <pc:docMk/>
+            <pc:sldMk cId="1540252618" sldId="529"/>
+            <ac:picMk id="8" creationId="{054800DC-1903-01BB-6492-518AA965403C}"/>
+          </ac:picMkLst>
+        </pc:picChg>
+        <pc:picChg chg="add mod">
+          <ac:chgData name="Whitney Woelmer" userId="cc1e44da-7691-4c78-aceb-77bbb5a56163" providerId="ADAL" clId="{F242522B-6172-4F94-B25D-5926311B3CF4}" dt="2025-04-23T23:36:12.862" v="3490" actId="1076"/>
+          <ac:picMkLst>
+            <pc:docMk/>
+            <pc:sldMk cId="1540252618" sldId="529"/>
+            <ac:picMk id="10" creationId="{48988DA9-36B7-4DA0-7C59-EBFF7E2E5666}"/>
+          </ac:picMkLst>
+        </pc:picChg>
+      </pc:sldChg>
+      <pc:sldChg chg="new del">
+        <pc:chgData name="Whitney Woelmer" userId="cc1e44da-7691-4c78-aceb-77bbb5a56163" providerId="ADAL" clId="{F242522B-6172-4F94-B25D-5926311B3CF4}" dt="2025-04-24T00:08:18.459" v="4212" actId="47"/>
+        <pc:sldMkLst>
+          <pc:docMk/>
+          <pc:sldMk cId="922182480" sldId="530"/>
+        </pc:sldMkLst>
+      </pc:sldChg>
+      <pc:sldChg chg="modSp add mod">
+        <pc:chgData name="Whitney Woelmer" userId="cc1e44da-7691-4c78-aceb-77bbb5a56163" providerId="ADAL" clId="{F242522B-6172-4F94-B25D-5926311B3CF4}" dt="2025-04-23T23:54:43.797" v="3921" actId="27636"/>
+        <pc:sldMkLst>
+          <pc:docMk/>
+          <pc:sldMk cId="1937472351" sldId="531"/>
+        </pc:sldMkLst>
+        <pc:spChg chg="mod">
+          <ac:chgData name="Whitney Woelmer" userId="cc1e44da-7691-4c78-aceb-77bbb5a56163" providerId="ADAL" clId="{F242522B-6172-4F94-B25D-5926311B3CF4}" dt="2025-04-23T23:54:43.797" v="3921" actId="27636"/>
+          <ac:spMkLst>
+            <pc:docMk/>
+            <pc:sldMk cId="1937472351" sldId="531"/>
+            <ac:spMk id="5" creationId="{B7ED4CD2-DB71-3FCC-DF46-354006CFA5F0}"/>
+          </ac:spMkLst>
+        </pc:spChg>
+      </pc:sldChg>
+      <pc:sldChg chg="addSp delSp modSp new mod">
+        <pc:chgData name="Whitney Woelmer" userId="cc1e44da-7691-4c78-aceb-77bbb5a56163" providerId="ADAL" clId="{F242522B-6172-4F94-B25D-5926311B3CF4}" dt="2025-04-24T02:04:27.579" v="4474" actId="14100"/>
+        <pc:sldMkLst>
+          <pc:docMk/>
+          <pc:sldMk cId="4173238154" sldId="532"/>
+        </pc:sldMkLst>
+        <pc:spChg chg="mod">
+          <ac:chgData name="Whitney Woelmer" userId="cc1e44da-7691-4c78-aceb-77bbb5a56163" providerId="ADAL" clId="{F242522B-6172-4F94-B25D-5926311B3CF4}" dt="2025-04-24T01:59:59.361" v="4261" actId="20577"/>
+          <ac:spMkLst>
+            <pc:docMk/>
+            <pc:sldMk cId="4173238154" sldId="532"/>
+            <ac:spMk id="2" creationId="{23C5E920-83BC-357E-A523-FAB1BADC5398}"/>
+          </ac:spMkLst>
+        </pc:spChg>
+        <pc:spChg chg="mod">
+          <ac:chgData name="Whitney Woelmer" userId="cc1e44da-7691-4c78-aceb-77bbb5a56163" providerId="ADAL" clId="{F242522B-6172-4F94-B25D-5926311B3CF4}" dt="2025-04-24T02:02:27.573" v="4348" actId="20577"/>
+          <ac:spMkLst>
+            <pc:docMk/>
+            <pc:sldMk cId="4173238154" sldId="532"/>
+            <ac:spMk id="3" creationId="{4A3C3C2E-AE87-8C59-B333-201EC62A9CFE}"/>
+          </ac:spMkLst>
+        </pc:spChg>
+        <pc:spChg chg="add mod">
+          <ac:chgData name="Whitney Woelmer" userId="cc1e44da-7691-4c78-aceb-77bbb5a56163" providerId="ADAL" clId="{F242522B-6172-4F94-B25D-5926311B3CF4}" dt="2025-04-24T02:04:27.579" v="4474" actId="14100"/>
+          <ac:spMkLst>
+            <pc:docMk/>
+            <pc:sldMk cId="4173238154" sldId="532"/>
+            <ac:spMk id="15" creationId="{255A994A-F0BC-FF5C-5957-2D1875AC2DF1}"/>
+          </ac:spMkLst>
+        </pc:spChg>
+        <pc:grpChg chg="mod">
+          <ac:chgData name="Whitney Woelmer" userId="cc1e44da-7691-4c78-aceb-77bbb5a56163" providerId="ADAL" clId="{F242522B-6172-4F94-B25D-5926311B3CF4}" dt="2025-04-24T02:02:53.990" v="4353"/>
+          <ac:grpSpMkLst>
+            <pc:docMk/>
+            <pc:sldMk cId="4173238154" sldId="532"/>
+            <ac:grpSpMk id="10" creationId="{2B464C35-B693-61CF-3F80-45E575930638}"/>
+          </ac:grpSpMkLst>
+        </pc:grpChg>
+        <pc:picChg chg="add del mod">
+          <ac:chgData name="Whitney Woelmer" userId="cc1e44da-7691-4c78-aceb-77bbb5a56163" providerId="ADAL" clId="{F242522B-6172-4F94-B25D-5926311B3CF4}" dt="2025-04-24T02:02:21.774" v="4343" actId="478"/>
+          <ac:picMkLst>
+            <pc:docMk/>
+            <pc:sldMk cId="4173238154" sldId="532"/>
+            <ac:picMk id="5" creationId="{BF7C4E29-A112-453D-27BD-955CC54CF3C3}"/>
+          </ac:picMkLst>
+        </pc:picChg>
+        <pc:picChg chg="add mod">
+          <ac:chgData name="Whitney Woelmer" userId="cc1e44da-7691-4c78-aceb-77bbb5a56163" providerId="ADAL" clId="{F242522B-6172-4F94-B25D-5926311B3CF4}" dt="2025-04-24T02:02:23.911" v="4345" actId="1076"/>
+          <ac:picMkLst>
+            <pc:docMk/>
+            <pc:sldMk cId="4173238154" sldId="532"/>
+            <ac:picMk id="7" creationId="{B1E7DB40-3B18-C508-D320-D3B2CEB760E4}"/>
+          </ac:picMkLst>
+        </pc:picChg>
+        <pc:inkChg chg="add del mod">
+          <ac:chgData name="Whitney Woelmer" userId="cc1e44da-7691-4c78-aceb-77bbb5a56163" providerId="ADAL" clId="{F242522B-6172-4F94-B25D-5926311B3CF4}" dt="2025-04-24T02:02:54.782" v="4354" actId="9405"/>
+          <ac:inkMkLst>
+            <pc:docMk/>
+            <pc:sldMk cId="4173238154" sldId="532"/>
+            <ac:inkMk id="8" creationId="{4578E0D0-2DAB-410A-735E-7EF2F014E5B2}"/>
+          </ac:inkMkLst>
+        </pc:inkChg>
+        <pc:inkChg chg="add del mod">
+          <ac:chgData name="Whitney Woelmer" userId="cc1e44da-7691-4c78-aceb-77bbb5a56163" providerId="ADAL" clId="{F242522B-6172-4F94-B25D-5926311B3CF4}" dt="2025-04-24T02:02:53.990" v="4353"/>
+          <ac:inkMkLst>
+            <pc:docMk/>
+            <pc:sldMk cId="4173238154" sldId="532"/>
+            <ac:inkMk id="9" creationId="{155C27ED-1CCF-E821-7173-8CBB3DCA88FA}"/>
+          </ac:inkMkLst>
+        </pc:inkChg>
+        <pc:inkChg chg="add del">
+          <ac:chgData name="Whitney Woelmer" userId="cc1e44da-7691-4c78-aceb-77bbb5a56163" providerId="ADAL" clId="{F242522B-6172-4F94-B25D-5926311B3CF4}" dt="2025-04-24T02:03:15.942" v="4358" actId="9405"/>
+          <ac:inkMkLst>
+            <pc:docMk/>
+            <pc:sldMk cId="4173238154" sldId="532"/>
+            <ac:inkMk id="11" creationId="{FEC5428A-CDEF-D6DD-BB60-AB60BFB3E9C5}"/>
+          </ac:inkMkLst>
+        </pc:inkChg>
+        <pc:inkChg chg="add del">
+          <ac:chgData name="Whitney Woelmer" userId="cc1e44da-7691-4c78-aceb-77bbb5a56163" providerId="ADAL" clId="{F242522B-6172-4F94-B25D-5926311B3CF4}" dt="2025-04-24T02:03:14.141" v="4357" actId="9405"/>
+          <ac:inkMkLst>
+            <pc:docMk/>
+            <pc:sldMk cId="4173238154" sldId="532"/>
+            <ac:inkMk id="12" creationId="{BE822311-B9F4-3F32-A6AA-4B6F73AEFA18}"/>
+          </ac:inkMkLst>
+        </pc:inkChg>
+        <pc:inkChg chg="add del">
+          <ac:chgData name="Whitney Woelmer" userId="cc1e44da-7691-4c78-aceb-77bbb5a56163" providerId="ADAL" clId="{F242522B-6172-4F94-B25D-5926311B3CF4}" dt="2025-04-24T02:03:48.893" v="4362" actId="478"/>
+          <ac:inkMkLst>
+            <pc:docMk/>
+            <pc:sldMk cId="4173238154" sldId="532"/>
+            <ac:inkMk id="13" creationId="{52E36AA3-B1CC-0800-4341-9CAC8208379A}"/>
+          </ac:inkMkLst>
+        </pc:inkChg>
+        <pc:inkChg chg="add">
+          <ac:chgData name="Whitney Woelmer" userId="cc1e44da-7691-4c78-aceb-77bbb5a56163" providerId="ADAL" clId="{F242522B-6172-4F94-B25D-5926311B3CF4}" dt="2025-04-24T02:03:52.324" v="4363" actId="9405"/>
+          <ac:inkMkLst>
+            <pc:docMk/>
+            <pc:sldMk cId="4173238154" sldId="532"/>
+            <ac:inkMk id="14" creationId="{B0DEAC8A-FBC0-4878-BBCD-9F4913B092F6}"/>
+          </ac:inkMkLst>
+        </pc:inkChg>
+      </pc:sldChg>
+      <pc:sldChg chg="add del">
+        <pc:chgData name="Whitney Woelmer" userId="cc1e44da-7691-4c78-aceb-77bbb5a56163" providerId="ADAL" clId="{F242522B-6172-4F94-B25D-5926311B3CF4}" dt="2025-04-24T02:03:44.171" v="4361" actId="47"/>
+        <pc:sldMkLst>
+          <pc:docMk/>
+          <pc:sldMk cId="822897949" sldId="533"/>
+        </pc:sldMkLst>
+      </pc:sldChg>
+      <pc:sldChg chg="modSp add mod">
+        <pc:chgData name="Whitney Woelmer" userId="cc1e44da-7691-4c78-aceb-77bbb5a56163" providerId="ADAL" clId="{F242522B-6172-4F94-B25D-5926311B3CF4}" dt="2025-04-24T02:05:02.463" v="4567" actId="20577"/>
+        <pc:sldMkLst>
+          <pc:docMk/>
+          <pc:sldMk cId="3315339686" sldId="533"/>
+        </pc:sldMkLst>
+        <pc:spChg chg="mod">
+          <ac:chgData name="Whitney Woelmer" userId="cc1e44da-7691-4c78-aceb-77bbb5a56163" providerId="ADAL" clId="{F242522B-6172-4F94-B25D-5926311B3CF4}" dt="2025-04-24T02:05:02.463" v="4567" actId="20577"/>
+          <ac:spMkLst>
+            <pc:docMk/>
+            <pc:sldMk cId="3315339686" sldId="533"/>
+            <ac:spMk id="15" creationId="{22FF6E3C-4378-1B30-ED85-5468B740DAB9}"/>
+          </ac:spMkLst>
+        </pc:spChg>
+        <pc:inkChg chg="mod">
+          <ac:chgData name="Whitney Woelmer" userId="cc1e44da-7691-4c78-aceb-77bbb5a56163" providerId="ADAL" clId="{F242522B-6172-4F94-B25D-5926311B3CF4}" dt="2025-04-24T02:04:41.179" v="4476" actId="1076"/>
+          <ac:inkMkLst>
+            <pc:docMk/>
+            <pc:sldMk cId="3315339686" sldId="533"/>
+            <ac:inkMk id="14" creationId="{C3F72AE0-03FA-0E75-FA53-E2FF2DEAB05E}"/>
+          </ac:inkMkLst>
+        </pc:inkChg>
+      </pc:sldChg>
+      <pc:sldChg chg="addSp modSp add mod">
+        <pc:chgData name="Whitney Woelmer" userId="cc1e44da-7691-4c78-aceb-77bbb5a56163" providerId="ADAL" clId="{F242522B-6172-4F94-B25D-5926311B3CF4}" dt="2025-04-24T02:12:37.969" v="4701" actId="313"/>
+        <pc:sldMkLst>
+          <pc:docMk/>
+          <pc:sldMk cId="1241047544" sldId="534"/>
+        </pc:sldMkLst>
+        <pc:spChg chg="mod">
+          <ac:chgData name="Whitney Woelmer" userId="cc1e44da-7691-4c78-aceb-77bbb5a56163" providerId="ADAL" clId="{F242522B-6172-4F94-B25D-5926311B3CF4}" dt="2025-04-24T02:12:37.969" v="4701" actId="313"/>
+          <ac:spMkLst>
+            <pc:docMk/>
+            <pc:sldMk cId="1241047544" sldId="534"/>
+            <ac:spMk id="15" creationId="{DDE4362B-5928-C573-8751-B09D1D501D58}"/>
+          </ac:spMkLst>
+        </pc:spChg>
+        <pc:picChg chg="add mod">
+          <ac:chgData name="Whitney Woelmer" userId="cc1e44da-7691-4c78-aceb-77bbb5a56163" providerId="ADAL" clId="{F242522B-6172-4F94-B25D-5926311B3CF4}" dt="2025-04-24T02:12:22.995" v="4610" actId="1076"/>
+          <ac:picMkLst>
+            <pc:docMk/>
+            <pc:sldMk cId="1241047544" sldId="534"/>
+            <ac:picMk id="4" creationId="{67C13DC5-681A-5B21-FDBA-341F96879DF2}"/>
+          </ac:picMkLst>
+        </pc:picChg>
+        <pc:inkChg chg="mod">
+          <ac:chgData name="Whitney Woelmer" userId="cc1e44da-7691-4c78-aceb-77bbb5a56163" providerId="ADAL" clId="{F242522B-6172-4F94-B25D-5926311B3CF4}" dt="2025-04-24T02:05:09.323" v="4569" actId="1076"/>
+          <ac:inkMkLst>
+            <pc:docMk/>
+            <pc:sldMk cId="1241047544" sldId="534"/>
+            <ac:inkMk id="14" creationId="{5FEAC557-6304-420E-CA16-119AE1BC7F9F}"/>
+          </ac:inkMkLst>
+        </pc:inkChg>
+      </pc:sldChg>
+      <pc:sldChg chg="modSp add mod">
+        <pc:chgData name="Whitney Woelmer" userId="cc1e44da-7691-4c78-aceb-77bbb5a56163" providerId="ADAL" clId="{F242522B-6172-4F94-B25D-5926311B3CF4}" dt="2025-04-24T02:13:44.129" v="4929" actId="20577"/>
+        <pc:sldMkLst>
+          <pc:docMk/>
+          <pc:sldMk cId="3890485669" sldId="535"/>
+        </pc:sldMkLst>
+        <pc:spChg chg="mod">
+          <ac:chgData name="Whitney Woelmer" userId="cc1e44da-7691-4c78-aceb-77bbb5a56163" providerId="ADAL" clId="{F242522B-6172-4F94-B25D-5926311B3CF4}" dt="2025-04-24T02:13:44.129" v="4929" actId="20577"/>
+          <ac:spMkLst>
+            <pc:docMk/>
+            <pc:sldMk cId="3890485669" sldId="535"/>
+            <ac:spMk id="15" creationId="{9E63351A-6684-E251-45A1-5E91D8751182}"/>
+          </ac:spMkLst>
+        </pc:spChg>
+        <pc:picChg chg="mod">
+          <ac:chgData name="Whitney Woelmer" userId="cc1e44da-7691-4c78-aceb-77bbb5a56163" providerId="ADAL" clId="{F242522B-6172-4F94-B25D-5926311B3CF4}" dt="2025-04-24T02:12:49.981" v="4703" actId="1076"/>
+          <ac:picMkLst>
+            <pc:docMk/>
+            <pc:sldMk cId="3890485669" sldId="535"/>
+            <ac:picMk id="4" creationId="{F37D041D-9A3E-05FC-3854-07B5E9369218}"/>
+          </ac:picMkLst>
+        </pc:picChg>
+        <pc:inkChg chg="mod">
+          <ac:chgData name="Whitney Woelmer" userId="cc1e44da-7691-4c78-aceb-77bbb5a56163" providerId="ADAL" clId="{F242522B-6172-4F94-B25D-5926311B3CF4}" dt="2025-04-24T02:12:52.651" v="4704" actId="1076"/>
+          <ac:inkMkLst>
+            <pc:docMk/>
+            <pc:sldMk cId="3890485669" sldId="535"/>
+            <ac:inkMk id="14" creationId="{E31CBD32-5A09-10B6-2C99-8E1B4B3F4EA6}"/>
+          </ac:inkMkLst>
+        </pc:inkChg>
+      </pc:sldChg>
+      <pc:sldChg chg="addSp delSp modSp add mod">
+        <pc:chgData name="Whitney Woelmer" userId="cc1e44da-7691-4c78-aceb-77bbb5a56163" providerId="ADAL" clId="{F242522B-6172-4F94-B25D-5926311B3CF4}" dt="2025-04-24T02:15:09.734" v="5059" actId="20577"/>
+        <pc:sldMkLst>
+          <pc:docMk/>
+          <pc:sldMk cId="2832461732" sldId="536"/>
+        </pc:sldMkLst>
+        <pc:spChg chg="mod">
+          <ac:chgData name="Whitney Woelmer" userId="cc1e44da-7691-4c78-aceb-77bbb5a56163" providerId="ADAL" clId="{F242522B-6172-4F94-B25D-5926311B3CF4}" dt="2025-04-24T02:15:09.734" v="5059" actId="20577"/>
+          <ac:spMkLst>
+            <pc:docMk/>
+            <pc:sldMk cId="2832461732" sldId="536"/>
+            <ac:spMk id="3" creationId="{BD2F0820-025D-077C-C66A-BE4C846F2CC1}"/>
+          </ac:spMkLst>
+        </pc:spChg>
+        <pc:spChg chg="add del mod">
+          <ac:chgData name="Whitney Woelmer" userId="cc1e44da-7691-4c78-aceb-77bbb5a56163" providerId="ADAL" clId="{F242522B-6172-4F94-B25D-5926311B3CF4}" dt="2025-04-24T02:14:33.815" v="4937" actId="478"/>
+          <ac:spMkLst>
+            <pc:docMk/>
+            <pc:sldMk cId="2832461732" sldId="536"/>
+            <ac:spMk id="5" creationId="{29804D9B-C587-A2C4-22EA-71C714035B1F}"/>
+          </ac:spMkLst>
+        </pc:spChg>
+        <pc:spChg chg="del">
+          <ac:chgData name="Whitney Woelmer" userId="cc1e44da-7691-4c78-aceb-77bbb5a56163" providerId="ADAL" clId="{F242522B-6172-4F94-B25D-5926311B3CF4}" dt="2025-04-24T02:14:25.605" v="4933" actId="478"/>
+          <ac:spMkLst>
+            <pc:docMk/>
+            <pc:sldMk cId="2832461732" sldId="536"/>
+            <ac:spMk id="15" creationId="{B7278519-6BAC-FDB6-E230-C1842790AE31}"/>
+          </ac:spMkLst>
+        </pc:spChg>
+        <pc:picChg chg="del">
+          <ac:chgData name="Whitney Woelmer" userId="cc1e44da-7691-4c78-aceb-77bbb5a56163" providerId="ADAL" clId="{F242522B-6172-4F94-B25D-5926311B3CF4}" dt="2025-04-24T02:14:21.028" v="4931" actId="478"/>
+          <ac:picMkLst>
+            <pc:docMk/>
+            <pc:sldMk cId="2832461732" sldId="536"/>
+            <ac:picMk id="4" creationId="{0A47FA91-86D9-BFBD-98F2-DC5A78CDB10C}"/>
+          </ac:picMkLst>
+        </pc:picChg>
+        <pc:inkChg chg="del">
+          <ac:chgData name="Whitney Woelmer" userId="cc1e44da-7691-4c78-aceb-77bbb5a56163" providerId="ADAL" clId="{F242522B-6172-4F94-B25D-5926311B3CF4}" dt="2025-04-24T02:14:22.707" v="4932" actId="478"/>
+          <ac:inkMkLst>
+            <pc:docMk/>
+            <pc:sldMk cId="2832461732" sldId="536"/>
+            <ac:inkMk id="14" creationId="{9A81BED0-6CE5-A769-CD2E-1544957C82D6}"/>
+          </ac:inkMkLst>
+        </pc:inkChg>
+      </pc:sldChg>
     </pc:docChg>
   </pc:docChgLst>
 </pc:chgInfo>
+</file>
+
+<file path=ppt/ink/ink1.xml><?xml version="1.0" encoding="utf-8"?>
+<inkml:ink xmlns:inkml="http://www.w3.org/2003/InkML">
+  <inkml:definitions>
+    <inkml:context xml:id="ctx0">
+      <inkml:inkSource xml:id="inkSrc0">
+        <inkml:traceFormat>
+          <inkml:channel name="X" type="integer" min="-2.14748E9" max="2.14748E9" units="cm"/>
+          <inkml:channel name="Y" type="integer" min="-2.14748E9" max="2.14748E9" units="cm"/>
+          <inkml:channel name="F" type="integer" max="32767" units="dev"/>
+          <inkml:channel name="OA" type="integer" max="360" units="deg"/>
+          <inkml:channel name="OE" type="integer" max="90" units="deg"/>
+        </inkml:traceFormat>
+        <inkml:channelProperties>
+          <inkml:channelProperty channel="X" name="resolution" value="1000" units="1/cm"/>
+          <inkml:channelProperty channel="Y" name="resolution" value="1000" units="1/cm"/>
+          <inkml:channelProperty channel="F" name="resolution" value="0" units="1/dev"/>
+          <inkml:channelProperty channel="OA" name="resolution" value="1000" units="1/deg"/>
+          <inkml:channelProperty channel="OE" name="resolution" value="1000" units="1/deg"/>
+        </inkml:channelProperties>
+      </inkml:inkSource>
+      <inkml:timestamp xml:id="ts0" timeString="2025-04-24T02:03:52.323"/>
+    </inkml:context>
+    <inkml:brush xml:id="br0">
+      <inkml:brushProperty name="width" value="0.1" units="cm"/>
+      <inkml:brushProperty name="height" value="0.1" units="cm"/>
+      <inkml:brushProperty name="color" value="#CC0066"/>
+    </inkml:brush>
+  </inkml:definitions>
+  <inkml:trace contextRef="#ctx0" brushRef="#br0">388 2399 4985 0 0,'1'6'631'0'0,"-1"-4"-209"0"0,0 0 0 0 0,0 1 0 0 0,0-1 0 0 0,0 0 0 0 0,0 0 0 0 0,0 0 0 0 0,-1 0 0 0 0,1 0-1 0 0,-1 1 1 0 0,1-1 0 0 0,-1 12 5551 0 0,2-14-5530 0 0,-3-18 1277 0 0,2 6-1365 0 0,-2 0 0 0 0,0 0 0 0 0,-7-23-1 0 0,-1-10 70 0 0,-3-84 42 0 0,11 85-201 0 0,-2 1 1 0 0,-15-63-1 0 0,-2-13 8 0 0,15 37-143 0 0,6 57-21 0 0,-2 1 0 0 0,-7-44 1 0 0,-11-56 108 0 0,2 8-148 0 0,9 50-63 0 0,5 36-14 0 0,3 7-6 0 0,1-39 0 0 0,1 8 7 0 0,-4-194 22 0 0,4 217 21 0 0,12-62 1 0 0,-9 71-27 0 0,15-114 136 0 0,-12-14-35 0 0,-2-121-73 0 0,-5 265-31 0 0,-1-1 1 0 0,0 0-1 0 0,0 0 0 0 0,0 1 0 0 0,-1-1 1 0 0,1 1-1 0 0,-2-1 0 0 0,-4-10 1 0 0,-5-14-12 0 0,10 21-13 0 0,-4-7-17 0 0,-6-11-62 0 0,-7 25-17 0 0,18 3 101 0 0,-1 1-1 0 0,0 0 1 0 0,1-1 0 0 0,-1 1-1 0 0,1 0 1 0 0,-1 0 0 0 0,1 0 0 0 0,-1 0-1 0 0,1 0 1 0 0,0 1 0 0 0,-1-1-1 0 0,1 0 1 0 0,0 1 0 0 0,-1 1 0 0 0,-14 27-102 0 0,13-25 91 0 0,0 1 0 0 0,-6 10 0 0 0,-11 13-29 0 0,-6 7 10 0 0,5-9 35 0 0,16-19 15 0 0,-1-1 0 0 0,0 0 0 0 0,0 0 0 0 0,0 0 0 0 0,-10 6 0 0 0,8-6 27 0 0,6-6-26 0 0,1 1-1 0 0,-1-1 0 0 0,1 0 1 0 0,-1 0-1 0 0,0 0 1 0 0,1 0-1 0 0,-1 0 0 0 0,0 0 1 0 0,0 0-1 0 0,0-1 1 0 0,1 1-1 0 0,-1-1 0 0 0,0 1 1 0 0,0-1-1 0 0,-3 1 0 0 0,5-2-5 0 0,-1 1-1 0 0,1 0 0 0 0,-1 0 0 0 0,1-1 0 0 0,-1 1 1 0 0,1 0-1 0 0,0-1 0 0 0,-1 1 0 0 0,1 0 0 0 0,-1-1 0 0 0,1 1 1 0 0,0-1-1 0 0,0 1 0 0 0,-1 0 0 0 0,1-1 0 0 0,0 1 0 0 0,0-1 1 0 0,-1 1-1 0 0,1-1 0 0 0,0 1 0 0 0,0-1 0 0 0,0 1 1 0 0,0-1-1 0 0,0 1 0 0 0,0-1 0 0 0,0 0 0 0 0,-1-1-3 0 0,1 1 0 0 0,0 0 0 0 0,0 0 0 0 0,0 0 0 0 0,0-1 0 0 0,0 1 0 0 0,0 0 0 0 0,0 0 0 0 0,1 0 0 0 0,-1-2 0 0 0,12-19 16 0 0,-10 18-13 0 0,1 0 1 0 0,-1 0-1 0 0,-1 0 1 0 0,1-1 0 0 0,0 1-1 0 0,0-5 1 0 0,0 3-7 0 0,-1 1 1 0 0,1 0 0 0 0,5-9 0 0 0,-4 8 0 0 0,13-23-32 0 0,37-49-1 0 0,-25 45-53 0 0,-23 24 79 0 0,-5 8 7 0 0,1 0-1 0 0,-1 0 1 0 0,1 0 0 0 0,-1 0 0 0 0,1 0 0 0 0,0 0 0 0 0,-1 0 0 0 0,1 0 0 0 0,0 0 0 0 0,0 0 0 0 0,1 0-1 0 0,2-2-7 0 0,-3 2 11 0 0,0 0-1 0 0,0 0 1 0 0,0 0 0 0 0,0 1-1 0 0,0-1 1 0 0,1 0-1 0 0,-1 1 1 0 0,0-1 0 0 0,2 1-1 0 0,-2-1 3 0 0,-1 1-1 0 0,1-1 1 0 0,-1 1-1 0 0,1-1 0 0 0,0 1 1 0 0,-1-1-1 0 0,1 1 0 0 0,-1-1 1 0 0,1 0-1 0 0,-1 1 1 0 0,0-1-1 0 0,1 0 0 0 0,-1 1 1 0 0,0-1-1 0 0,1 0 0 0 0,-1-1 1 0 0,1 1-3 0 0,-1 0 0 0 0,0 0-1 0 0,1 0 1 0 0,-1 0 0 0 0,1 0 0 0 0,-1 0 0 0 0,1 0 0 0 0,-1 0 0 0 0,1 0 0 0 0,0 1 0 0 0,-1-1 0 0 0,1 0 0 0 0,0 0-1 0 0,0 1 1 0 0,0-1 0 0 0,1-1 0 0 0,0 2-2 0 0,-1 0 0 0 0,1-1 0 0 0,-1 1 0 0 0,1 0 0 0 0,-1 0 0 0 0,1 0 0 0 0,0 0 0 0 0,-1 0 0 0 0,1 0 1 0 0,-1 0-1 0 0,1 1 0 0 0,-1-1 0 0 0,1 0 0 0 0,-1 1 0 0 0,1-1 0 0 0,1 2 0 0 0,22 18 44 0 0,-20-16-21 0 0,0 0 0 0 0,0 0 1 0 0,0 0-1 0 0,-1 0 0 0 0,7 9 0 0 0,-5-5 11 0 0,1-1-1 0 0,0 0 1 0 0,0-1-1 0 0,1 1 1 0 0,9 5-1 0 0,8 8 24 0 0,-8-5-4 0 0,0-1 0 0 0,2-1 0 0 0,20 12 0 0 0,-31-20-34 0 0,1 1-1 0 0,-1 0 1 0 0,0 1-1 0 0,10 11 0 0 0,-10-10 14 0 0,-1-1 0 0 0,1 0 0 0 0,1 0-1 0 0,10 6 1 0 0,9 1 433 0 0,-27-14-313 0 0,-8 4-809 0 0</inkml:trace>
+</inkml:ink>
+</file>
+
+<file path=ppt/ink/ink2.xml><?xml version="1.0" encoding="utf-8"?>
+<inkml:ink xmlns:inkml="http://www.w3.org/2003/InkML">
+  <inkml:definitions>
+    <inkml:context xml:id="ctx0">
+      <inkml:inkSource xml:id="inkSrc0">
+        <inkml:traceFormat>
+          <inkml:channel name="X" type="integer" min="-2.14748E9" max="2.14748E9" units="cm"/>
+          <inkml:channel name="Y" type="integer" min="-2.14748E9" max="2.14748E9" units="cm"/>
+          <inkml:channel name="F" type="integer" max="32767" units="dev"/>
+          <inkml:channel name="OA" type="integer" max="360" units="deg"/>
+          <inkml:channel name="OE" type="integer" max="90" units="deg"/>
+        </inkml:traceFormat>
+        <inkml:channelProperties>
+          <inkml:channelProperty channel="X" name="resolution" value="1000" units="1/cm"/>
+          <inkml:channelProperty channel="Y" name="resolution" value="1000" units="1/cm"/>
+          <inkml:channelProperty channel="F" name="resolution" value="0" units="1/dev"/>
+          <inkml:channelProperty channel="OA" name="resolution" value="1000" units="1/deg"/>
+          <inkml:channelProperty channel="OE" name="resolution" value="1000" units="1/deg"/>
+        </inkml:channelProperties>
+      </inkml:inkSource>
+      <inkml:timestamp xml:id="ts0" timeString="2025-04-24T02:03:52.323"/>
+    </inkml:context>
+    <inkml:brush xml:id="br0">
+      <inkml:brushProperty name="width" value="0.1" units="cm"/>
+      <inkml:brushProperty name="height" value="0.1" units="cm"/>
+      <inkml:brushProperty name="color" value="#CC0066"/>
+    </inkml:brush>
+  </inkml:definitions>
+  <inkml:trace contextRef="#ctx0" brushRef="#br0">388 2399 4985 0 0,'1'6'631'0'0,"-1"-4"-209"0"0,0 0 0 0 0,0 1 0 0 0,0-1 0 0 0,0 0 0 0 0,0 0 0 0 0,0 0 0 0 0,-1 0 0 0 0,1 0-1 0 0,-1 1 1 0 0,1-1 0 0 0,-1 12 5551 0 0,2-14-5530 0 0,-3-18 1277 0 0,2 6-1365 0 0,-2 0 0 0 0,0 0 0 0 0,-7-23-1 0 0,-1-10 70 0 0,-3-84 42 0 0,11 85-201 0 0,-2 1 1 0 0,-15-63-1 0 0,-2-13 8 0 0,15 37-143 0 0,6 57-21 0 0,-2 1 0 0 0,-7-44 1 0 0,-11-56 108 0 0,2 8-148 0 0,9 50-63 0 0,5 36-14 0 0,3 7-6 0 0,1-39 0 0 0,1 8 7 0 0,-4-194 22 0 0,4 217 21 0 0,12-62 1 0 0,-9 71-27 0 0,15-114 136 0 0,-12-14-35 0 0,-2-121-73 0 0,-5 265-31 0 0,-1-1 1 0 0,0 0-1 0 0,0 0 0 0 0,0 1 0 0 0,-1-1 1 0 0,1 1-1 0 0,-2-1 0 0 0,-4-10 1 0 0,-5-14-12 0 0,10 21-13 0 0,-4-7-17 0 0,-6-11-62 0 0,-7 25-17 0 0,18 3 101 0 0,-1 1-1 0 0,0 0 1 0 0,1-1 0 0 0,-1 1-1 0 0,1 0 1 0 0,-1 0 0 0 0,1 0 0 0 0,-1 0-1 0 0,1 0 1 0 0,0 1 0 0 0,-1-1-1 0 0,1 0 1 0 0,0 1 0 0 0,-1 1 0 0 0,-14 27-102 0 0,13-25 91 0 0,0 1 0 0 0,-6 10 0 0 0,-11 13-29 0 0,-6 7 10 0 0,5-9 35 0 0,16-19 15 0 0,-1-1 0 0 0,0 0 0 0 0,0 0 0 0 0,0 0 0 0 0,-10 6 0 0 0,8-6 27 0 0,6-6-26 0 0,1 1-1 0 0,-1-1 0 0 0,1 0 1 0 0,-1 0-1 0 0,0 0 1 0 0,1 0-1 0 0,-1 0 0 0 0,0 0 1 0 0,0 0-1 0 0,0-1 1 0 0,1 1-1 0 0,-1-1 0 0 0,0 1 1 0 0,0-1-1 0 0,-3 1 0 0 0,5-2-5 0 0,-1 1-1 0 0,1 0 0 0 0,-1 0 0 0 0,1-1 0 0 0,-1 1 1 0 0,1 0-1 0 0,0-1 0 0 0,-1 1 0 0 0,1 0 0 0 0,-1-1 0 0 0,1 1 1 0 0,0-1-1 0 0,0 1 0 0 0,-1 0 0 0 0,1-1 0 0 0,0 1 0 0 0,0-1 1 0 0,-1 1-1 0 0,1-1 0 0 0,0 1 0 0 0,0-1 0 0 0,0 1 1 0 0,0-1-1 0 0,0 1 0 0 0,0-1 0 0 0,0 0 0 0 0,-1-1-3 0 0,1 1 0 0 0,0 0 0 0 0,0 0 0 0 0,0 0 0 0 0,0-1 0 0 0,0 1 0 0 0,0 0 0 0 0,0 0 0 0 0,1 0 0 0 0,-1-2 0 0 0,12-19 16 0 0,-10 18-13 0 0,1 0 1 0 0,-1 0-1 0 0,-1 0 1 0 0,1-1 0 0 0,0 1-1 0 0,0-5 1 0 0,0 3-7 0 0,-1 1 1 0 0,1 0 0 0 0,5-9 0 0 0,-4 8 0 0 0,13-23-32 0 0,37-49-1 0 0,-25 45-53 0 0,-23 24 79 0 0,-5 8 7 0 0,1 0-1 0 0,-1 0 1 0 0,1 0 0 0 0,-1 0 0 0 0,1 0 0 0 0,0 0 0 0 0,-1 0 0 0 0,1 0 0 0 0,0 0 0 0 0,0 0 0 0 0,1 0-1 0 0,2-2-7 0 0,-3 2 11 0 0,0 0-1 0 0,0 0 1 0 0,0 0 0 0 0,0 1-1 0 0,0-1 1 0 0,1 0-1 0 0,-1 1 1 0 0,0-1 0 0 0,2 1-1 0 0,-2-1 3 0 0,-1 1-1 0 0,1-1 1 0 0,-1 1-1 0 0,1-1 0 0 0,0 1 1 0 0,-1-1-1 0 0,1 1 0 0 0,-1-1 1 0 0,1 0-1 0 0,-1 1 1 0 0,0-1-1 0 0,1 0 0 0 0,-1 1 1 0 0,0-1-1 0 0,1 0 0 0 0,-1-1 1 0 0,1 1-3 0 0,-1 0 0 0 0,0 0-1 0 0,1 0 1 0 0,-1 0 0 0 0,1 0 0 0 0,-1 0 0 0 0,1 0 0 0 0,-1 0 0 0 0,1 0 0 0 0,0 1 0 0 0,-1-1 0 0 0,1 0 0 0 0,0 0-1 0 0,0 1 1 0 0,0-1 0 0 0,1-1 0 0 0,0 2-2 0 0,-1 0 0 0 0,1-1 0 0 0,-1 1 0 0 0,1 0 0 0 0,-1 0 0 0 0,1 0 0 0 0,0 0 0 0 0,-1 0 0 0 0,1 0 1 0 0,-1 0-1 0 0,1 1 0 0 0,-1-1 0 0 0,1 0 0 0 0,-1 1 0 0 0,1-1 0 0 0,1 2 0 0 0,22 18 44 0 0,-20-16-21 0 0,0 0 0 0 0,0 0 1 0 0,0 0-1 0 0,-1 0 0 0 0,7 9 0 0 0,-5-5 11 0 0,1-1-1 0 0,0 0 1 0 0,0-1-1 0 0,1 1 1 0 0,9 5-1 0 0,8 8 24 0 0,-8-5-4 0 0,0-1 0 0 0,2-1 0 0 0,20 12 0 0 0,-31-20-34 0 0,1 1-1 0 0,-1 0 1 0 0,0 1-1 0 0,10 11 0 0 0,-10-10 14 0 0,-1-1 0 0 0,1 0 0 0 0,1 0-1 0 0,10 6 1 0 0,9 1 433 0 0,-27-14-313 0 0,-8 4-809 0 0</inkml:trace>
+</inkml:ink>
+</file>
+
+<file path=ppt/ink/ink3.xml><?xml version="1.0" encoding="utf-8"?>
+<inkml:ink xmlns:inkml="http://www.w3.org/2003/InkML">
+  <inkml:definitions>
+    <inkml:context xml:id="ctx0">
+      <inkml:inkSource xml:id="inkSrc0">
+        <inkml:traceFormat>
+          <inkml:channel name="X" type="integer" min="-2.14748E9" max="2.14748E9" units="cm"/>
+          <inkml:channel name="Y" type="integer" min="-2.14748E9" max="2.14748E9" units="cm"/>
+          <inkml:channel name="F" type="integer" max="32767" units="dev"/>
+          <inkml:channel name="OA" type="integer" max="360" units="deg"/>
+          <inkml:channel name="OE" type="integer" max="90" units="deg"/>
+        </inkml:traceFormat>
+        <inkml:channelProperties>
+          <inkml:channelProperty channel="X" name="resolution" value="1000" units="1/cm"/>
+          <inkml:channelProperty channel="Y" name="resolution" value="1000" units="1/cm"/>
+          <inkml:channelProperty channel="F" name="resolution" value="0" units="1/dev"/>
+          <inkml:channelProperty channel="OA" name="resolution" value="1000" units="1/deg"/>
+          <inkml:channelProperty channel="OE" name="resolution" value="1000" units="1/deg"/>
+        </inkml:channelProperties>
+      </inkml:inkSource>
+      <inkml:timestamp xml:id="ts0" timeString="2025-04-24T02:03:52.323"/>
+    </inkml:context>
+    <inkml:brush xml:id="br0">
+      <inkml:brushProperty name="width" value="0.1" units="cm"/>
+      <inkml:brushProperty name="height" value="0.1" units="cm"/>
+      <inkml:brushProperty name="color" value="#CC0066"/>
+    </inkml:brush>
+  </inkml:definitions>
+  <inkml:trace contextRef="#ctx0" brushRef="#br0">388 2399 4985 0 0,'1'6'631'0'0,"-1"-4"-209"0"0,0 0 0 0 0,0 1 0 0 0,0-1 0 0 0,0 0 0 0 0,0 0 0 0 0,0 0 0 0 0,-1 0 0 0 0,1 0-1 0 0,-1 1 1 0 0,1-1 0 0 0,-1 12 5551 0 0,2-14-5530 0 0,-3-18 1277 0 0,2 6-1365 0 0,-2 0 0 0 0,0 0 0 0 0,-7-23-1 0 0,-1-10 70 0 0,-3-84 42 0 0,11 85-201 0 0,-2 1 1 0 0,-15-63-1 0 0,-2-13 8 0 0,15 37-143 0 0,6 57-21 0 0,-2 1 0 0 0,-7-44 1 0 0,-11-56 108 0 0,2 8-148 0 0,9 50-63 0 0,5 36-14 0 0,3 7-6 0 0,1-39 0 0 0,1 8 7 0 0,-4-194 22 0 0,4 217 21 0 0,12-62 1 0 0,-9 71-27 0 0,15-114 136 0 0,-12-14-35 0 0,-2-121-73 0 0,-5 265-31 0 0,-1-1 1 0 0,0 0-1 0 0,0 0 0 0 0,0 1 0 0 0,-1-1 1 0 0,1 1-1 0 0,-2-1 0 0 0,-4-10 1 0 0,-5-14-12 0 0,10 21-13 0 0,-4-7-17 0 0,-6-11-62 0 0,-7 25-17 0 0,18 3 101 0 0,-1 1-1 0 0,0 0 1 0 0,1-1 0 0 0,-1 1-1 0 0,1 0 1 0 0,-1 0 0 0 0,1 0 0 0 0,-1 0-1 0 0,1 0 1 0 0,0 1 0 0 0,-1-1-1 0 0,1 0 1 0 0,0 1 0 0 0,-1 1 0 0 0,-14 27-102 0 0,13-25 91 0 0,0 1 0 0 0,-6 10 0 0 0,-11 13-29 0 0,-6 7 10 0 0,5-9 35 0 0,16-19 15 0 0,-1-1 0 0 0,0 0 0 0 0,0 0 0 0 0,0 0 0 0 0,-10 6 0 0 0,8-6 27 0 0,6-6-26 0 0,1 1-1 0 0,-1-1 0 0 0,1 0 1 0 0,-1 0-1 0 0,0 0 1 0 0,1 0-1 0 0,-1 0 0 0 0,0 0 1 0 0,0 0-1 0 0,0-1 1 0 0,1 1-1 0 0,-1-1 0 0 0,0 1 1 0 0,0-1-1 0 0,-3 1 0 0 0,5-2-5 0 0,-1 1-1 0 0,1 0 0 0 0,-1 0 0 0 0,1-1 0 0 0,-1 1 1 0 0,1 0-1 0 0,0-1 0 0 0,-1 1 0 0 0,1 0 0 0 0,-1-1 0 0 0,1 1 1 0 0,0-1-1 0 0,0 1 0 0 0,-1 0 0 0 0,1-1 0 0 0,0 1 0 0 0,0-1 1 0 0,-1 1-1 0 0,1-1 0 0 0,0 1 0 0 0,0-1 0 0 0,0 1 1 0 0,0-1-1 0 0,0 1 0 0 0,0-1 0 0 0,0 0 0 0 0,-1-1-3 0 0,1 1 0 0 0,0 0 0 0 0,0 0 0 0 0,0 0 0 0 0,0-1 0 0 0,0 1 0 0 0,0 0 0 0 0,0 0 0 0 0,1 0 0 0 0,-1-2 0 0 0,12-19 16 0 0,-10 18-13 0 0,1 0 1 0 0,-1 0-1 0 0,-1 0 1 0 0,1-1 0 0 0,0 1-1 0 0,0-5 1 0 0,0 3-7 0 0,-1 1 1 0 0,1 0 0 0 0,5-9 0 0 0,-4 8 0 0 0,13-23-32 0 0,37-49-1 0 0,-25 45-53 0 0,-23 24 79 0 0,-5 8 7 0 0,1 0-1 0 0,-1 0 1 0 0,1 0 0 0 0,-1 0 0 0 0,1 0 0 0 0,0 0 0 0 0,-1 0 0 0 0,1 0 0 0 0,0 0 0 0 0,0 0 0 0 0,1 0-1 0 0,2-2-7 0 0,-3 2 11 0 0,0 0-1 0 0,0 0 1 0 0,0 0 0 0 0,0 1-1 0 0,0-1 1 0 0,1 0-1 0 0,-1 1 1 0 0,0-1 0 0 0,2 1-1 0 0,-2-1 3 0 0,-1 1-1 0 0,1-1 1 0 0,-1 1-1 0 0,1-1 0 0 0,0 1 1 0 0,-1-1-1 0 0,1 1 0 0 0,-1-1 1 0 0,1 0-1 0 0,-1 1 1 0 0,0-1-1 0 0,1 0 0 0 0,-1 1 1 0 0,0-1-1 0 0,1 0 0 0 0,-1-1 1 0 0,1 1-3 0 0,-1 0 0 0 0,0 0-1 0 0,1 0 1 0 0,-1 0 0 0 0,1 0 0 0 0,-1 0 0 0 0,1 0 0 0 0,-1 0 0 0 0,1 0 0 0 0,0 1 0 0 0,-1-1 0 0 0,1 0 0 0 0,0 0-1 0 0,0 1 1 0 0,0-1 0 0 0,1-1 0 0 0,0 2-2 0 0,-1 0 0 0 0,1-1 0 0 0,-1 1 0 0 0,1 0 0 0 0,-1 0 0 0 0,1 0 0 0 0,0 0 0 0 0,-1 0 0 0 0,1 0 1 0 0,-1 0-1 0 0,1 1 0 0 0,-1-1 0 0 0,1 0 0 0 0,-1 1 0 0 0,1-1 0 0 0,1 2 0 0 0,22 18 44 0 0,-20-16-21 0 0,0 0 0 0 0,0 0 1 0 0,0 0-1 0 0,-1 0 0 0 0,7 9 0 0 0,-5-5 11 0 0,1-1-1 0 0,0 0 1 0 0,0-1-1 0 0,1 1 1 0 0,9 5-1 0 0,8 8 24 0 0,-8-5-4 0 0,0-1 0 0 0,2-1 0 0 0,20 12 0 0 0,-31-20-34 0 0,1 1-1 0 0,-1 0 1 0 0,0 1-1 0 0,10 11 0 0 0,-10-10 14 0 0,-1-1 0 0 0,1 0 0 0 0,1 0-1 0 0,10 6 1 0 0,9 1 433 0 0,-27-14-313 0 0,-8 4-809 0 0</inkml:trace>
+</inkml:ink>
+</file>
+
+<file path=ppt/ink/ink4.xml><?xml version="1.0" encoding="utf-8"?>
+<inkml:ink xmlns:inkml="http://www.w3.org/2003/InkML">
+  <inkml:definitions>
+    <inkml:context xml:id="ctx0">
+      <inkml:inkSource xml:id="inkSrc0">
+        <inkml:traceFormat>
+          <inkml:channel name="X" type="integer" min="-2.14748E9" max="2.14748E9" units="cm"/>
+          <inkml:channel name="Y" type="integer" min="-2.14748E9" max="2.14748E9" units="cm"/>
+          <inkml:channel name="F" type="integer" max="32767" units="dev"/>
+          <inkml:channel name="OA" type="integer" max="360" units="deg"/>
+          <inkml:channel name="OE" type="integer" max="90" units="deg"/>
+        </inkml:traceFormat>
+        <inkml:channelProperties>
+          <inkml:channelProperty channel="X" name="resolution" value="1000" units="1/cm"/>
+          <inkml:channelProperty channel="Y" name="resolution" value="1000" units="1/cm"/>
+          <inkml:channelProperty channel="F" name="resolution" value="0" units="1/dev"/>
+          <inkml:channelProperty channel="OA" name="resolution" value="1000" units="1/deg"/>
+          <inkml:channelProperty channel="OE" name="resolution" value="1000" units="1/deg"/>
+        </inkml:channelProperties>
+      </inkml:inkSource>
+      <inkml:timestamp xml:id="ts0" timeString="2025-04-24T02:03:52.323"/>
+    </inkml:context>
+    <inkml:brush xml:id="br0">
+      <inkml:brushProperty name="width" value="0.1" units="cm"/>
+      <inkml:brushProperty name="height" value="0.1" units="cm"/>
+      <inkml:brushProperty name="color" value="#CC0066"/>
+    </inkml:brush>
+  </inkml:definitions>
+  <inkml:trace contextRef="#ctx0" brushRef="#br0">388 2399 4985 0 0,'1'6'631'0'0,"-1"-4"-209"0"0,0 0 0 0 0,0 1 0 0 0,0-1 0 0 0,0 0 0 0 0,0 0 0 0 0,0 0 0 0 0,-1 0 0 0 0,1 0-1 0 0,-1 1 1 0 0,1-1 0 0 0,-1 12 5551 0 0,2-14-5530 0 0,-3-18 1277 0 0,2 6-1365 0 0,-2 0 0 0 0,0 0 0 0 0,-7-23-1 0 0,-1-10 70 0 0,-3-84 42 0 0,11 85-201 0 0,-2 1 1 0 0,-15-63-1 0 0,-2-13 8 0 0,15 37-143 0 0,6 57-21 0 0,-2 1 0 0 0,-7-44 1 0 0,-11-56 108 0 0,2 8-148 0 0,9 50-63 0 0,5 36-14 0 0,3 7-6 0 0,1-39 0 0 0,1 8 7 0 0,-4-194 22 0 0,4 217 21 0 0,12-62 1 0 0,-9 71-27 0 0,15-114 136 0 0,-12-14-35 0 0,-2-121-73 0 0,-5 265-31 0 0,-1-1 1 0 0,0 0-1 0 0,0 0 0 0 0,0 1 0 0 0,-1-1 1 0 0,1 1-1 0 0,-2-1 0 0 0,-4-10 1 0 0,-5-14-12 0 0,10 21-13 0 0,-4-7-17 0 0,-6-11-62 0 0,-7 25-17 0 0,18 3 101 0 0,-1 1-1 0 0,0 0 1 0 0,1-1 0 0 0,-1 1-1 0 0,1 0 1 0 0,-1 0 0 0 0,1 0 0 0 0,-1 0-1 0 0,1 0 1 0 0,0 1 0 0 0,-1-1-1 0 0,1 0 1 0 0,0 1 0 0 0,-1 1 0 0 0,-14 27-102 0 0,13-25 91 0 0,0 1 0 0 0,-6 10 0 0 0,-11 13-29 0 0,-6 7 10 0 0,5-9 35 0 0,16-19 15 0 0,-1-1 0 0 0,0 0 0 0 0,0 0 0 0 0,0 0 0 0 0,-10 6 0 0 0,8-6 27 0 0,6-6-26 0 0,1 1-1 0 0,-1-1 0 0 0,1 0 1 0 0,-1 0-1 0 0,0 0 1 0 0,1 0-1 0 0,-1 0 0 0 0,0 0 1 0 0,0 0-1 0 0,0-1 1 0 0,1 1-1 0 0,-1-1 0 0 0,0 1 1 0 0,0-1-1 0 0,-3 1 0 0 0,5-2-5 0 0,-1 1-1 0 0,1 0 0 0 0,-1 0 0 0 0,1-1 0 0 0,-1 1 1 0 0,1 0-1 0 0,0-1 0 0 0,-1 1 0 0 0,1 0 0 0 0,-1-1 0 0 0,1 1 1 0 0,0-1-1 0 0,0 1 0 0 0,-1 0 0 0 0,1-1 0 0 0,0 1 0 0 0,0-1 1 0 0,-1 1-1 0 0,1-1 0 0 0,0 1 0 0 0,0-1 0 0 0,0 1 1 0 0,0-1-1 0 0,0 1 0 0 0,0-1 0 0 0,0 0 0 0 0,-1-1-3 0 0,1 1 0 0 0,0 0 0 0 0,0 0 0 0 0,0 0 0 0 0,0-1 0 0 0,0 1 0 0 0,0 0 0 0 0,0 0 0 0 0,1 0 0 0 0,-1-2 0 0 0,12-19 16 0 0,-10 18-13 0 0,1 0 1 0 0,-1 0-1 0 0,-1 0 1 0 0,1-1 0 0 0,0 1-1 0 0,0-5 1 0 0,0 3-7 0 0,-1 1 1 0 0,1 0 0 0 0,5-9 0 0 0,-4 8 0 0 0,13-23-32 0 0,37-49-1 0 0,-25 45-53 0 0,-23 24 79 0 0,-5 8 7 0 0,1 0-1 0 0,-1 0 1 0 0,1 0 0 0 0,-1 0 0 0 0,1 0 0 0 0,0 0 0 0 0,-1 0 0 0 0,1 0 0 0 0,0 0 0 0 0,0 0 0 0 0,1 0-1 0 0,2-2-7 0 0,-3 2 11 0 0,0 0-1 0 0,0 0 1 0 0,0 0 0 0 0,0 1-1 0 0,0-1 1 0 0,1 0-1 0 0,-1 1 1 0 0,0-1 0 0 0,2 1-1 0 0,-2-1 3 0 0,-1 1-1 0 0,1-1 1 0 0,-1 1-1 0 0,1-1 0 0 0,0 1 1 0 0,-1-1-1 0 0,1 1 0 0 0,-1-1 1 0 0,1 0-1 0 0,-1 1 1 0 0,0-1-1 0 0,1 0 0 0 0,-1 1 1 0 0,0-1-1 0 0,1 0 0 0 0,-1-1 1 0 0,1 1-3 0 0,-1 0 0 0 0,0 0-1 0 0,1 0 1 0 0,-1 0 0 0 0,1 0 0 0 0,-1 0 0 0 0,1 0 0 0 0,-1 0 0 0 0,1 0 0 0 0,0 1 0 0 0,-1-1 0 0 0,1 0 0 0 0,0 0-1 0 0,0 1 1 0 0,0-1 0 0 0,1-1 0 0 0,0 2-2 0 0,-1 0 0 0 0,1-1 0 0 0,-1 1 0 0 0,1 0 0 0 0,-1 0 0 0 0,1 0 0 0 0,0 0 0 0 0,-1 0 0 0 0,1 0 1 0 0,-1 0-1 0 0,1 1 0 0 0,-1-1 0 0 0,1 0 0 0 0,-1 1 0 0 0,1-1 0 0 0,1 2 0 0 0,22 18 44 0 0,-20-16-21 0 0,0 0 0 0 0,0 0 1 0 0,0 0-1 0 0,-1 0 0 0 0,7 9 0 0 0,-5-5 11 0 0,1-1-1 0 0,0 0 1 0 0,0-1-1 0 0,1 1 1 0 0,9 5-1 0 0,8 8 24 0 0,-8-5-4 0 0,0-1 0 0 0,2-1 0 0 0,20 12 0 0 0,-31-20-34 0 0,1 1-1 0 0,-1 0 1 0 0,0 1-1 0 0,10 11 0 0 0,-10-10 14 0 0,-1-1 0 0 0,1 0 0 0 0,1 0-1 0 0,10 6 1 0 0,9 1 433 0 0,-27-14-313 0 0,-8 4-809 0 0</inkml:trace>
+</inkml:ink>
 </file>
 
 <file path=ppt/slideLayouts/slideLayout1.xml><?xml version="1.0" encoding="utf-8"?>
@@ -662,7 +1800,7 @@
           <a:p>
             <a:fld id="{34DAE4EE-2DF8-45FB-8651-0A1C8E883882}" type="datetimeFigureOut">
               <a:rPr lang="en-NZ" smtClean="0"/>
-              <a:t>1/04/2025</a:t>
+              <a:t>24/04/2025</a:t>
             </a:fld>
             <a:endParaRPr lang="en-NZ"/>
           </a:p>
@@ -862,7 +2000,7 @@
           <a:p>
             <a:fld id="{34DAE4EE-2DF8-45FB-8651-0A1C8E883882}" type="datetimeFigureOut">
               <a:rPr lang="en-NZ" smtClean="0"/>
-              <a:t>1/04/2025</a:t>
+              <a:t>24/04/2025</a:t>
             </a:fld>
             <a:endParaRPr lang="en-NZ"/>
           </a:p>
@@ -1072,7 +2210,7 @@
           <a:p>
             <a:fld id="{34DAE4EE-2DF8-45FB-8651-0A1C8E883882}" type="datetimeFigureOut">
               <a:rPr lang="en-NZ" smtClean="0"/>
-              <a:t>1/04/2025</a:t>
+              <a:t>24/04/2025</a:t>
             </a:fld>
             <a:endParaRPr lang="en-NZ"/>
           </a:p>
@@ -1272,7 +2410,7 @@
           <a:p>
             <a:fld id="{34DAE4EE-2DF8-45FB-8651-0A1C8E883882}" type="datetimeFigureOut">
               <a:rPr lang="en-NZ" smtClean="0"/>
-              <a:t>1/04/2025</a:t>
+              <a:t>24/04/2025</a:t>
             </a:fld>
             <a:endParaRPr lang="en-NZ"/>
           </a:p>
@@ -1548,7 +2686,7 @@
           <a:p>
             <a:fld id="{34DAE4EE-2DF8-45FB-8651-0A1C8E883882}" type="datetimeFigureOut">
               <a:rPr lang="en-NZ" smtClean="0"/>
-              <a:t>1/04/2025</a:t>
+              <a:t>24/04/2025</a:t>
             </a:fld>
             <a:endParaRPr lang="en-NZ"/>
           </a:p>
@@ -1816,7 +2954,7 @@
           <a:p>
             <a:fld id="{34DAE4EE-2DF8-45FB-8651-0A1C8E883882}" type="datetimeFigureOut">
               <a:rPr lang="en-NZ" smtClean="0"/>
-              <a:t>1/04/2025</a:t>
+              <a:t>24/04/2025</a:t>
             </a:fld>
             <a:endParaRPr lang="en-NZ"/>
           </a:p>
@@ -2231,7 +3369,7 @@
           <a:p>
             <a:fld id="{34DAE4EE-2DF8-45FB-8651-0A1C8E883882}" type="datetimeFigureOut">
               <a:rPr lang="en-NZ" smtClean="0"/>
-              <a:t>1/04/2025</a:t>
+              <a:t>24/04/2025</a:t>
             </a:fld>
             <a:endParaRPr lang="en-NZ"/>
           </a:p>
@@ -2373,7 +3511,7 @@
           <a:p>
             <a:fld id="{34DAE4EE-2DF8-45FB-8651-0A1C8E883882}" type="datetimeFigureOut">
               <a:rPr lang="en-NZ" smtClean="0"/>
-              <a:t>1/04/2025</a:t>
+              <a:t>24/04/2025</a:t>
             </a:fld>
             <a:endParaRPr lang="en-NZ"/>
           </a:p>
@@ -2486,7 +3624,7 @@
           <a:p>
             <a:fld id="{34DAE4EE-2DF8-45FB-8651-0A1C8E883882}" type="datetimeFigureOut">
               <a:rPr lang="en-NZ" smtClean="0"/>
-              <a:t>1/04/2025</a:t>
+              <a:t>24/04/2025</a:t>
             </a:fld>
             <a:endParaRPr lang="en-NZ"/>
           </a:p>
@@ -2799,7 +3937,7 @@
           <a:p>
             <a:fld id="{34DAE4EE-2DF8-45FB-8651-0A1C8E883882}" type="datetimeFigureOut">
               <a:rPr lang="en-NZ" smtClean="0"/>
-              <a:t>1/04/2025</a:t>
+              <a:t>24/04/2025</a:t>
             </a:fld>
             <a:endParaRPr lang="en-NZ"/>
           </a:p>
@@ -3088,7 +4226,7 @@
           <a:p>
             <a:fld id="{34DAE4EE-2DF8-45FB-8651-0A1C8E883882}" type="datetimeFigureOut">
               <a:rPr lang="en-NZ" smtClean="0"/>
-              <a:t>1/04/2025</a:t>
+              <a:t>24/04/2025</a:t>
             </a:fld>
             <a:endParaRPr lang="en-NZ"/>
           </a:p>
@@ -3331,7 +4469,7 @@
           <a:p>
             <a:fld id="{34DAE4EE-2DF8-45FB-8651-0A1C8E883882}" type="datetimeFigureOut">
               <a:rPr lang="en-NZ" smtClean="0"/>
-              <a:t>1/04/2025</a:t>
+              <a:t>24/04/2025</a:t>
             </a:fld>
             <a:endParaRPr lang="en-NZ"/>
           </a:p>
@@ -3835,7 +4973,7 @@
           </p:cNvPicPr>
           <p:nvPr/>
         </p:nvPicPr>
-        <p:blipFill>
+        <p:blipFill rotWithShape="1">
           <a:blip r:embed="rId2">
             <a:extLst>
               <a:ext uri="{28A0092B-C50C-407E-A947-70E740481C1C}">
@@ -3843,15 +4981,13 @@
               </a:ext>
             </a:extLst>
           </a:blip>
-          <a:srcRect/>
-          <a:stretch>
-            <a:fillRect/>
-          </a:stretch>
+          <a:srcRect b="17760"/>
+          <a:stretch/>
         </p:blipFill>
         <p:spPr bwMode="auto">
           <a:xfrm>
             <a:off x="3816286" y="4324177"/>
-            <a:ext cx="4339971" cy="2111092"/>
+            <a:ext cx="4339971" cy="1736155"/>
           </a:xfrm>
           <a:prstGeom prst="rect">
             <a:avLst/>
@@ -3903,7 +5039,7 @@
           <p:cNvPr id="2" name="Title 1">
             <a:extLst>
               <a:ext uri="{FF2B5EF4-FFF2-40B4-BE49-F238E27FC236}">
-                <a16:creationId xmlns:a16="http://schemas.microsoft.com/office/drawing/2014/main" id="{0E3B55EA-E157-ED47-AA45-B3CED349C012}"/>
+                <a16:creationId xmlns:a16="http://schemas.microsoft.com/office/drawing/2014/main" id="{FF97F707-6363-5818-18A4-5D69D016C555}"/>
               </a:ext>
             </a:extLst>
           </p:cNvPr>
@@ -3920,8 +5056,8 @@
           <a:lstStyle/>
           <a:p>
             <a:r>
-              <a:rPr lang="en-NZ"/>
-              <a:t>Setting up a “Project” in R</a:t>
+              <a:rPr lang="en-NZ" dirty="0"/>
+              <a:t>Using functions in R</a:t>
             </a:r>
           </a:p>
         </p:txBody>
@@ -3931,7 +5067,7 @@
           <p:cNvPr id="3" name="Content Placeholder 2">
             <a:extLst>
               <a:ext uri="{FF2B5EF4-FFF2-40B4-BE49-F238E27FC236}">
-                <a16:creationId xmlns:a16="http://schemas.microsoft.com/office/drawing/2014/main" id="{45DE22BE-2708-1BDA-02F3-278D3F163E61}"/>
+                <a16:creationId xmlns:a16="http://schemas.microsoft.com/office/drawing/2014/main" id="{2DB821B6-52A8-007D-8AC5-3E3804FF70EA}"/>
               </a:ext>
             </a:extLst>
           </p:cNvPr>
@@ -3942,42 +5078,29 @@
             <p:ph idx="1"/>
           </p:nvPr>
         </p:nvSpPr>
-        <p:spPr>
-          <a:xfrm>
-            <a:off x="838200" y="1825625"/>
-            <a:ext cx="4876063" cy="4351338"/>
-          </a:xfrm>
-        </p:spPr>
+        <p:spPr/>
         <p:txBody>
           <a:bodyPr/>
           <a:lstStyle/>
           <a:p>
             <a:r>
-              <a:rPr lang="en-NZ"/>
-              <a:t>Step 1: Open RStudio</a:t>
-            </a:r>
-          </a:p>
-          <a:p>
-            <a:r>
-              <a:rPr lang="en-NZ"/>
-              <a:t>Step 2: Select “New Project” in upper right in </a:t>
-            </a:r>
-            <a:r>
-              <a:rPr lang="en-NZ" err="1"/>
-              <a:t>Rstudio</a:t>
-            </a:r>
-            <a:endParaRPr lang="en-NZ"/>
-          </a:p>
-          <a:p>
-            <a:r>
-              <a:rPr lang="en-NZ"/>
-              <a:t>Step 3: Select “New Directory” -&gt; “New Project”</a:t>
-            </a:r>
-          </a:p>
-          <a:p>
-            <a:r>
-              <a:rPr lang="en-NZ"/>
-              <a:t>Step 4: Name your directory something informative (e.g., BIOEB304_data_lab)</a:t>
+              <a:rPr lang="en-NZ" dirty="0"/>
+              <a:t>Functions act as an algorithm to perform a specific task</a:t>
+            </a:r>
+          </a:p>
+          <a:p>
+            <a:r>
+              <a:rPr lang="en-NZ" dirty="0"/>
+              <a:t>They require specific inputs, which you can see using ?help documentation</a:t>
+            </a:r>
+          </a:p>
+          <a:p>
+            <a:endParaRPr lang="en-NZ" dirty="0"/>
+          </a:p>
+          <a:p>
+            <a:r>
+              <a:rPr lang="en-NZ" dirty="0"/>
+              <a:t>Many functions are built into R</a:t>
             </a:r>
           </a:p>
         </p:txBody>
@@ -3987,7 +5110,7 @@
           <p:cNvPr id="5" name="Picture 4">
             <a:extLst>
               <a:ext uri="{FF2B5EF4-FFF2-40B4-BE49-F238E27FC236}">
-                <a16:creationId xmlns:a16="http://schemas.microsoft.com/office/drawing/2014/main" id="{091345EF-C472-73E1-EA89-1FFD558BAFEE}"/>
+                <a16:creationId xmlns:a16="http://schemas.microsoft.com/office/drawing/2014/main" id="{4DEB345A-D2C9-4ED4-F544-152A58AC2546}"/>
               </a:ext>
             </a:extLst>
           </p:cNvPr>
@@ -4004,150 +5127,8 @@
         </p:blipFill>
         <p:spPr>
           <a:xfrm>
-            <a:off x="8384397" y="1086313"/>
-            <a:ext cx="3372321" cy="4544059"/>
-          </a:xfrm>
-          <a:prstGeom prst="rect">
-            <a:avLst/>
-          </a:prstGeom>
-        </p:spPr>
-      </p:pic>
-      <p:sp>
-        <p:nvSpPr>
-          <p:cNvPr id="6" name="Rectangle 5">
-            <a:extLst>
-              <a:ext uri="{FF2B5EF4-FFF2-40B4-BE49-F238E27FC236}">
-                <a16:creationId xmlns:a16="http://schemas.microsoft.com/office/drawing/2014/main" id="{50D6393F-3CB5-4AB4-83CA-CCEFE10F3B52}"/>
-              </a:ext>
-            </a:extLst>
-          </p:cNvPr>
-          <p:cNvSpPr/>
-          <p:nvPr/>
-        </p:nvSpPr>
-        <p:spPr>
-          <a:xfrm>
-            <a:off x="8735492" y="1952782"/>
-            <a:ext cx="1968759" cy="258992"/>
-          </a:xfrm>
-          <a:prstGeom prst="rect">
-            <a:avLst/>
-          </a:prstGeom>
-          <a:noFill/>
-          <a:ln w="28575">
-            <a:solidFill>
-              <a:srgbClr val="FF0000"/>
-            </a:solidFill>
-          </a:ln>
-        </p:spPr>
-        <p:style>
-          <a:lnRef idx="2">
-            <a:schemeClr val="accent1">
-              <a:shade val="15000"/>
-            </a:schemeClr>
-          </a:lnRef>
-          <a:fillRef idx="1">
-            <a:schemeClr val="accent1"/>
-          </a:fillRef>
-          <a:effectRef idx="0">
-            <a:schemeClr val="accent1"/>
-          </a:effectRef>
-          <a:fontRef idx="minor">
-            <a:schemeClr val="lt1"/>
-          </a:fontRef>
-        </p:style>
-        <p:txBody>
-          <a:bodyPr rtlCol="0" anchor="ctr"/>
-          <a:lstStyle/>
-          <a:p>
-            <a:pPr algn="ctr"/>
-            <a:endParaRPr lang="en-NZ"/>
-          </a:p>
-        </p:txBody>
-      </p:sp>
-      <p:pic>
-        <p:nvPicPr>
-          <p:cNvPr id="8" name="Picture 7">
-            <a:extLst>
-              <a:ext uri="{FF2B5EF4-FFF2-40B4-BE49-F238E27FC236}">
-                <a16:creationId xmlns:a16="http://schemas.microsoft.com/office/drawing/2014/main" id="{4EA98AF1-7323-55D3-F4AA-19ED812AA35E}"/>
-              </a:ext>
-            </a:extLst>
-          </p:cNvPr>
-          <p:cNvPicPr>
-            <a:picLocks noChangeAspect="1"/>
-          </p:cNvPicPr>
-          <p:nvPr/>
-        </p:nvPicPr>
-        <p:blipFill>
-          <a:blip r:embed="rId3"/>
-          <a:stretch>
-            <a:fillRect/>
-          </a:stretch>
-        </p:blipFill>
-        <p:spPr>
-          <a:xfrm>
-            <a:off x="6096000" y="1690688"/>
-            <a:ext cx="4782217" cy="3305636"/>
-          </a:xfrm>
-          <a:prstGeom prst="rect">
-            <a:avLst/>
-          </a:prstGeom>
-        </p:spPr>
-      </p:pic>
-      <p:pic>
-        <p:nvPicPr>
-          <p:cNvPr id="10" name="Picture 9">
-            <a:extLst>
-              <a:ext uri="{FF2B5EF4-FFF2-40B4-BE49-F238E27FC236}">
-                <a16:creationId xmlns:a16="http://schemas.microsoft.com/office/drawing/2014/main" id="{0D739BA2-EF2A-9C89-AF7C-8162C9C2AC4E}"/>
-              </a:ext>
-            </a:extLst>
-          </p:cNvPr>
-          <p:cNvPicPr>
-            <a:picLocks noChangeAspect="1"/>
-          </p:cNvPicPr>
-          <p:nvPr/>
-        </p:nvPicPr>
-        <p:blipFill>
-          <a:blip r:embed="rId4"/>
-          <a:stretch>
-            <a:fillRect/>
-          </a:stretch>
-        </p:blipFill>
-        <p:spPr>
-          <a:xfrm>
-            <a:off x="7116713" y="3765507"/>
-            <a:ext cx="4258269" cy="3105583"/>
-          </a:xfrm>
-          <a:prstGeom prst="rect">
-            <a:avLst/>
-          </a:prstGeom>
-        </p:spPr>
-      </p:pic>
-      <p:pic>
-        <p:nvPicPr>
-          <p:cNvPr id="4" name="Picture 3">
-            <a:extLst>
-              <a:ext uri="{FF2B5EF4-FFF2-40B4-BE49-F238E27FC236}">
-                <a16:creationId xmlns:a16="http://schemas.microsoft.com/office/drawing/2014/main" id="{79F6409D-2BF4-ECD6-45BC-B771E195D8A5}"/>
-              </a:ext>
-            </a:extLst>
-          </p:cNvPr>
-          <p:cNvPicPr>
-            <a:picLocks noChangeAspect="1"/>
-          </p:cNvPicPr>
-          <p:nvPr/>
-        </p:nvPicPr>
-        <p:blipFill>
-          <a:blip r:embed="rId5"/>
-          <a:stretch>
-            <a:fillRect/>
-          </a:stretch>
-        </p:blipFill>
-        <p:spPr>
-          <a:xfrm>
-            <a:off x="5707498" y="2709985"/>
-            <a:ext cx="4363059" cy="3153215"/>
+            <a:off x="1294730" y="4466309"/>
+            <a:ext cx="9602540" cy="1505160"/>
           </a:xfrm>
           <a:prstGeom prst="rect">
             <a:avLst/>
@@ -4157,7 +5138,7 @@
     </p:spTree>
     <p:extLst>
       <p:ext uri="{BB962C8B-B14F-4D97-AF65-F5344CB8AC3E}">
-        <p14:creationId xmlns:p14="http://schemas.microsoft.com/office/powerpoint/2010/main" val="795841240"/>
+        <p14:creationId xmlns:p14="http://schemas.microsoft.com/office/powerpoint/2010/main" val="2263016475"/>
       </p:ext>
     </p:extLst>
   </p:cSld>
@@ -4172,7 +5153,13 @@
   <p:cSld>
     <p:spTree>
       <p:nvGrpSpPr>
-        <p:cNvPr id="1" name=""/>
+        <p:cNvPr id="1" name="">
+          <a:extLst>
+            <a:ext uri="{FF2B5EF4-FFF2-40B4-BE49-F238E27FC236}">
+              <a16:creationId xmlns:a16="http://schemas.microsoft.com/office/drawing/2014/main" id="{4C31A8D0-80F0-D5EE-FA24-FEC1C118867C}"/>
+            </a:ext>
+          </a:extLst>
+        </p:cNvPr>
         <p:cNvGrpSpPr/>
         <p:nvPr/>
       </p:nvGrpSpPr>
@@ -4189,7 +5176,7 @@
           <p:cNvPr id="2" name="Title 1">
             <a:extLst>
               <a:ext uri="{FF2B5EF4-FFF2-40B4-BE49-F238E27FC236}">
-                <a16:creationId xmlns:a16="http://schemas.microsoft.com/office/drawing/2014/main" id="{0E3B55EA-E157-ED47-AA45-B3CED349C012}"/>
+                <a16:creationId xmlns:a16="http://schemas.microsoft.com/office/drawing/2014/main" id="{7A9E4A74-6D5E-EC33-1236-11AAA5C0DD32}"/>
               </a:ext>
             </a:extLst>
           </p:cNvPr>
@@ -4206,8 +5193,8 @@
           <a:lstStyle/>
           <a:p>
             <a:r>
-              <a:rPr lang="en-NZ"/>
-              <a:t>Setting up a “Project” in R</a:t>
+              <a:rPr lang="en-NZ" dirty="0"/>
+              <a:t>Using functions in R</a:t>
             </a:r>
           </a:p>
         </p:txBody>
@@ -4217,7 +5204,7 @@
           <p:cNvPr id="3" name="Content Placeholder 2">
             <a:extLst>
               <a:ext uri="{FF2B5EF4-FFF2-40B4-BE49-F238E27FC236}">
-                <a16:creationId xmlns:a16="http://schemas.microsoft.com/office/drawing/2014/main" id="{45DE22BE-2708-1BDA-02F3-278D3F163E61}"/>
+                <a16:creationId xmlns:a16="http://schemas.microsoft.com/office/drawing/2014/main" id="{D57A27F7-050B-12C2-6CCE-7A0478E02441}"/>
               </a:ext>
             </a:extLst>
           </p:cNvPr>
@@ -4228,66 +5215,58 @@
             <p:ph idx="1"/>
           </p:nvPr>
         </p:nvSpPr>
-        <p:spPr>
-          <a:xfrm>
-            <a:off x="838200" y="1825625"/>
-            <a:ext cx="4876063" cy="4351338"/>
-          </a:xfrm>
-        </p:spPr>
+        <p:spPr/>
         <p:txBody>
           <a:bodyPr>
-            <a:normAutofit fontScale="92500" lnSpcReduction="20000"/>
+            <a:normAutofit lnSpcReduction="10000"/>
           </a:bodyPr>
           <a:lstStyle/>
           <a:p>
             <a:r>
-              <a:rPr lang="en-NZ"/>
-              <a:t>Step 1: Open RStudio</a:t>
-            </a:r>
-          </a:p>
-          <a:p>
-            <a:r>
-              <a:rPr lang="en-NZ"/>
-              <a:t>Step 2: Select “New Project” in upper right in </a:t>
-            </a:r>
-            <a:r>
-              <a:rPr lang="en-NZ" err="1"/>
+              <a:rPr lang="en-NZ" dirty="0"/>
+              <a:t>You can also install packages in R created by others that perform specific actions</a:t>
+            </a:r>
+          </a:p>
+          <a:p>
+            <a:endParaRPr lang="en-NZ" dirty="0"/>
+          </a:p>
+          <a:p>
+            <a:endParaRPr lang="en-NZ" dirty="0"/>
+          </a:p>
+          <a:p>
+            <a:endParaRPr lang="en-NZ" dirty="0"/>
+          </a:p>
+          <a:p>
+            <a:endParaRPr lang="en-NZ" dirty="0"/>
+          </a:p>
+          <a:p>
+            <a:r>
+              <a:rPr lang="en-NZ" dirty="0"/>
+              <a:t>Once a package is installed on your computer, you only need to load the library next time you open </a:t>
+            </a:r>
+            <a:r>
+              <a:rPr lang="en-NZ" dirty="0" err="1"/>
               <a:t>Rstudio</a:t>
             </a:r>
-            <a:endParaRPr lang="en-NZ"/>
-          </a:p>
-          <a:p>
-            <a:r>
-              <a:rPr lang="en-NZ"/>
-              <a:t>Step 3: Select “New Directory” -&gt; “New Project”</a:t>
-            </a:r>
-          </a:p>
-          <a:p>
-            <a:r>
-              <a:rPr lang="en-NZ"/>
-              <a:t>Step 4: Name your directory something informative (e.g., BIOEB304_data_lab)</a:t>
-            </a:r>
-          </a:p>
-          <a:p>
-            <a:r>
-              <a:rPr lang="en-NZ"/>
-              <a:t>Step 5: Unzip your folder into this location (“Extract all” into the location of your R project)</a:t>
-            </a:r>
-          </a:p>
-          <a:p>
-            <a:r>
-              <a:rPr lang="en-NZ"/>
-              <a:t>Step 6: Open the R script</a:t>
-            </a:r>
+            <a:endParaRPr lang="en-NZ" dirty="0"/>
+          </a:p>
+          <a:p>
+            <a:r>
+              <a:rPr lang="en-NZ" dirty="0"/>
+              <a:t>You can also create custom functions (more on that another time!)</a:t>
+            </a:r>
+          </a:p>
+          <a:p>
+            <a:endParaRPr lang="en-NZ" dirty="0"/>
           </a:p>
         </p:txBody>
       </p:sp>
       <p:pic>
         <p:nvPicPr>
-          <p:cNvPr id="5" name="Picture 4">
-            <a:extLst>
-              <a:ext uri="{FF2B5EF4-FFF2-40B4-BE49-F238E27FC236}">
-                <a16:creationId xmlns:a16="http://schemas.microsoft.com/office/drawing/2014/main" id="{091345EF-C472-73E1-EA89-1FFD558BAFEE}"/>
+          <p:cNvPr id="6" name="Picture 5">
+            <a:extLst>
+              <a:ext uri="{FF2B5EF4-FFF2-40B4-BE49-F238E27FC236}">
+                <a16:creationId xmlns:a16="http://schemas.microsoft.com/office/drawing/2014/main" id="{BCB0BD30-7704-BF9C-A949-23C2B7E3E8E3}"/>
               </a:ext>
             </a:extLst>
           </p:cNvPr>
@@ -4304,212 +5283,18 @@
         </p:blipFill>
         <p:spPr>
           <a:xfrm>
-            <a:off x="8384397" y="1086313"/>
-            <a:ext cx="3372321" cy="4544059"/>
+            <a:off x="1256624" y="3093502"/>
+            <a:ext cx="9678751" cy="1390844"/>
           </a:xfrm>
           <a:prstGeom prst="rect">
             <a:avLst/>
           </a:prstGeom>
         </p:spPr>
       </p:pic>
-      <p:sp>
-        <p:nvSpPr>
-          <p:cNvPr id="6" name="Rectangle 5">
-            <a:extLst>
-              <a:ext uri="{FF2B5EF4-FFF2-40B4-BE49-F238E27FC236}">
-                <a16:creationId xmlns:a16="http://schemas.microsoft.com/office/drawing/2014/main" id="{50D6393F-3CB5-4AB4-83CA-CCEFE10F3B52}"/>
-              </a:ext>
-            </a:extLst>
-          </p:cNvPr>
-          <p:cNvSpPr/>
-          <p:nvPr/>
-        </p:nvSpPr>
-        <p:spPr>
-          <a:xfrm>
-            <a:off x="8735492" y="1952782"/>
-            <a:ext cx="1968759" cy="258992"/>
-          </a:xfrm>
-          <a:prstGeom prst="rect">
-            <a:avLst/>
-          </a:prstGeom>
-          <a:noFill/>
-          <a:ln w="28575">
-            <a:solidFill>
-              <a:srgbClr val="FF0000"/>
-            </a:solidFill>
-          </a:ln>
-        </p:spPr>
-        <p:style>
-          <a:lnRef idx="2">
-            <a:schemeClr val="accent1">
-              <a:shade val="15000"/>
-            </a:schemeClr>
-          </a:lnRef>
-          <a:fillRef idx="1">
-            <a:schemeClr val="accent1"/>
-          </a:fillRef>
-          <a:effectRef idx="0">
-            <a:schemeClr val="accent1"/>
-          </a:effectRef>
-          <a:fontRef idx="minor">
-            <a:schemeClr val="lt1"/>
-          </a:fontRef>
-        </p:style>
-        <p:txBody>
-          <a:bodyPr rtlCol="0" anchor="ctr"/>
-          <a:lstStyle/>
-          <a:p>
-            <a:pPr algn="ctr"/>
-            <a:endParaRPr lang="en-NZ"/>
-          </a:p>
-        </p:txBody>
-      </p:sp>
-      <p:pic>
-        <p:nvPicPr>
-          <p:cNvPr id="8" name="Picture 7">
-            <a:extLst>
-              <a:ext uri="{FF2B5EF4-FFF2-40B4-BE49-F238E27FC236}">
-                <a16:creationId xmlns:a16="http://schemas.microsoft.com/office/drawing/2014/main" id="{4EA98AF1-7323-55D3-F4AA-19ED812AA35E}"/>
-              </a:ext>
-            </a:extLst>
-          </p:cNvPr>
-          <p:cNvPicPr>
-            <a:picLocks noChangeAspect="1"/>
-          </p:cNvPicPr>
-          <p:nvPr/>
-        </p:nvPicPr>
-        <p:blipFill>
-          <a:blip r:embed="rId3"/>
-          <a:stretch>
-            <a:fillRect/>
-          </a:stretch>
-        </p:blipFill>
-        <p:spPr>
-          <a:xfrm>
-            <a:off x="6096000" y="1690688"/>
-            <a:ext cx="4782217" cy="3305636"/>
-          </a:xfrm>
-          <a:prstGeom prst="rect">
-            <a:avLst/>
-          </a:prstGeom>
-        </p:spPr>
-      </p:pic>
-      <p:pic>
-        <p:nvPicPr>
-          <p:cNvPr id="10" name="Picture 9">
-            <a:extLst>
-              <a:ext uri="{FF2B5EF4-FFF2-40B4-BE49-F238E27FC236}">
-                <a16:creationId xmlns:a16="http://schemas.microsoft.com/office/drawing/2014/main" id="{0D739BA2-EF2A-9C89-AF7C-8162C9C2AC4E}"/>
-              </a:ext>
-            </a:extLst>
-          </p:cNvPr>
-          <p:cNvPicPr>
-            <a:picLocks noChangeAspect="1"/>
-          </p:cNvPicPr>
-          <p:nvPr/>
-        </p:nvPicPr>
-        <p:blipFill>
-          <a:blip r:embed="rId4"/>
-          <a:stretch>
-            <a:fillRect/>
-          </a:stretch>
-        </p:blipFill>
-        <p:spPr>
-          <a:xfrm>
-            <a:off x="7116713" y="3765507"/>
-            <a:ext cx="4258269" cy="3105583"/>
-          </a:xfrm>
-          <a:prstGeom prst="rect">
-            <a:avLst/>
-          </a:prstGeom>
-        </p:spPr>
-      </p:pic>
-      <p:pic>
-        <p:nvPicPr>
-          <p:cNvPr id="4" name="Picture 3">
-            <a:extLst>
-              <a:ext uri="{FF2B5EF4-FFF2-40B4-BE49-F238E27FC236}">
-                <a16:creationId xmlns:a16="http://schemas.microsoft.com/office/drawing/2014/main" id="{79F6409D-2BF4-ECD6-45BC-B771E195D8A5}"/>
-              </a:ext>
-            </a:extLst>
-          </p:cNvPr>
-          <p:cNvPicPr>
-            <a:picLocks noChangeAspect="1"/>
-          </p:cNvPicPr>
-          <p:nvPr/>
-        </p:nvPicPr>
-        <p:blipFill>
-          <a:blip r:embed="rId5"/>
-          <a:stretch>
-            <a:fillRect/>
-          </a:stretch>
-        </p:blipFill>
-        <p:spPr>
-          <a:xfrm>
-            <a:off x="5707498" y="2709985"/>
-            <a:ext cx="4363059" cy="3153215"/>
-          </a:xfrm>
-          <a:prstGeom prst="rect">
-            <a:avLst/>
-          </a:prstGeom>
-        </p:spPr>
-      </p:pic>
-      <p:sp>
-        <p:nvSpPr>
-          <p:cNvPr id="7" name="Rectangle 6">
-            <a:extLst>
-              <a:ext uri="{FF2B5EF4-FFF2-40B4-BE49-F238E27FC236}">
-                <a16:creationId xmlns:a16="http://schemas.microsoft.com/office/drawing/2014/main" id="{57088D70-15D4-D2F0-92D2-5F4675B884B6}"/>
-              </a:ext>
-            </a:extLst>
-          </p:cNvPr>
-          <p:cNvSpPr/>
-          <p:nvPr/>
-        </p:nvSpPr>
-        <p:spPr>
-          <a:xfrm>
-            <a:off x="6748272" y="3877056"/>
-            <a:ext cx="3118104" cy="409537"/>
-          </a:xfrm>
-          <a:prstGeom prst="rect">
-            <a:avLst/>
-          </a:prstGeom>
-          <a:noFill/>
-          <a:ln w="38100">
-            <a:solidFill>
-              <a:srgbClr val="C00000"/>
-            </a:solidFill>
-          </a:ln>
-        </p:spPr>
-        <p:style>
-          <a:lnRef idx="2">
-            <a:schemeClr val="accent1">
-              <a:shade val="15000"/>
-            </a:schemeClr>
-          </a:lnRef>
-          <a:fillRef idx="1">
-            <a:schemeClr val="accent1"/>
-          </a:fillRef>
-          <a:effectRef idx="0">
-            <a:schemeClr val="accent1"/>
-          </a:effectRef>
-          <a:fontRef idx="minor">
-            <a:schemeClr val="lt1"/>
-          </a:fontRef>
-        </p:style>
-        <p:txBody>
-          <a:bodyPr rtlCol="0" anchor="ctr"/>
-          <a:lstStyle/>
-          <a:p>
-            <a:pPr algn="ctr"/>
-            <a:endParaRPr lang="en-NZ"/>
-          </a:p>
-        </p:txBody>
-      </p:sp>
     </p:spTree>
     <p:extLst>
       <p:ext uri="{BB962C8B-B14F-4D97-AF65-F5344CB8AC3E}">
-        <p14:creationId xmlns:p14="http://schemas.microsoft.com/office/powerpoint/2010/main" val="803767791"/>
+        <p14:creationId xmlns:p14="http://schemas.microsoft.com/office/powerpoint/2010/main" val="779704714"/>
       </p:ext>
     </p:extLst>
   </p:cSld>
@@ -4524,7 +5309,13 @@
   <p:cSld>
     <p:spTree>
       <p:nvGrpSpPr>
-        <p:cNvPr id="1" name=""/>
+        <p:cNvPr id="1" name="">
+          <a:extLst>
+            <a:ext uri="{FF2B5EF4-FFF2-40B4-BE49-F238E27FC236}">
+              <a16:creationId xmlns:a16="http://schemas.microsoft.com/office/drawing/2014/main" id="{B5CE5783-1F99-A973-F784-F98CCB16ADA8}"/>
+            </a:ext>
+          </a:extLst>
+        </p:cNvPr>
         <p:cNvGrpSpPr/>
         <p:nvPr/>
       </p:nvGrpSpPr>
@@ -4541,7 +5332,7 @@
           <p:cNvPr id="2" name="Title 1">
             <a:extLst>
               <a:ext uri="{FF2B5EF4-FFF2-40B4-BE49-F238E27FC236}">
-                <a16:creationId xmlns:a16="http://schemas.microsoft.com/office/drawing/2014/main" id="{6BB0246F-D1B0-0CB9-6421-9635A9E7683E}"/>
+                <a16:creationId xmlns:a16="http://schemas.microsoft.com/office/drawing/2014/main" id="{AA3C6974-CC17-BAF9-593C-82B74DBC20A8}"/>
               </a:ext>
             </a:extLst>
           </p:cNvPr>
@@ -4558,8 +5349,8 @@
           <a:lstStyle/>
           <a:p>
             <a:r>
-              <a:rPr lang="en-NZ"/>
-              <a:t>File structure in R should look like this</a:t>
+              <a:rPr lang="en-NZ" dirty="0"/>
+              <a:t>Using functions in R</a:t>
             </a:r>
           </a:p>
         </p:txBody>
@@ -4569,7 +5360,7 @@
           <p:cNvPr id="3" name="Content Placeholder 2">
             <a:extLst>
               <a:ext uri="{FF2B5EF4-FFF2-40B4-BE49-F238E27FC236}">
-                <a16:creationId xmlns:a16="http://schemas.microsoft.com/office/drawing/2014/main" id="{D7BC38F7-FE60-79F3-089D-EC254FE3D596}"/>
+                <a16:creationId xmlns:a16="http://schemas.microsoft.com/office/drawing/2014/main" id="{3F5FDC8E-D273-5E06-AB17-FB628542108E}"/>
               </a:ext>
             </a:extLst>
           </p:cNvPr>
@@ -4585,7 +5376,10 @@
           <a:bodyPr/>
           <a:lstStyle/>
           <a:p>
-            <a:endParaRPr lang="en-NZ"/>
+            <a:r>
+              <a:rPr lang="en-NZ" dirty="0"/>
+              <a:t>Functions often have default settings, which can be changed, and require certain inputs</a:t>
+            </a:r>
           </a:p>
         </p:txBody>
       </p:sp>
@@ -4594,7 +5388,7 @@
           <p:cNvPr id="5" name="Picture 4">
             <a:extLst>
               <a:ext uri="{FF2B5EF4-FFF2-40B4-BE49-F238E27FC236}">
-                <a16:creationId xmlns:a16="http://schemas.microsoft.com/office/drawing/2014/main" id="{FFBC021C-BA80-BF65-4F40-38ABB84392AD}"/>
+                <a16:creationId xmlns:a16="http://schemas.microsoft.com/office/drawing/2014/main" id="{A812DE6C-7C9E-595F-7141-6C02850D682F}"/>
               </a:ext>
             </a:extLst>
           </p:cNvPr>
@@ -4611,70 +5405,78 @@
         </p:blipFill>
         <p:spPr>
           <a:xfrm>
-            <a:off x="1662340" y="2012286"/>
-            <a:ext cx="8313607" cy="3978016"/>
+            <a:off x="1285203" y="2809789"/>
+            <a:ext cx="9621593" cy="619211"/>
           </a:xfrm>
           <a:prstGeom prst="rect">
             <a:avLst/>
           </a:prstGeom>
         </p:spPr>
       </p:pic>
-      <p:sp>
-        <p:nvSpPr>
-          <p:cNvPr id="6" name="Rectangle 5">
-            <a:extLst>
-              <a:ext uri="{FF2B5EF4-FFF2-40B4-BE49-F238E27FC236}">
-                <a16:creationId xmlns:a16="http://schemas.microsoft.com/office/drawing/2014/main" id="{57A5DF49-1824-A03D-C8C0-23701BEADE0E}"/>
-              </a:ext>
-            </a:extLst>
-          </p:cNvPr>
-          <p:cNvSpPr/>
+      <p:pic>
+        <p:nvPicPr>
+          <p:cNvPr id="8" name="Picture 7">
+            <a:extLst>
+              <a:ext uri="{FF2B5EF4-FFF2-40B4-BE49-F238E27FC236}">
+                <a16:creationId xmlns:a16="http://schemas.microsoft.com/office/drawing/2014/main" id="{054800DC-1903-01BB-6492-518AA965403C}"/>
+              </a:ext>
+            </a:extLst>
+          </p:cNvPr>
+          <p:cNvPicPr>
+            <a:picLocks noChangeAspect="1"/>
+          </p:cNvPicPr>
           <p:nvPr/>
-        </p:nvSpPr>
+        </p:nvPicPr>
+        <p:blipFill>
+          <a:blip r:embed="rId3"/>
+          <a:stretch>
+            <a:fillRect/>
+          </a:stretch>
+        </p:blipFill>
         <p:spPr>
           <a:xfrm>
-            <a:off x="1941709" y="2680626"/>
-            <a:ext cx="3377682" cy="372968"/>
+            <a:off x="6725211" y="2921143"/>
+            <a:ext cx="5329215" cy="3763678"/>
           </a:xfrm>
           <a:prstGeom prst="rect">
             <a:avLst/>
           </a:prstGeom>
-          <a:noFill/>
-          <a:ln w="57150">
-            <a:solidFill>
-              <a:srgbClr val="FF0000"/>
-            </a:solidFill>
-          </a:ln>
         </p:spPr>
-        <p:style>
-          <a:lnRef idx="2">
-            <a:schemeClr val="accent1">
-              <a:shade val="15000"/>
-            </a:schemeClr>
-          </a:lnRef>
-          <a:fillRef idx="1">
-            <a:schemeClr val="accent1"/>
-          </a:fillRef>
-          <a:effectRef idx="0">
-            <a:schemeClr val="accent1"/>
-          </a:effectRef>
-          <a:fontRef idx="minor">
-            <a:schemeClr val="lt1"/>
-          </a:fontRef>
-        </p:style>
-        <p:txBody>
-          <a:bodyPr rtlCol="0" anchor="ctr"/>
-          <a:lstStyle/>
-          <a:p>
-            <a:pPr algn="ctr"/>
-            <a:endParaRPr lang="en-NZ"/>
-          </a:p>
-        </p:txBody>
-      </p:sp>
+      </p:pic>
+      <p:pic>
+        <p:nvPicPr>
+          <p:cNvPr id="10" name="Picture 9">
+            <a:extLst>
+              <a:ext uri="{FF2B5EF4-FFF2-40B4-BE49-F238E27FC236}">
+                <a16:creationId xmlns:a16="http://schemas.microsoft.com/office/drawing/2014/main" id="{48988DA9-36B7-4DA0-7C59-EBFF7E2E5666}"/>
+              </a:ext>
+            </a:extLst>
+          </p:cNvPr>
+          <p:cNvPicPr>
+            <a:picLocks noChangeAspect="1"/>
+          </p:cNvPicPr>
+          <p:nvPr/>
+        </p:nvPicPr>
+        <p:blipFill>
+          <a:blip r:embed="rId4"/>
+          <a:stretch>
+            <a:fillRect/>
+          </a:stretch>
+        </p:blipFill>
+        <p:spPr>
+          <a:xfrm>
+            <a:off x="722536" y="3573321"/>
+            <a:ext cx="5752818" cy="3111500"/>
+          </a:xfrm>
+          <a:prstGeom prst="rect">
+            <a:avLst/>
+          </a:prstGeom>
+        </p:spPr>
+      </p:pic>
     </p:spTree>
     <p:extLst>
       <p:ext uri="{BB962C8B-B14F-4D97-AF65-F5344CB8AC3E}">
-        <p14:creationId xmlns:p14="http://schemas.microsoft.com/office/powerpoint/2010/main" val="1720701469"/>
+        <p14:creationId xmlns:p14="http://schemas.microsoft.com/office/powerpoint/2010/main" val="1540252618"/>
       </p:ext>
     </p:extLst>
   </p:cSld>
@@ -4706,7 +5508,7 @@
           <p:cNvPr id="2" name="Title 1">
             <a:extLst>
               <a:ext uri="{FF2B5EF4-FFF2-40B4-BE49-F238E27FC236}">
-                <a16:creationId xmlns:a16="http://schemas.microsoft.com/office/drawing/2014/main" id="{242E4017-966A-3CF3-911C-0FED494A8676}"/>
+                <a16:creationId xmlns:a16="http://schemas.microsoft.com/office/drawing/2014/main" id="{23C5E920-83BC-357E-A523-FAB1BADC5398}"/>
               </a:ext>
             </a:extLst>
           </p:cNvPr>
@@ -4723,8 +5525,8 @@
           <a:lstStyle/>
           <a:p>
             <a:r>
-              <a:rPr lang="en-NZ"/>
-              <a:t>How to use projects</a:t>
+              <a:rPr lang="en-NZ" dirty="0"/>
+              <a:t>Using a function to create an object</a:t>
             </a:r>
           </a:p>
         </p:txBody>
@@ -4734,7 +5536,7 @@
           <p:cNvPr id="3" name="Content Placeholder 2">
             <a:extLst>
               <a:ext uri="{FF2B5EF4-FFF2-40B4-BE49-F238E27FC236}">
-                <a16:creationId xmlns:a16="http://schemas.microsoft.com/office/drawing/2014/main" id="{E067DC2B-272B-03FB-A104-3EA0E40DFCA1}"/>
+                <a16:creationId xmlns:a16="http://schemas.microsoft.com/office/drawing/2014/main" id="{4A3C3C2E-AE87-8C59-B333-201EC62A9CFE}"/>
               </a:ext>
             </a:extLst>
           </p:cNvPr>
@@ -4745,43 +5547,33 @@
             <p:ph idx="1"/>
           </p:nvPr>
         </p:nvSpPr>
-        <p:spPr>
-          <a:xfrm>
-            <a:off x="838200" y="1825625"/>
-            <a:ext cx="6230112" cy="4351338"/>
-          </a:xfrm>
-        </p:spPr>
+        <p:spPr/>
         <p:txBody>
           <a:bodyPr/>
           <a:lstStyle/>
           <a:p>
             <a:r>
-              <a:rPr lang="en-NZ"/>
-              <a:t>Ideally, these are truly “project”-specific</a:t>
-            </a:r>
-          </a:p>
-          <a:p>
-            <a:pPr lvl="1"/>
-            <a:r>
-              <a:rPr lang="en-NZ"/>
-              <a:t>A set of analyses towards a common goal, typically a manuscript</a:t>
-            </a:r>
-          </a:p>
-          <a:p>
-            <a:endParaRPr lang="en-NZ"/>
-          </a:p>
-          <a:p>
-            <a:pPr lvl="1"/>
-            <a:endParaRPr lang="en-NZ"/>
+              <a:rPr lang="en-NZ" dirty="0"/>
+              <a:t>Let’s say we have an excel file we want to read into R</a:t>
+            </a:r>
+          </a:p>
+          <a:p>
+            <a:endParaRPr lang="en-NZ" dirty="0"/>
+          </a:p>
+          <a:p>
+            <a:endParaRPr lang="en-NZ" dirty="0"/>
+          </a:p>
+          <a:p>
+            <a:endParaRPr lang="en-NZ" dirty="0"/>
           </a:p>
         </p:txBody>
       </p:sp>
       <p:pic>
         <p:nvPicPr>
-          <p:cNvPr id="5" name="Picture 4">
-            <a:extLst>
-              <a:ext uri="{FF2B5EF4-FFF2-40B4-BE49-F238E27FC236}">
-                <a16:creationId xmlns:a16="http://schemas.microsoft.com/office/drawing/2014/main" id="{49AB8B98-8ED6-4866-A651-61651ECEA560}"/>
+          <p:cNvPr id="7" name="Picture 6">
+            <a:extLst>
+              <a:ext uri="{FF2B5EF4-FFF2-40B4-BE49-F238E27FC236}">
+                <a16:creationId xmlns:a16="http://schemas.microsoft.com/office/drawing/2014/main" id="{B1E7DB40-3B18-C508-D320-D3B2CEB760E4}"/>
               </a:ext>
             </a:extLst>
           </p:cNvPr>
@@ -4798,142 +5590,112 @@
         </p:blipFill>
         <p:spPr>
           <a:xfrm>
-            <a:off x="692367" y="3878291"/>
-            <a:ext cx="5592631" cy="2614584"/>
+            <a:off x="2298077" y="2752361"/>
+            <a:ext cx="6973273" cy="866896"/>
           </a:xfrm>
           <a:prstGeom prst="rect">
             <a:avLst/>
           </a:prstGeom>
         </p:spPr>
       </p:pic>
-      <p:pic>
-        <p:nvPicPr>
-          <p:cNvPr id="7" name="Picture 6">
-            <a:extLst>
-              <a:ext uri="{FF2B5EF4-FFF2-40B4-BE49-F238E27FC236}">
-                <a16:creationId xmlns:a16="http://schemas.microsoft.com/office/drawing/2014/main" id="{3CB2B347-2CC5-9DFF-D693-3CA70F2C267C}"/>
-              </a:ext>
-            </a:extLst>
-          </p:cNvPr>
-          <p:cNvPicPr>
-            <a:picLocks noChangeAspect="1"/>
-          </p:cNvPicPr>
+      <mc:AlternateContent xmlns:mc="http://schemas.openxmlformats.org/markup-compatibility/2006">
+        <mc:Choice xmlns:p14="http://schemas.microsoft.com/office/powerpoint/2010/main" Requires="p14">
+          <p:contentPart p14:bwMode="auto" r:id="rId3">
+            <p14:nvContentPartPr>
+              <p14:cNvPr id="14" name="Ink 13">
+                <a:extLst>
+                  <a:ext uri="{FF2B5EF4-FFF2-40B4-BE49-F238E27FC236}">
+                    <a16:creationId xmlns:a16="http://schemas.microsoft.com/office/drawing/2014/main" id="{B0DEAC8A-FBC0-4878-BBCD-9F4913B092F6}"/>
+                  </a:ext>
+                </a:extLst>
+              </p14:cNvPr>
+              <p14:cNvContentPartPr/>
+              <p14:nvPr/>
+            </p14:nvContentPartPr>
+            <p14:xfrm>
+              <a:off x="2844740" y="3338604"/>
+              <a:ext cx="208440" cy="879480"/>
+            </p14:xfrm>
+          </p:contentPart>
+        </mc:Choice>
+        <mc:Fallback>
+          <p:pic>
+            <p:nvPicPr>
+              <p:cNvPr id="14" name="Ink 13">
+                <a:extLst>
+                  <a:ext uri="{FF2B5EF4-FFF2-40B4-BE49-F238E27FC236}">
+                    <a16:creationId xmlns:a16="http://schemas.microsoft.com/office/drawing/2014/main" id="{B0DEAC8A-FBC0-4878-BBCD-9F4913B092F6}"/>
+                  </a:ext>
+                </a:extLst>
+              </p:cNvPr>
+              <p:cNvPicPr/>
+              <p:nvPr/>
+            </p:nvPicPr>
+            <p:blipFill>
+              <a:blip r:embed="rId4"/>
+              <a:stretch>
+                <a:fillRect/>
+              </a:stretch>
+            </p:blipFill>
+            <p:spPr>
+              <a:xfrm>
+                <a:off x="2827100" y="3320964"/>
+                <a:ext cx="244080" cy="915120"/>
+              </a:xfrm>
+              <a:prstGeom prst="rect">
+                <a:avLst/>
+              </a:prstGeom>
+            </p:spPr>
+          </p:pic>
+        </mc:Fallback>
+      </mc:AlternateContent>
+      <p:sp>
+        <p:nvSpPr>
+          <p:cNvPr id="15" name="TextBox 14">
+            <a:extLst>
+              <a:ext uri="{FF2B5EF4-FFF2-40B4-BE49-F238E27FC236}">
+                <a16:creationId xmlns:a16="http://schemas.microsoft.com/office/drawing/2014/main" id="{255A994A-F0BC-FF5C-5957-2D1875AC2DF1}"/>
+              </a:ext>
+            </a:extLst>
+          </p:cNvPr>
+          <p:cNvSpPr txBox="1"/>
           <p:nvPr/>
-        </p:nvPicPr>
-        <p:blipFill>
-          <a:blip r:embed="rId3"/>
-          <a:stretch>
-            <a:fillRect/>
-          </a:stretch>
-        </p:blipFill>
+        </p:nvSpPr>
         <p:spPr>
           <a:xfrm>
-            <a:off x="7214145" y="1690687"/>
-            <a:ext cx="4235358" cy="4782391"/>
-          </a:xfrm>
-          <a:prstGeom prst="rect">
-            <a:avLst/>
-          </a:prstGeom>
-        </p:spPr>
-      </p:pic>
-      <p:pic>
-        <p:nvPicPr>
-          <p:cNvPr id="9" name="Picture 2" descr="Thumbs Down Vector Art, Icons, and ...">
-            <a:extLst>
-              <a:ext uri="{FF2B5EF4-FFF2-40B4-BE49-F238E27FC236}">
-                <a16:creationId xmlns:a16="http://schemas.microsoft.com/office/drawing/2014/main" id="{07872731-AE70-6F28-B14A-6C8C6A0FF059}"/>
-              </a:ext>
-            </a:extLst>
-          </p:cNvPr>
-          <p:cNvPicPr>
-            <a:picLocks noChangeAspect="1" noChangeArrowheads="1"/>
-          </p:cNvPicPr>
-          <p:nvPr/>
-        </p:nvPicPr>
-        <p:blipFill>
-          <a:blip r:embed="rId4">
-            <a:extLst>
-              <a:ext uri="{28A0092B-C50C-407E-A947-70E740481C1C}">
-                <a14:useLocalDpi xmlns:a14="http://schemas.microsoft.com/office/drawing/2010/main" val="0"/>
-              </a:ext>
-            </a:extLst>
-          </a:blip>
-          <a:srcRect/>
-          <a:stretch>
-            <a:fillRect/>
-          </a:stretch>
-        </p:blipFill>
-        <p:spPr bwMode="auto">
-          <a:xfrm>
-            <a:off x="9723364" y="3166829"/>
-            <a:ext cx="1422923" cy="1422923"/>
+            <a:off x="2298077" y="4406630"/>
+            <a:ext cx="3052136" cy="923330"/>
           </a:xfrm>
           <a:prstGeom prst="rect">
             <a:avLst/>
           </a:prstGeom>
           <a:noFill/>
-          <a:extLst>
-            <a:ext uri="{909E8E84-426E-40DD-AFC4-6F175D3DCCD1}">
-              <a14:hiddenFill xmlns:a14="http://schemas.microsoft.com/office/drawing/2010/main">
-                <a:solidFill>
-                  <a:srgbClr val="FFFFFF"/>
-                </a:solidFill>
-              </a14:hiddenFill>
-            </a:ext>
-          </a:extLst>
         </p:spPr>
-      </p:pic>
-      <p:pic>
-        <p:nvPicPr>
-          <p:cNvPr id="10" name="Picture 4" descr="Thumbs Up Images Png Free PNG Images ...">
-            <a:extLst>
-              <a:ext uri="{FF2B5EF4-FFF2-40B4-BE49-F238E27FC236}">
-                <a16:creationId xmlns:a16="http://schemas.microsoft.com/office/drawing/2014/main" id="{651B39DA-15F9-15DC-7BB6-5B174D1A387E}"/>
-              </a:ext>
-            </a:extLst>
-          </p:cNvPr>
-          <p:cNvPicPr>
-            <a:picLocks noChangeAspect="1" noChangeArrowheads="1"/>
-          </p:cNvPicPr>
-          <p:nvPr/>
-        </p:nvPicPr>
-        <p:blipFill>
-          <a:blip r:embed="rId5">
-            <a:extLst>
-              <a:ext uri="{28A0092B-C50C-407E-A947-70E740481C1C}">
-                <a14:useLocalDpi xmlns:a14="http://schemas.microsoft.com/office/drawing/2010/main" val="0"/>
-              </a:ext>
-            </a:extLst>
-          </a:blip>
-          <a:srcRect/>
-          <a:stretch>
-            <a:fillRect/>
-          </a:stretch>
-        </p:blipFill>
-        <p:spPr bwMode="auto">
-          <a:xfrm>
-            <a:off x="3458199" y="4965302"/>
-            <a:ext cx="1422924" cy="1507777"/>
-          </a:xfrm>
-          <a:prstGeom prst="rect">
-            <a:avLst/>
-          </a:prstGeom>
-          <a:noFill/>
-          <a:extLst>
-            <a:ext uri="{909E8E84-426E-40DD-AFC4-6F175D3DCCD1}">
-              <a14:hiddenFill xmlns:a14="http://schemas.microsoft.com/office/drawing/2010/main">
-                <a:solidFill>
-                  <a:srgbClr val="FFFFFF"/>
-                </a:solidFill>
-              </a14:hiddenFill>
-            </a:ext>
-          </a:extLst>
-        </p:spPr>
-      </p:pic>
+        <p:txBody>
+          <a:bodyPr wrap="square" rtlCol="0">
+            <a:spAutoFit/>
+          </a:bodyPr>
+          <a:lstStyle/>
+          <a:p>
+            <a:r>
+              <a:rPr lang="en-NZ" dirty="0"/>
+              <a:t>We’ve named the </a:t>
+            </a:r>
+            <a:r>
+              <a:rPr lang="en-NZ" dirty="0" err="1"/>
+              <a:t>dataframe</a:t>
+            </a:r>
+            <a:r>
+              <a:rPr lang="en-NZ" dirty="0"/>
+              <a:t> ‘buoy’ which will show as an object in the environment</a:t>
+            </a:r>
+          </a:p>
+        </p:txBody>
+      </p:sp>
     </p:spTree>
     <p:extLst>
       <p:ext uri="{BB962C8B-B14F-4D97-AF65-F5344CB8AC3E}">
-        <p14:creationId xmlns:p14="http://schemas.microsoft.com/office/powerpoint/2010/main" val="1663465521"/>
+        <p14:creationId xmlns:p14="http://schemas.microsoft.com/office/powerpoint/2010/main" val="4173238154"/>
       </p:ext>
     </p:extLst>
   </p:cSld>
@@ -4944,6 +5706,884 @@
 </file>
 
 <file path=ppt/slides/slide14.xml><?xml version="1.0" encoding="utf-8"?>
+<p:sld xmlns:a="http://schemas.openxmlformats.org/drawingml/2006/main" xmlns:r="http://schemas.openxmlformats.org/officeDocument/2006/relationships" xmlns:p="http://schemas.openxmlformats.org/presentationml/2006/main">
+  <p:cSld>
+    <p:spTree>
+      <p:nvGrpSpPr>
+        <p:cNvPr id="1" name="">
+          <a:extLst>
+            <a:ext uri="{FF2B5EF4-FFF2-40B4-BE49-F238E27FC236}">
+              <a16:creationId xmlns:a16="http://schemas.microsoft.com/office/drawing/2014/main" id="{636E5D04-31F5-8BE6-861F-EE94CFE4EF13}"/>
+            </a:ext>
+          </a:extLst>
+        </p:cNvPr>
+        <p:cNvGrpSpPr/>
+        <p:nvPr/>
+      </p:nvGrpSpPr>
+      <p:grpSpPr>
+        <a:xfrm>
+          <a:off x="0" y="0"/>
+          <a:ext cx="0" cy="0"/>
+          <a:chOff x="0" y="0"/>
+          <a:chExt cx="0" cy="0"/>
+        </a:xfrm>
+      </p:grpSpPr>
+      <p:sp>
+        <p:nvSpPr>
+          <p:cNvPr id="2" name="Title 1">
+            <a:extLst>
+              <a:ext uri="{FF2B5EF4-FFF2-40B4-BE49-F238E27FC236}">
+                <a16:creationId xmlns:a16="http://schemas.microsoft.com/office/drawing/2014/main" id="{7D1C2BA8-8ABC-C6CF-BF72-FCAF3B6A6B46}"/>
+              </a:ext>
+            </a:extLst>
+          </p:cNvPr>
+          <p:cNvSpPr>
+            <a:spLocks noGrp="1"/>
+          </p:cNvSpPr>
+          <p:nvPr>
+            <p:ph type="title"/>
+          </p:nvPr>
+        </p:nvSpPr>
+        <p:spPr/>
+        <p:txBody>
+          <a:bodyPr/>
+          <a:lstStyle/>
+          <a:p>
+            <a:r>
+              <a:rPr lang="en-NZ" dirty="0"/>
+              <a:t>Using a function to create an object</a:t>
+            </a:r>
+          </a:p>
+        </p:txBody>
+      </p:sp>
+      <p:sp>
+        <p:nvSpPr>
+          <p:cNvPr id="3" name="Content Placeholder 2">
+            <a:extLst>
+              <a:ext uri="{FF2B5EF4-FFF2-40B4-BE49-F238E27FC236}">
+                <a16:creationId xmlns:a16="http://schemas.microsoft.com/office/drawing/2014/main" id="{FEF2E1DC-EDB0-5091-8552-DDAEA3336499}"/>
+              </a:ext>
+            </a:extLst>
+          </p:cNvPr>
+          <p:cNvSpPr>
+            <a:spLocks noGrp="1"/>
+          </p:cNvSpPr>
+          <p:nvPr>
+            <p:ph idx="1"/>
+          </p:nvPr>
+        </p:nvSpPr>
+        <p:spPr/>
+        <p:txBody>
+          <a:bodyPr/>
+          <a:lstStyle/>
+          <a:p>
+            <a:r>
+              <a:rPr lang="en-NZ" dirty="0"/>
+              <a:t>Let’s say we have an excel file we want to read into R</a:t>
+            </a:r>
+          </a:p>
+          <a:p>
+            <a:endParaRPr lang="en-NZ" dirty="0"/>
+          </a:p>
+          <a:p>
+            <a:endParaRPr lang="en-NZ" dirty="0"/>
+          </a:p>
+          <a:p>
+            <a:endParaRPr lang="en-NZ" dirty="0"/>
+          </a:p>
+        </p:txBody>
+      </p:sp>
+      <p:pic>
+        <p:nvPicPr>
+          <p:cNvPr id="7" name="Picture 6">
+            <a:extLst>
+              <a:ext uri="{FF2B5EF4-FFF2-40B4-BE49-F238E27FC236}">
+                <a16:creationId xmlns:a16="http://schemas.microsoft.com/office/drawing/2014/main" id="{C4847CE6-0A13-7603-0875-26CCA10AD3F1}"/>
+              </a:ext>
+            </a:extLst>
+          </p:cNvPr>
+          <p:cNvPicPr>
+            <a:picLocks noChangeAspect="1"/>
+          </p:cNvPicPr>
+          <p:nvPr/>
+        </p:nvPicPr>
+        <p:blipFill>
+          <a:blip r:embed="rId2"/>
+          <a:stretch>
+            <a:fillRect/>
+          </a:stretch>
+        </p:blipFill>
+        <p:spPr>
+          <a:xfrm>
+            <a:off x="2298077" y="2752361"/>
+            <a:ext cx="6973273" cy="866896"/>
+          </a:xfrm>
+          <a:prstGeom prst="rect">
+            <a:avLst/>
+          </a:prstGeom>
+        </p:spPr>
+      </p:pic>
+      <mc:AlternateContent xmlns:mc="http://schemas.openxmlformats.org/markup-compatibility/2006">
+        <mc:Choice xmlns:p14="http://schemas.microsoft.com/office/powerpoint/2010/main" Requires="p14">
+          <p:contentPart p14:bwMode="auto" r:id="rId3">
+            <p14:nvContentPartPr>
+              <p14:cNvPr id="14" name="Ink 13">
+                <a:extLst>
+                  <a:ext uri="{FF2B5EF4-FFF2-40B4-BE49-F238E27FC236}">
+                    <a16:creationId xmlns:a16="http://schemas.microsoft.com/office/drawing/2014/main" id="{C3F72AE0-03FA-0E75-FA53-E2FF2DEAB05E}"/>
+                  </a:ext>
+                </a:extLst>
+              </p14:cNvPr>
+              <p14:cNvContentPartPr/>
+              <p14:nvPr/>
+            </p14:nvContentPartPr>
+            <p14:xfrm>
+              <a:off x="3905055" y="3429000"/>
+              <a:ext cx="208440" cy="879480"/>
+            </p14:xfrm>
+          </p:contentPart>
+        </mc:Choice>
+        <mc:Fallback>
+          <p:pic>
+            <p:nvPicPr>
+              <p:cNvPr id="14" name="Ink 13">
+                <a:extLst>
+                  <a:ext uri="{FF2B5EF4-FFF2-40B4-BE49-F238E27FC236}">
+                    <a16:creationId xmlns:a16="http://schemas.microsoft.com/office/drawing/2014/main" id="{C3F72AE0-03FA-0E75-FA53-E2FF2DEAB05E}"/>
+                  </a:ext>
+                </a:extLst>
+              </p:cNvPr>
+              <p:cNvPicPr/>
+              <p:nvPr/>
+            </p:nvPicPr>
+            <p:blipFill>
+              <a:blip r:embed="rId4"/>
+              <a:stretch>
+                <a:fillRect/>
+              </a:stretch>
+            </p:blipFill>
+            <p:spPr>
+              <a:xfrm>
+                <a:off x="3887415" y="3411360"/>
+                <a:ext cx="244080" cy="915120"/>
+              </a:xfrm>
+              <a:prstGeom prst="rect">
+                <a:avLst/>
+              </a:prstGeom>
+            </p:spPr>
+          </p:pic>
+        </mc:Fallback>
+      </mc:AlternateContent>
+      <p:sp>
+        <p:nvSpPr>
+          <p:cNvPr id="15" name="TextBox 14">
+            <a:extLst>
+              <a:ext uri="{FF2B5EF4-FFF2-40B4-BE49-F238E27FC236}">
+                <a16:creationId xmlns:a16="http://schemas.microsoft.com/office/drawing/2014/main" id="{22FF6E3C-4378-1B30-ED85-5468B740DAB9}"/>
+              </a:ext>
+            </a:extLst>
+          </p:cNvPr>
+          <p:cNvSpPr txBox="1"/>
+          <p:nvPr/>
+        </p:nvSpPr>
+        <p:spPr>
+          <a:xfrm>
+            <a:off x="2298077" y="4406630"/>
+            <a:ext cx="3052136" cy="1200329"/>
+          </a:xfrm>
+          <a:prstGeom prst="rect">
+            <a:avLst/>
+          </a:prstGeom>
+          <a:noFill/>
+        </p:spPr>
+        <p:txBody>
+          <a:bodyPr wrap="square" rtlCol="0">
+            <a:spAutoFit/>
+          </a:bodyPr>
+          <a:lstStyle/>
+          <a:p>
+            <a:r>
+              <a:rPr lang="en-NZ" dirty="0"/>
+              <a:t>The name of the function to read in the excel file. Run ?</a:t>
+            </a:r>
+            <a:r>
+              <a:rPr lang="en-NZ" dirty="0" err="1"/>
+              <a:t>read_excel</a:t>
+            </a:r>
+            <a:r>
+              <a:rPr lang="en-NZ" dirty="0"/>
+              <a:t> for help documentation</a:t>
+            </a:r>
+          </a:p>
+        </p:txBody>
+      </p:sp>
+    </p:spTree>
+    <p:extLst>
+      <p:ext uri="{BB962C8B-B14F-4D97-AF65-F5344CB8AC3E}">
+        <p14:creationId xmlns:p14="http://schemas.microsoft.com/office/powerpoint/2010/main" val="3315339686"/>
+      </p:ext>
+    </p:extLst>
+  </p:cSld>
+  <p:clrMapOvr>
+    <a:masterClrMapping/>
+  </p:clrMapOvr>
+</p:sld>
+</file>
+
+<file path=ppt/slides/slide15.xml><?xml version="1.0" encoding="utf-8"?>
+<p:sld xmlns:a="http://schemas.openxmlformats.org/drawingml/2006/main" xmlns:r="http://schemas.openxmlformats.org/officeDocument/2006/relationships" xmlns:p="http://schemas.openxmlformats.org/presentationml/2006/main">
+  <p:cSld>
+    <p:spTree>
+      <p:nvGrpSpPr>
+        <p:cNvPr id="1" name="">
+          <a:extLst>
+            <a:ext uri="{FF2B5EF4-FFF2-40B4-BE49-F238E27FC236}">
+              <a16:creationId xmlns:a16="http://schemas.microsoft.com/office/drawing/2014/main" id="{23A7F760-AB33-2E15-B04A-DC876AA72BA2}"/>
+            </a:ext>
+          </a:extLst>
+        </p:cNvPr>
+        <p:cNvGrpSpPr/>
+        <p:nvPr/>
+      </p:nvGrpSpPr>
+      <p:grpSpPr>
+        <a:xfrm>
+          <a:off x="0" y="0"/>
+          <a:ext cx="0" cy="0"/>
+          <a:chOff x="0" y="0"/>
+          <a:chExt cx="0" cy="0"/>
+        </a:xfrm>
+      </p:grpSpPr>
+      <p:sp>
+        <p:nvSpPr>
+          <p:cNvPr id="2" name="Title 1">
+            <a:extLst>
+              <a:ext uri="{FF2B5EF4-FFF2-40B4-BE49-F238E27FC236}">
+                <a16:creationId xmlns:a16="http://schemas.microsoft.com/office/drawing/2014/main" id="{BBECE3AD-619E-B68E-8531-4F02563148BB}"/>
+              </a:ext>
+            </a:extLst>
+          </p:cNvPr>
+          <p:cNvSpPr>
+            <a:spLocks noGrp="1"/>
+          </p:cNvSpPr>
+          <p:nvPr>
+            <p:ph type="title"/>
+          </p:nvPr>
+        </p:nvSpPr>
+        <p:spPr/>
+        <p:txBody>
+          <a:bodyPr/>
+          <a:lstStyle/>
+          <a:p>
+            <a:r>
+              <a:rPr lang="en-NZ" dirty="0"/>
+              <a:t>Using a function to create an object</a:t>
+            </a:r>
+          </a:p>
+        </p:txBody>
+      </p:sp>
+      <p:sp>
+        <p:nvSpPr>
+          <p:cNvPr id="3" name="Content Placeholder 2">
+            <a:extLst>
+              <a:ext uri="{FF2B5EF4-FFF2-40B4-BE49-F238E27FC236}">
+                <a16:creationId xmlns:a16="http://schemas.microsoft.com/office/drawing/2014/main" id="{3A17B39F-AE50-22B8-8132-3EE791899BBE}"/>
+              </a:ext>
+            </a:extLst>
+          </p:cNvPr>
+          <p:cNvSpPr>
+            <a:spLocks noGrp="1"/>
+          </p:cNvSpPr>
+          <p:nvPr>
+            <p:ph idx="1"/>
+          </p:nvPr>
+        </p:nvSpPr>
+        <p:spPr/>
+        <p:txBody>
+          <a:bodyPr/>
+          <a:lstStyle/>
+          <a:p>
+            <a:r>
+              <a:rPr lang="en-NZ" dirty="0"/>
+              <a:t>Let’s say we have an excel file we want to read into R</a:t>
+            </a:r>
+          </a:p>
+          <a:p>
+            <a:endParaRPr lang="en-NZ" dirty="0"/>
+          </a:p>
+          <a:p>
+            <a:endParaRPr lang="en-NZ" dirty="0"/>
+          </a:p>
+          <a:p>
+            <a:endParaRPr lang="en-NZ" dirty="0"/>
+          </a:p>
+        </p:txBody>
+      </p:sp>
+      <p:pic>
+        <p:nvPicPr>
+          <p:cNvPr id="7" name="Picture 6">
+            <a:extLst>
+              <a:ext uri="{FF2B5EF4-FFF2-40B4-BE49-F238E27FC236}">
+                <a16:creationId xmlns:a16="http://schemas.microsoft.com/office/drawing/2014/main" id="{4CFEA8D8-4B17-D17A-1F12-5F36D62AD07C}"/>
+              </a:ext>
+            </a:extLst>
+          </p:cNvPr>
+          <p:cNvPicPr>
+            <a:picLocks noChangeAspect="1"/>
+          </p:cNvPicPr>
+          <p:nvPr/>
+        </p:nvPicPr>
+        <p:blipFill>
+          <a:blip r:embed="rId2"/>
+          <a:stretch>
+            <a:fillRect/>
+          </a:stretch>
+        </p:blipFill>
+        <p:spPr>
+          <a:xfrm>
+            <a:off x="2298077" y="2752361"/>
+            <a:ext cx="6973273" cy="866896"/>
+          </a:xfrm>
+          <a:prstGeom prst="rect">
+            <a:avLst/>
+          </a:prstGeom>
+        </p:spPr>
+      </p:pic>
+      <mc:AlternateContent xmlns:mc="http://schemas.openxmlformats.org/markup-compatibility/2006">
+        <mc:Choice xmlns:p14="http://schemas.microsoft.com/office/powerpoint/2010/main" Requires="p14">
+          <p:contentPart p14:bwMode="auto" r:id="rId3">
+            <p14:nvContentPartPr>
+              <p14:cNvPr id="14" name="Ink 13">
+                <a:extLst>
+                  <a:ext uri="{FF2B5EF4-FFF2-40B4-BE49-F238E27FC236}">
+                    <a16:creationId xmlns:a16="http://schemas.microsoft.com/office/drawing/2014/main" id="{5FEAC557-6304-420E-CA16-119AE1BC7F9F}"/>
+                  </a:ext>
+                </a:extLst>
+              </p14:cNvPr>
+              <p14:cNvContentPartPr/>
+              <p14:nvPr/>
+            </p14:nvContentPartPr>
+            <p14:xfrm>
+              <a:off x="4741634" y="3429000"/>
+              <a:ext cx="208440" cy="879480"/>
+            </p14:xfrm>
+          </p:contentPart>
+        </mc:Choice>
+        <mc:Fallback>
+          <p:pic>
+            <p:nvPicPr>
+              <p:cNvPr id="14" name="Ink 13">
+                <a:extLst>
+                  <a:ext uri="{FF2B5EF4-FFF2-40B4-BE49-F238E27FC236}">
+                    <a16:creationId xmlns:a16="http://schemas.microsoft.com/office/drawing/2014/main" id="{5FEAC557-6304-420E-CA16-119AE1BC7F9F}"/>
+                  </a:ext>
+                </a:extLst>
+              </p:cNvPr>
+              <p:cNvPicPr/>
+              <p:nvPr/>
+            </p:nvPicPr>
+            <p:blipFill>
+              <a:blip r:embed="rId4"/>
+              <a:stretch>
+                <a:fillRect/>
+              </a:stretch>
+            </p:blipFill>
+            <p:spPr>
+              <a:xfrm>
+                <a:off x="4723994" y="3411360"/>
+                <a:ext cx="244080" cy="915120"/>
+              </a:xfrm>
+              <a:prstGeom prst="rect">
+                <a:avLst/>
+              </a:prstGeom>
+            </p:spPr>
+          </p:pic>
+        </mc:Fallback>
+      </mc:AlternateContent>
+      <p:sp>
+        <p:nvSpPr>
+          <p:cNvPr id="15" name="TextBox 14">
+            <a:extLst>
+              <a:ext uri="{FF2B5EF4-FFF2-40B4-BE49-F238E27FC236}">
+                <a16:creationId xmlns:a16="http://schemas.microsoft.com/office/drawing/2014/main" id="{DDE4362B-5928-C573-8751-B09D1D501D58}"/>
+              </a:ext>
+            </a:extLst>
+          </p:cNvPr>
+          <p:cNvSpPr txBox="1"/>
+          <p:nvPr/>
+        </p:nvSpPr>
+        <p:spPr>
+          <a:xfrm>
+            <a:off x="4136605" y="4384954"/>
+            <a:ext cx="3052136" cy="1477328"/>
+          </a:xfrm>
+          <a:prstGeom prst="rect">
+            <a:avLst/>
+          </a:prstGeom>
+          <a:noFill/>
+        </p:spPr>
+        <p:txBody>
+          <a:bodyPr wrap="square" rtlCol="0">
+            <a:spAutoFit/>
+          </a:bodyPr>
+          <a:lstStyle/>
+          <a:p>
+            <a:r>
+              <a:rPr lang="en-NZ" dirty="0"/>
+              <a:t>Most of the arguments have defaults, except for path, which is the location of the data. This must be provided in ‘’ or “”</a:t>
+            </a:r>
+          </a:p>
+        </p:txBody>
+      </p:sp>
+      <p:pic>
+        <p:nvPicPr>
+          <p:cNvPr id="4" name="Picture 3">
+            <a:extLst>
+              <a:ext uri="{FF2B5EF4-FFF2-40B4-BE49-F238E27FC236}">
+                <a16:creationId xmlns:a16="http://schemas.microsoft.com/office/drawing/2014/main" id="{67C13DC5-681A-5B21-FDBA-341F96879DF2}"/>
+              </a:ext>
+            </a:extLst>
+          </p:cNvPr>
+          <p:cNvPicPr>
+            <a:picLocks noChangeAspect="1"/>
+          </p:cNvPicPr>
+          <p:nvPr/>
+        </p:nvPicPr>
+        <p:blipFill>
+          <a:blip r:embed="rId5"/>
+          <a:stretch>
+            <a:fillRect/>
+          </a:stretch>
+        </p:blipFill>
+        <p:spPr>
+          <a:xfrm>
+            <a:off x="7511096" y="3754632"/>
+            <a:ext cx="4242403" cy="2996133"/>
+          </a:xfrm>
+          <a:prstGeom prst="rect">
+            <a:avLst/>
+          </a:prstGeom>
+        </p:spPr>
+      </p:pic>
+    </p:spTree>
+    <p:extLst>
+      <p:ext uri="{BB962C8B-B14F-4D97-AF65-F5344CB8AC3E}">
+        <p14:creationId xmlns:p14="http://schemas.microsoft.com/office/powerpoint/2010/main" val="1241047544"/>
+      </p:ext>
+    </p:extLst>
+  </p:cSld>
+  <p:clrMapOvr>
+    <a:masterClrMapping/>
+  </p:clrMapOvr>
+</p:sld>
+</file>
+
+<file path=ppt/slides/slide16.xml><?xml version="1.0" encoding="utf-8"?>
+<p:sld xmlns:a="http://schemas.openxmlformats.org/drawingml/2006/main" xmlns:r="http://schemas.openxmlformats.org/officeDocument/2006/relationships" xmlns:p="http://schemas.openxmlformats.org/presentationml/2006/main">
+  <p:cSld>
+    <p:spTree>
+      <p:nvGrpSpPr>
+        <p:cNvPr id="1" name="">
+          <a:extLst>
+            <a:ext uri="{FF2B5EF4-FFF2-40B4-BE49-F238E27FC236}">
+              <a16:creationId xmlns:a16="http://schemas.microsoft.com/office/drawing/2014/main" id="{9BB5D7CB-C9C5-4F7F-BEC5-0AEE34F3CB8D}"/>
+            </a:ext>
+          </a:extLst>
+        </p:cNvPr>
+        <p:cNvGrpSpPr/>
+        <p:nvPr/>
+      </p:nvGrpSpPr>
+      <p:grpSpPr>
+        <a:xfrm>
+          <a:off x="0" y="0"/>
+          <a:ext cx="0" cy="0"/>
+          <a:chOff x="0" y="0"/>
+          <a:chExt cx="0" cy="0"/>
+        </a:xfrm>
+      </p:grpSpPr>
+      <p:sp>
+        <p:nvSpPr>
+          <p:cNvPr id="2" name="Title 1">
+            <a:extLst>
+              <a:ext uri="{FF2B5EF4-FFF2-40B4-BE49-F238E27FC236}">
+                <a16:creationId xmlns:a16="http://schemas.microsoft.com/office/drawing/2014/main" id="{99463DED-EDFB-0DD6-5370-07D1C583A0A0}"/>
+              </a:ext>
+            </a:extLst>
+          </p:cNvPr>
+          <p:cNvSpPr>
+            <a:spLocks noGrp="1"/>
+          </p:cNvSpPr>
+          <p:nvPr>
+            <p:ph type="title"/>
+          </p:nvPr>
+        </p:nvSpPr>
+        <p:spPr/>
+        <p:txBody>
+          <a:bodyPr/>
+          <a:lstStyle/>
+          <a:p>
+            <a:r>
+              <a:rPr lang="en-NZ" dirty="0"/>
+              <a:t>Using a function to create an object</a:t>
+            </a:r>
+          </a:p>
+        </p:txBody>
+      </p:sp>
+      <p:sp>
+        <p:nvSpPr>
+          <p:cNvPr id="3" name="Content Placeholder 2">
+            <a:extLst>
+              <a:ext uri="{FF2B5EF4-FFF2-40B4-BE49-F238E27FC236}">
+                <a16:creationId xmlns:a16="http://schemas.microsoft.com/office/drawing/2014/main" id="{EA0E9F65-A24A-2366-F722-87A5CA081F2C}"/>
+              </a:ext>
+            </a:extLst>
+          </p:cNvPr>
+          <p:cNvSpPr>
+            <a:spLocks noGrp="1"/>
+          </p:cNvSpPr>
+          <p:nvPr>
+            <p:ph idx="1"/>
+          </p:nvPr>
+        </p:nvSpPr>
+        <p:spPr/>
+        <p:txBody>
+          <a:bodyPr/>
+          <a:lstStyle/>
+          <a:p>
+            <a:r>
+              <a:rPr lang="en-NZ" dirty="0"/>
+              <a:t>Let’s say we have an excel file we want to read into R</a:t>
+            </a:r>
+          </a:p>
+          <a:p>
+            <a:endParaRPr lang="en-NZ" dirty="0"/>
+          </a:p>
+          <a:p>
+            <a:endParaRPr lang="en-NZ" dirty="0"/>
+          </a:p>
+          <a:p>
+            <a:endParaRPr lang="en-NZ" dirty="0"/>
+          </a:p>
+        </p:txBody>
+      </p:sp>
+      <p:pic>
+        <p:nvPicPr>
+          <p:cNvPr id="7" name="Picture 6">
+            <a:extLst>
+              <a:ext uri="{FF2B5EF4-FFF2-40B4-BE49-F238E27FC236}">
+                <a16:creationId xmlns:a16="http://schemas.microsoft.com/office/drawing/2014/main" id="{AF3C175B-7AAC-F359-8E75-F3106CBF1E3D}"/>
+              </a:ext>
+            </a:extLst>
+          </p:cNvPr>
+          <p:cNvPicPr>
+            <a:picLocks noChangeAspect="1"/>
+          </p:cNvPicPr>
+          <p:nvPr/>
+        </p:nvPicPr>
+        <p:blipFill>
+          <a:blip r:embed="rId2"/>
+          <a:stretch>
+            <a:fillRect/>
+          </a:stretch>
+        </p:blipFill>
+        <p:spPr>
+          <a:xfrm>
+            <a:off x="2298077" y="2752361"/>
+            <a:ext cx="6973273" cy="866896"/>
+          </a:xfrm>
+          <a:prstGeom prst="rect">
+            <a:avLst/>
+          </a:prstGeom>
+        </p:spPr>
+      </p:pic>
+      <mc:AlternateContent xmlns:mc="http://schemas.openxmlformats.org/markup-compatibility/2006">
+        <mc:Choice xmlns:p14="http://schemas.microsoft.com/office/powerpoint/2010/main" Requires="p14">
+          <p:contentPart p14:bwMode="auto" r:id="rId3">
+            <p14:nvContentPartPr>
+              <p14:cNvPr id="14" name="Ink 13">
+                <a:extLst>
+                  <a:ext uri="{FF2B5EF4-FFF2-40B4-BE49-F238E27FC236}">
+                    <a16:creationId xmlns:a16="http://schemas.microsoft.com/office/drawing/2014/main" id="{E31CBD32-5A09-10B6-2C99-8E1B4B3F4EA6}"/>
+                  </a:ext>
+                </a:extLst>
+              </p14:cNvPr>
+              <p14:cNvContentPartPr/>
+              <p14:nvPr/>
+            </p14:nvContentPartPr>
+            <p14:xfrm>
+              <a:off x="7190221" y="3406676"/>
+              <a:ext cx="208440" cy="879480"/>
+            </p14:xfrm>
+          </p:contentPart>
+        </mc:Choice>
+        <mc:Fallback>
+          <p:pic>
+            <p:nvPicPr>
+              <p:cNvPr id="14" name="Ink 13">
+                <a:extLst>
+                  <a:ext uri="{FF2B5EF4-FFF2-40B4-BE49-F238E27FC236}">
+                    <a16:creationId xmlns:a16="http://schemas.microsoft.com/office/drawing/2014/main" id="{E31CBD32-5A09-10B6-2C99-8E1B4B3F4EA6}"/>
+                  </a:ext>
+                </a:extLst>
+              </p:cNvPr>
+              <p:cNvPicPr/>
+              <p:nvPr/>
+            </p:nvPicPr>
+            <p:blipFill>
+              <a:blip r:embed="rId4"/>
+              <a:stretch>
+                <a:fillRect/>
+              </a:stretch>
+            </p:blipFill>
+            <p:spPr>
+              <a:xfrm>
+                <a:off x="7172581" y="3389036"/>
+                <a:ext cx="244080" cy="915120"/>
+              </a:xfrm>
+              <a:prstGeom prst="rect">
+                <a:avLst/>
+              </a:prstGeom>
+            </p:spPr>
+          </p:pic>
+        </mc:Fallback>
+      </mc:AlternateContent>
+      <p:sp>
+        <p:nvSpPr>
+          <p:cNvPr id="15" name="TextBox 14">
+            <a:extLst>
+              <a:ext uri="{FF2B5EF4-FFF2-40B4-BE49-F238E27FC236}">
+                <a16:creationId xmlns:a16="http://schemas.microsoft.com/office/drawing/2014/main" id="{9E63351A-6684-E251-45A1-5E91D8751182}"/>
+              </a:ext>
+            </a:extLst>
+          </p:cNvPr>
+          <p:cNvSpPr txBox="1"/>
+          <p:nvPr/>
+        </p:nvSpPr>
+        <p:spPr>
+          <a:xfrm>
+            <a:off x="6928443" y="4484851"/>
+            <a:ext cx="3052136" cy="1477328"/>
+          </a:xfrm>
+          <a:prstGeom prst="rect">
+            <a:avLst/>
+          </a:prstGeom>
+          <a:noFill/>
+        </p:spPr>
+        <p:txBody>
+          <a:bodyPr wrap="square" rtlCol="0">
+            <a:spAutoFit/>
+          </a:bodyPr>
+          <a:lstStyle/>
+          <a:p>
+            <a:r>
+              <a:rPr lang="en-NZ" dirty="0"/>
+              <a:t>The default is ‘skip = 0’ but our file has 3 rows at the top of the file that are just header information which we want to skip</a:t>
+            </a:r>
+          </a:p>
+        </p:txBody>
+      </p:sp>
+      <p:pic>
+        <p:nvPicPr>
+          <p:cNvPr id="4" name="Picture 3">
+            <a:extLst>
+              <a:ext uri="{FF2B5EF4-FFF2-40B4-BE49-F238E27FC236}">
+                <a16:creationId xmlns:a16="http://schemas.microsoft.com/office/drawing/2014/main" id="{F37D041D-9A3E-05FC-3854-07B5E9369218}"/>
+              </a:ext>
+            </a:extLst>
+          </p:cNvPr>
+          <p:cNvPicPr>
+            <a:picLocks noChangeAspect="1"/>
+          </p:cNvPicPr>
+          <p:nvPr/>
+        </p:nvPicPr>
+        <p:blipFill>
+          <a:blip r:embed="rId5"/>
+          <a:stretch>
+            <a:fillRect/>
+          </a:stretch>
+        </p:blipFill>
+        <p:spPr>
+          <a:xfrm>
+            <a:off x="293172" y="3725449"/>
+            <a:ext cx="4242403" cy="2996133"/>
+          </a:xfrm>
+          <a:prstGeom prst="rect">
+            <a:avLst/>
+          </a:prstGeom>
+        </p:spPr>
+      </p:pic>
+    </p:spTree>
+    <p:extLst>
+      <p:ext uri="{BB962C8B-B14F-4D97-AF65-F5344CB8AC3E}">
+        <p14:creationId xmlns:p14="http://schemas.microsoft.com/office/powerpoint/2010/main" val="3890485669"/>
+      </p:ext>
+    </p:extLst>
+  </p:cSld>
+  <p:clrMapOvr>
+    <a:masterClrMapping/>
+  </p:clrMapOvr>
+</p:sld>
+</file>
+
+<file path=ppt/slides/slide17.xml><?xml version="1.0" encoding="utf-8"?>
+<p:sld xmlns:a="http://schemas.openxmlformats.org/drawingml/2006/main" xmlns:r="http://schemas.openxmlformats.org/officeDocument/2006/relationships" xmlns:p="http://schemas.openxmlformats.org/presentationml/2006/main">
+  <p:cSld>
+    <p:spTree>
+      <p:nvGrpSpPr>
+        <p:cNvPr id="1" name="">
+          <a:extLst>
+            <a:ext uri="{FF2B5EF4-FFF2-40B4-BE49-F238E27FC236}">
+              <a16:creationId xmlns:a16="http://schemas.microsoft.com/office/drawing/2014/main" id="{5FE1D5B1-6CC9-2828-A5F9-EB8518798A36}"/>
+            </a:ext>
+          </a:extLst>
+        </p:cNvPr>
+        <p:cNvGrpSpPr/>
+        <p:nvPr/>
+      </p:nvGrpSpPr>
+      <p:grpSpPr>
+        <a:xfrm>
+          <a:off x="0" y="0"/>
+          <a:ext cx="0" cy="0"/>
+          <a:chOff x="0" y="0"/>
+          <a:chExt cx="0" cy="0"/>
+        </a:xfrm>
+      </p:grpSpPr>
+      <p:sp>
+        <p:nvSpPr>
+          <p:cNvPr id="2" name="Title 1">
+            <a:extLst>
+              <a:ext uri="{FF2B5EF4-FFF2-40B4-BE49-F238E27FC236}">
+                <a16:creationId xmlns:a16="http://schemas.microsoft.com/office/drawing/2014/main" id="{DAA17916-C87C-EB5A-F46E-DFA2708A94BF}"/>
+              </a:ext>
+            </a:extLst>
+          </p:cNvPr>
+          <p:cNvSpPr>
+            <a:spLocks noGrp="1"/>
+          </p:cNvSpPr>
+          <p:nvPr>
+            <p:ph type="title"/>
+          </p:nvPr>
+        </p:nvSpPr>
+        <p:spPr/>
+        <p:txBody>
+          <a:bodyPr/>
+          <a:lstStyle/>
+          <a:p>
+            <a:r>
+              <a:rPr lang="en-NZ" dirty="0"/>
+              <a:t>Using a function to create an object</a:t>
+            </a:r>
+          </a:p>
+        </p:txBody>
+      </p:sp>
+      <p:sp>
+        <p:nvSpPr>
+          <p:cNvPr id="3" name="Content Placeholder 2">
+            <a:extLst>
+              <a:ext uri="{FF2B5EF4-FFF2-40B4-BE49-F238E27FC236}">
+                <a16:creationId xmlns:a16="http://schemas.microsoft.com/office/drawing/2014/main" id="{BD2F0820-025D-077C-C66A-BE4C846F2CC1}"/>
+              </a:ext>
+            </a:extLst>
+          </p:cNvPr>
+          <p:cNvSpPr>
+            <a:spLocks noGrp="1"/>
+          </p:cNvSpPr>
+          <p:nvPr>
+            <p:ph idx="1"/>
+          </p:nvPr>
+        </p:nvSpPr>
+        <p:spPr/>
+        <p:txBody>
+          <a:bodyPr/>
+          <a:lstStyle/>
+          <a:p>
+            <a:r>
+              <a:rPr lang="en-NZ" dirty="0"/>
+              <a:t>Let’s say we have an excel file we want to read into R</a:t>
+            </a:r>
+          </a:p>
+          <a:p>
+            <a:endParaRPr lang="en-NZ" dirty="0"/>
+          </a:p>
+          <a:p>
+            <a:endParaRPr lang="en-NZ" dirty="0"/>
+          </a:p>
+          <a:p>
+            <a:endParaRPr lang="en-NZ" dirty="0"/>
+          </a:p>
+          <a:p>
+            <a:r>
+              <a:rPr lang="en-NZ" dirty="0"/>
+              <a:t>Note that each argument is separated by a comma</a:t>
+            </a:r>
+          </a:p>
+          <a:p>
+            <a:r>
+              <a:rPr lang="en-NZ" dirty="0"/>
+              <a:t>You don’t need to specify ‘path’ but it can help </a:t>
+            </a:r>
+            <a:r>
+              <a:rPr lang="en-NZ"/>
+              <a:t>with organizing</a:t>
+            </a:r>
+          </a:p>
+          <a:p>
+            <a:endParaRPr lang="en-NZ" dirty="0"/>
+          </a:p>
+          <a:p>
+            <a:endParaRPr lang="en-NZ" dirty="0"/>
+          </a:p>
+          <a:p>
+            <a:endParaRPr lang="en-NZ" dirty="0"/>
+          </a:p>
+          <a:p>
+            <a:endParaRPr lang="en-NZ" dirty="0"/>
+          </a:p>
+        </p:txBody>
+      </p:sp>
+      <p:pic>
+        <p:nvPicPr>
+          <p:cNvPr id="7" name="Picture 6">
+            <a:extLst>
+              <a:ext uri="{FF2B5EF4-FFF2-40B4-BE49-F238E27FC236}">
+                <a16:creationId xmlns:a16="http://schemas.microsoft.com/office/drawing/2014/main" id="{24CBEFD2-C008-2261-041A-66554E8ED526}"/>
+              </a:ext>
+            </a:extLst>
+          </p:cNvPr>
+          <p:cNvPicPr>
+            <a:picLocks noChangeAspect="1"/>
+          </p:cNvPicPr>
+          <p:nvPr/>
+        </p:nvPicPr>
+        <p:blipFill>
+          <a:blip r:embed="rId2"/>
+          <a:stretch>
+            <a:fillRect/>
+          </a:stretch>
+        </p:blipFill>
+        <p:spPr>
+          <a:xfrm>
+            <a:off x="2298077" y="2752361"/>
+            <a:ext cx="6973273" cy="866896"/>
+          </a:xfrm>
+          <a:prstGeom prst="rect">
+            <a:avLst/>
+          </a:prstGeom>
+        </p:spPr>
+      </p:pic>
+    </p:spTree>
+    <p:extLst>
+      <p:ext uri="{BB962C8B-B14F-4D97-AF65-F5344CB8AC3E}">
+        <p14:creationId xmlns:p14="http://schemas.microsoft.com/office/powerpoint/2010/main" val="2832461732"/>
+      </p:ext>
+    </p:extLst>
+  </p:cSld>
+  <p:clrMapOvr>
+    <a:masterClrMapping/>
+  </p:clrMapOvr>
+</p:sld>
+</file>
+
+<file path=ppt/slides/slide18.xml><?xml version="1.0" encoding="utf-8"?>
 <p:sld xmlns:a="http://schemas.openxmlformats.org/drawingml/2006/main" xmlns:r="http://schemas.openxmlformats.org/officeDocument/2006/relationships" xmlns:p="http://schemas.openxmlformats.org/presentationml/2006/main">
   <p:cSld>
     <p:spTree>
@@ -4965,7 +6605,7 @@
           <p:cNvPr id="2" name="Title 1">
             <a:extLst>
               <a:ext uri="{FF2B5EF4-FFF2-40B4-BE49-F238E27FC236}">
-                <a16:creationId xmlns:a16="http://schemas.microsoft.com/office/drawing/2014/main" id="{3C60B124-174B-1F18-DB74-77F1AFEA4F43}"/>
+                <a16:creationId xmlns:a16="http://schemas.microsoft.com/office/drawing/2014/main" id="{F02609FF-25DA-ADDD-2C6B-995478744182}"/>
               </a:ext>
             </a:extLst>
           </p:cNvPr>
@@ -4976,453 +6616,18 @@
             <p:ph type="title"/>
           </p:nvPr>
         </p:nvSpPr>
-        <p:spPr/>
-        <p:txBody>
-          <a:bodyPr/>
-          <a:lstStyle/>
-          <a:p>
-            <a:r>
-              <a:rPr lang="en-NZ"/>
-              <a:t>Manuscript within a project</a:t>
-            </a:r>
-          </a:p>
-        </p:txBody>
-      </p:sp>
-      <p:sp>
-        <p:nvSpPr>
-          <p:cNvPr id="3" name="Content Placeholder 2">
-            <a:extLst>
-              <a:ext uri="{FF2B5EF4-FFF2-40B4-BE49-F238E27FC236}">
-                <a16:creationId xmlns:a16="http://schemas.microsoft.com/office/drawing/2014/main" id="{09A892EF-4C95-DBC5-FEF7-E69BDABC5953}"/>
-              </a:ext>
-            </a:extLst>
-          </p:cNvPr>
-          <p:cNvSpPr>
-            <a:spLocks noGrp="1"/>
-          </p:cNvSpPr>
-          <p:nvPr>
-            <p:ph idx="1"/>
-          </p:nvPr>
-        </p:nvSpPr>
-        <p:spPr/>
-        <p:txBody>
-          <a:bodyPr/>
-          <a:lstStyle/>
-          <a:p>
-            <a:r>
-              <a:rPr lang="en-NZ"/>
-              <a:t>https://github.com/wwoelmer/ReservoirContinuum</a:t>
-            </a:r>
-          </a:p>
-        </p:txBody>
-      </p:sp>
-      <p:pic>
-        <p:nvPicPr>
-          <p:cNvPr id="7" name="Picture 6">
-            <a:extLst>
-              <a:ext uri="{FF2B5EF4-FFF2-40B4-BE49-F238E27FC236}">
-                <a16:creationId xmlns:a16="http://schemas.microsoft.com/office/drawing/2014/main" id="{19421A0C-6978-91C2-AFB4-36CC470C6DE3}"/>
-              </a:ext>
-            </a:extLst>
-          </p:cNvPr>
-          <p:cNvPicPr>
-            <a:picLocks noChangeAspect="1"/>
-          </p:cNvPicPr>
-          <p:nvPr/>
-        </p:nvPicPr>
-        <p:blipFill>
-          <a:blip r:embed="rId2"/>
-          <a:stretch>
-            <a:fillRect/>
-          </a:stretch>
-        </p:blipFill>
         <p:spPr>
           <a:xfrm>
-            <a:off x="838200" y="2584577"/>
-            <a:ext cx="8173591" cy="3524742"/>
+            <a:off x="673608" y="127381"/>
+            <a:ext cx="10515600" cy="1325563"/>
           </a:xfrm>
-          <a:prstGeom prst="rect">
-            <a:avLst/>
-          </a:prstGeom>
         </p:spPr>
-      </p:pic>
-      <p:pic>
-        <p:nvPicPr>
-          <p:cNvPr id="5" name="Picture 4">
-            <a:extLst>
-              <a:ext uri="{FF2B5EF4-FFF2-40B4-BE49-F238E27FC236}">
-                <a16:creationId xmlns:a16="http://schemas.microsoft.com/office/drawing/2014/main" id="{38B40B10-3DDB-E1FA-1B86-8B03EEA3C733}"/>
-              </a:ext>
-            </a:extLst>
-          </p:cNvPr>
-          <p:cNvPicPr>
-            <a:picLocks noChangeAspect="1"/>
-          </p:cNvPicPr>
-          <p:nvPr/>
-        </p:nvPicPr>
-        <p:blipFill>
-          <a:blip r:embed="rId3"/>
-          <a:stretch>
-            <a:fillRect/>
-          </a:stretch>
-        </p:blipFill>
-        <p:spPr>
-          <a:xfrm>
-            <a:off x="5373841" y="2295144"/>
-            <a:ext cx="6528067" cy="4517136"/>
-          </a:xfrm>
-          <a:prstGeom prst="rect">
-            <a:avLst/>
-          </a:prstGeom>
-        </p:spPr>
-      </p:pic>
-      <p:pic>
-        <p:nvPicPr>
-          <p:cNvPr id="6" name="Picture 5">
-            <a:extLst>
-              <a:ext uri="{FF2B5EF4-FFF2-40B4-BE49-F238E27FC236}">
-                <a16:creationId xmlns:a16="http://schemas.microsoft.com/office/drawing/2014/main" id="{7E7C0B38-CF23-295F-BE84-5F0868745BB3}"/>
-              </a:ext>
-            </a:extLst>
-          </p:cNvPr>
-          <p:cNvPicPr>
-            <a:picLocks noChangeAspect="1"/>
-          </p:cNvPicPr>
-          <p:nvPr/>
-        </p:nvPicPr>
-        <p:blipFill>
-          <a:blip r:embed="rId4"/>
-          <a:stretch>
-            <a:fillRect/>
-          </a:stretch>
-        </p:blipFill>
-        <p:spPr>
-          <a:xfrm>
-            <a:off x="1339882" y="3839237"/>
-            <a:ext cx="7678222" cy="1428949"/>
-          </a:xfrm>
-          <a:prstGeom prst="rect">
-            <a:avLst/>
-          </a:prstGeom>
-        </p:spPr>
-      </p:pic>
-    </p:spTree>
-    <p:extLst>
-      <p:ext uri="{BB962C8B-B14F-4D97-AF65-F5344CB8AC3E}">
-        <p14:creationId xmlns:p14="http://schemas.microsoft.com/office/powerpoint/2010/main" val="536556539"/>
-      </p:ext>
-    </p:extLst>
-  </p:cSld>
-  <p:clrMapOvr>
-    <a:masterClrMapping/>
-  </p:clrMapOvr>
-  <p:timing>
-    <p:tnLst>
-      <p:par>
-        <p:cTn id="1" dur="indefinite" restart="never" nodeType="tmRoot">
-          <p:childTnLst>
-            <p:seq concurrent="1" nextAc="seek">
-              <p:cTn id="2" dur="indefinite" nodeType="mainSeq">
-                <p:childTnLst>
-                  <p:par>
-                    <p:cTn id="3" fill="hold">
-                      <p:stCondLst>
-                        <p:cond delay="indefinite"/>
-                      </p:stCondLst>
-                      <p:childTnLst>
-                        <p:par>
-                          <p:cTn id="4" fill="hold">
-                            <p:stCondLst>
-                              <p:cond delay="0"/>
-                            </p:stCondLst>
-                            <p:childTnLst>
-                              <p:par>
-                                <p:cTn id="5" presetID="1" presetClass="entr" presetSubtype="0" fill="hold" nodeType="clickEffect">
-                                  <p:stCondLst>
-                                    <p:cond delay="0"/>
-                                  </p:stCondLst>
-                                  <p:childTnLst>
-                                    <p:set>
-                                      <p:cBhvr>
-                                        <p:cTn id="6" dur="1" fill="hold">
-                                          <p:stCondLst>
-                                            <p:cond delay="0"/>
-                                          </p:stCondLst>
-                                        </p:cTn>
-                                        <p:tgtEl>
-                                          <p:spTgt spid="5"/>
-                                        </p:tgtEl>
-                                        <p:attrNameLst>
-                                          <p:attrName>style.visibility</p:attrName>
-                                        </p:attrNameLst>
-                                      </p:cBhvr>
-                                      <p:to>
-                                        <p:strVal val="visible"/>
-                                      </p:to>
-                                    </p:set>
-                                  </p:childTnLst>
-                                </p:cTn>
-                              </p:par>
-                            </p:childTnLst>
-                          </p:cTn>
-                        </p:par>
-                      </p:childTnLst>
-                    </p:cTn>
-                  </p:par>
-                  <p:par>
-                    <p:cTn id="7" fill="hold">
-                      <p:stCondLst>
-                        <p:cond delay="indefinite"/>
-                      </p:stCondLst>
-                      <p:childTnLst>
-                        <p:par>
-                          <p:cTn id="8" fill="hold">
-                            <p:stCondLst>
-                              <p:cond delay="0"/>
-                            </p:stCondLst>
-                            <p:childTnLst>
-                              <p:par>
-                                <p:cTn id="9" presetID="1" presetClass="entr" presetSubtype="0" fill="hold" nodeType="clickEffect">
-                                  <p:stCondLst>
-                                    <p:cond delay="0"/>
-                                  </p:stCondLst>
-                                  <p:childTnLst>
-                                    <p:set>
-                                      <p:cBhvr>
-                                        <p:cTn id="10" dur="1" fill="hold">
-                                          <p:stCondLst>
-                                            <p:cond delay="0"/>
-                                          </p:stCondLst>
-                                        </p:cTn>
-                                        <p:tgtEl>
-                                          <p:spTgt spid="6"/>
-                                        </p:tgtEl>
-                                        <p:attrNameLst>
-                                          <p:attrName>style.visibility</p:attrName>
-                                        </p:attrNameLst>
-                                      </p:cBhvr>
-                                      <p:to>
-                                        <p:strVal val="visible"/>
-                                      </p:to>
-                                    </p:set>
-                                  </p:childTnLst>
-                                </p:cTn>
-                              </p:par>
-                            </p:childTnLst>
-                          </p:cTn>
-                        </p:par>
-                      </p:childTnLst>
-                    </p:cTn>
-                  </p:par>
-                </p:childTnLst>
-              </p:cTn>
-              <p:prevCondLst>
-                <p:cond evt="onPrev" delay="0">
-                  <p:tgtEl>
-                    <p:sldTgt/>
-                  </p:tgtEl>
-                </p:cond>
-              </p:prevCondLst>
-              <p:nextCondLst>
-                <p:cond evt="onNext" delay="0">
-                  <p:tgtEl>
-                    <p:sldTgt/>
-                  </p:tgtEl>
-                </p:cond>
-              </p:nextCondLst>
-            </p:seq>
-          </p:childTnLst>
-        </p:cTn>
-      </p:par>
-    </p:tnLst>
-  </p:timing>
-</p:sld>
-</file>
-
-<file path=ppt/slides/slide15.xml><?xml version="1.0" encoding="utf-8"?>
-<p:sld xmlns:a="http://schemas.openxmlformats.org/drawingml/2006/main" xmlns:r="http://schemas.openxmlformats.org/officeDocument/2006/relationships" xmlns:p="http://schemas.openxmlformats.org/presentationml/2006/main">
-  <p:cSld>
-    <p:spTree>
-      <p:nvGrpSpPr>
-        <p:cNvPr id="1" name=""/>
-        <p:cNvGrpSpPr/>
-        <p:nvPr/>
-      </p:nvGrpSpPr>
-      <p:grpSpPr>
-        <a:xfrm>
-          <a:off x="0" y="0"/>
-          <a:ext cx="0" cy="0"/>
-          <a:chOff x="0" y="0"/>
-          <a:chExt cx="0" cy="0"/>
-        </a:xfrm>
-      </p:grpSpPr>
-      <p:sp>
-        <p:nvSpPr>
-          <p:cNvPr id="2" name="Title 1">
-            <a:extLst>
-              <a:ext uri="{FF2B5EF4-FFF2-40B4-BE49-F238E27FC236}">
-                <a16:creationId xmlns:a16="http://schemas.microsoft.com/office/drawing/2014/main" id="{11534537-CA61-5E4C-916E-9B21B7D08F8D}"/>
-              </a:ext>
-            </a:extLst>
-          </p:cNvPr>
-          <p:cNvSpPr>
-            <a:spLocks noGrp="1"/>
-          </p:cNvSpPr>
-          <p:nvPr>
-            <p:ph type="title"/>
-          </p:nvPr>
-        </p:nvSpPr>
-        <p:spPr/>
         <p:txBody>
           <a:bodyPr/>
           <a:lstStyle/>
           <a:p>
             <a:r>
-              <a:rPr lang="en-NZ"/>
-              <a:t>Best practices in R</a:t>
-            </a:r>
-          </a:p>
-        </p:txBody>
-      </p:sp>
-      <p:sp>
-        <p:nvSpPr>
-          <p:cNvPr id="3" name="Content Placeholder 2">
-            <a:extLst>
-              <a:ext uri="{FF2B5EF4-FFF2-40B4-BE49-F238E27FC236}">
-                <a16:creationId xmlns:a16="http://schemas.microsoft.com/office/drawing/2014/main" id="{86ADABE2-CBB0-3633-1CE8-1B8D2B7AFBCB}"/>
-              </a:ext>
-            </a:extLst>
-          </p:cNvPr>
-          <p:cNvSpPr>
-            <a:spLocks noGrp="1"/>
-          </p:cNvSpPr>
-          <p:nvPr>
-            <p:ph idx="1"/>
-          </p:nvPr>
-        </p:nvSpPr>
-        <p:spPr/>
-        <p:txBody>
-          <a:bodyPr>
-            <a:normAutofit lnSpcReduction="10000"/>
-          </a:bodyPr>
-          <a:lstStyle/>
-          <a:p>
-            <a:r>
-              <a:rPr lang="en-NZ"/>
-              <a:t>Use projects</a:t>
-            </a:r>
-          </a:p>
-          <a:p>
-            <a:pPr lvl="1"/>
-            <a:r>
-              <a:rPr lang="en-NZ"/>
-              <a:t>Use relative directories</a:t>
-            </a:r>
-          </a:p>
-          <a:p>
-            <a:r>
-              <a:rPr lang="en-NZ"/>
-              <a:t>Organize your files</a:t>
-            </a:r>
-          </a:p>
-          <a:p>
-            <a:r>
-              <a:rPr lang="en-NZ"/>
-              <a:t>Start with an empty environment, don’t save your workspace</a:t>
-            </a:r>
-          </a:p>
-          <a:p>
-            <a:r>
-              <a:rPr lang="en-NZ"/>
-              <a:t>Re-run/test your code every time you open R</a:t>
-            </a:r>
-          </a:p>
-          <a:p>
-            <a:pPr lvl="1"/>
-            <a:r>
-              <a:rPr lang="en-NZ"/>
-              <a:t>You should be able to close R, re-open R, and get back to where you were before</a:t>
-            </a:r>
-          </a:p>
-          <a:p>
-            <a:r>
-              <a:rPr lang="en-NZ"/>
-              <a:t>Double-check your output—R will usually give you something (</a:t>
-            </a:r>
-            <a:r>
-              <a:rPr lang="en-NZ" i="1"/>
-              <a:t>exactly</a:t>
-            </a:r>
-            <a:r>
-              <a:rPr lang="en-NZ"/>
-              <a:t> what you asked for), but did you tell it the right thing?</a:t>
-            </a:r>
-          </a:p>
-          <a:p>
-            <a:r>
-              <a:rPr lang="en-NZ"/>
-              <a:t>Use ChatGPT, but take it with a grain of salt…</a:t>
-            </a:r>
-          </a:p>
-          <a:p>
-            <a:pPr lvl="1"/>
-            <a:endParaRPr lang="en-NZ"/>
-          </a:p>
-        </p:txBody>
-      </p:sp>
-    </p:spTree>
-    <p:extLst>
-      <p:ext uri="{BB962C8B-B14F-4D97-AF65-F5344CB8AC3E}">
-        <p14:creationId xmlns:p14="http://schemas.microsoft.com/office/powerpoint/2010/main" val="1024380196"/>
-      </p:ext>
-    </p:extLst>
-  </p:cSld>
-  <p:clrMapOvr>
-    <a:masterClrMapping/>
-  </p:clrMapOvr>
-</p:sld>
-</file>
-
-<file path=ppt/slides/slide16.xml><?xml version="1.0" encoding="utf-8"?>
-<p:sld xmlns:a="http://schemas.openxmlformats.org/drawingml/2006/main" xmlns:r="http://schemas.openxmlformats.org/officeDocument/2006/relationships" xmlns:p="http://schemas.openxmlformats.org/presentationml/2006/main">
-  <p:cSld>
-    <p:spTree>
-      <p:nvGrpSpPr>
-        <p:cNvPr id="1" name=""/>
-        <p:cNvGrpSpPr/>
-        <p:nvPr/>
-      </p:nvGrpSpPr>
-      <p:grpSpPr>
-        <a:xfrm>
-          <a:off x="0" y="0"/>
-          <a:ext cx="0" cy="0"/>
-          <a:chOff x="0" y="0"/>
-          <a:chExt cx="0" cy="0"/>
-        </a:xfrm>
-      </p:grpSpPr>
-      <p:sp>
-        <p:nvSpPr>
-          <p:cNvPr id="2" name="Title 1">
-            <a:extLst>
-              <a:ext uri="{FF2B5EF4-FFF2-40B4-BE49-F238E27FC236}">
-                <a16:creationId xmlns:a16="http://schemas.microsoft.com/office/drawing/2014/main" id="{F02609FF-25DA-ADDD-2C6B-995478744182}"/>
-              </a:ext>
-            </a:extLst>
-          </p:cNvPr>
-          <p:cNvSpPr>
-            <a:spLocks noGrp="1"/>
-          </p:cNvSpPr>
-          <p:nvPr>
-            <p:ph type="title"/>
-          </p:nvPr>
-        </p:nvSpPr>
-        <p:spPr/>
-        <p:txBody>
-          <a:bodyPr/>
-          <a:lstStyle/>
-          <a:p>
-            <a:r>
-              <a:rPr lang="en-NZ"/>
+              <a:rPr lang="en-NZ" dirty="0"/>
               <a:t>Naming things in R</a:t>
             </a:r>
           </a:p>
@@ -5443,14 +6648,14 @@
           <p:nvPr>
             <p:extLst>
               <p:ext uri="{D42A27DB-BD31-4B8C-83A1-F6EECF244321}">
-                <p14:modId xmlns:p14="http://schemas.microsoft.com/office/powerpoint/2010/main" val="654291224"/>
+                <p14:modId xmlns:p14="http://schemas.microsoft.com/office/powerpoint/2010/main" val="3463265485"/>
               </p:ext>
             </p:extLst>
           </p:nvPr>
         </p:nvGraphicFramePr>
         <p:xfrm>
-          <a:off x="244534" y="1690688"/>
-          <a:ext cx="11549204" cy="3754120"/>
+          <a:off x="253678" y="1367632"/>
+          <a:ext cx="11549204" cy="5217160"/>
         </p:xfrm>
         <a:graphic>
           <a:graphicData uri="http://schemas.openxmlformats.org/drawingml/2006/table">
@@ -5553,7 +6758,7 @@
                     <a:lstStyle/>
                     <a:p>
                       <a:r>
-                        <a:rPr lang="en-NZ" b="0">
+                        <a:rPr lang="en-NZ" b="0" dirty="0">
                           <a:solidFill>
                             <a:schemeClr val="tx1"/>
                           </a:solidFill>
@@ -5576,7 +6781,7 @@
                     <a:lstStyle/>
                     <a:p>
                       <a:r>
-                        <a:rPr lang="en-NZ">
+                        <a:rPr lang="en-NZ" dirty="0">
                           <a:solidFill>
                             <a:schemeClr val="accent1"/>
                           </a:solidFill>
@@ -5584,7 +6789,7 @@
                         <a:t>buoy</a:t>
                       </a:r>
                       <a:r>
-                        <a:rPr lang="en-NZ"/>
+                        <a:rPr lang="en-NZ" dirty="0"/>
                         <a:t> &lt;- read.csv(‘./data/buoy_data.csv’)</a:t>
                       </a:r>
                     </a:p>
@@ -5607,7 +6812,7 @@
                         <a:defRPr/>
                       </a:pPr>
                       <a:r>
-                        <a:rPr lang="en-NZ">
+                        <a:rPr lang="en-NZ" dirty="0" err="1">
                           <a:solidFill>
                             <a:schemeClr val="accent1"/>
                           </a:solidFill>
@@ -5615,12 +6820,12 @@
                         <a:t>ctd</a:t>
                       </a:r>
                       <a:r>
-                        <a:rPr lang="en-NZ"/>
+                        <a:rPr lang="en-NZ" dirty="0"/>
                         <a:t> &lt;- read.csv(‘./data/ctd_data.csv’)</a:t>
                       </a:r>
                     </a:p>
                     <a:p>
-                      <a:endParaRPr lang="en-NZ"/>
+                      <a:endParaRPr lang="en-NZ" dirty="0"/>
                     </a:p>
                   </a:txBody>
                   <a:tcPr>
@@ -5654,7 +6859,7 @@
                         <a:defRPr/>
                       </a:pPr>
                       <a:r>
-                        <a:rPr lang="en-NZ">
+                        <a:rPr lang="en-NZ" dirty="0" err="1">
                           <a:solidFill>
                             <a:schemeClr val="accent1"/>
                           </a:solidFill>
@@ -5662,7 +6867,7 @@
                         <a:t>df</a:t>
                       </a:r>
                       <a:r>
-                        <a:rPr lang="en-NZ"/>
+                        <a:rPr lang="en-NZ" dirty="0"/>
                         <a:t> &lt;- read.csv(‘./data/buoy_data.csv’)</a:t>
                       </a:r>
                     </a:p>
@@ -5685,7 +6890,7 @@
                         <a:defRPr/>
                       </a:pPr>
                       <a:r>
-                        <a:rPr lang="en-NZ">
+                        <a:rPr lang="en-NZ" dirty="0">
                           <a:solidFill>
                             <a:schemeClr val="accent1"/>
                           </a:solidFill>
@@ -5693,12 +6898,12 @@
                         <a:t>df2</a:t>
                       </a:r>
                       <a:r>
-                        <a:rPr lang="en-NZ"/>
+                        <a:rPr lang="en-NZ" dirty="0"/>
                         <a:t> &lt;- read.csv(‘./data/ctd_data.csv’)</a:t>
                       </a:r>
                     </a:p>
                     <a:p>
-                      <a:endParaRPr lang="en-NZ"/>
+                      <a:endParaRPr lang="en-NZ" dirty="0"/>
                     </a:p>
                   </a:txBody>
                   <a:tcPr>
@@ -5712,6 +6917,175 @@
                 <a:extLst>
                   <a:ext uri="{0D108BD9-81ED-4DB2-BD59-A6C34878D82A}">
                     <a16:rowId xmlns:a16="http://schemas.microsoft.com/office/drawing/2014/main" val="2325915498"/>
+                  </a:ext>
+                </a:extLst>
+              </a:tr>
+              <a:tr h="370840">
+                <a:tc>
+                  <a:txBody>
+                    <a:bodyPr/>
+                    <a:lstStyle/>
+                    <a:p>
+                      <a:pPr marL="0" marR="0" lvl="0" indent="0" algn="l" defTabSz="914400" rtl="0" eaLnBrk="1" fontAlgn="auto" latinLnBrk="0" hangingPunct="1">
+                        <a:lnSpc>
+                          <a:spcPct val="100000"/>
+                        </a:lnSpc>
+                        <a:spcBef>
+                          <a:spcPts val="0"/>
+                        </a:spcBef>
+                        <a:spcAft>
+                          <a:spcPts val="0"/>
+                        </a:spcAft>
+                        <a:buClrTx/>
+                        <a:buSzTx/>
+                        <a:buFontTx/>
+                        <a:buNone/>
+                        <a:tabLst/>
+                        <a:defRPr/>
+                      </a:pPr>
+                      <a:r>
+                        <a:rPr lang="en-NZ" b="0" dirty="0">
+                          <a:solidFill>
+                            <a:schemeClr val="tx1"/>
+                          </a:solidFill>
+                        </a:rPr>
+                        <a:t>R is case sensitive, be consistent with capitalization</a:t>
+                      </a:r>
+                    </a:p>
+                  </a:txBody>
+                  <a:tcPr>
+                    <a:solidFill>
+                      <a:schemeClr val="bg2">
+                        <a:lumMod val="75000"/>
+                      </a:schemeClr>
+                    </a:solidFill>
+                  </a:tcPr>
+                </a:tc>
+                <a:tc>
+                  <a:txBody>
+                    <a:bodyPr/>
+                    <a:lstStyle/>
+                    <a:p>
+                      <a:r>
+                        <a:rPr lang="en-NZ" dirty="0" err="1">
+                          <a:solidFill>
+                            <a:schemeClr val="accent1"/>
+                          </a:solidFill>
+                        </a:rPr>
+                        <a:t>buOy_Rotoehu</a:t>
+                      </a:r>
+                      <a:r>
+                        <a:rPr lang="en-NZ" dirty="0"/>
+                        <a:t> &lt;- read.csv(‘./data/buoy_data.csv’)</a:t>
+                      </a:r>
+                    </a:p>
+                    <a:p>
+                      <a:pPr marL="0" marR="0" lvl="0" indent="0" algn="l" defTabSz="914400" rtl="0" eaLnBrk="1" fontAlgn="auto" latinLnBrk="0" hangingPunct="1">
+                        <a:lnSpc>
+                          <a:spcPct val="100000"/>
+                        </a:lnSpc>
+                        <a:spcBef>
+                          <a:spcPts val="0"/>
+                        </a:spcBef>
+                        <a:spcAft>
+                          <a:spcPts val="0"/>
+                        </a:spcAft>
+                        <a:buClrTx/>
+                        <a:buSzTx/>
+                        <a:buFontTx/>
+                        <a:buNone/>
+                        <a:tabLst/>
+                        <a:defRPr/>
+                      </a:pPr>
+                      <a:r>
+                        <a:rPr lang="en-NZ" dirty="0" err="1">
+                          <a:solidFill>
+                            <a:schemeClr val="accent1"/>
+                          </a:solidFill>
+                        </a:rPr>
+                        <a:t>ctd_rotoehu</a:t>
+                      </a:r>
+                      <a:r>
+                        <a:rPr lang="en-NZ" dirty="0"/>
+                        <a:t> &lt;- read.csv(‘./data/ctd_data.csv’)</a:t>
+                      </a:r>
+                    </a:p>
+                    <a:p>
+                      <a:endParaRPr lang="en-NZ" dirty="0"/>
+                    </a:p>
+                  </a:txBody>
+                  <a:tcPr>
+                    <a:solidFill>
+                      <a:schemeClr val="bg2">
+                        <a:lumMod val="75000"/>
+                      </a:schemeClr>
+                    </a:solidFill>
+                  </a:tcPr>
+                </a:tc>
+                <a:tc>
+                  <a:txBody>
+                    <a:bodyPr/>
+                    <a:lstStyle/>
+                    <a:p>
+                      <a:r>
+                        <a:rPr lang="en-NZ" dirty="0" err="1">
+                          <a:solidFill>
+                            <a:schemeClr val="accent1"/>
+                          </a:solidFill>
+                        </a:rPr>
+                        <a:t>buoy_rotoehu</a:t>
+                      </a:r>
+                      <a:r>
+                        <a:rPr lang="en-NZ" dirty="0"/>
+                        <a:t> &lt;- read.csv(‘./data/buoy_data.csv’)</a:t>
+                      </a:r>
+                    </a:p>
+                    <a:p>
+                      <a:pPr marL="0" marR="0" lvl="0" indent="0" algn="l" defTabSz="914400" rtl="0" eaLnBrk="1" fontAlgn="auto" latinLnBrk="0" hangingPunct="1">
+                        <a:lnSpc>
+                          <a:spcPct val="100000"/>
+                        </a:lnSpc>
+                        <a:spcBef>
+                          <a:spcPts val="0"/>
+                        </a:spcBef>
+                        <a:spcAft>
+                          <a:spcPts val="0"/>
+                        </a:spcAft>
+                        <a:buClrTx/>
+                        <a:buSzTx/>
+                        <a:buFontTx/>
+                        <a:buNone/>
+                        <a:tabLst/>
+                        <a:defRPr/>
+                      </a:pPr>
+                      <a:r>
+                        <a:rPr lang="en-NZ" dirty="0" err="1">
+                          <a:solidFill>
+                            <a:schemeClr val="accent1"/>
+                          </a:solidFill>
+                        </a:rPr>
+                        <a:t>ctd_rotoehu</a:t>
+                      </a:r>
+                      <a:r>
+                        <a:rPr lang="en-NZ" dirty="0"/>
+                        <a:t> &lt;- read.csv(‘./data/ctd_data.csv’)</a:t>
+                      </a:r>
+                    </a:p>
+                    <a:p>
+                      <a:endParaRPr lang="en-NZ" dirty="0"/>
+                    </a:p>
+                  </a:txBody>
+                  <a:tcPr>
+                    <a:solidFill>
+                      <a:schemeClr val="bg2">
+                        <a:lumMod val="75000"/>
+                      </a:schemeClr>
+                    </a:solidFill>
+                  </a:tcPr>
+                </a:tc>
+                <a:extLst>
+                  <a:ext uri="{0D108BD9-81ED-4DB2-BD59-A6C34878D82A}">
+                    <a16:rowId xmlns:a16="http://schemas.microsoft.com/office/drawing/2014/main" val="1412412758"/>
                   </a:ext>
                 </a:extLst>
               </a:tr>
@@ -6027,21 +7401,53 @@
                         <a:defRPr/>
                       </a:pPr>
                       <a:r>
-                        <a:rPr lang="en-US">
+                        <a:rPr lang="en-US" dirty="0" err="1">
                           <a:solidFill>
                             <a:schemeClr val="accent1"/>
                           </a:solidFill>
                         </a:rPr>
-                        <a:t>thermo.depth </a:t>
+                        <a:t>thermo.depth</a:t>
                       </a:r>
                       <a:r>
-                        <a:rPr lang="en-US"/>
-                        <a:t>&lt;- thermo.depth(data$temp, data$depth)</a:t>
+                        <a:rPr lang="en-US" dirty="0">
+                          <a:solidFill>
+                            <a:schemeClr val="accent1"/>
+                          </a:solidFill>
+                        </a:rPr>
+                        <a:t> </a:t>
                       </a:r>
-                      <a:endParaRPr lang="en-NZ"/>
+                      <a:r>
+                        <a:rPr lang="en-US" dirty="0"/>
+                        <a:t>&lt;- </a:t>
+                      </a:r>
+                      <a:r>
+                        <a:rPr lang="en-US" dirty="0" err="1"/>
+                        <a:t>thermo.depth</a:t>
+                      </a:r>
+                      <a:r>
+                        <a:rPr lang="en-US" dirty="0"/>
+                        <a:t>(</a:t>
+                      </a:r>
+                      <a:r>
+                        <a:rPr lang="en-US" dirty="0" err="1"/>
+                        <a:t>data$temp</a:t>
+                      </a:r>
+                      <a:r>
+                        <a:rPr lang="en-US" dirty="0"/>
+                        <a:t>, </a:t>
+                      </a:r>
+                      <a:r>
+                        <a:rPr lang="en-US" dirty="0" err="1"/>
+                        <a:t>data$depth</a:t>
+                      </a:r>
+                      <a:r>
+                        <a:rPr lang="en-US" dirty="0"/>
+                        <a:t>)</a:t>
+                      </a:r>
+                      <a:endParaRPr lang="en-NZ" dirty="0"/>
                     </a:p>
                     <a:p>
-                      <a:endParaRPr lang="en-NZ"/>
+                      <a:endParaRPr lang="en-NZ" dirty="0"/>
                     </a:p>
                   </a:txBody>
                   <a:tcPr>
@@ -6062,54 +7468,6 @@
           </a:graphicData>
         </a:graphic>
       </p:graphicFrame>
-      <p:sp>
-        <p:nvSpPr>
-          <p:cNvPr id="3" name="TextBox 2">
-            <a:extLst>
-              <a:ext uri="{FF2B5EF4-FFF2-40B4-BE49-F238E27FC236}">
-                <a16:creationId xmlns:a16="http://schemas.microsoft.com/office/drawing/2014/main" id="{3E39AE31-D10B-8AF6-2409-C9471B8BA189}"/>
-              </a:ext>
-            </a:extLst>
-          </p:cNvPr>
-          <p:cNvSpPr txBox="1"/>
-          <p:nvPr/>
-        </p:nvSpPr>
-        <p:spPr>
-          <a:xfrm>
-            <a:off x="7415784" y="5660136"/>
-            <a:ext cx="4123944" cy="646331"/>
-          </a:xfrm>
-          <a:prstGeom prst="rect">
-            <a:avLst/>
-          </a:prstGeom>
-          <a:noFill/>
-          <a:ln>
-            <a:solidFill>
-              <a:srgbClr val="C00000"/>
-            </a:solidFill>
-          </a:ln>
-        </p:spPr>
-        <p:txBody>
-          <a:bodyPr wrap="square" rtlCol="0">
-            <a:spAutoFit/>
-          </a:bodyPr>
-          <a:lstStyle/>
-          <a:p>
-            <a:r>
-              <a:rPr lang="en-NZ"/>
-              <a:t>What happens if we run </a:t>
-            </a:r>
-            <a:r>
-              <a:rPr lang="en-NZ" err="1"/>
-              <a:t>thermo.depth</a:t>
-            </a:r>
-            <a:r>
-              <a:rPr lang="en-NZ"/>
-              <a:t> without assigning anything to it?</a:t>
-            </a:r>
-          </a:p>
-        </p:txBody>
-      </p:sp>
     </p:spTree>
     <p:extLst>
       <p:ext uri="{BB962C8B-B14F-4D97-AF65-F5344CB8AC3E}">
@@ -6123,7 +7481,1205 @@
 </p:sld>
 </file>
 
-<file path=ppt/slides/slide17.xml><?xml version="1.0" encoding="utf-8"?>
+<file path=ppt/slides/slide19.xml><?xml version="1.0" encoding="utf-8"?>
+<p:sld xmlns:a="http://schemas.openxmlformats.org/drawingml/2006/main" xmlns:r="http://schemas.openxmlformats.org/officeDocument/2006/relationships" xmlns:p="http://schemas.openxmlformats.org/presentationml/2006/main">
+  <p:cSld>
+    <p:spTree>
+      <p:nvGrpSpPr>
+        <p:cNvPr id="1" name=""/>
+        <p:cNvGrpSpPr/>
+        <p:nvPr/>
+      </p:nvGrpSpPr>
+      <p:grpSpPr>
+        <a:xfrm>
+          <a:off x="0" y="0"/>
+          <a:ext cx="0" cy="0"/>
+          <a:chOff x="0" y="0"/>
+          <a:chExt cx="0" cy="0"/>
+        </a:xfrm>
+      </p:grpSpPr>
+      <p:sp>
+        <p:nvSpPr>
+          <p:cNvPr id="2" name="Title 1">
+            <a:extLst>
+              <a:ext uri="{FF2B5EF4-FFF2-40B4-BE49-F238E27FC236}">
+                <a16:creationId xmlns:a16="http://schemas.microsoft.com/office/drawing/2014/main" id="{6899BA41-0636-741F-6F3C-F6D758386E3F}"/>
+              </a:ext>
+            </a:extLst>
+          </p:cNvPr>
+          <p:cNvSpPr>
+            <a:spLocks noGrp="1"/>
+          </p:cNvSpPr>
+          <p:nvPr>
+            <p:ph type="title"/>
+          </p:nvPr>
+        </p:nvSpPr>
+        <p:spPr/>
+        <p:txBody>
+          <a:bodyPr/>
+          <a:lstStyle/>
+          <a:p>
+            <a:r>
+              <a:rPr lang="en-NZ"/>
+              <a:t>Project-oriented Workflows</a:t>
+            </a:r>
+          </a:p>
+        </p:txBody>
+      </p:sp>
+      <p:pic>
+        <p:nvPicPr>
+          <p:cNvPr id="7" name="Picture 6">
+            <a:extLst>
+              <a:ext uri="{FF2B5EF4-FFF2-40B4-BE49-F238E27FC236}">
+                <a16:creationId xmlns:a16="http://schemas.microsoft.com/office/drawing/2014/main" id="{57863765-5ED4-207C-0F51-9BB570DC776D}"/>
+              </a:ext>
+            </a:extLst>
+          </p:cNvPr>
+          <p:cNvPicPr>
+            <a:picLocks noChangeAspect="1"/>
+          </p:cNvPicPr>
+          <p:nvPr/>
+        </p:nvPicPr>
+        <p:blipFill>
+          <a:blip r:embed="rId2"/>
+          <a:stretch>
+            <a:fillRect/>
+          </a:stretch>
+        </p:blipFill>
+        <p:spPr>
+          <a:xfrm>
+            <a:off x="348724" y="3208454"/>
+            <a:ext cx="5839640" cy="590632"/>
+          </a:xfrm>
+          <a:prstGeom prst="rect">
+            <a:avLst/>
+          </a:prstGeom>
+        </p:spPr>
+      </p:pic>
+      <p:pic>
+        <p:nvPicPr>
+          <p:cNvPr id="9" name="Picture 8">
+            <a:extLst>
+              <a:ext uri="{FF2B5EF4-FFF2-40B4-BE49-F238E27FC236}">
+                <a16:creationId xmlns:a16="http://schemas.microsoft.com/office/drawing/2014/main" id="{16886480-5E18-3B1A-C9DD-BD7AF2201D71}"/>
+              </a:ext>
+            </a:extLst>
+          </p:cNvPr>
+          <p:cNvPicPr>
+            <a:picLocks noChangeAspect="1"/>
+          </p:cNvPicPr>
+          <p:nvPr/>
+        </p:nvPicPr>
+        <p:blipFill>
+          <a:blip r:embed="rId3"/>
+          <a:srcRect r="17002"/>
+          <a:stretch/>
+        </p:blipFill>
+        <p:spPr>
+          <a:xfrm>
+            <a:off x="7598990" y="1042467"/>
+            <a:ext cx="4419828" cy="2257740"/>
+          </a:xfrm>
+          <a:prstGeom prst="rect">
+            <a:avLst/>
+          </a:prstGeom>
+        </p:spPr>
+      </p:pic>
+      <p:pic>
+        <p:nvPicPr>
+          <p:cNvPr id="11" name="Picture 10">
+            <a:extLst>
+              <a:ext uri="{FF2B5EF4-FFF2-40B4-BE49-F238E27FC236}">
+                <a16:creationId xmlns:a16="http://schemas.microsoft.com/office/drawing/2014/main" id="{CB9777C2-AEB0-55D1-BAA1-E7E220C3A320}"/>
+              </a:ext>
+            </a:extLst>
+          </p:cNvPr>
+          <p:cNvPicPr>
+            <a:picLocks noChangeAspect="1"/>
+          </p:cNvPicPr>
+          <p:nvPr/>
+        </p:nvPicPr>
+        <p:blipFill>
+          <a:blip r:embed="rId4"/>
+          <a:stretch>
+            <a:fillRect/>
+          </a:stretch>
+        </p:blipFill>
+        <p:spPr>
+          <a:xfrm>
+            <a:off x="348724" y="4152851"/>
+            <a:ext cx="10402752" cy="362001"/>
+          </a:xfrm>
+          <a:prstGeom prst="rect">
+            <a:avLst/>
+          </a:prstGeom>
+        </p:spPr>
+      </p:pic>
+      <p:pic>
+        <p:nvPicPr>
+          <p:cNvPr id="17" name="Picture 16">
+            <a:extLst>
+              <a:ext uri="{FF2B5EF4-FFF2-40B4-BE49-F238E27FC236}">
+                <a16:creationId xmlns:a16="http://schemas.microsoft.com/office/drawing/2014/main" id="{3672FE20-8720-DA85-C946-951CB6393BCC}"/>
+              </a:ext>
+            </a:extLst>
+          </p:cNvPr>
+          <p:cNvPicPr>
+            <a:picLocks noChangeAspect="1"/>
+          </p:cNvPicPr>
+          <p:nvPr/>
+        </p:nvPicPr>
+        <p:blipFill>
+          <a:blip r:embed="rId5"/>
+          <a:stretch>
+            <a:fillRect/>
+          </a:stretch>
+        </p:blipFill>
+        <p:spPr>
+          <a:xfrm>
+            <a:off x="10885185" y="478123"/>
+            <a:ext cx="1133633" cy="457264"/>
+          </a:xfrm>
+          <a:prstGeom prst="rect">
+            <a:avLst/>
+          </a:prstGeom>
+        </p:spPr>
+      </p:pic>
+      <p:pic>
+        <p:nvPicPr>
+          <p:cNvPr id="19" name="Picture 18">
+            <a:extLst>
+              <a:ext uri="{FF2B5EF4-FFF2-40B4-BE49-F238E27FC236}">
+                <a16:creationId xmlns:a16="http://schemas.microsoft.com/office/drawing/2014/main" id="{987D5D12-4F82-B57D-9891-2A011ED7BC05}"/>
+              </a:ext>
+            </a:extLst>
+          </p:cNvPr>
+          <p:cNvPicPr>
+            <a:picLocks noChangeAspect="1"/>
+          </p:cNvPicPr>
+          <p:nvPr/>
+        </p:nvPicPr>
+        <p:blipFill>
+          <a:blip r:embed="rId6"/>
+          <a:stretch>
+            <a:fillRect/>
+          </a:stretch>
+        </p:blipFill>
+        <p:spPr>
+          <a:xfrm>
+            <a:off x="377303" y="5152166"/>
+            <a:ext cx="5172797" cy="495369"/>
+          </a:xfrm>
+          <a:prstGeom prst="rect">
+            <a:avLst/>
+          </a:prstGeom>
+        </p:spPr>
+      </p:pic>
+      <p:pic>
+        <p:nvPicPr>
+          <p:cNvPr id="1026" name="Picture 2" descr="Thumbs Down Vector Art, Icons, and ...">
+            <a:extLst>
+              <a:ext uri="{FF2B5EF4-FFF2-40B4-BE49-F238E27FC236}">
+                <a16:creationId xmlns:a16="http://schemas.microsoft.com/office/drawing/2014/main" id="{9CCBE4C5-79B6-5552-30A0-9C16440B42E6}"/>
+              </a:ext>
+            </a:extLst>
+          </p:cNvPr>
+          <p:cNvPicPr>
+            <a:picLocks noChangeAspect="1" noChangeArrowheads="1"/>
+          </p:cNvPicPr>
+          <p:nvPr/>
+        </p:nvPicPr>
+        <p:blipFill>
+          <a:blip r:embed="rId7">
+            <a:extLst>
+              <a:ext uri="{28A0092B-C50C-407E-A947-70E740481C1C}">
+                <a14:useLocalDpi xmlns:a14="http://schemas.microsoft.com/office/drawing/2010/main" val="0"/>
+              </a:ext>
+            </a:extLst>
+          </a:blip>
+          <a:srcRect/>
+          <a:stretch>
+            <a:fillRect/>
+          </a:stretch>
+        </p:blipFill>
+        <p:spPr bwMode="auto">
+          <a:xfrm>
+            <a:off x="10769077" y="3759261"/>
+            <a:ext cx="1422923" cy="1422923"/>
+          </a:xfrm>
+          <a:prstGeom prst="rect">
+            <a:avLst/>
+          </a:prstGeom>
+          <a:noFill/>
+          <a:extLst>
+            <a:ext uri="{909E8E84-426E-40DD-AFC4-6F175D3DCCD1}">
+              <a14:hiddenFill xmlns:a14="http://schemas.microsoft.com/office/drawing/2010/main">
+                <a:solidFill>
+                  <a:srgbClr val="FFFFFF"/>
+                </a:solidFill>
+              </a14:hiddenFill>
+            </a:ext>
+          </a:extLst>
+        </p:spPr>
+      </p:pic>
+      <p:pic>
+        <p:nvPicPr>
+          <p:cNvPr id="1028" name="Picture 4" descr="Thumbs Up Images Png Free PNG Images ...">
+            <a:extLst>
+              <a:ext uri="{FF2B5EF4-FFF2-40B4-BE49-F238E27FC236}">
+                <a16:creationId xmlns:a16="http://schemas.microsoft.com/office/drawing/2014/main" id="{07EBE7D5-E719-2887-6853-54E08700CD59}"/>
+              </a:ext>
+            </a:extLst>
+          </p:cNvPr>
+          <p:cNvPicPr>
+            <a:picLocks noChangeAspect="1" noChangeArrowheads="1"/>
+          </p:cNvPicPr>
+          <p:nvPr/>
+        </p:nvPicPr>
+        <p:blipFill>
+          <a:blip r:embed="rId8">
+            <a:extLst>
+              <a:ext uri="{28A0092B-C50C-407E-A947-70E740481C1C}">
+                <a14:useLocalDpi xmlns:a14="http://schemas.microsoft.com/office/drawing/2010/main" val="0"/>
+              </a:ext>
+            </a:extLst>
+          </a:blip>
+          <a:srcRect/>
+          <a:stretch>
+            <a:fillRect/>
+          </a:stretch>
+        </p:blipFill>
+        <p:spPr bwMode="auto">
+          <a:xfrm>
+            <a:off x="5930440" y="4763283"/>
+            <a:ext cx="1422924" cy="1507777"/>
+          </a:xfrm>
+          <a:prstGeom prst="rect">
+            <a:avLst/>
+          </a:prstGeom>
+          <a:noFill/>
+          <a:extLst>
+            <a:ext uri="{909E8E84-426E-40DD-AFC4-6F175D3DCCD1}">
+              <a14:hiddenFill xmlns:a14="http://schemas.microsoft.com/office/drawing/2010/main">
+                <a:solidFill>
+                  <a:srgbClr val="FFFFFF"/>
+                </a:solidFill>
+              </a14:hiddenFill>
+            </a:ext>
+          </a:extLst>
+        </p:spPr>
+      </p:pic>
+      <p:sp>
+        <p:nvSpPr>
+          <p:cNvPr id="20" name="TextBox 19">
+            <a:extLst>
+              <a:ext uri="{FF2B5EF4-FFF2-40B4-BE49-F238E27FC236}">
+                <a16:creationId xmlns:a16="http://schemas.microsoft.com/office/drawing/2014/main" id="{DC55D4FF-FCBA-04B6-F1E7-5CDAAFA5944F}"/>
+              </a:ext>
+            </a:extLst>
+          </p:cNvPr>
+          <p:cNvSpPr txBox="1"/>
+          <p:nvPr/>
+        </p:nvSpPr>
+        <p:spPr>
+          <a:xfrm>
+            <a:off x="1330035" y="1510728"/>
+            <a:ext cx="5347855" cy="707886"/>
+          </a:xfrm>
+          <a:prstGeom prst="rect">
+            <a:avLst/>
+          </a:prstGeom>
+          <a:noFill/>
+        </p:spPr>
+        <p:txBody>
+          <a:bodyPr wrap="square" rtlCol="0">
+            <a:spAutoFit/>
+          </a:bodyPr>
+          <a:lstStyle/>
+          <a:p>
+            <a:pPr marL="285750" indent="-285750">
+              <a:buFont typeface="Arial" panose="020B0604020202020204" pitchFamily="34" charset="0"/>
+              <a:buChar char="•"/>
+            </a:pPr>
+            <a:r>
+              <a:rPr lang="en-NZ" sz="2000"/>
+              <a:t>Enables repeatability (for yourself)</a:t>
+            </a:r>
+          </a:p>
+          <a:p>
+            <a:pPr marL="285750" indent="-285750">
+              <a:buFont typeface="Arial" panose="020B0604020202020204" pitchFamily="34" charset="0"/>
+              <a:buChar char="•"/>
+            </a:pPr>
+            <a:r>
+              <a:rPr lang="en-NZ" sz="2000"/>
+              <a:t>Enables reproducibility (for someone else)</a:t>
+            </a:r>
+          </a:p>
+        </p:txBody>
+      </p:sp>
+    </p:spTree>
+    <p:extLst>
+      <p:ext uri="{BB962C8B-B14F-4D97-AF65-F5344CB8AC3E}">
+        <p14:creationId xmlns:p14="http://schemas.microsoft.com/office/powerpoint/2010/main" val="1174405677"/>
+      </p:ext>
+    </p:extLst>
+  </p:cSld>
+  <p:clrMapOvr>
+    <a:masterClrMapping/>
+  </p:clrMapOvr>
+</p:sld>
+</file>
+
+<file path=ppt/slides/slide2.xml><?xml version="1.0" encoding="utf-8"?>
+<p:sld xmlns:a="http://schemas.openxmlformats.org/drawingml/2006/main" xmlns:r="http://schemas.openxmlformats.org/officeDocument/2006/relationships" xmlns:p="http://schemas.openxmlformats.org/presentationml/2006/main">
+  <p:cSld>
+    <p:spTree>
+      <p:nvGrpSpPr>
+        <p:cNvPr id="1" name=""/>
+        <p:cNvGrpSpPr/>
+        <p:nvPr/>
+      </p:nvGrpSpPr>
+      <p:grpSpPr>
+        <a:xfrm>
+          <a:off x="0" y="0"/>
+          <a:ext cx="0" cy="0"/>
+          <a:chOff x="0" y="0"/>
+          <a:chExt cx="0" cy="0"/>
+        </a:xfrm>
+      </p:grpSpPr>
+      <p:sp>
+        <p:nvSpPr>
+          <p:cNvPr id="2" name="Title 1">
+            <a:extLst>
+              <a:ext uri="{FF2B5EF4-FFF2-40B4-BE49-F238E27FC236}">
+                <a16:creationId xmlns:a16="http://schemas.microsoft.com/office/drawing/2014/main" id="{EB6A6314-C8EF-BB3E-4BD3-6690211DBFD5}"/>
+              </a:ext>
+            </a:extLst>
+          </p:cNvPr>
+          <p:cNvSpPr>
+            <a:spLocks noGrp="1"/>
+          </p:cNvSpPr>
+          <p:nvPr>
+            <p:ph type="title"/>
+          </p:nvPr>
+        </p:nvSpPr>
+        <p:spPr/>
+        <p:txBody>
+          <a:bodyPr/>
+          <a:lstStyle/>
+          <a:p>
+            <a:r>
+              <a:rPr lang="en-NZ"/>
+              <a:t>Topics</a:t>
+            </a:r>
+          </a:p>
+        </p:txBody>
+      </p:sp>
+      <p:sp>
+        <p:nvSpPr>
+          <p:cNvPr id="3" name="Content Placeholder 2">
+            <a:extLst>
+              <a:ext uri="{FF2B5EF4-FFF2-40B4-BE49-F238E27FC236}">
+                <a16:creationId xmlns:a16="http://schemas.microsoft.com/office/drawing/2014/main" id="{B19E93A5-97F5-820C-D2C2-CEDE6A204914}"/>
+              </a:ext>
+            </a:extLst>
+          </p:cNvPr>
+          <p:cNvSpPr>
+            <a:spLocks noGrp="1"/>
+          </p:cNvSpPr>
+          <p:nvPr>
+            <p:ph idx="1"/>
+          </p:nvPr>
+        </p:nvSpPr>
+        <p:spPr/>
+        <p:txBody>
+          <a:bodyPr>
+            <a:normAutofit/>
+          </a:bodyPr>
+          <a:lstStyle/>
+          <a:p>
+            <a:r>
+              <a:rPr lang="en-NZ" dirty="0"/>
+              <a:t>Why R?</a:t>
+            </a:r>
+          </a:p>
+          <a:p>
+            <a:r>
+              <a:rPr lang="en-NZ" dirty="0"/>
+              <a:t>Basics for using R</a:t>
+            </a:r>
+          </a:p>
+          <a:p>
+            <a:r>
+              <a:rPr lang="en-NZ" dirty="0"/>
+              <a:t>Using Projects in R</a:t>
+            </a:r>
+          </a:p>
+          <a:p>
+            <a:r>
+              <a:rPr lang="en-NZ" dirty="0"/>
+              <a:t>Real code examples</a:t>
+            </a:r>
+          </a:p>
+          <a:p>
+            <a:pPr lvl="1"/>
+            <a:r>
+              <a:rPr lang="en-NZ" dirty="0"/>
+              <a:t>Install some packages</a:t>
+            </a:r>
+          </a:p>
+          <a:p>
+            <a:pPr lvl="1"/>
+            <a:r>
+              <a:rPr lang="en-NZ" dirty="0"/>
+              <a:t>Create new objects in R</a:t>
+            </a:r>
+          </a:p>
+          <a:p>
+            <a:pPr lvl="1"/>
+            <a:r>
+              <a:rPr lang="en-NZ" dirty="0"/>
+              <a:t>Read in data from a .csv and a .</a:t>
+            </a:r>
+            <a:r>
+              <a:rPr lang="en-NZ" dirty="0" err="1"/>
+              <a:t>xls</a:t>
+            </a:r>
+            <a:r>
+              <a:rPr lang="en-NZ" dirty="0"/>
+              <a:t> file</a:t>
+            </a:r>
+          </a:p>
+          <a:p>
+            <a:pPr lvl="1"/>
+            <a:r>
+              <a:rPr lang="en-NZ" dirty="0"/>
+              <a:t>Use base R functions</a:t>
+            </a:r>
+          </a:p>
+          <a:p>
+            <a:pPr lvl="1"/>
+            <a:r>
+              <a:rPr lang="en-NZ" dirty="0"/>
+              <a:t>Access help documentation for functions</a:t>
+            </a:r>
+          </a:p>
+        </p:txBody>
+      </p:sp>
+    </p:spTree>
+    <p:extLst>
+      <p:ext uri="{BB962C8B-B14F-4D97-AF65-F5344CB8AC3E}">
+        <p14:creationId xmlns:p14="http://schemas.microsoft.com/office/powerpoint/2010/main" val="4106393768"/>
+      </p:ext>
+    </p:extLst>
+  </p:cSld>
+  <p:clrMapOvr>
+    <a:masterClrMapping/>
+  </p:clrMapOvr>
+</p:sld>
+</file>
+
+<file path=ppt/slides/slide20.xml><?xml version="1.0" encoding="utf-8"?>
+<p:sld xmlns:a="http://schemas.openxmlformats.org/drawingml/2006/main" xmlns:r="http://schemas.openxmlformats.org/officeDocument/2006/relationships" xmlns:p="http://schemas.openxmlformats.org/presentationml/2006/main">
+  <p:cSld>
+    <p:spTree>
+      <p:nvGrpSpPr>
+        <p:cNvPr id="1" name=""/>
+        <p:cNvGrpSpPr/>
+        <p:nvPr/>
+      </p:nvGrpSpPr>
+      <p:grpSpPr>
+        <a:xfrm>
+          <a:off x="0" y="0"/>
+          <a:ext cx="0" cy="0"/>
+          <a:chOff x="0" y="0"/>
+          <a:chExt cx="0" cy="0"/>
+        </a:xfrm>
+      </p:grpSpPr>
+      <p:sp>
+        <p:nvSpPr>
+          <p:cNvPr id="2" name="Title 1">
+            <a:extLst>
+              <a:ext uri="{FF2B5EF4-FFF2-40B4-BE49-F238E27FC236}">
+                <a16:creationId xmlns:a16="http://schemas.microsoft.com/office/drawing/2014/main" id="{242E4017-966A-3CF3-911C-0FED494A8676}"/>
+              </a:ext>
+            </a:extLst>
+          </p:cNvPr>
+          <p:cNvSpPr>
+            <a:spLocks noGrp="1"/>
+          </p:cNvSpPr>
+          <p:nvPr>
+            <p:ph type="title"/>
+          </p:nvPr>
+        </p:nvSpPr>
+        <p:spPr/>
+        <p:txBody>
+          <a:bodyPr/>
+          <a:lstStyle/>
+          <a:p>
+            <a:r>
+              <a:rPr lang="en-NZ"/>
+              <a:t>How to use projects</a:t>
+            </a:r>
+          </a:p>
+        </p:txBody>
+      </p:sp>
+      <p:sp>
+        <p:nvSpPr>
+          <p:cNvPr id="3" name="Content Placeholder 2">
+            <a:extLst>
+              <a:ext uri="{FF2B5EF4-FFF2-40B4-BE49-F238E27FC236}">
+                <a16:creationId xmlns:a16="http://schemas.microsoft.com/office/drawing/2014/main" id="{E067DC2B-272B-03FB-A104-3EA0E40DFCA1}"/>
+              </a:ext>
+            </a:extLst>
+          </p:cNvPr>
+          <p:cNvSpPr>
+            <a:spLocks noGrp="1"/>
+          </p:cNvSpPr>
+          <p:nvPr>
+            <p:ph idx="1"/>
+          </p:nvPr>
+        </p:nvSpPr>
+        <p:spPr>
+          <a:xfrm>
+            <a:off x="838200" y="1825625"/>
+            <a:ext cx="6230112" cy="4351338"/>
+          </a:xfrm>
+        </p:spPr>
+        <p:txBody>
+          <a:bodyPr/>
+          <a:lstStyle/>
+          <a:p>
+            <a:r>
+              <a:rPr lang="en-NZ"/>
+              <a:t>Ideally, these are truly “project”-specific</a:t>
+            </a:r>
+          </a:p>
+          <a:p>
+            <a:pPr lvl="1"/>
+            <a:r>
+              <a:rPr lang="en-NZ"/>
+              <a:t>A set of analyses towards a common goal, typically a manuscript</a:t>
+            </a:r>
+          </a:p>
+          <a:p>
+            <a:endParaRPr lang="en-NZ"/>
+          </a:p>
+          <a:p>
+            <a:pPr lvl="1"/>
+            <a:endParaRPr lang="en-NZ"/>
+          </a:p>
+        </p:txBody>
+      </p:sp>
+      <p:pic>
+        <p:nvPicPr>
+          <p:cNvPr id="5" name="Picture 4">
+            <a:extLst>
+              <a:ext uri="{FF2B5EF4-FFF2-40B4-BE49-F238E27FC236}">
+                <a16:creationId xmlns:a16="http://schemas.microsoft.com/office/drawing/2014/main" id="{49AB8B98-8ED6-4866-A651-61651ECEA560}"/>
+              </a:ext>
+            </a:extLst>
+          </p:cNvPr>
+          <p:cNvPicPr>
+            <a:picLocks noChangeAspect="1"/>
+          </p:cNvPicPr>
+          <p:nvPr/>
+        </p:nvPicPr>
+        <p:blipFill>
+          <a:blip r:embed="rId2"/>
+          <a:stretch>
+            <a:fillRect/>
+          </a:stretch>
+        </p:blipFill>
+        <p:spPr>
+          <a:xfrm>
+            <a:off x="692367" y="3878291"/>
+            <a:ext cx="5592631" cy="2614584"/>
+          </a:xfrm>
+          <a:prstGeom prst="rect">
+            <a:avLst/>
+          </a:prstGeom>
+        </p:spPr>
+      </p:pic>
+      <p:pic>
+        <p:nvPicPr>
+          <p:cNvPr id="7" name="Picture 6">
+            <a:extLst>
+              <a:ext uri="{FF2B5EF4-FFF2-40B4-BE49-F238E27FC236}">
+                <a16:creationId xmlns:a16="http://schemas.microsoft.com/office/drawing/2014/main" id="{3CB2B347-2CC5-9DFF-D693-3CA70F2C267C}"/>
+              </a:ext>
+            </a:extLst>
+          </p:cNvPr>
+          <p:cNvPicPr>
+            <a:picLocks noChangeAspect="1"/>
+          </p:cNvPicPr>
+          <p:nvPr/>
+        </p:nvPicPr>
+        <p:blipFill>
+          <a:blip r:embed="rId3"/>
+          <a:stretch>
+            <a:fillRect/>
+          </a:stretch>
+        </p:blipFill>
+        <p:spPr>
+          <a:xfrm>
+            <a:off x="7214145" y="1690687"/>
+            <a:ext cx="4235358" cy="4782391"/>
+          </a:xfrm>
+          <a:prstGeom prst="rect">
+            <a:avLst/>
+          </a:prstGeom>
+        </p:spPr>
+      </p:pic>
+      <p:pic>
+        <p:nvPicPr>
+          <p:cNvPr id="9" name="Picture 2" descr="Thumbs Down Vector Art, Icons, and ...">
+            <a:extLst>
+              <a:ext uri="{FF2B5EF4-FFF2-40B4-BE49-F238E27FC236}">
+                <a16:creationId xmlns:a16="http://schemas.microsoft.com/office/drawing/2014/main" id="{07872731-AE70-6F28-B14A-6C8C6A0FF059}"/>
+              </a:ext>
+            </a:extLst>
+          </p:cNvPr>
+          <p:cNvPicPr>
+            <a:picLocks noChangeAspect="1" noChangeArrowheads="1"/>
+          </p:cNvPicPr>
+          <p:nvPr/>
+        </p:nvPicPr>
+        <p:blipFill>
+          <a:blip r:embed="rId4">
+            <a:extLst>
+              <a:ext uri="{28A0092B-C50C-407E-A947-70E740481C1C}">
+                <a14:useLocalDpi xmlns:a14="http://schemas.microsoft.com/office/drawing/2010/main" val="0"/>
+              </a:ext>
+            </a:extLst>
+          </a:blip>
+          <a:srcRect/>
+          <a:stretch>
+            <a:fillRect/>
+          </a:stretch>
+        </p:blipFill>
+        <p:spPr bwMode="auto">
+          <a:xfrm>
+            <a:off x="9723364" y="3166829"/>
+            <a:ext cx="1422923" cy="1422923"/>
+          </a:xfrm>
+          <a:prstGeom prst="rect">
+            <a:avLst/>
+          </a:prstGeom>
+          <a:noFill/>
+          <a:extLst>
+            <a:ext uri="{909E8E84-426E-40DD-AFC4-6F175D3DCCD1}">
+              <a14:hiddenFill xmlns:a14="http://schemas.microsoft.com/office/drawing/2010/main">
+                <a:solidFill>
+                  <a:srgbClr val="FFFFFF"/>
+                </a:solidFill>
+              </a14:hiddenFill>
+            </a:ext>
+          </a:extLst>
+        </p:spPr>
+      </p:pic>
+      <p:pic>
+        <p:nvPicPr>
+          <p:cNvPr id="10" name="Picture 4" descr="Thumbs Up Images Png Free PNG Images ...">
+            <a:extLst>
+              <a:ext uri="{FF2B5EF4-FFF2-40B4-BE49-F238E27FC236}">
+                <a16:creationId xmlns:a16="http://schemas.microsoft.com/office/drawing/2014/main" id="{651B39DA-15F9-15DC-7BB6-5B174D1A387E}"/>
+              </a:ext>
+            </a:extLst>
+          </p:cNvPr>
+          <p:cNvPicPr>
+            <a:picLocks noChangeAspect="1" noChangeArrowheads="1"/>
+          </p:cNvPicPr>
+          <p:nvPr/>
+        </p:nvPicPr>
+        <p:blipFill>
+          <a:blip r:embed="rId5">
+            <a:extLst>
+              <a:ext uri="{28A0092B-C50C-407E-A947-70E740481C1C}">
+                <a14:useLocalDpi xmlns:a14="http://schemas.microsoft.com/office/drawing/2010/main" val="0"/>
+              </a:ext>
+            </a:extLst>
+          </a:blip>
+          <a:srcRect/>
+          <a:stretch>
+            <a:fillRect/>
+          </a:stretch>
+        </p:blipFill>
+        <p:spPr bwMode="auto">
+          <a:xfrm>
+            <a:off x="3458199" y="4965302"/>
+            <a:ext cx="1422924" cy="1507777"/>
+          </a:xfrm>
+          <a:prstGeom prst="rect">
+            <a:avLst/>
+          </a:prstGeom>
+          <a:noFill/>
+          <a:extLst>
+            <a:ext uri="{909E8E84-426E-40DD-AFC4-6F175D3DCCD1}">
+              <a14:hiddenFill xmlns:a14="http://schemas.microsoft.com/office/drawing/2010/main">
+                <a:solidFill>
+                  <a:srgbClr val="FFFFFF"/>
+                </a:solidFill>
+              </a14:hiddenFill>
+            </a:ext>
+          </a:extLst>
+        </p:spPr>
+      </p:pic>
+    </p:spTree>
+    <p:extLst>
+      <p:ext uri="{BB962C8B-B14F-4D97-AF65-F5344CB8AC3E}">
+        <p14:creationId xmlns:p14="http://schemas.microsoft.com/office/powerpoint/2010/main" val="1663465521"/>
+      </p:ext>
+    </p:extLst>
+  </p:cSld>
+  <p:clrMapOvr>
+    <a:masterClrMapping/>
+  </p:clrMapOvr>
+</p:sld>
+</file>
+
+<file path=ppt/slides/slide21.xml><?xml version="1.0" encoding="utf-8"?>
+<p:sld xmlns:a="http://schemas.openxmlformats.org/drawingml/2006/main" xmlns:r="http://schemas.openxmlformats.org/officeDocument/2006/relationships" xmlns:p="http://schemas.openxmlformats.org/presentationml/2006/main">
+  <p:cSld>
+    <p:spTree>
+      <p:nvGrpSpPr>
+        <p:cNvPr id="1" name=""/>
+        <p:cNvGrpSpPr/>
+        <p:nvPr/>
+      </p:nvGrpSpPr>
+      <p:grpSpPr>
+        <a:xfrm>
+          <a:off x="0" y="0"/>
+          <a:ext cx="0" cy="0"/>
+          <a:chOff x="0" y="0"/>
+          <a:chExt cx="0" cy="0"/>
+        </a:xfrm>
+      </p:grpSpPr>
+      <p:sp>
+        <p:nvSpPr>
+          <p:cNvPr id="2" name="Title 1">
+            <a:extLst>
+              <a:ext uri="{FF2B5EF4-FFF2-40B4-BE49-F238E27FC236}">
+                <a16:creationId xmlns:a16="http://schemas.microsoft.com/office/drawing/2014/main" id="{3C60B124-174B-1F18-DB74-77F1AFEA4F43}"/>
+              </a:ext>
+            </a:extLst>
+          </p:cNvPr>
+          <p:cNvSpPr>
+            <a:spLocks noGrp="1"/>
+          </p:cNvSpPr>
+          <p:nvPr>
+            <p:ph type="title"/>
+          </p:nvPr>
+        </p:nvSpPr>
+        <p:spPr/>
+        <p:txBody>
+          <a:bodyPr/>
+          <a:lstStyle/>
+          <a:p>
+            <a:r>
+              <a:rPr lang="en-NZ"/>
+              <a:t>Manuscript within a project</a:t>
+            </a:r>
+          </a:p>
+        </p:txBody>
+      </p:sp>
+      <p:sp>
+        <p:nvSpPr>
+          <p:cNvPr id="3" name="Content Placeholder 2">
+            <a:extLst>
+              <a:ext uri="{FF2B5EF4-FFF2-40B4-BE49-F238E27FC236}">
+                <a16:creationId xmlns:a16="http://schemas.microsoft.com/office/drawing/2014/main" id="{09A892EF-4C95-DBC5-FEF7-E69BDABC5953}"/>
+              </a:ext>
+            </a:extLst>
+          </p:cNvPr>
+          <p:cNvSpPr>
+            <a:spLocks noGrp="1"/>
+          </p:cNvSpPr>
+          <p:nvPr>
+            <p:ph idx="1"/>
+          </p:nvPr>
+        </p:nvSpPr>
+        <p:spPr/>
+        <p:txBody>
+          <a:bodyPr/>
+          <a:lstStyle/>
+          <a:p>
+            <a:r>
+              <a:rPr lang="en-NZ"/>
+              <a:t>https://github.com/wwoelmer/ReservoirContinuum</a:t>
+            </a:r>
+          </a:p>
+        </p:txBody>
+      </p:sp>
+      <p:pic>
+        <p:nvPicPr>
+          <p:cNvPr id="7" name="Picture 6">
+            <a:extLst>
+              <a:ext uri="{FF2B5EF4-FFF2-40B4-BE49-F238E27FC236}">
+                <a16:creationId xmlns:a16="http://schemas.microsoft.com/office/drawing/2014/main" id="{19421A0C-6978-91C2-AFB4-36CC470C6DE3}"/>
+              </a:ext>
+            </a:extLst>
+          </p:cNvPr>
+          <p:cNvPicPr>
+            <a:picLocks noChangeAspect="1"/>
+          </p:cNvPicPr>
+          <p:nvPr/>
+        </p:nvPicPr>
+        <p:blipFill>
+          <a:blip r:embed="rId2"/>
+          <a:stretch>
+            <a:fillRect/>
+          </a:stretch>
+        </p:blipFill>
+        <p:spPr>
+          <a:xfrm>
+            <a:off x="838200" y="2584577"/>
+            <a:ext cx="8173591" cy="3524742"/>
+          </a:xfrm>
+          <a:prstGeom prst="rect">
+            <a:avLst/>
+          </a:prstGeom>
+        </p:spPr>
+      </p:pic>
+      <p:pic>
+        <p:nvPicPr>
+          <p:cNvPr id="5" name="Picture 4">
+            <a:extLst>
+              <a:ext uri="{FF2B5EF4-FFF2-40B4-BE49-F238E27FC236}">
+                <a16:creationId xmlns:a16="http://schemas.microsoft.com/office/drawing/2014/main" id="{38B40B10-3DDB-E1FA-1B86-8B03EEA3C733}"/>
+              </a:ext>
+            </a:extLst>
+          </p:cNvPr>
+          <p:cNvPicPr>
+            <a:picLocks noChangeAspect="1"/>
+          </p:cNvPicPr>
+          <p:nvPr/>
+        </p:nvPicPr>
+        <p:blipFill>
+          <a:blip r:embed="rId3"/>
+          <a:stretch>
+            <a:fillRect/>
+          </a:stretch>
+        </p:blipFill>
+        <p:spPr>
+          <a:xfrm>
+            <a:off x="5373841" y="2295144"/>
+            <a:ext cx="6528067" cy="4517136"/>
+          </a:xfrm>
+          <a:prstGeom prst="rect">
+            <a:avLst/>
+          </a:prstGeom>
+        </p:spPr>
+      </p:pic>
+      <p:pic>
+        <p:nvPicPr>
+          <p:cNvPr id="6" name="Picture 5">
+            <a:extLst>
+              <a:ext uri="{FF2B5EF4-FFF2-40B4-BE49-F238E27FC236}">
+                <a16:creationId xmlns:a16="http://schemas.microsoft.com/office/drawing/2014/main" id="{7E7C0B38-CF23-295F-BE84-5F0868745BB3}"/>
+              </a:ext>
+            </a:extLst>
+          </p:cNvPr>
+          <p:cNvPicPr>
+            <a:picLocks noChangeAspect="1"/>
+          </p:cNvPicPr>
+          <p:nvPr/>
+        </p:nvPicPr>
+        <p:blipFill>
+          <a:blip r:embed="rId4"/>
+          <a:stretch>
+            <a:fillRect/>
+          </a:stretch>
+        </p:blipFill>
+        <p:spPr>
+          <a:xfrm>
+            <a:off x="1339882" y="3839237"/>
+            <a:ext cx="7678222" cy="1428949"/>
+          </a:xfrm>
+          <a:prstGeom prst="rect">
+            <a:avLst/>
+          </a:prstGeom>
+        </p:spPr>
+      </p:pic>
+    </p:spTree>
+    <p:extLst>
+      <p:ext uri="{BB962C8B-B14F-4D97-AF65-F5344CB8AC3E}">
+        <p14:creationId xmlns:p14="http://schemas.microsoft.com/office/powerpoint/2010/main" val="536556539"/>
+      </p:ext>
+    </p:extLst>
+  </p:cSld>
+  <p:clrMapOvr>
+    <a:masterClrMapping/>
+  </p:clrMapOvr>
+  <p:timing>
+    <p:tnLst>
+      <p:par>
+        <p:cTn id="1" dur="indefinite" restart="never" nodeType="tmRoot">
+          <p:childTnLst>
+            <p:seq concurrent="1" nextAc="seek">
+              <p:cTn id="2" dur="indefinite" nodeType="mainSeq">
+                <p:childTnLst>
+                  <p:par>
+                    <p:cTn id="3" fill="hold">
+                      <p:stCondLst>
+                        <p:cond delay="indefinite"/>
+                      </p:stCondLst>
+                      <p:childTnLst>
+                        <p:par>
+                          <p:cTn id="4" fill="hold">
+                            <p:stCondLst>
+                              <p:cond delay="0"/>
+                            </p:stCondLst>
+                            <p:childTnLst>
+                              <p:par>
+                                <p:cTn id="5" presetID="1" presetClass="entr" presetSubtype="0" fill="hold" nodeType="clickEffect">
+                                  <p:stCondLst>
+                                    <p:cond delay="0"/>
+                                  </p:stCondLst>
+                                  <p:childTnLst>
+                                    <p:set>
+                                      <p:cBhvr>
+                                        <p:cTn id="6" dur="1" fill="hold">
+                                          <p:stCondLst>
+                                            <p:cond delay="0"/>
+                                          </p:stCondLst>
+                                        </p:cTn>
+                                        <p:tgtEl>
+                                          <p:spTgt spid="5"/>
+                                        </p:tgtEl>
+                                        <p:attrNameLst>
+                                          <p:attrName>style.visibility</p:attrName>
+                                        </p:attrNameLst>
+                                      </p:cBhvr>
+                                      <p:to>
+                                        <p:strVal val="visible"/>
+                                      </p:to>
+                                    </p:set>
+                                  </p:childTnLst>
+                                </p:cTn>
+                              </p:par>
+                            </p:childTnLst>
+                          </p:cTn>
+                        </p:par>
+                      </p:childTnLst>
+                    </p:cTn>
+                  </p:par>
+                  <p:par>
+                    <p:cTn id="7" fill="hold">
+                      <p:stCondLst>
+                        <p:cond delay="indefinite"/>
+                      </p:stCondLst>
+                      <p:childTnLst>
+                        <p:par>
+                          <p:cTn id="8" fill="hold">
+                            <p:stCondLst>
+                              <p:cond delay="0"/>
+                            </p:stCondLst>
+                            <p:childTnLst>
+                              <p:par>
+                                <p:cTn id="9" presetID="1" presetClass="entr" presetSubtype="0" fill="hold" nodeType="clickEffect">
+                                  <p:stCondLst>
+                                    <p:cond delay="0"/>
+                                  </p:stCondLst>
+                                  <p:childTnLst>
+                                    <p:set>
+                                      <p:cBhvr>
+                                        <p:cTn id="10" dur="1" fill="hold">
+                                          <p:stCondLst>
+                                            <p:cond delay="0"/>
+                                          </p:stCondLst>
+                                        </p:cTn>
+                                        <p:tgtEl>
+                                          <p:spTgt spid="6"/>
+                                        </p:tgtEl>
+                                        <p:attrNameLst>
+                                          <p:attrName>style.visibility</p:attrName>
+                                        </p:attrNameLst>
+                                      </p:cBhvr>
+                                      <p:to>
+                                        <p:strVal val="visible"/>
+                                      </p:to>
+                                    </p:set>
+                                  </p:childTnLst>
+                                </p:cTn>
+                              </p:par>
+                            </p:childTnLst>
+                          </p:cTn>
+                        </p:par>
+                      </p:childTnLst>
+                    </p:cTn>
+                  </p:par>
+                </p:childTnLst>
+              </p:cTn>
+              <p:prevCondLst>
+                <p:cond evt="onPrev" delay="0">
+                  <p:tgtEl>
+                    <p:sldTgt/>
+                  </p:tgtEl>
+                </p:cond>
+              </p:prevCondLst>
+              <p:nextCondLst>
+                <p:cond evt="onNext" delay="0">
+                  <p:tgtEl>
+                    <p:sldTgt/>
+                  </p:tgtEl>
+                </p:cond>
+              </p:nextCondLst>
+            </p:seq>
+          </p:childTnLst>
+        </p:cTn>
+      </p:par>
+    </p:tnLst>
+  </p:timing>
+</p:sld>
+</file>
+
+<file path=ppt/slides/slide22.xml><?xml version="1.0" encoding="utf-8"?>
+<p:sld xmlns:a="http://schemas.openxmlformats.org/drawingml/2006/main" xmlns:r="http://schemas.openxmlformats.org/officeDocument/2006/relationships" xmlns:p="http://schemas.openxmlformats.org/presentationml/2006/main">
+  <p:cSld>
+    <p:spTree>
+      <p:nvGrpSpPr>
+        <p:cNvPr id="1" name=""/>
+        <p:cNvGrpSpPr/>
+        <p:nvPr/>
+      </p:nvGrpSpPr>
+      <p:grpSpPr>
+        <a:xfrm>
+          <a:off x="0" y="0"/>
+          <a:ext cx="0" cy="0"/>
+          <a:chOff x="0" y="0"/>
+          <a:chExt cx="0" cy="0"/>
+        </a:xfrm>
+      </p:grpSpPr>
+      <p:sp>
+        <p:nvSpPr>
+          <p:cNvPr id="2" name="Title 1">
+            <a:extLst>
+              <a:ext uri="{FF2B5EF4-FFF2-40B4-BE49-F238E27FC236}">
+                <a16:creationId xmlns:a16="http://schemas.microsoft.com/office/drawing/2014/main" id="{11534537-CA61-5E4C-916E-9B21B7D08F8D}"/>
+              </a:ext>
+            </a:extLst>
+          </p:cNvPr>
+          <p:cNvSpPr>
+            <a:spLocks noGrp="1"/>
+          </p:cNvSpPr>
+          <p:nvPr>
+            <p:ph type="title"/>
+          </p:nvPr>
+        </p:nvSpPr>
+        <p:spPr/>
+        <p:txBody>
+          <a:bodyPr/>
+          <a:lstStyle/>
+          <a:p>
+            <a:r>
+              <a:rPr lang="en-NZ"/>
+              <a:t>Best practices in R</a:t>
+            </a:r>
+          </a:p>
+        </p:txBody>
+      </p:sp>
+      <p:sp>
+        <p:nvSpPr>
+          <p:cNvPr id="3" name="Content Placeholder 2">
+            <a:extLst>
+              <a:ext uri="{FF2B5EF4-FFF2-40B4-BE49-F238E27FC236}">
+                <a16:creationId xmlns:a16="http://schemas.microsoft.com/office/drawing/2014/main" id="{86ADABE2-CBB0-3633-1CE8-1B8D2B7AFBCB}"/>
+              </a:ext>
+            </a:extLst>
+          </p:cNvPr>
+          <p:cNvSpPr>
+            <a:spLocks noGrp="1"/>
+          </p:cNvSpPr>
+          <p:nvPr>
+            <p:ph idx="1"/>
+          </p:nvPr>
+        </p:nvSpPr>
+        <p:spPr/>
+        <p:txBody>
+          <a:bodyPr>
+            <a:normAutofit lnSpcReduction="10000"/>
+          </a:bodyPr>
+          <a:lstStyle/>
+          <a:p>
+            <a:r>
+              <a:rPr lang="en-NZ"/>
+              <a:t>Use projects</a:t>
+            </a:r>
+          </a:p>
+          <a:p>
+            <a:pPr lvl="1"/>
+            <a:r>
+              <a:rPr lang="en-NZ"/>
+              <a:t>Use relative directories</a:t>
+            </a:r>
+          </a:p>
+          <a:p>
+            <a:r>
+              <a:rPr lang="en-NZ"/>
+              <a:t>Organize your files</a:t>
+            </a:r>
+          </a:p>
+          <a:p>
+            <a:r>
+              <a:rPr lang="en-NZ"/>
+              <a:t>Start with an empty environment, don’t save your workspace</a:t>
+            </a:r>
+          </a:p>
+          <a:p>
+            <a:r>
+              <a:rPr lang="en-NZ"/>
+              <a:t>Re-run/test your code every time you open R</a:t>
+            </a:r>
+          </a:p>
+          <a:p>
+            <a:pPr lvl="1"/>
+            <a:r>
+              <a:rPr lang="en-NZ"/>
+              <a:t>You should be able to close R, re-open R, and get back to where you were before</a:t>
+            </a:r>
+          </a:p>
+          <a:p>
+            <a:r>
+              <a:rPr lang="en-NZ"/>
+              <a:t>Double-check your output—R will usually give you something (</a:t>
+            </a:r>
+            <a:r>
+              <a:rPr lang="en-NZ" i="1"/>
+              <a:t>exactly</a:t>
+            </a:r>
+            <a:r>
+              <a:rPr lang="en-NZ"/>
+              <a:t> what you asked for), but did you tell it the right thing?</a:t>
+            </a:r>
+          </a:p>
+          <a:p>
+            <a:r>
+              <a:rPr lang="en-NZ"/>
+              <a:t>Use ChatGPT, but take it with a grain of salt…</a:t>
+            </a:r>
+          </a:p>
+          <a:p>
+            <a:pPr lvl="1"/>
+            <a:endParaRPr lang="en-NZ"/>
+          </a:p>
+        </p:txBody>
+      </p:sp>
+    </p:spTree>
+    <p:extLst>
+      <p:ext uri="{BB962C8B-B14F-4D97-AF65-F5344CB8AC3E}">
+        <p14:creationId xmlns:p14="http://schemas.microsoft.com/office/powerpoint/2010/main" val="1024380196"/>
+      </p:ext>
+    </p:extLst>
+  </p:cSld>
+  <p:clrMapOvr>
+    <a:masterClrMapping/>
+  </p:clrMapOvr>
+</p:sld>
+</file>
+
+<file path=ppt/slides/slide23.xml><?xml version="1.0" encoding="utf-8"?>
 <p:sld xmlns:a="http://schemas.openxmlformats.org/drawingml/2006/main" xmlns:r="http://schemas.openxmlformats.org/officeDocument/2006/relationships" xmlns:p="http://schemas.openxmlformats.org/presentationml/2006/main">
   <p:cSld>
     <p:spTree>
@@ -6709,7 +9265,7 @@
 </p:sld>
 </file>
 
-<file path=ppt/slides/slide18.xml><?xml version="1.0" encoding="utf-8"?>
+<file path=ppt/slides/slide24.xml><?xml version="1.0" encoding="utf-8"?>
 <p:sld xmlns:a="http://schemas.openxmlformats.org/drawingml/2006/main" xmlns:r="http://schemas.openxmlformats.org/officeDocument/2006/relationships" xmlns:p="http://schemas.openxmlformats.org/presentationml/2006/main">
   <p:cSld>
     <p:spTree>
@@ -6818,7 +9374,7 @@
 </p:sld>
 </file>
 
-<file path=ppt/slides/slide19.xml><?xml version="1.0" encoding="utf-8"?>
+<file path=ppt/slides/slide25.xml><?xml version="1.0" encoding="utf-8"?>
 <p:sld xmlns:a="http://schemas.openxmlformats.org/drawingml/2006/main" xmlns:r="http://schemas.openxmlformats.org/officeDocument/2006/relationships" xmlns:p="http://schemas.openxmlformats.org/presentationml/2006/main">
   <p:cSld>
     <p:spTree>
@@ -6951,168 +9507,7 @@
 </p:sld>
 </file>
 
-<file path=ppt/slides/slide2.xml><?xml version="1.0" encoding="utf-8"?>
-<p:sld xmlns:a="http://schemas.openxmlformats.org/drawingml/2006/main" xmlns:r="http://schemas.openxmlformats.org/officeDocument/2006/relationships" xmlns:p="http://schemas.openxmlformats.org/presentationml/2006/main">
-  <p:cSld>
-    <p:spTree>
-      <p:nvGrpSpPr>
-        <p:cNvPr id="1" name=""/>
-        <p:cNvGrpSpPr/>
-        <p:nvPr/>
-      </p:nvGrpSpPr>
-      <p:grpSpPr>
-        <a:xfrm>
-          <a:off x="0" y="0"/>
-          <a:ext cx="0" cy="0"/>
-          <a:chOff x="0" y="0"/>
-          <a:chExt cx="0" cy="0"/>
-        </a:xfrm>
-      </p:grpSpPr>
-      <p:sp>
-        <p:nvSpPr>
-          <p:cNvPr id="2" name="Title 1">
-            <a:extLst>
-              <a:ext uri="{FF2B5EF4-FFF2-40B4-BE49-F238E27FC236}">
-                <a16:creationId xmlns:a16="http://schemas.microsoft.com/office/drawing/2014/main" id="{EB6A6314-C8EF-BB3E-4BD3-6690211DBFD5}"/>
-              </a:ext>
-            </a:extLst>
-          </p:cNvPr>
-          <p:cNvSpPr>
-            <a:spLocks noGrp="1"/>
-          </p:cNvSpPr>
-          <p:nvPr>
-            <p:ph type="title"/>
-          </p:nvPr>
-        </p:nvSpPr>
-        <p:spPr/>
-        <p:txBody>
-          <a:bodyPr/>
-          <a:lstStyle/>
-          <a:p>
-            <a:r>
-              <a:rPr lang="en-NZ"/>
-              <a:t>Topics</a:t>
-            </a:r>
-          </a:p>
-        </p:txBody>
-      </p:sp>
-      <p:sp>
-        <p:nvSpPr>
-          <p:cNvPr id="3" name="Content Placeholder 2">
-            <a:extLst>
-              <a:ext uri="{FF2B5EF4-FFF2-40B4-BE49-F238E27FC236}">
-                <a16:creationId xmlns:a16="http://schemas.microsoft.com/office/drawing/2014/main" id="{B19E93A5-97F5-820C-D2C2-CEDE6A204914}"/>
-              </a:ext>
-            </a:extLst>
-          </p:cNvPr>
-          <p:cNvSpPr>
-            <a:spLocks noGrp="1"/>
-          </p:cNvSpPr>
-          <p:nvPr>
-            <p:ph idx="1"/>
-          </p:nvPr>
-        </p:nvSpPr>
-        <p:spPr/>
-        <p:txBody>
-          <a:bodyPr>
-            <a:normAutofit lnSpcReduction="10000"/>
-          </a:bodyPr>
-          <a:lstStyle/>
-          <a:p>
-            <a:r>
-              <a:rPr lang="en-NZ" dirty="0"/>
-              <a:t>How to set up a project in R</a:t>
-            </a:r>
-          </a:p>
-          <a:p>
-            <a:pPr lvl="1"/>
-            <a:r>
-              <a:rPr lang="en-NZ" dirty="0"/>
-              <a:t>Relative directories</a:t>
-            </a:r>
-          </a:p>
-          <a:p>
-            <a:r>
-              <a:rPr lang="en-NZ" dirty="0"/>
-              <a:t>Best practices in R coding</a:t>
-            </a:r>
-          </a:p>
-          <a:p>
-            <a:r>
-              <a:rPr lang="en-NZ" dirty="0"/>
-              <a:t>Common questions and errors in R</a:t>
-            </a:r>
-          </a:p>
-          <a:p>
-            <a:r>
-              <a:rPr lang="en-NZ" dirty="0"/>
-              <a:t>Real code examples</a:t>
-            </a:r>
-          </a:p>
-          <a:p>
-            <a:pPr lvl="1"/>
-            <a:r>
-              <a:rPr lang="en-NZ" dirty="0"/>
-              <a:t>Install some packages</a:t>
-            </a:r>
-          </a:p>
-          <a:p>
-            <a:pPr lvl="1"/>
-            <a:r>
-              <a:rPr lang="en-NZ" dirty="0"/>
-              <a:t>Create new object in R</a:t>
-            </a:r>
-          </a:p>
-          <a:p>
-            <a:pPr lvl="1"/>
-            <a:r>
-              <a:rPr lang="en-NZ" dirty="0"/>
-              <a:t>Read in a .csv and a .</a:t>
-            </a:r>
-            <a:r>
-              <a:rPr lang="en-NZ" dirty="0" err="1"/>
-              <a:t>xls</a:t>
-            </a:r>
-            <a:r>
-              <a:rPr lang="en-NZ" dirty="0"/>
-              <a:t> file</a:t>
-            </a:r>
-          </a:p>
-          <a:p>
-            <a:pPr lvl="1"/>
-            <a:r>
-              <a:rPr lang="en-NZ" dirty="0"/>
-              <a:t>Understand the structure of a </a:t>
-            </a:r>
-            <a:r>
-              <a:rPr lang="en-NZ" dirty="0" err="1"/>
-              <a:t>dataframe</a:t>
-            </a:r>
-            <a:endParaRPr lang="en-NZ" dirty="0"/>
-          </a:p>
-          <a:p>
-            <a:pPr lvl="1"/>
-            <a:r>
-              <a:rPr lang="en-NZ" dirty="0"/>
-              <a:t>Look at help documentation for a function</a:t>
-            </a:r>
-          </a:p>
-        </p:txBody>
-      </p:sp>
-    </p:spTree>
-    <p:extLst>
-      <p:ext uri="{BB962C8B-B14F-4D97-AF65-F5344CB8AC3E}">
-        <p14:creationId xmlns:p14="http://schemas.microsoft.com/office/powerpoint/2010/main" val="4106393768"/>
-      </p:ext>
-    </p:extLst>
-  </p:cSld>
-  <p:clrMapOvr>
-    <a:masterClrMapping/>
-  </p:clrMapOvr>
-</p:sld>
-</file>
-
-<file path=ppt/slides/slide20.xml><?xml version="1.0" encoding="utf-8"?>
+<file path=ppt/slides/slide26.xml><?xml version="1.0" encoding="utf-8"?>
 <p:sld xmlns:a="http://schemas.openxmlformats.org/drawingml/2006/main" xmlns:r="http://schemas.openxmlformats.org/officeDocument/2006/relationships" xmlns:p="http://schemas.openxmlformats.org/presentationml/2006/main">
   <p:cSld>
     <p:spTree>
@@ -7603,7 +9998,7 @@
 </p:sld>
 </file>
 
-<file path=ppt/slides/slide21.xml><?xml version="1.0" encoding="utf-8"?>
+<file path=ppt/slides/slide27.xml><?xml version="1.0" encoding="utf-8"?>
 <p:sld xmlns:a="http://schemas.openxmlformats.org/drawingml/2006/main" xmlns:r="http://schemas.openxmlformats.org/officeDocument/2006/relationships" xmlns:p="http://schemas.openxmlformats.org/presentationml/2006/main">
   <p:cSld>
     <p:spTree>
@@ -7852,7 +10247,7 @@
 </p:sld>
 </file>
 
-<file path=ppt/slides/slide22.xml><?xml version="1.0" encoding="utf-8"?>
+<file path=ppt/slides/slide28.xml><?xml version="1.0" encoding="utf-8"?>
 <p:sld xmlns:a="http://schemas.openxmlformats.org/drawingml/2006/main" xmlns:r="http://schemas.openxmlformats.org/officeDocument/2006/relationships" xmlns:p="http://schemas.openxmlformats.org/presentationml/2006/main">
   <p:cSld>
     <p:spTree>
@@ -7915,65 +10310,80 @@
         </p:nvSpPr>
         <p:spPr/>
         <p:txBody>
-          <a:bodyPr/>
-          <a:lstStyle/>
-          <a:p>
-            <a:r>
-              <a:rPr lang="en-NZ">
+          <a:bodyPr>
+            <a:normAutofit lnSpcReduction="10000"/>
+          </a:bodyPr>
+          <a:lstStyle/>
+          <a:p>
+            <a:r>
+              <a:rPr lang="en-NZ" dirty="0"/>
+              <a:t>Numerous </a:t>
+            </a:r>
+            <a:r>
+              <a:rPr lang="en-NZ" dirty="0">
                 <a:hlinkClick r:id="rId2"/>
               </a:rPr>
+              <a:t>“How-to” videos, lectures, and exercises </a:t>
+            </a:r>
+            <a:r>
+              <a:rPr lang="en-NZ" dirty="0"/>
+              <a:t>for getting started in R</a:t>
+            </a:r>
+          </a:p>
+          <a:p>
+            <a:r>
+              <a:rPr lang="en-NZ" dirty="0"/>
               <a:t>Style guidelines in R</a:t>
             </a:r>
-            <a:endParaRPr lang="en-NZ"/>
-          </a:p>
-          <a:p>
-            <a:r>
-              <a:rPr lang="en-NZ">
+          </a:p>
+          <a:p>
+            <a:r>
+              <a:rPr lang="en-NZ" dirty="0">
                 <a:hlinkClick r:id="rId3"/>
               </a:rPr>
               <a:t>Blog on project-oriented workflows</a:t>
             </a:r>
-            <a:endParaRPr lang="en-NZ"/>
-          </a:p>
-          <a:p>
-            <a:r>
-              <a:rPr lang="en-NZ"/>
+            <a:endParaRPr lang="en-NZ" dirty="0"/>
+          </a:p>
+          <a:p>
+            <a:r>
+              <a:rPr lang="en-NZ" dirty="0"/>
               <a:t>ChatGPT and Google</a:t>
             </a:r>
           </a:p>
           <a:p>
             <a:pPr lvl="1"/>
             <a:r>
-              <a:rPr lang="en-NZ">
+              <a:rPr lang="en-NZ" dirty="0">
                 <a:hlinkClick r:id="rId4"/>
               </a:rPr>
               <a:t>Article on suggestions for how to best utilize ChatGPT</a:t>
             </a:r>
-            <a:endParaRPr lang="en-NZ"/>
+            <a:endParaRPr lang="en-NZ" dirty="0"/>
           </a:p>
           <a:p>
             <a:pPr lvl="2"/>
             <a:r>
-              <a:rPr lang="en-NZ"/>
+              <a:rPr lang="en-NZ" dirty="0"/>
               <a:t>When first starting out, if you wouldn’t be able to explain what the code is doing, try not to use it—or ask someone to help you understand</a:t>
             </a:r>
           </a:p>
           <a:p>
             <a:pPr lvl="3"/>
             <a:r>
-              <a:rPr lang="en-NZ"/>
+              <a:rPr lang="en-NZ" dirty="0"/>
               <a:t>ChatGPT will give you functions, for loops, etc. These are more advanced techniques that you will need to write yourself some day</a:t>
             </a:r>
           </a:p>
           <a:p>
             <a:r>
-              <a:rPr lang="en-NZ"/>
+              <a:rPr lang="en-NZ" dirty="0"/>
               <a:t>Each other!</a:t>
             </a:r>
           </a:p>
           <a:p>
             <a:pPr lvl="3"/>
-            <a:endParaRPr lang="en-NZ"/>
+            <a:endParaRPr lang="en-NZ" dirty="0"/>
           </a:p>
         </p:txBody>
       </p:sp>
@@ -7990,7 +10400,7 @@
 </p:sld>
 </file>
 
-<file path=ppt/slides/slide23.xml><?xml version="1.0" encoding="utf-8"?>
+<file path=ppt/slides/slide29.xml><?xml version="1.0" encoding="utf-8"?>
 <p:sld xmlns:a="http://schemas.openxmlformats.org/drawingml/2006/main" xmlns:r="http://schemas.openxmlformats.org/officeDocument/2006/relationships" xmlns:p="http://schemas.openxmlformats.org/presentationml/2006/main">
   <p:cSld>
     <p:spTree>
@@ -8075,31 +10485,25 @@
             </a:r>
             <a:r>
               <a:rPr lang="en-NZ" dirty="0">
-                <a:highlight>
-                  <a:srgbClr val="FFFF00"/>
-                </a:highlight>
+                <a:hlinkClick r:id="rId2"/>
               </a:rPr>
-              <a:t>https://github.com/wwoelmer/R_Workshop_UoW_2024</a:t>
-            </a:r>
-          </a:p>
-          <a:p>
-            <a:pPr marL="514350" indent="-514350">
-              <a:buFont typeface="+mj-lt"/>
-              <a:buAutoNum type="arabicPeriod"/>
+              <a:t>https://github.com/wwoelmer/BOPRC_1_R_Fundamentals</a:t>
+            </a:r>
+            <a:endParaRPr lang="en-NZ" dirty="0"/>
+          </a:p>
+          <a:p>
+            <a:pPr marL="0" indent="0">
+              <a:buNone/>
             </a:pPr>
+            <a:endParaRPr lang="en-NZ" dirty="0"/>
+          </a:p>
+          <a:p>
+            <a:pPr marL="0" indent="0">
+              <a:buNone/>
+            </a:pPr>
             <a:r>
               <a:rPr lang="en-NZ" dirty="0"/>
-              <a:t>Create a project using an existing directory (where you unzipped the folder)</a:t>
-            </a:r>
-          </a:p>
-          <a:p>
-            <a:pPr marL="514350" indent="-514350">
-              <a:buFont typeface="+mj-lt"/>
-              <a:buAutoNum type="arabicPeriod"/>
-            </a:pPr>
-            <a:r>
-              <a:rPr lang="en-NZ" dirty="0"/>
-              <a:t>Open the script “Lesson1_Fundamentals_of_R.R” in RStudio</a:t>
+              <a:t>Objectives of Lesson 1: R Fundamentals </a:t>
             </a:r>
           </a:p>
           <a:p>
@@ -8113,14 +10517,14 @@
             <a:pPr lvl="1"/>
             <a:r>
               <a:rPr lang="en-NZ" dirty="0"/>
-              <a:t>Create new object in R</a:t>
+              <a:t>Create new objects in R</a:t>
             </a:r>
           </a:p>
           <a:p>
             <a:pPr lvl="1"/>
             <a:r>
               <a:rPr lang="en-NZ" dirty="0"/>
-              <a:t>Read in a .csv and a .</a:t>
+              <a:t>Read in data from a .csv and a .</a:t>
             </a:r>
             <a:r>
               <a:rPr lang="en-NZ" dirty="0" err="1"/>
@@ -8135,7 +10539,14 @@
             <a:pPr lvl="1"/>
             <a:r>
               <a:rPr lang="en-NZ" dirty="0"/>
-              <a:t>Look at help documentation for a function</a:t>
+              <a:t>Use base R functions</a:t>
+            </a:r>
+          </a:p>
+          <a:p>
+            <a:pPr lvl="1"/>
+            <a:r>
+              <a:rPr lang="en-NZ" dirty="0"/>
+              <a:t>Access help documentation for functions</a:t>
             </a:r>
           </a:p>
         </p:txBody>
@@ -8153,7 +10564,377 @@
 </p:sld>
 </file>
 
-<file path=ppt/slides/slide24.xml><?xml version="1.0" encoding="utf-8"?>
+<file path=ppt/slides/slide3.xml><?xml version="1.0" encoding="utf-8"?>
+<p:sld xmlns:a="http://schemas.openxmlformats.org/drawingml/2006/main" xmlns:r="http://schemas.openxmlformats.org/officeDocument/2006/relationships" xmlns:p="http://schemas.openxmlformats.org/presentationml/2006/main">
+  <p:cSld>
+    <p:spTree>
+      <p:nvGrpSpPr>
+        <p:cNvPr id="1" name=""/>
+        <p:cNvGrpSpPr/>
+        <p:nvPr/>
+      </p:nvGrpSpPr>
+      <p:grpSpPr>
+        <a:xfrm>
+          <a:off x="0" y="0"/>
+          <a:ext cx="0" cy="0"/>
+          <a:chOff x="0" y="0"/>
+          <a:chExt cx="0" cy="0"/>
+        </a:xfrm>
+      </p:grpSpPr>
+      <p:sp>
+        <p:nvSpPr>
+          <p:cNvPr id="2" name="Title 1">
+            <a:extLst>
+              <a:ext uri="{FF2B5EF4-FFF2-40B4-BE49-F238E27FC236}">
+                <a16:creationId xmlns:a16="http://schemas.microsoft.com/office/drawing/2014/main" id="{000B4007-10B0-487D-8AC0-75065DFE0876}"/>
+              </a:ext>
+            </a:extLst>
+          </p:cNvPr>
+          <p:cNvSpPr>
+            <a:spLocks noGrp="1"/>
+          </p:cNvSpPr>
+          <p:nvPr>
+            <p:ph type="title"/>
+          </p:nvPr>
+        </p:nvSpPr>
+        <p:spPr/>
+        <p:txBody>
+          <a:bodyPr/>
+          <a:lstStyle/>
+          <a:p>
+            <a:r>
+              <a:rPr lang="en-US" dirty="0"/>
+              <a:t>Why use R??</a:t>
+            </a:r>
+            <a:endParaRPr lang="en-NZ" dirty="0"/>
+          </a:p>
+        </p:txBody>
+      </p:sp>
+      <p:sp>
+        <p:nvSpPr>
+          <p:cNvPr id="3" name="Content Placeholder 2">
+            <a:extLst>
+              <a:ext uri="{FF2B5EF4-FFF2-40B4-BE49-F238E27FC236}">
+                <a16:creationId xmlns:a16="http://schemas.microsoft.com/office/drawing/2014/main" id="{93D009D5-DF8E-476D-8BDE-3EBB2404D4B2}"/>
+              </a:ext>
+            </a:extLst>
+          </p:cNvPr>
+          <p:cNvSpPr>
+            <a:spLocks noGrp="1"/>
+          </p:cNvSpPr>
+          <p:nvPr>
+            <p:ph idx="1"/>
+          </p:nvPr>
+        </p:nvSpPr>
+        <p:spPr>
+          <a:xfrm>
+            <a:off x="570452" y="1661020"/>
+            <a:ext cx="5217506" cy="4608222"/>
+          </a:xfrm>
+        </p:spPr>
+        <p:txBody>
+          <a:bodyPr>
+            <a:normAutofit/>
+          </a:bodyPr>
+          <a:lstStyle/>
+          <a:p>
+            <a:r>
+              <a:rPr lang="en-US" sz="2400" dirty="0"/>
+              <a:t>R is a free, platform-independent software environment </a:t>
+            </a:r>
+          </a:p>
+          <a:p>
+            <a:r>
+              <a:rPr lang="en-US" sz="2400" dirty="0"/>
+              <a:t>Software of choice for academic, governmental, and private industries</a:t>
+            </a:r>
+          </a:p>
+          <a:p>
+            <a:r>
+              <a:rPr lang="en-US" sz="2400" dirty="0"/>
+              <a:t>Numerous user-created packages</a:t>
+            </a:r>
+          </a:p>
+          <a:p>
+            <a:r>
+              <a:rPr lang="en-US" sz="2400" dirty="0"/>
+              <a:t>Worldwide support network</a:t>
+            </a:r>
+          </a:p>
+          <a:p>
+            <a:r>
+              <a:rPr lang="en-US" sz="2400" dirty="0"/>
+              <a:t>Requires you to think more deeply about research questions, data, and analyses</a:t>
+            </a:r>
+          </a:p>
+          <a:p>
+            <a:r>
+              <a:rPr lang="en-US" sz="2400" dirty="0"/>
+              <a:t>Reproducibility</a:t>
+            </a:r>
+            <a:endParaRPr lang="en-NZ" sz="2400" dirty="0"/>
+          </a:p>
+        </p:txBody>
+      </p:sp>
+      <p:pic>
+        <p:nvPicPr>
+          <p:cNvPr id="1028" name="Picture 4" descr="What Is R Programming?">
+            <a:extLst>
+              <a:ext uri="{FF2B5EF4-FFF2-40B4-BE49-F238E27FC236}">
+                <a16:creationId xmlns:a16="http://schemas.microsoft.com/office/drawing/2014/main" id="{41FC2245-2D5B-8CC1-FBA2-AEC13157B867}"/>
+              </a:ext>
+            </a:extLst>
+          </p:cNvPr>
+          <p:cNvPicPr>
+            <a:picLocks noChangeAspect="1" noChangeArrowheads="1"/>
+          </p:cNvPicPr>
+          <p:nvPr/>
+        </p:nvPicPr>
+        <p:blipFill>
+          <a:blip r:embed="rId2">
+            <a:extLst>
+              <a:ext uri="{28A0092B-C50C-407E-A947-70E740481C1C}">
+                <a14:useLocalDpi xmlns:a14="http://schemas.microsoft.com/office/drawing/2010/main" val="0"/>
+              </a:ext>
+            </a:extLst>
+          </a:blip>
+          <a:srcRect/>
+          <a:stretch>
+            <a:fillRect/>
+          </a:stretch>
+        </p:blipFill>
+        <p:spPr bwMode="auto">
+          <a:xfrm>
+            <a:off x="5810250" y="1504225"/>
+            <a:ext cx="6381750" cy="4352925"/>
+          </a:xfrm>
+          <a:prstGeom prst="rect">
+            <a:avLst/>
+          </a:prstGeom>
+          <a:noFill/>
+          <a:extLst>
+            <a:ext uri="{909E8E84-426E-40DD-AFC4-6F175D3DCCD1}">
+              <a14:hiddenFill xmlns:a14="http://schemas.microsoft.com/office/drawing/2010/main">
+                <a:solidFill>
+                  <a:srgbClr val="FFFFFF"/>
+                </a:solidFill>
+              </a14:hiddenFill>
+            </a:ext>
+          </a:extLst>
+        </p:spPr>
+      </p:pic>
+      <p:sp>
+        <p:nvSpPr>
+          <p:cNvPr id="4" name="TextBox 3">
+            <a:extLst>
+              <a:ext uri="{FF2B5EF4-FFF2-40B4-BE49-F238E27FC236}">
+                <a16:creationId xmlns:a16="http://schemas.microsoft.com/office/drawing/2014/main" id="{2F7F0186-4D28-59DD-3CBC-0E74084EA720}"/>
+              </a:ext>
+            </a:extLst>
+          </p:cNvPr>
+          <p:cNvSpPr txBox="1"/>
+          <p:nvPr/>
+        </p:nvSpPr>
+        <p:spPr>
+          <a:xfrm>
+            <a:off x="6624536" y="5657095"/>
+            <a:ext cx="1031132" cy="200055"/>
+          </a:xfrm>
+          <a:prstGeom prst="rect">
+            <a:avLst/>
+          </a:prstGeom>
+          <a:noFill/>
+        </p:spPr>
+        <p:txBody>
+          <a:bodyPr wrap="square" rtlCol="0">
+            <a:spAutoFit/>
+          </a:bodyPr>
+          <a:lstStyle/>
+          <a:p>
+            <a:r>
+              <a:rPr lang="en-NZ" sz="700" dirty="0"/>
+              <a:t>Image: </a:t>
+            </a:r>
+            <a:r>
+              <a:rPr lang="en-NZ" sz="700" dirty="0" err="1"/>
+              <a:t>DevTechnosys</a:t>
+            </a:r>
+            <a:endParaRPr lang="en-NZ" sz="700" dirty="0"/>
+          </a:p>
+        </p:txBody>
+      </p:sp>
+    </p:spTree>
+    <p:extLst>
+      <p:ext uri="{BB962C8B-B14F-4D97-AF65-F5344CB8AC3E}">
+        <p14:creationId xmlns:p14="http://schemas.microsoft.com/office/powerpoint/2010/main" val="1383627114"/>
+      </p:ext>
+    </p:extLst>
+  </p:cSld>
+  <p:clrMapOvr>
+    <a:masterClrMapping/>
+  </p:clrMapOvr>
+</p:sld>
+</file>
+
+<file path=ppt/slides/slide30.xml><?xml version="1.0" encoding="utf-8"?>
+<p:sld xmlns:a="http://schemas.openxmlformats.org/drawingml/2006/main" xmlns:r="http://schemas.openxmlformats.org/officeDocument/2006/relationships" xmlns:p="http://schemas.openxmlformats.org/presentationml/2006/main">
+  <p:cSld>
+    <p:spTree>
+      <p:nvGrpSpPr>
+        <p:cNvPr id="1" name="">
+          <a:extLst>
+            <a:ext uri="{FF2B5EF4-FFF2-40B4-BE49-F238E27FC236}">
+              <a16:creationId xmlns:a16="http://schemas.microsoft.com/office/drawing/2014/main" id="{1D216315-88D6-EBAD-4A3C-0C3BD9A96F16}"/>
+            </a:ext>
+          </a:extLst>
+        </p:cNvPr>
+        <p:cNvGrpSpPr/>
+        <p:nvPr/>
+      </p:nvGrpSpPr>
+      <p:grpSpPr>
+        <a:xfrm>
+          <a:off x="0" y="0"/>
+          <a:ext cx="0" cy="0"/>
+          <a:chOff x="0" y="0"/>
+          <a:chExt cx="0" cy="0"/>
+        </a:xfrm>
+      </p:grpSpPr>
+      <p:sp>
+        <p:nvSpPr>
+          <p:cNvPr id="2" name="Title 1">
+            <a:extLst>
+              <a:ext uri="{FF2B5EF4-FFF2-40B4-BE49-F238E27FC236}">
+                <a16:creationId xmlns:a16="http://schemas.microsoft.com/office/drawing/2014/main" id="{A2675702-4388-760B-1760-C1064F5033FA}"/>
+              </a:ext>
+            </a:extLst>
+          </p:cNvPr>
+          <p:cNvSpPr>
+            <a:spLocks noGrp="1"/>
+          </p:cNvSpPr>
+          <p:nvPr>
+            <p:ph type="title"/>
+          </p:nvPr>
+        </p:nvSpPr>
+        <p:spPr/>
+        <p:txBody>
+          <a:bodyPr/>
+          <a:lstStyle/>
+          <a:p>
+            <a:r>
+              <a:rPr lang="en-NZ"/>
+              <a:t>Let’s go to a working example</a:t>
+            </a:r>
+          </a:p>
+        </p:txBody>
+      </p:sp>
+      <p:sp>
+        <p:nvSpPr>
+          <p:cNvPr id="5" name="Content Placeholder 4">
+            <a:extLst>
+              <a:ext uri="{FF2B5EF4-FFF2-40B4-BE49-F238E27FC236}">
+                <a16:creationId xmlns:a16="http://schemas.microsoft.com/office/drawing/2014/main" id="{B7ED4CD2-DB71-3FCC-DF46-354006CFA5F0}"/>
+              </a:ext>
+            </a:extLst>
+          </p:cNvPr>
+          <p:cNvSpPr>
+            <a:spLocks noGrp="1"/>
+          </p:cNvSpPr>
+          <p:nvPr>
+            <p:ph idx="1"/>
+          </p:nvPr>
+        </p:nvSpPr>
+        <p:spPr/>
+        <p:txBody>
+          <a:bodyPr>
+            <a:normAutofit/>
+          </a:bodyPr>
+          <a:lstStyle/>
+          <a:p>
+            <a:pPr marL="0" indent="0">
+              <a:buNone/>
+            </a:pPr>
+            <a:r>
+              <a:rPr lang="en-NZ" dirty="0"/>
+              <a:t>Link here to a </a:t>
+            </a:r>
+            <a:r>
+              <a:rPr lang="en-NZ" dirty="0" err="1"/>
+              <a:t>Github</a:t>
+            </a:r>
+            <a:r>
+              <a:rPr lang="en-NZ" dirty="0"/>
+              <a:t> repository: </a:t>
+            </a:r>
+            <a:r>
+              <a:rPr lang="en-NZ" dirty="0">
+                <a:hlinkClick r:id="rId2"/>
+              </a:rPr>
+              <a:t>https://github.com/wwoelmer/BOPRC_1_R_Fundamentals</a:t>
+            </a:r>
+            <a:endParaRPr lang="en-NZ" dirty="0"/>
+          </a:p>
+          <a:p>
+            <a:pPr marL="0" indent="0">
+              <a:buNone/>
+            </a:pPr>
+            <a:endParaRPr lang="en-NZ" dirty="0"/>
+          </a:p>
+          <a:p>
+            <a:pPr marL="514350" indent="-514350">
+              <a:buFont typeface="+mj-lt"/>
+              <a:buAutoNum type="arabicPeriod"/>
+            </a:pPr>
+            <a:r>
+              <a:rPr lang="en-NZ" dirty="0"/>
+              <a:t>Download a zipped folder from the link above</a:t>
+            </a:r>
+          </a:p>
+          <a:p>
+            <a:pPr marL="514350" indent="-514350">
+              <a:buFont typeface="+mj-lt"/>
+              <a:buAutoNum type="arabicPeriod"/>
+            </a:pPr>
+            <a:r>
+              <a:rPr lang="en-NZ" dirty="0"/>
+              <a:t>Unzip the folder on your computer (Desktop is a good go-to)</a:t>
+            </a:r>
+          </a:p>
+          <a:p>
+            <a:pPr marL="514350" indent="-514350">
+              <a:buFont typeface="+mj-lt"/>
+              <a:buAutoNum type="arabicPeriod"/>
+            </a:pPr>
+            <a:r>
+              <a:rPr lang="en-NZ" dirty="0"/>
+              <a:t>Create a project in RStudio using an existing directory (where you unzipped the folder)</a:t>
+            </a:r>
+          </a:p>
+          <a:p>
+            <a:pPr marL="514350" indent="-514350">
+              <a:buFont typeface="+mj-lt"/>
+              <a:buAutoNum type="arabicPeriod"/>
+            </a:pPr>
+            <a:r>
+              <a:rPr lang="en-NZ" dirty="0"/>
+              <a:t>Open the script “Lesson1_Fundamentals_of_R.R” in RStudio</a:t>
+            </a:r>
+          </a:p>
+        </p:txBody>
+      </p:sp>
+    </p:spTree>
+    <p:extLst>
+      <p:ext uri="{BB962C8B-B14F-4D97-AF65-F5344CB8AC3E}">
+        <p14:creationId xmlns:p14="http://schemas.microsoft.com/office/powerpoint/2010/main" val="1937472351"/>
+      </p:ext>
+    </p:extLst>
+  </p:cSld>
+  <p:clrMapOvr>
+    <a:masterClrMapping/>
+  </p:clrMapOvr>
+</p:sld>
+</file>
+
+<file path=ppt/slides/slide31.xml><?xml version="1.0" encoding="utf-8"?>
 <p:sld xmlns:a="http://schemas.openxmlformats.org/drawingml/2006/main" xmlns:r="http://schemas.openxmlformats.org/officeDocument/2006/relationships" xmlns:p="http://schemas.openxmlformats.org/presentationml/2006/main">
   <p:cSld>
     <p:spTree>
@@ -8337,7 +11118,7 @@
 </p:sld>
 </file>
 
-<file path=ppt/slides/slide25.xml><?xml version="1.0" encoding="utf-8"?>
+<file path=ppt/slides/slide32.xml><?xml version="1.0" encoding="utf-8"?>
 <p:sld xmlns:a="http://schemas.openxmlformats.org/drawingml/2006/main" xmlns:r="http://schemas.openxmlformats.org/officeDocument/2006/relationships" xmlns:p="http://schemas.openxmlformats.org/presentationml/2006/main">
   <p:cSld>
     <p:spTree>
@@ -8639,7 +11420,7 @@
 </p:sld>
 </file>
 
-<file path=ppt/slides/slide26.xml><?xml version="1.0" encoding="utf-8"?>
+<file path=ppt/slides/slide33.xml><?xml version="1.0" encoding="utf-8"?>
 <p:sld xmlns:a="http://schemas.openxmlformats.org/drawingml/2006/main" xmlns:r="http://schemas.openxmlformats.org/officeDocument/2006/relationships" xmlns:p="http://schemas.openxmlformats.org/presentationml/2006/main">
   <p:cSld>
     <p:spTree>
@@ -8804,7 +11585,7 @@
 </p:sld>
 </file>
 
-<file path=ppt/slides/slide27.xml><?xml version="1.0" encoding="utf-8"?>
+<file path=ppt/slides/slide34.xml><?xml version="1.0" encoding="utf-8"?>
 <p:sld xmlns:a="http://schemas.openxmlformats.org/drawingml/2006/main" xmlns:r="http://schemas.openxmlformats.org/officeDocument/2006/relationships" xmlns:p="http://schemas.openxmlformats.org/presentationml/2006/main">
   <p:cSld>
     <p:spTree>
@@ -8826,7 +11607,7 @@
           <p:cNvPr id="2" name="Title 1">
             <a:extLst>
               <a:ext uri="{FF2B5EF4-FFF2-40B4-BE49-F238E27FC236}">
-                <a16:creationId xmlns:a16="http://schemas.microsoft.com/office/drawing/2014/main" id="{A08ADA87-3EEE-5DB4-E312-14EE30A1383F}"/>
+                <a16:creationId xmlns:a16="http://schemas.microsoft.com/office/drawing/2014/main" id="{4D6083D2-4192-3343-67E4-8869FCB4672F}"/>
               </a:ext>
             </a:extLst>
           </p:cNvPr>
@@ -8844,7 +11625,7 @@
           <a:p>
             <a:r>
               <a:rPr lang="en-NZ"/>
-              <a:t>Some “homework”…</a:t>
+              <a:t>EXPAND THESE</a:t>
             </a:r>
             <a:endParaRPr lang="en-NZ" dirty="0"/>
           </a:p>
@@ -8855,7 +11636,7 @@
           <p:cNvPr id="3" name="Content Placeholder 2">
             <a:extLst>
               <a:ext uri="{FF2B5EF4-FFF2-40B4-BE49-F238E27FC236}">
-                <a16:creationId xmlns:a16="http://schemas.microsoft.com/office/drawing/2014/main" id="{34466161-D9D6-E141-9BDC-BFE98A04D640}"/>
+                <a16:creationId xmlns:a16="http://schemas.microsoft.com/office/drawing/2014/main" id="{8A204C1E-B0B6-6442-7CB3-D8A4EE50C3C4}"/>
               </a:ext>
             </a:extLst>
           </p:cNvPr>
@@ -8873,72 +11654,29 @@
           <a:p>
             <a:r>
               <a:rPr lang="en-NZ" dirty="0"/>
-              <a:t>Download Lesson 2 (LINK) and create a project in R</a:t>
-            </a:r>
-          </a:p>
-          <a:p>
-            <a:endParaRPr lang="en-NZ" dirty="0"/>
-          </a:p>
-          <a:p>
+              <a:t>Slides on how to subset and index </a:t>
+            </a:r>
+            <a:r>
+              <a:rPr lang="en-NZ" dirty="0" err="1"/>
+              <a:t>wq</a:t>
+            </a:r>
             <a:r>
               <a:rPr lang="en-NZ" dirty="0"/>
-              <a:t>Run </a:t>
-            </a:r>
-            <a:r>
-              <a:rPr lang="en-NZ" dirty="0">
-                <a:latin typeface="Aptos (Body)"/>
-              </a:rPr>
-              <a:t>through </a:t>
-            </a:r>
-            <a:r>
-              <a:rPr lang="en-NZ" kern="100" dirty="0">
-                <a:effectLst/>
-                <a:latin typeface="Aptos (Body)"/>
-                <a:ea typeface="Aptos" panose="020B0004020202020204" pitchFamily="34" charset="0"/>
-                <a:cs typeface="Times New Roman" panose="02020603050405020304" pitchFamily="18" charset="0"/>
-              </a:rPr>
-              <a:t>Data Carpentries, Data analysis and visualization in R for Ecologists: </a:t>
-            </a:r>
-            <a:r>
-              <a:rPr lang="en-NZ" u="sng" kern="100" dirty="0">
-                <a:solidFill>
-                  <a:srgbClr val="467886"/>
-                </a:solidFill>
-                <a:effectLst/>
-                <a:latin typeface="Aptos (Body)"/>
-                <a:ea typeface="Aptos" panose="020B0004020202020204" pitchFamily="34" charset="0"/>
-                <a:cs typeface="Times New Roman" panose="02020603050405020304" pitchFamily="18" charset="0"/>
-                <a:hlinkClick r:id="rId2"/>
-              </a:rPr>
-              <a:t>https://datacarpentry.org/R-ecology-lesson/index.html</a:t>
-            </a:r>
-            <a:endParaRPr lang="en-NZ" u="sng" kern="100" dirty="0">
-              <a:solidFill>
-                <a:srgbClr val="467886"/>
-              </a:solidFill>
-              <a:effectLst/>
-              <a:latin typeface="Aptos (Body)"/>
-              <a:ea typeface="Aptos" panose="020B0004020202020204" pitchFamily="34" charset="0"/>
-              <a:cs typeface="Times New Roman" panose="02020603050405020304" pitchFamily="18" charset="0"/>
-            </a:endParaRPr>
-          </a:p>
-          <a:p>
-            <a:endParaRPr lang="en-NZ" kern="100" dirty="0">
-              <a:effectLst/>
-              <a:latin typeface="Aptos (Body)"/>
-              <a:ea typeface="Aptos" panose="020B0004020202020204" pitchFamily="34" charset="0"/>
-              <a:cs typeface="Times New Roman" panose="02020603050405020304" pitchFamily="18" charset="0"/>
-            </a:endParaRPr>
-          </a:p>
-          <a:p>
-            <a:endParaRPr lang="en-NZ" dirty="0"/>
+              <a:t>[row, column]</a:t>
+            </a:r>
+          </a:p>
+          <a:p>
+            <a:r>
+              <a:rPr lang="en-NZ" dirty="0"/>
+              <a:t>Slides on how to use functions</a:t>
+            </a:r>
           </a:p>
         </p:txBody>
       </p:sp>
     </p:spTree>
     <p:extLst>
       <p:ext uri="{BB962C8B-B14F-4D97-AF65-F5344CB8AC3E}">
-        <p14:creationId xmlns:p14="http://schemas.microsoft.com/office/powerpoint/2010/main" val="1621439892"/>
+        <p14:creationId xmlns:p14="http://schemas.microsoft.com/office/powerpoint/2010/main" val="3301916229"/>
       </p:ext>
     </p:extLst>
   </p:cSld>
@@ -8948,7 +11686,7 @@
 </p:sld>
 </file>
 
-<file path=ppt/slides/slide28.xml><?xml version="1.0" encoding="utf-8"?>
+<file path=ppt/slides/slide35.xml><?xml version="1.0" encoding="utf-8"?>
 <p:sld xmlns:a="http://schemas.openxmlformats.org/drawingml/2006/main" xmlns:r="http://schemas.openxmlformats.org/officeDocument/2006/relationships" xmlns:p="http://schemas.openxmlformats.org/presentationml/2006/main">
   <p:cSld>
     <p:spTree>
@@ -8970,6 +11708,150 @@
           <p:cNvPr id="2" name="Title 1">
             <a:extLst>
               <a:ext uri="{FF2B5EF4-FFF2-40B4-BE49-F238E27FC236}">
+                <a16:creationId xmlns:a16="http://schemas.microsoft.com/office/drawing/2014/main" id="{A08ADA87-3EEE-5DB4-E312-14EE30A1383F}"/>
+              </a:ext>
+            </a:extLst>
+          </p:cNvPr>
+          <p:cNvSpPr>
+            <a:spLocks noGrp="1"/>
+          </p:cNvSpPr>
+          <p:nvPr>
+            <p:ph type="title"/>
+          </p:nvPr>
+        </p:nvSpPr>
+        <p:spPr/>
+        <p:txBody>
+          <a:bodyPr/>
+          <a:lstStyle/>
+          <a:p>
+            <a:r>
+              <a:rPr lang="en-NZ"/>
+              <a:t>Some “homework”…</a:t>
+            </a:r>
+            <a:endParaRPr lang="en-NZ" dirty="0"/>
+          </a:p>
+        </p:txBody>
+      </p:sp>
+      <p:sp>
+        <p:nvSpPr>
+          <p:cNvPr id="3" name="Content Placeholder 2">
+            <a:extLst>
+              <a:ext uri="{FF2B5EF4-FFF2-40B4-BE49-F238E27FC236}">
+                <a16:creationId xmlns:a16="http://schemas.microsoft.com/office/drawing/2014/main" id="{34466161-D9D6-E141-9BDC-BFE98A04D640}"/>
+              </a:ext>
+            </a:extLst>
+          </p:cNvPr>
+          <p:cNvSpPr>
+            <a:spLocks noGrp="1"/>
+          </p:cNvSpPr>
+          <p:nvPr>
+            <p:ph idx="1"/>
+          </p:nvPr>
+        </p:nvSpPr>
+        <p:spPr/>
+        <p:txBody>
+          <a:bodyPr/>
+          <a:lstStyle/>
+          <a:p>
+            <a:r>
+              <a:rPr lang="en-NZ" dirty="0"/>
+              <a:t>Download Lesson 2 (LINK) and create a project in R</a:t>
+            </a:r>
+          </a:p>
+          <a:p>
+            <a:endParaRPr lang="en-NZ" dirty="0"/>
+          </a:p>
+          <a:p>
+            <a:r>
+              <a:rPr lang="en-NZ" dirty="0"/>
+              <a:t>Run </a:t>
+            </a:r>
+            <a:r>
+              <a:rPr lang="en-NZ" dirty="0">
+                <a:latin typeface="Aptos (Body)"/>
+              </a:rPr>
+              <a:t>through </a:t>
+            </a:r>
+            <a:r>
+              <a:rPr lang="en-NZ" kern="100" dirty="0">
+                <a:effectLst/>
+                <a:latin typeface="Aptos (Body)"/>
+                <a:ea typeface="Aptos" panose="020B0004020202020204" pitchFamily="34" charset="0"/>
+                <a:cs typeface="Times New Roman" panose="02020603050405020304" pitchFamily="18" charset="0"/>
+              </a:rPr>
+              <a:t>Data Carpentries, Data analysis and visualization in R for Ecologists: </a:t>
+            </a:r>
+            <a:r>
+              <a:rPr lang="en-NZ" u="sng" kern="100" dirty="0">
+                <a:solidFill>
+                  <a:srgbClr val="467886"/>
+                </a:solidFill>
+                <a:effectLst/>
+                <a:latin typeface="Aptos (Body)"/>
+                <a:ea typeface="Aptos" panose="020B0004020202020204" pitchFamily="34" charset="0"/>
+                <a:cs typeface="Times New Roman" panose="02020603050405020304" pitchFamily="18" charset="0"/>
+                <a:hlinkClick r:id="rId2"/>
+              </a:rPr>
+              <a:t>https://datacarpentry.org/R-ecology-lesson/index.html</a:t>
+            </a:r>
+            <a:endParaRPr lang="en-NZ" u="sng" kern="100" dirty="0">
+              <a:solidFill>
+                <a:srgbClr val="467886"/>
+              </a:solidFill>
+              <a:effectLst/>
+              <a:latin typeface="Aptos (Body)"/>
+              <a:ea typeface="Aptos" panose="020B0004020202020204" pitchFamily="34" charset="0"/>
+              <a:cs typeface="Times New Roman" panose="02020603050405020304" pitchFamily="18" charset="0"/>
+            </a:endParaRPr>
+          </a:p>
+          <a:p>
+            <a:endParaRPr lang="en-NZ" kern="100" dirty="0">
+              <a:effectLst/>
+              <a:latin typeface="Aptos (Body)"/>
+              <a:ea typeface="Aptos" panose="020B0004020202020204" pitchFamily="34" charset="0"/>
+              <a:cs typeface="Times New Roman" panose="02020603050405020304" pitchFamily="18" charset="0"/>
+            </a:endParaRPr>
+          </a:p>
+          <a:p>
+            <a:endParaRPr lang="en-NZ" dirty="0"/>
+          </a:p>
+        </p:txBody>
+      </p:sp>
+    </p:spTree>
+    <p:extLst>
+      <p:ext uri="{BB962C8B-B14F-4D97-AF65-F5344CB8AC3E}">
+        <p14:creationId xmlns:p14="http://schemas.microsoft.com/office/powerpoint/2010/main" val="1621439892"/>
+      </p:ext>
+    </p:extLst>
+  </p:cSld>
+  <p:clrMapOvr>
+    <a:masterClrMapping/>
+  </p:clrMapOvr>
+</p:sld>
+</file>
+
+<file path=ppt/slides/slide36.xml><?xml version="1.0" encoding="utf-8"?>
+<p:sld xmlns:a="http://schemas.openxmlformats.org/drawingml/2006/main" xmlns:r="http://schemas.openxmlformats.org/officeDocument/2006/relationships" xmlns:p="http://schemas.openxmlformats.org/presentationml/2006/main">
+  <p:cSld>
+    <p:spTree>
+      <p:nvGrpSpPr>
+        <p:cNvPr id="1" name=""/>
+        <p:cNvGrpSpPr/>
+        <p:nvPr/>
+      </p:nvGrpSpPr>
+      <p:grpSpPr>
+        <a:xfrm>
+          <a:off x="0" y="0"/>
+          <a:ext cx="0" cy="0"/>
+          <a:chOff x="0" y="0"/>
+          <a:chExt cx="0" cy="0"/>
+        </a:xfrm>
+      </p:grpSpPr>
+      <p:sp>
+        <p:nvSpPr>
+          <p:cNvPr id="2" name="Title 1">
+            <a:extLst>
+              <a:ext uri="{FF2B5EF4-FFF2-40B4-BE49-F238E27FC236}">
                 <a16:creationId xmlns:a16="http://schemas.microsoft.com/office/drawing/2014/main" id="{4FB7C0BC-2C00-7361-BF21-0DB3767226A5}"/>
               </a:ext>
             </a:extLst>
@@ -9031,7 +11913,7 @@
 </p:sld>
 </file>
 
-<file path=ppt/slides/slide29.xml><?xml version="1.0" encoding="utf-8"?>
+<file path=ppt/slides/slide37.xml><?xml version="1.0" encoding="utf-8"?>
 <p:sld xmlns:a="http://schemas.openxmlformats.org/drawingml/2006/main" xmlns:r="http://schemas.openxmlformats.org/officeDocument/2006/relationships" xmlns:p="http://schemas.openxmlformats.org/presentationml/2006/main">
   <p:cSld>
     <p:spTree>
@@ -9244,126 +12126,7 @@
 </p:sld>
 </file>
 
-<file path=ppt/slides/slide3.xml><?xml version="1.0" encoding="utf-8"?>
-<p:sld xmlns:a="http://schemas.openxmlformats.org/drawingml/2006/main" xmlns:r="http://schemas.openxmlformats.org/officeDocument/2006/relationships" xmlns:p="http://schemas.openxmlformats.org/presentationml/2006/main">
-  <p:cSld>
-    <p:spTree>
-      <p:nvGrpSpPr>
-        <p:cNvPr id="1" name=""/>
-        <p:cNvGrpSpPr/>
-        <p:nvPr/>
-      </p:nvGrpSpPr>
-      <p:grpSpPr>
-        <a:xfrm>
-          <a:off x="0" y="0"/>
-          <a:ext cx="0" cy="0"/>
-          <a:chOff x="0" y="0"/>
-          <a:chExt cx="0" cy="0"/>
-        </a:xfrm>
-      </p:grpSpPr>
-      <p:sp>
-        <p:nvSpPr>
-          <p:cNvPr id="2" name="Title 1">
-            <a:extLst>
-              <a:ext uri="{FF2B5EF4-FFF2-40B4-BE49-F238E27FC236}">
-                <a16:creationId xmlns:a16="http://schemas.microsoft.com/office/drawing/2014/main" id="{000B4007-10B0-487D-8AC0-75065DFE0876}"/>
-              </a:ext>
-            </a:extLst>
-          </p:cNvPr>
-          <p:cNvSpPr>
-            <a:spLocks noGrp="1"/>
-          </p:cNvSpPr>
-          <p:nvPr>
-            <p:ph type="title"/>
-          </p:nvPr>
-        </p:nvSpPr>
-        <p:spPr/>
-        <p:txBody>
-          <a:bodyPr/>
-          <a:lstStyle/>
-          <a:p>
-            <a:r>
-              <a:rPr lang="en-US"/>
-              <a:t>The R Project for Statistical Computing</a:t>
-            </a:r>
-            <a:endParaRPr lang="en-NZ"/>
-          </a:p>
-        </p:txBody>
-      </p:sp>
-      <p:sp>
-        <p:nvSpPr>
-          <p:cNvPr id="3" name="Content Placeholder 2">
-            <a:extLst>
-              <a:ext uri="{FF2B5EF4-FFF2-40B4-BE49-F238E27FC236}">
-                <a16:creationId xmlns:a16="http://schemas.microsoft.com/office/drawing/2014/main" id="{93D009D5-DF8E-476D-8BDE-3EBB2404D4B2}"/>
-              </a:ext>
-            </a:extLst>
-          </p:cNvPr>
-          <p:cNvSpPr>
-            <a:spLocks noGrp="1"/>
-          </p:cNvSpPr>
-          <p:nvPr>
-            <p:ph idx="1"/>
-          </p:nvPr>
-        </p:nvSpPr>
-        <p:spPr>
-          <a:xfrm>
-            <a:off x="570451" y="1661020"/>
-            <a:ext cx="10783349" cy="4608222"/>
-          </a:xfrm>
-        </p:spPr>
-        <p:txBody>
-          <a:bodyPr>
-            <a:normAutofit lnSpcReduction="10000"/>
-          </a:bodyPr>
-          <a:lstStyle/>
-          <a:p>
-            <a:r>
-              <a:rPr lang="en-US"/>
-              <a:t>R is a free software environment for statistical computing and graphics.</a:t>
-            </a:r>
-          </a:p>
-          <a:p>
-            <a:r>
-              <a:rPr lang="en-US"/>
-              <a:t>Early development in 1991 by statisticians Ross Ihaka and Robert Gentleman at the University of Auckland, New Zealand, oldest release in 1997.</a:t>
-            </a:r>
-          </a:p>
-          <a:p>
-            <a:r>
-              <a:rPr lang="en-US"/>
-              <a:t>Users have created packages to augment the functions of the R language.</a:t>
-            </a:r>
-          </a:p>
-          <a:p>
-            <a:r>
-              <a:rPr lang="en-US"/>
-              <a:t>R has local communities worldwide for users to network, share ideas, and learn.</a:t>
-            </a:r>
-          </a:p>
-          <a:p>
-            <a:r>
-              <a:rPr lang="en-US"/>
-              <a:t>Troubleshooting is ‘easy’ through a worldwide network of likeminded people.</a:t>
-            </a:r>
-            <a:endParaRPr lang="en-NZ"/>
-          </a:p>
-        </p:txBody>
-      </p:sp>
-    </p:spTree>
-    <p:extLst>
-      <p:ext uri="{BB962C8B-B14F-4D97-AF65-F5344CB8AC3E}">
-        <p14:creationId xmlns:p14="http://schemas.microsoft.com/office/powerpoint/2010/main" val="1383627114"/>
-      </p:ext>
-    </p:extLst>
-  </p:cSld>
-  <p:clrMapOvr>
-    <a:masterClrMapping/>
-  </p:clrMapOvr>
-</p:sld>
-</file>
-
-<file path=ppt/slides/slide30.xml><?xml version="1.0" encoding="utf-8"?>
+<file path=ppt/slides/slide38.xml><?xml version="1.0" encoding="utf-8"?>
 <p:sld xmlns:a="http://schemas.openxmlformats.org/drawingml/2006/main" xmlns:r="http://schemas.openxmlformats.org/officeDocument/2006/relationships" xmlns:p="http://schemas.openxmlformats.org/presentationml/2006/main">
   <p:cSld>
     <p:spTree>
@@ -9570,7 +12333,13 @@
   <p:cSld>
     <p:spTree>
       <p:nvGrpSpPr>
-        <p:cNvPr id="1" name=""/>
+        <p:cNvPr id="1" name="">
+          <a:extLst>
+            <a:ext uri="{FF2B5EF4-FFF2-40B4-BE49-F238E27FC236}">
+              <a16:creationId xmlns:a16="http://schemas.microsoft.com/office/drawing/2014/main" id="{C2CF2EED-C118-D737-B5F7-649503CC30B8}"/>
+            </a:ext>
+          </a:extLst>
+        </p:cNvPr>
         <p:cNvGrpSpPr/>
         <p:nvPr/>
       </p:nvGrpSpPr>
@@ -9587,7 +12356,7 @@
           <p:cNvPr id="2" name="Title 1">
             <a:extLst>
               <a:ext uri="{FF2B5EF4-FFF2-40B4-BE49-F238E27FC236}">
-                <a16:creationId xmlns:a16="http://schemas.microsoft.com/office/drawing/2014/main" id="{7E10AA43-C8BC-4002-A333-35F12F1D104F}"/>
+                <a16:creationId xmlns:a16="http://schemas.microsoft.com/office/drawing/2014/main" id="{B380B669-C4AE-4A15-2485-553B872E4B19}"/>
               </a:ext>
             </a:extLst>
           </p:cNvPr>
@@ -9598,228 +12367,284 @@
             <p:ph type="title"/>
           </p:nvPr>
         </p:nvSpPr>
+        <p:spPr/>
+        <p:txBody>
+          <a:bodyPr/>
+          <a:lstStyle/>
+          <a:p>
+            <a:r>
+              <a:rPr lang="en-US" dirty="0"/>
+              <a:t>Why use R??</a:t>
+            </a:r>
+            <a:endParaRPr lang="en-NZ" dirty="0"/>
+          </a:p>
+        </p:txBody>
+      </p:sp>
+      <p:sp>
+        <p:nvSpPr>
+          <p:cNvPr id="3" name="Content Placeholder 2">
+            <a:extLst>
+              <a:ext uri="{FF2B5EF4-FFF2-40B4-BE49-F238E27FC236}">
+                <a16:creationId xmlns:a16="http://schemas.microsoft.com/office/drawing/2014/main" id="{DFF01584-CD93-EBC3-5CA2-2E3EF53B8F00}"/>
+              </a:ext>
+            </a:extLst>
+          </p:cNvPr>
+          <p:cNvSpPr>
+            <a:spLocks noGrp="1"/>
+          </p:cNvSpPr>
+          <p:nvPr>
+            <p:ph idx="1"/>
+          </p:nvPr>
+        </p:nvSpPr>
         <p:spPr>
           <a:xfrm>
-            <a:off x="0" y="9248"/>
-            <a:ext cx="10515600" cy="1325563"/>
+            <a:off x="570452" y="1661020"/>
+            <a:ext cx="5217506" cy="4608222"/>
           </a:xfrm>
         </p:spPr>
         <p:txBody>
-          <a:bodyPr/>
-          <a:lstStyle/>
-          <a:p>
-            <a:r>
-              <a:rPr lang="en-US"/>
-              <a:t>Worldwide support</a:t>
-            </a:r>
-            <a:endParaRPr lang="en-NZ"/>
+          <a:bodyPr>
+            <a:normAutofit/>
+          </a:bodyPr>
+          <a:lstStyle/>
+          <a:p>
+            <a:r>
+              <a:rPr lang="en-US" sz="2400" dirty="0"/>
+              <a:t>Reproducible and repeatable</a:t>
+            </a:r>
+          </a:p>
+          <a:p>
+            <a:pPr lvl="1"/>
+            <a:r>
+              <a:rPr lang="en-US" sz="2000" dirty="0"/>
+              <a:t>For scientific publishing</a:t>
+            </a:r>
+          </a:p>
+          <a:p>
+            <a:pPr lvl="1"/>
+            <a:r>
+              <a:rPr lang="en-US" sz="2000" dirty="0"/>
+              <a:t>For other scientists</a:t>
+            </a:r>
+          </a:p>
+          <a:p>
+            <a:pPr lvl="1"/>
+            <a:r>
+              <a:rPr lang="en-US" sz="2000" dirty="0"/>
+              <a:t>For </a:t>
+            </a:r>
+            <a:r>
+              <a:rPr lang="en-US" sz="2000" i="1" dirty="0"/>
+              <a:t>future</a:t>
+            </a:r>
+            <a:r>
+              <a:rPr lang="en-US" sz="2000" dirty="0"/>
+              <a:t> you</a:t>
+            </a:r>
+          </a:p>
+          <a:p>
+            <a:r>
+              <a:rPr lang="en-US" sz="2400" dirty="0"/>
+              <a:t>Transparent</a:t>
+            </a:r>
+          </a:p>
+          <a:p>
+            <a:r>
+              <a:rPr lang="en-US" sz="2400" dirty="0"/>
+              <a:t>Shareable (GitHub)</a:t>
+            </a:r>
+          </a:p>
+          <a:p>
+            <a:endParaRPr lang="en-US" sz="2400" dirty="0"/>
+          </a:p>
+          <a:p>
+            <a:r>
+              <a:rPr lang="en-US" sz="2400" dirty="0"/>
+              <a:t>Promotes </a:t>
+            </a:r>
+            <a:r>
+              <a:rPr lang="en-US" sz="2400" dirty="0">
+                <a:hlinkClick r:id="rId2"/>
+              </a:rPr>
+              <a:t>open science</a:t>
+            </a:r>
+            <a:endParaRPr lang="en-NZ" sz="2400" dirty="0"/>
           </a:p>
         </p:txBody>
       </p:sp>
       <p:pic>
         <p:nvPicPr>
-          <p:cNvPr id="4" name="Picture 3">
-            <a:extLst>
-              <a:ext uri="{FF2B5EF4-FFF2-40B4-BE49-F238E27FC236}">
-                <a16:creationId xmlns:a16="http://schemas.microsoft.com/office/drawing/2014/main" id="{8D8C2BD1-D4FE-4CCF-83A3-1266BBE1700B}"/>
+          <p:cNvPr id="2052" name="Picture 4" descr="Data Science as an Entryway to Open Publishing – Openscapes">
+            <a:extLst>
+              <a:ext uri="{FF2B5EF4-FFF2-40B4-BE49-F238E27FC236}">
+                <a16:creationId xmlns:a16="http://schemas.microsoft.com/office/drawing/2014/main" id="{4EC74598-820B-6D26-4F13-85FF9CF2D262}"/>
               </a:ext>
             </a:extLst>
           </p:cNvPr>
           <p:cNvPicPr>
-            <a:picLocks noChangeAspect="1"/>
+            <a:picLocks noChangeAspect="1" noChangeArrowheads="1"/>
           </p:cNvPicPr>
           <p:nvPr/>
         </p:nvPicPr>
         <p:blipFill>
-          <a:blip r:embed="rId2"/>
+          <a:blip r:embed="rId3">
+            <a:extLst>
+              <a:ext uri="{28A0092B-C50C-407E-A947-70E740481C1C}">
+                <a14:useLocalDpi xmlns:a14="http://schemas.microsoft.com/office/drawing/2010/main" val="0"/>
+              </a:ext>
+            </a:extLst>
+          </a:blip>
+          <a:srcRect/>
           <a:stretch>
             <a:fillRect/>
           </a:stretch>
         </p:blipFill>
-        <p:spPr>
+        <p:spPr bwMode="auto">
           <a:xfrm>
-            <a:off x="75501" y="1104576"/>
-            <a:ext cx="6753138" cy="1481519"/>
+            <a:off x="4725718" y="3522927"/>
+            <a:ext cx="5202034" cy="3056275"/>
           </a:xfrm>
           <a:prstGeom prst="rect">
             <a:avLst/>
           </a:prstGeom>
-          <a:ln>
-            <a:noFill/>
-          </a:ln>
-          <a:effectLst>
-            <a:outerShdw blurRad="292100" dist="139700" dir="2700000" algn="tl" rotWithShape="0">
-              <a:srgbClr val="333333">
-                <a:alpha val="65000"/>
-              </a:srgbClr>
-            </a:outerShdw>
-          </a:effectLst>
+          <a:noFill/>
+          <a:extLst>
+            <a:ext uri="{909E8E84-426E-40DD-AFC4-6F175D3DCCD1}">
+              <a14:hiddenFill xmlns:a14="http://schemas.microsoft.com/office/drawing/2010/main">
+                <a:solidFill>
+                  <a:srgbClr val="FFFFFF"/>
+                </a:solidFill>
+              </a14:hiddenFill>
+            </a:ext>
+          </a:extLst>
         </p:spPr>
       </p:pic>
       <p:pic>
         <p:nvPicPr>
-          <p:cNvPr id="6" name="Picture 5">
-            <a:extLst>
-              <a:ext uri="{FF2B5EF4-FFF2-40B4-BE49-F238E27FC236}">
-                <a16:creationId xmlns:a16="http://schemas.microsoft.com/office/drawing/2014/main" id="{86D33E42-6DC4-4826-A289-0878776E4E2C}"/>
+          <p:cNvPr id="2050" name="Picture 2" descr="Repeatability vs. Reproducibility | Technology Networks">
+            <a:extLst>
+              <a:ext uri="{FF2B5EF4-FFF2-40B4-BE49-F238E27FC236}">
+                <a16:creationId xmlns:a16="http://schemas.microsoft.com/office/drawing/2014/main" id="{FCBEA4A8-BBFF-983E-A920-0E2AA9B1E298}"/>
               </a:ext>
             </a:extLst>
           </p:cNvPr>
           <p:cNvPicPr>
-            <a:picLocks noChangeAspect="1"/>
+            <a:picLocks noChangeAspect="1" noChangeArrowheads="1"/>
           </p:cNvPicPr>
           <p:nvPr/>
         </p:nvPicPr>
         <p:blipFill>
-          <a:blip r:embed="rId3"/>
+          <a:blip r:embed="rId4">
+            <a:extLst>
+              <a:ext uri="{28A0092B-C50C-407E-A947-70E740481C1C}">
+                <a14:useLocalDpi xmlns:a14="http://schemas.microsoft.com/office/drawing/2010/main" val="0"/>
+              </a:ext>
+            </a:extLst>
+          </a:blip>
+          <a:srcRect/>
           <a:stretch>
             <a:fillRect/>
           </a:stretch>
         </p:blipFill>
-        <p:spPr>
+        <p:spPr bwMode="auto">
           <a:xfrm>
-            <a:off x="6076800" y="1487973"/>
-            <a:ext cx="6106524" cy="1555119"/>
+            <a:off x="7031173" y="771215"/>
+            <a:ext cx="4891932" cy="2751712"/>
           </a:xfrm>
           <a:prstGeom prst="rect">
             <a:avLst/>
           </a:prstGeom>
-          <a:ln>
-            <a:noFill/>
-          </a:ln>
-          <a:effectLst>
-            <a:outerShdw blurRad="292100" dist="139700" dir="2700000" algn="tl" rotWithShape="0">
-              <a:srgbClr val="333333">
-                <a:alpha val="65000"/>
-              </a:srgbClr>
-            </a:outerShdw>
-          </a:effectLst>
+          <a:noFill/>
+          <a:extLst>
+            <a:ext uri="{909E8E84-426E-40DD-AFC4-6F175D3DCCD1}">
+              <a14:hiddenFill xmlns:a14="http://schemas.microsoft.com/office/drawing/2010/main">
+                <a:solidFill>
+                  <a:srgbClr val="FFFFFF"/>
+                </a:solidFill>
+              </a14:hiddenFill>
+            </a:ext>
+          </a:extLst>
         </p:spPr>
       </p:pic>
-      <p:pic>
-        <p:nvPicPr>
-          <p:cNvPr id="8" name="Picture 7">
-            <a:extLst>
-              <a:ext uri="{FF2B5EF4-FFF2-40B4-BE49-F238E27FC236}">
-                <a16:creationId xmlns:a16="http://schemas.microsoft.com/office/drawing/2014/main" id="{BED9D652-A5A5-4144-A46D-CDD189F58993}"/>
-              </a:ext>
-            </a:extLst>
-          </p:cNvPr>
-          <p:cNvPicPr>
-            <a:picLocks noChangeAspect="1"/>
-          </p:cNvPicPr>
+      <p:sp>
+        <p:nvSpPr>
+          <p:cNvPr id="4" name="TextBox 3">
+            <a:extLst>
+              <a:ext uri="{FF2B5EF4-FFF2-40B4-BE49-F238E27FC236}">
+                <a16:creationId xmlns:a16="http://schemas.microsoft.com/office/drawing/2014/main" id="{86803142-5E60-E2C4-FF77-5C5CF6B265A6}"/>
+              </a:ext>
+            </a:extLst>
+          </p:cNvPr>
+          <p:cNvSpPr txBox="1"/>
           <p:nvPr/>
-        </p:nvPicPr>
-        <p:blipFill>
-          <a:blip r:embed="rId4"/>
-          <a:stretch>
-            <a:fillRect/>
-          </a:stretch>
-        </p:blipFill>
+        </p:nvSpPr>
         <p:spPr>
           <a:xfrm>
-            <a:off x="462937" y="3426449"/>
-            <a:ext cx="6593746" cy="1235019"/>
+            <a:off x="4738991" y="6394536"/>
+            <a:ext cx="2714017" cy="200055"/>
           </a:xfrm>
           <a:prstGeom prst="rect">
             <a:avLst/>
           </a:prstGeom>
-          <a:ln>
-            <a:noFill/>
-          </a:ln>
-          <a:effectLst>
-            <a:outerShdw blurRad="292100" dist="139700" dir="2700000" algn="tl" rotWithShape="0">
-              <a:srgbClr val="333333">
-                <a:alpha val="65000"/>
-              </a:srgbClr>
-            </a:outerShdw>
-          </a:effectLst>
+          <a:noFill/>
         </p:spPr>
-      </p:pic>
-      <p:pic>
-        <p:nvPicPr>
-          <p:cNvPr id="10" name="Picture 9">
-            <a:extLst>
-              <a:ext uri="{FF2B5EF4-FFF2-40B4-BE49-F238E27FC236}">
-                <a16:creationId xmlns:a16="http://schemas.microsoft.com/office/drawing/2014/main" id="{DCFC71FC-FA5D-404C-A580-23FBDC5A4F8F}"/>
-              </a:ext>
-            </a:extLst>
-          </p:cNvPr>
-          <p:cNvPicPr>
-            <a:picLocks noChangeAspect="1"/>
-          </p:cNvPicPr>
+        <p:txBody>
+          <a:bodyPr wrap="square" rtlCol="0">
+            <a:spAutoFit/>
+          </a:bodyPr>
+          <a:lstStyle/>
+          <a:p>
+            <a:r>
+              <a:rPr lang="en-NZ" sz="700" dirty="0"/>
+              <a:t>Image: </a:t>
+            </a:r>
+            <a:r>
+              <a:rPr lang="en-NZ" sz="700" dirty="0" err="1"/>
+              <a:t>Openscapes</a:t>
+            </a:r>
+            <a:endParaRPr lang="en-NZ" sz="700" dirty="0"/>
+          </a:p>
+        </p:txBody>
+      </p:sp>
+      <p:sp>
+        <p:nvSpPr>
+          <p:cNvPr id="5" name="TextBox 4">
+            <a:extLst>
+              <a:ext uri="{FF2B5EF4-FFF2-40B4-BE49-F238E27FC236}">
+                <a16:creationId xmlns:a16="http://schemas.microsoft.com/office/drawing/2014/main" id="{596EDD67-8DFB-FBAF-3BDA-1DD4FB538813}"/>
+              </a:ext>
+            </a:extLst>
+          </p:cNvPr>
+          <p:cNvSpPr txBox="1"/>
           <p:nvPr/>
-        </p:nvPicPr>
-        <p:blipFill>
-          <a:blip r:embed="rId5"/>
-          <a:stretch>
-            <a:fillRect/>
-          </a:stretch>
-        </p:blipFill>
+        </p:nvSpPr>
         <p:spPr>
           <a:xfrm>
-            <a:off x="462937" y="5191552"/>
-            <a:ext cx="9202434" cy="1390844"/>
+            <a:off x="7031173" y="3306534"/>
+            <a:ext cx="2714017" cy="200055"/>
           </a:xfrm>
           <a:prstGeom prst="rect">
             <a:avLst/>
           </a:prstGeom>
-          <a:ln>
-            <a:noFill/>
-          </a:ln>
-          <a:effectLst>
-            <a:outerShdw blurRad="292100" dist="139700" dir="2700000" algn="tl" rotWithShape="0">
-              <a:srgbClr val="333333">
-                <a:alpha val="65000"/>
-              </a:srgbClr>
-            </a:outerShdw>
-          </a:effectLst>
+          <a:noFill/>
         </p:spPr>
-      </p:pic>
-      <p:pic>
-        <p:nvPicPr>
-          <p:cNvPr id="14" name="Picture 13">
-            <a:extLst>
-              <a:ext uri="{FF2B5EF4-FFF2-40B4-BE49-F238E27FC236}">
-                <a16:creationId xmlns:a16="http://schemas.microsoft.com/office/drawing/2014/main" id="{0AB28A25-5AB9-4471-B7DD-A795CD8B6AB1}"/>
-              </a:ext>
-            </a:extLst>
-          </p:cNvPr>
-          <p:cNvPicPr>
-            <a:picLocks noChangeAspect="1"/>
-          </p:cNvPicPr>
-          <p:nvPr/>
-        </p:nvPicPr>
-        <p:blipFill>
-          <a:blip r:embed="rId6"/>
-          <a:stretch>
-            <a:fillRect/>
-          </a:stretch>
-        </p:blipFill>
-        <p:spPr>
-          <a:xfrm>
-            <a:off x="7173694" y="3143838"/>
-            <a:ext cx="4983354" cy="1902877"/>
-          </a:xfrm>
-          <a:prstGeom prst="rect">
-            <a:avLst/>
-          </a:prstGeom>
-          <a:ln>
-            <a:noFill/>
-          </a:ln>
-          <a:effectLst>
-            <a:outerShdw blurRad="292100" dist="139700" dir="2700000" algn="tl" rotWithShape="0">
-              <a:srgbClr val="333333">
-                <a:alpha val="65000"/>
-              </a:srgbClr>
-            </a:outerShdw>
-          </a:effectLst>
-        </p:spPr>
-      </p:pic>
+        <p:txBody>
+          <a:bodyPr wrap="square" rtlCol="0">
+            <a:spAutoFit/>
+          </a:bodyPr>
+          <a:lstStyle/>
+          <a:p>
+            <a:r>
+              <a:rPr lang="en-NZ" sz="700" dirty="0"/>
+              <a:t>Image: Technology Networks Informatics</a:t>
+            </a:r>
+          </a:p>
+        </p:txBody>
+      </p:sp>
     </p:spTree>
     <p:extLst>
       <p:ext uri="{BB962C8B-B14F-4D97-AF65-F5344CB8AC3E}">
-        <p14:creationId xmlns:p14="http://schemas.microsoft.com/office/powerpoint/2010/main" val="4167962273"/>
+        <p14:creationId xmlns:p14="http://schemas.microsoft.com/office/powerpoint/2010/main" val="2905640424"/>
       </p:ext>
     </p:extLst>
   </p:cSld>
@@ -9846,51 +12671,17 @@
           <a:chExt cx="0" cy="0"/>
         </a:xfrm>
       </p:grpSpPr>
-      <p:sp>
-        <p:nvSpPr>
-          <p:cNvPr id="2" name="Title 1">
-            <a:extLst>
-              <a:ext uri="{FF2B5EF4-FFF2-40B4-BE49-F238E27FC236}">
-                <a16:creationId xmlns:a16="http://schemas.microsoft.com/office/drawing/2014/main" id="{5ED3290B-9F6A-42BC-920F-E04A33CDC866}"/>
-              </a:ext>
-            </a:extLst>
-          </p:cNvPr>
-          <p:cNvSpPr>
-            <a:spLocks noGrp="1"/>
-          </p:cNvSpPr>
-          <p:nvPr>
-            <p:ph type="title"/>
-          </p:nvPr>
-        </p:nvSpPr>
-        <p:spPr>
-          <a:xfrm>
-            <a:off x="0" y="0"/>
-            <a:ext cx="10515600" cy="1325563"/>
-          </a:xfrm>
-        </p:spPr>
-        <p:txBody>
-          <a:bodyPr/>
-          <a:lstStyle/>
-          <a:p>
-            <a:r>
-              <a:rPr lang="en-US"/>
-              <a:t>RStudio as a user interface</a:t>
-            </a:r>
-            <a:endParaRPr lang="en-NZ"/>
-          </a:p>
-        </p:txBody>
-      </p:sp>
       <p:pic>
         <p:nvPicPr>
-          <p:cNvPr id="8" name="Picture 7" descr="Graphical user interface, text, application&#10;&#10;Description automatically generated">
-            <a:extLst>
-              <a:ext uri="{FF2B5EF4-FFF2-40B4-BE49-F238E27FC236}">
-                <a16:creationId xmlns:a16="http://schemas.microsoft.com/office/drawing/2014/main" id="{E16E7A9E-BE97-45C8-A002-55F4C24B35A5}"/>
+          <p:cNvPr id="3074" name="Picture 2" descr="10 Cars With 2JZ Engines You Probably Didn't Know About">
+            <a:extLst>
+              <a:ext uri="{FF2B5EF4-FFF2-40B4-BE49-F238E27FC236}">
+                <a16:creationId xmlns:a16="http://schemas.microsoft.com/office/drawing/2014/main" id="{9DBA2D11-60C3-BBA4-1509-B100A4AF5327}"/>
               </a:ext>
             </a:extLst>
           </p:cNvPr>
           <p:cNvPicPr>
-            <a:picLocks noChangeAspect="1"/>
+            <a:picLocks noChangeAspect="1" noChangeArrowheads="1"/>
           </p:cNvPicPr>
           <p:nvPr/>
         </p:nvPicPr>
@@ -9902,26 +12693,37 @@
               </a:ext>
             </a:extLst>
           </a:blip>
+          <a:srcRect/>
           <a:stretch>
             <a:fillRect/>
           </a:stretch>
         </p:blipFill>
-        <p:spPr>
+        <p:spPr bwMode="auto">
           <a:xfrm>
-            <a:off x="1244883" y="1031330"/>
-            <a:ext cx="9270717" cy="5637163"/>
+            <a:off x="646274" y="2286140"/>
+            <a:ext cx="4620818" cy="3080545"/>
           </a:xfrm>
           <a:prstGeom prst="rect">
             <a:avLst/>
           </a:prstGeom>
+          <a:noFill/>
+          <a:extLst>
+            <a:ext uri="{909E8E84-426E-40DD-AFC4-6F175D3DCCD1}">
+              <a14:hiddenFill xmlns:a14="http://schemas.microsoft.com/office/drawing/2010/main">
+                <a:solidFill>
+                  <a:srgbClr val="FFFFFF"/>
+                </a:solidFill>
+              </a14:hiddenFill>
+            </a:ext>
+          </a:extLst>
         </p:spPr>
       </p:pic>
       <p:sp>
         <p:nvSpPr>
-          <p:cNvPr id="3" name="TextBox 2">
-            <a:extLst>
-              <a:ext uri="{FF2B5EF4-FFF2-40B4-BE49-F238E27FC236}">
-                <a16:creationId xmlns:a16="http://schemas.microsoft.com/office/drawing/2014/main" id="{C4F5A6E1-59D2-3FCA-3C77-AE89121AB68A}"/>
+          <p:cNvPr id="5" name="TextBox 4">
+            <a:extLst>
+              <a:ext uri="{FF2B5EF4-FFF2-40B4-BE49-F238E27FC236}">
+                <a16:creationId xmlns:a16="http://schemas.microsoft.com/office/drawing/2014/main" id="{64B6B42B-6CA3-CEEB-D35D-770DCA16E2C1}"/>
               </a:ext>
             </a:extLst>
           </p:cNvPr>
@@ -9930,20 +12732,13 @@
         </p:nvSpPr>
         <p:spPr>
           <a:xfrm>
-            <a:off x="4986556" y="2273417"/>
-            <a:ext cx="944461" cy="430887"/>
+            <a:off x="646274" y="5166630"/>
+            <a:ext cx="1371600" cy="200055"/>
           </a:xfrm>
           <a:prstGeom prst="rect">
             <a:avLst/>
           </a:prstGeom>
-          <a:solidFill>
-            <a:schemeClr val="bg1"/>
-          </a:solidFill>
-          <a:ln>
-            <a:solidFill>
-              <a:schemeClr val="tx1"/>
-            </a:solidFill>
-          </a:ln>
+          <a:noFill/>
         </p:spPr>
         <p:txBody>
           <a:bodyPr wrap="square" rtlCol="0">
@@ -9952,33 +12747,201 @@
           <a:lstStyle/>
           <a:p>
             <a:r>
-              <a:rPr lang="en-NZ" sz="1050">
-                <a:latin typeface="Arial" panose="020B0604020202020204" pitchFamily="34" charset="0"/>
-                <a:cs typeface="Arial" panose="020B0604020202020204" pitchFamily="34" charset="0"/>
+              <a:rPr lang="en-NZ" sz="700" dirty="0"/>
+              <a:t>Image: </a:t>
+            </a:r>
+            <a:r>
+              <a:rPr lang="en-NZ" sz="700" dirty="0" err="1"/>
+              <a:t>CarBuzz</a:t>
+            </a:r>
+            <a:endParaRPr lang="en-NZ" sz="700" dirty="0"/>
+          </a:p>
+        </p:txBody>
+      </p:sp>
+      <p:pic>
+        <p:nvPicPr>
+          <p:cNvPr id="3076" name="Picture 4">
+            <a:extLst>
+              <a:ext uri="{FF2B5EF4-FFF2-40B4-BE49-F238E27FC236}">
+                <a16:creationId xmlns:a16="http://schemas.microsoft.com/office/drawing/2014/main" id="{0E0FD291-227C-32DC-7819-C1838E00A9E7}"/>
+              </a:ext>
+            </a:extLst>
+          </p:cNvPr>
+          <p:cNvPicPr>
+            <a:picLocks noChangeAspect="1" noChangeArrowheads="1"/>
+          </p:cNvPicPr>
+          <p:nvPr/>
+        </p:nvPicPr>
+        <p:blipFill>
+          <a:blip r:embed="rId3">
+            <a:extLst>
+              <a:ext uri="{28A0092B-C50C-407E-A947-70E740481C1C}">
+                <a14:useLocalDpi xmlns:a14="http://schemas.microsoft.com/office/drawing/2010/main" val="0"/>
+              </a:ext>
+            </a:extLst>
+          </a:blip>
+          <a:srcRect/>
+          <a:stretch>
+            <a:fillRect/>
+          </a:stretch>
+        </p:blipFill>
+        <p:spPr bwMode="auto">
+          <a:xfrm>
+            <a:off x="2017874" y="796836"/>
+            <a:ext cx="1572344" cy="1218349"/>
+          </a:xfrm>
+          <a:prstGeom prst="rect">
+            <a:avLst/>
+          </a:prstGeom>
+          <a:noFill/>
+          <a:extLst>
+            <a:ext uri="{909E8E84-426E-40DD-AFC4-6F175D3DCCD1}">
+              <a14:hiddenFill xmlns:a14="http://schemas.microsoft.com/office/drawing/2010/main">
+                <a:solidFill>
+                  <a:srgbClr val="FFFFFF"/>
+                </a:solidFill>
+              </a14:hiddenFill>
+            </a:ext>
+          </a:extLst>
+        </p:spPr>
+      </p:pic>
+      <p:pic>
+        <p:nvPicPr>
+          <p:cNvPr id="3080" name="Picture 8" descr="Hyundai wants to put a screen on your steering wheel - NZ Autocar">
+            <a:extLst>
+              <a:ext uri="{FF2B5EF4-FFF2-40B4-BE49-F238E27FC236}">
+                <a16:creationId xmlns:a16="http://schemas.microsoft.com/office/drawing/2014/main" id="{1CDF0165-5733-B40E-8577-552DA1608343}"/>
+              </a:ext>
+            </a:extLst>
+          </p:cNvPr>
+          <p:cNvPicPr>
+            <a:picLocks noChangeAspect="1" noChangeArrowheads="1"/>
+          </p:cNvPicPr>
+          <p:nvPr/>
+        </p:nvPicPr>
+        <p:blipFill>
+          <a:blip r:embed="rId4">
+            <a:extLst>
+              <a:ext uri="{28A0092B-C50C-407E-A947-70E740481C1C}">
+                <a14:useLocalDpi xmlns:a14="http://schemas.microsoft.com/office/drawing/2010/main" val="0"/>
+              </a:ext>
+            </a:extLst>
+          </a:blip>
+          <a:srcRect/>
+          <a:stretch>
+            <a:fillRect/>
+          </a:stretch>
+        </p:blipFill>
+        <p:spPr bwMode="auto">
+          <a:xfrm>
+            <a:off x="6229966" y="2156557"/>
+            <a:ext cx="5136205" cy="3210128"/>
+          </a:xfrm>
+          <a:prstGeom prst="rect">
+            <a:avLst/>
+          </a:prstGeom>
+          <a:noFill/>
+          <a:extLst>
+            <a:ext uri="{909E8E84-426E-40DD-AFC4-6F175D3DCCD1}">
+              <a14:hiddenFill xmlns:a14="http://schemas.microsoft.com/office/drawing/2010/main">
+                <a:solidFill>
+                  <a:srgbClr val="FFFFFF"/>
+                </a:solidFill>
+              </a14:hiddenFill>
+            </a:ext>
+          </a:extLst>
+        </p:spPr>
+      </p:pic>
+      <p:sp>
+        <p:nvSpPr>
+          <p:cNvPr id="7" name="TextBox 6">
+            <a:extLst>
+              <a:ext uri="{FF2B5EF4-FFF2-40B4-BE49-F238E27FC236}">
+                <a16:creationId xmlns:a16="http://schemas.microsoft.com/office/drawing/2014/main" id="{DB914362-8366-BDAB-9DB2-4AEC0DF18E5C}"/>
+              </a:ext>
+            </a:extLst>
+          </p:cNvPr>
+          <p:cNvSpPr txBox="1"/>
+          <p:nvPr/>
+        </p:nvSpPr>
+        <p:spPr>
+          <a:xfrm>
+            <a:off x="6279053" y="5037047"/>
+            <a:ext cx="1371600" cy="200055"/>
+          </a:xfrm>
+          <a:prstGeom prst="rect">
+            <a:avLst/>
+          </a:prstGeom>
+          <a:noFill/>
+        </p:spPr>
+        <p:txBody>
+          <a:bodyPr wrap="square" rtlCol="0">
+            <a:spAutoFit/>
+          </a:bodyPr>
+          <a:lstStyle/>
+          <a:p>
+            <a:r>
+              <a:rPr lang="en-NZ" sz="700" dirty="0">
+                <a:solidFill>
+                  <a:schemeClr val="bg2"/>
+                </a:solidFill>
               </a:rPr>
-              <a:t>Can also hit “</a:t>
-            </a:r>
-            <a:r>
-              <a:rPr lang="en-NZ" sz="1050" err="1">
-                <a:latin typeface="Arial" panose="020B0604020202020204" pitchFamily="34" charset="0"/>
-                <a:cs typeface="Arial" panose="020B0604020202020204" pitchFamily="34" charset="0"/>
-              </a:rPr>
-              <a:t>Ctrl+Enter</a:t>
-            </a:r>
-            <a:r>
-              <a:rPr lang="en-NZ" sz="1050">
-                <a:latin typeface="Arial" panose="020B0604020202020204" pitchFamily="34" charset="0"/>
-                <a:cs typeface="Arial" panose="020B0604020202020204" pitchFamily="34" charset="0"/>
-              </a:rPr>
-              <a:t>”</a:t>
-            </a:r>
-          </a:p>
-        </p:txBody>
-      </p:sp>
+              <a:t>Image: NZ Autocar Magazine</a:t>
+            </a:r>
+          </a:p>
+        </p:txBody>
+      </p:sp>
+      <p:pic>
+        <p:nvPicPr>
+          <p:cNvPr id="3092" name="Picture 20">
+            <a:extLst>
+              <a:ext uri="{FF2B5EF4-FFF2-40B4-BE49-F238E27FC236}">
+                <a16:creationId xmlns:a16="http://schemas.microsoft.com/office/drawing/2014/main" id="{1B7FE7DB-4703-06DF-FBFC-B084BEA07839}"/>
+              </a:ext>
+            </a:extLst>
+          </p:cNvPr>
+          <p:cNvPicPr>
+            <a:picLocks noChangeAspect="1" noChangeArrowheads="1"/>
+          </p:cNvPicPr>
+          <p:nvPr/>
+        </p:nvPicPr>
+        <p:blipFill>
+          <a:blip r:embed="rId5">
+            <a:extLst>
+              <a:ext uri="{28A0092B-C50C-407E-A947-70E740481C1C}">
+                <a14:useLocalDpi xmlns:a14="http://schemas.microsoft.com/office/drawing/2010/main" val="0"/>
+              </a:ext>
+            </a:extLst>
+          </a:blip>
+          <a:srcRect/>
+          <a:stretch>
+            <a:fillRect/>
+          </a:stretch>
+        </p:blipFill>
+        <p:spPr bwMode="auto">
+          <a:xfrm>
+            <a:off x="7221040" y="789836"/>
+            <a:ext cx="3492680" cy="1225349"/>
+          </a:xfrm>
+          <a:prstGeom prst="rect">
+            <a:avLst/>
+          </a:prstGeom>
+          <a:noFill/>
+          <a:extLst>
+            <a:ext uri="{909E8E84-426E-40DD-AFC4-6F175D3DCCD1}">
+              <a14:hiddenFill xmlns:a14="http://schemas.microsoft.com/office/drawing/2010/main">
+                <a:solidFill>
+                  <a:srgbClr val="FFFFFF"/>
+                </a:solidFill>
+              </a14:hiddenFill>
+            </a:ext>
+          </a:extLst>
+        </p:spPr>
+      </p:pic>
     </p:spTree>
     <p:extLst>
       <p:ext uri="{BB962C8B-B14F-4D97-AF65-F5344CB8AC3E}">
-        <p14:creationId xmlns:p14="http://schemas.microsoft.com/office/powerpoint/2010/main" val="1218801410"/>
+        <p14:creationId xmlns:p14="http://schemas.microsoft.com/office/powerpoint/2010/main" val="331280755"/>
       </p:ext>
     </p:extLst>
   </p:cSld>
@@ -10005,41 +12968,12 @@
           <a:chExt cx="0" cy="0"/>
         </a:xfrm>
       </p:grpSpPr>
-      <p:sp>
-        <p:nvSpPr>
-          <p:cNvPr id="2" name="Title 1">
-            <a:extLst>
-              <a:ext uri="{FF2B5EF4-FFF2-40B4-BE49-F238E27FC236}">
-                <a16:creationId xmlns:a16="http://schemas.microsoft.com/office/drawing/2014/main" id="{AD4C2485-DFDC-4BBF-98D8-480895F23DD4}"/>
-              </a:ext>
-            </a:extLst>
-          </p:cNvPr>
-          <p:cNvSpPr>
-            <a:spLocks noGrp="1"/>
-          </p:cNvSpPr>
-          <p:nvPr>
-            <p:ph type="title"/>
-          </p:nvPr>
-        </p:nvSpPr>
-        <p:spPr/>
-        <p:txBody>
-          <a:bodyPr/>
-          <a:lstStyle/>
-          <a:p>
-            <a:r>
-              <a:rPr lang="en-US"/>
-              <a:t>R code basics</a:t>
-            </a:r>
-            <a:endParaRPr lang="en-NZ"/>
-          </a:p>
-        </p:txBody>
-      </p:sp>
       <p:pic>
         <p:nvPicPr>
-          <p:cNvPr id="5" name="Picture 4">
-            <a:extLst>
-              <a:ext uri="{FF2B5EF4-FFF2-40B4-BE49-F238E27FC236}">
-                <a16:creationId xmlns:a16="http://schemas.microsoft.com/office/drawing/2014/main" id="{4865C7B7-632F-4FC1-94FA-4470F4D8A947}"/>
+          <p:cNvPr id="7" name="Picture 6">
+            <a:extLst>
+              <a:ext uri="{FF2B5EF4-FFF2-40B4-BE49-F238E27FC236}">
+                <a16:creationId xmlns:a16="http://schemas.microsoft.com/office/drawing/2014/main" id="{D5D7702D-4586-CEA3-9AAA-0C4B2EECE50B}"/>
               </a:ext>
             </a:extLst>
           </p:cNvPr>
@@ -10056,30 +12990,20 @@
         </p:blipFill>
         <p:spPr>
           <a:xfrm>
-            <a:off x="294316" y="1874634"/>
-            <a:ext cx="1838582" cy="1867161"/>
+            <a:off x="0" y="134987"/>
+            <a:ext cx="12192000" cy="6588025"/>
           </a:xfrm>
           <a:prstGeom prst="rect">
             <a:avLst/>
           </a:prstGeom>
-          <a:ln>
-            <a:noFill/>
-          </a:ln>
-          <a:effectLst>
-            <a:outerShdw blurRad="292100" dist="139700" dir="2700000" algn="tl" rotWithShape="0">
-              <a:srgbClr val="333333">
-                <a:alpha val="65000"/>
-              </a:srgbClr>
-            </a:outerShdw>
-          </a:effectLst>
         </p:spPr>
       </p:pic>
       <p:sp>
         <p:nvSpPr>
-          <p:cNvPr id="6" name="TextBox 5">
-            <a:extLst>
-              <a:ext uri="{FF2B5EF4-FFF2-40B4-BE49-F238E27FC236}">
-                <a16:creationId xmlns:a16="http://schemas.microsoft.com/office/drawing/2014/main" id="{5D53734A-D327-4DEE-B6A0-C2B0CF2B98BB}"/>
+          <p:cNvPr id="9" name="TextBox 8">
+            <a:extLst>
+              <a:ext uri="{FF2B5EF4-FFF2-40B4-BE49-F238E27FC236}">
+                <a16:creationId xmlns:a16="http://schemas.microsoft.com/office/drawing/2014/main" id="{DD5AC240-C3E9-AFB6-E725-3FEA4DF664F7}"/>
               </a:ext>
             </a:extLst>
           </p:cNvPr>
@@ -10088,8 +13012,142 @@
         </p:nvSpPr>
         <p:spPr>
           <a:xfrm>
-            <a:off x="587229" y="1506022"/>
-            <a:ext cx="1120563" cy="369332"/>
+            <a:off x="632298" y="1342417"/>
+            <a:ext cx="1488332" cy="369332"/>
+          </a:xfrm>
+          <a:prstGeom prst="rect">
+            <a:avLst/>
+          </a:prstGeom>
+          <a:noFill/>
+          <a:ln w="38100">
+            <a:solidFill>
+              <a:schemeClr val="tx1"/>
+            </a:solidFill>
+          </a:ln>
+        </p:spPr>
+        <p:txBody>
+          <a:bodyPr wrap="square" rtlCol="0">
+            <a:spAutoFit/>
+          </a:bodyPr>
+          <a:lstStyle/>
+          <a:p>
+            <a:r>
+              <a:rPr lang="en-NZ" b="1" dirty="0"/>
+              <a:t>1. SOURCE</a:t>
+            </a:r>
+          </a:p>
+        </p:txBody>
+      </p:sp>
+      <p:sp>
+        <p:nvSpPr>
+          <p:cNvPr id="10" name="TextBox 9">
+            <a:extLst>
+              <a:ext uri="{FF2B5EF4-FFF2-40B4-BE49-F238E27FC236}">
+                <a16:creationId xmlns:a16="http://schemas.microsoft.com/office/drawing/2014/main" id="{8F7798DD-FCA1-FD13-7B64-288FDC37144D}"/>
+              </a:ext>
+            </a:extLst>
+          </p:cNvPr>
+          <p:cNvSpPr txBox="1"/>
+          <p:nvPr/>
+        </p:nvSpPr>
+        <p:spPr>
+          <a:xfrm>
+            <a:off x="7037895" y="1034125"/>
+            <a:ext cx="2232822" cy="369332"/>
+          </a:xfrm>
+          <a:prstGeom prst="rect">
+            <a:avLst/>
+          </a:prstGeom>
+          <a:solidFill>
+            <a:schemeClr val="bg1"/>
+          </a:solidFill>
+          <a:ln w="38100">
+            <a:solidFill>
+              <a:schemeClr val="tx1"/>
+            </a:solidFill>
+          </a:ln>
+        </p:spPr>
+        <p:txBody>
+          <a:bodyPr wrap="square" rtlCol="0">
+            <a:spAutoFit/>
+          </a:bodyPr>
+          <a:lstStyle/>
+          <a:p>
+            <a:r>
+              <a:rPr lang="en-NZ" b="1" dirty="0"/>
+              <a:t>2. ENVIRONMENT</a:t>
+            </a:r>
+          </a:p>
+        </p:txBody>
+      </p:sp>
+      <p:sp>
+        <p:nvSpPr>
+          <p:cNvPr id="11" name="Oval 10">
+            <a:extLst>
+              <a:ext uri="{FF2B5EF4-FFF2-40B4-BE49-F238E27FC236}">
+                <a16:creationId xmlns:a16="http://schemas.microsoft.com/office/drawing/2014/main" id="{3AA186EC-268D-62E1-7F4A-4962FAF6CBA1}"/>
+              </a:ext>
+            </a:extLst>
+          </p:cNvPr>
+          <p:cNvSpPr/>
+          <p:nvPr/>
+        </p:nvSpPr>
+        <p:spPr>
+          <a:xfrm>
+            <a:off x="4562856" y="896112"/>
+            <a:ext cx="731520" cy="446305"/>
+          </a:xfrm>
+          <a:prstGeom prst="ellipse">
+            <a:avLst/>
+          </a:prstGeom>
+          <a:noFill/>
+          <a:ln w="38100">
+            <a:solidFill>
+              <a:srgbClr val="C00000"/>
+            </a:solidFill>
+          </a:ln>
+        </p:spPr>
+        <p:style>
+          <a:lnRef idx="2">
+            <a:schemeClr val="accent1">
+              <a:shade val="15000"/>
+            </a:schemeClr>
+          </a:lnRef>
+          <a:fillRef idx="1">
+            <a:schemeClr val="accent1"/>
+          </a:fillRef>
+          <a:effectRef idx="0">
+            <a:schemeClr val="accent1"/>
+          </a:effectRef>
+          <a:fontRef idx="minor">
+            <a:schemeClr val="lt1"/>
+          </a:fontRef>
+        </p:style>
+        <p:txBody>
+          <a:bodyPr rtlCol="0" anchor="ctr"/>
+          <a:lstStyle/>
+          <a:p>
+            <a:pPr algn="ctr"/>
+            <a:endParaRPr lang="en-NZ"/>
+          </a:p>
+        </p:txBody>
+      </p:sp>
+      <p:sp>
+        <p:nvSpPr>
+          <p:cNvPr id="12" name="TextBox 11">
+            <a:extLst>
+              <a:ext uri="{FF2B5EF4-FFF2-40B4-BE49-F238E27FC236}">
+                <a16:creationId xmlns:a16="http://schemas.microsoft.com/office/drawing/2014/main" id="{C9E9DD23-1EE7-23A3-5299-8CE3ADDC7E90}"/>
+              </a:ext>
+            </a:extLst>
+          </p:cNvPr>
+          <p:cNvSpPr txBox="1"/>
+          <p:nvPr/>
+        </p:nvSpPr>
+        <p:spPr>
+          <a:xfrm>
+            <a:off x="4244048" y="1419141"/>
+            <a:ext cx="2232821" cy="461665"/>
           </a:xfrm>
           <a:prstGeom prst="rect">
             <a:avLst/>
@@ -10097,143 +13155,290 @@
           <a:noFill/>
         </p:spPr>
         <p:txBody>
-          <a:bodyPr wrap="none" rtlCol="0">
+          <a:bodyPr wrap="square" rtlCol="0">
             <a:spAutoFit/>
           </a:bodyPr>
           <a:lstStyle/>
           <a:p>
             <a:r>
-              <a:rPr lang="en-US"/>
-              <a:t>Operators</a:t>
-            </a:r>
-            <a:endParaRPr lang="en-NZ"/>
-          </a:p>
-        </p:txBody>
-      </p:sp>
-      <p:pic>
-        <p:nvPicPr>
-          <p:cNvPr id="8" name="Picture 7">
-            <a:extLst>
-              <a:ext uri="{FF2B5EF4-FFF2-40B4-BE49-F238E27FC236}">
-                <a16:creationId xmlns:a16="http://schemas.microsoft.com/office/drawing/2014/main" id="{3809DDA1-BB6F-4D7F-BB6A-5791DC78453C}"/>
-              </a:ext>
-            </a:extLst>
-          </p:cNvPr>
-          <p:cNvPicPr>
-            <a:picLocks noChangeAspect="1"/>
-          </p:cNvPicPr>
+              <a:rPr lang="en-NZ" sz="1200" dirty="0"/>
+              <a:t>Click “Run” or hit CTRL + ENTER to send code to console</a:t>
+            </a:r>
+          </a:p>
+        </p:txBody>
+      </p:sp>
+      <p:sp>
+        <p:nvSpPr>
+          <p:cNvPr id="13" name="TextBox 12">
+            <a:extLst>
+              <a:ext uri="{FF2B5EF4-FFF2-40B4-BE49-F238E27FC236}">
+                <a16:creationId xmlns:a16="http://schemas.microsoft.com/office/drawing/2014/main" id="{B23F3B39-D9D1-3E4D-E439-B3A9D281470B}"/>
+              </a:ext>
+            </a:extLst>
+          </p:cNvPr>
+          <p:cNvSpPr txBox="1"/>
           <p:nvPr/>
-        </p:nvPicPr>
-        <p:blipFill>
-          <a:blip r:embed="rId3"/>
-          <a:stretch>
-            <a:fillRect/>
-          </a:stretch>
-        </p:blipFill>
+        </p:nvSpPr>
         <p:spPr>
           <a:xfrm>
-            <a:off x="5928220" y="1246887"/>
-            <a:ext cx="6049219" cy="2152950"/>
+            <a:off x="632298" y="1956816"/>
+            <a:ext cx="2897286" cy="1754326"/>
           </a:xfrm>
           <a:prstGeom prst="rect">
             <a:avLst/>
           </a:prstGeom>
+          <a:noFill/>
           <a:ln>
-            <a:noFill/>
+            <a:solidFill>
+              <a:schemeClr val="tx1"/>
+            </a:solidFill>
           </a:ln>
-          <a:effectLst>
-            <a:outerShdw blurRad="292100" dist="139700" dir="2700000" algn="tl" rotWithShape="0">
-              <a:srgbClr val="333333">
-                <a:alpha val="65000"/>
-              </a:srgbClr>
-            </a:outerShdw>
-          </a:effectLst>
         </p:spPr>
-      </p:pic>
-      <p:pic>
-        <p:nvPicPr>
-          <p:cNvPr id="10" name="Picture 9">
-            <a:extLst>
-              <a:ext uri="{FF2B5EF4-FFF2-40B4-BE49-F238E27FC236}">
-                <a16:creationId xmlns:a16="http://schemas.microsoft.com/office/drawing/2014/main" id="{DD257013-A0B9-4ACA-A42D-E7C1D2F6E7B6}"/>
-              </a:ext>
-            </a:extLst>
-          </p:cNvPr>
-          <p:cNvPicPr>
-            <a:picLocks noChangeAspect="1"/>
-          </p:cNvPicPr>
+        <p:txBody>
+          <a:bodyPr wrap="square" rtlCol="0">
+            <a:spAutoFit/>
+          </a:bodyPr>
+          <a:lstStyle/>
+          <a:p>
+            <a:r>
+              <a:rPr lang="en-NZ" dirty="0"/>
+              <a:t>This is where you write your code!</a:t>
+            </a:r>
+          </a:p>
+          <a:p>
+            <a:endParaRPr lang="en-NZ" dirty="0"/>
+          </a:p>
+          <a:p>
+            <a:r>
+              <a:rPr lang="en-NZ" dirty="0"/>
+              <a:t>Your code will not be evaluated until you “Run” to the console</a:t>
+            </a:r>
+          </a:p>
+        </p:txBody>
+      </p:sp>
+      <p:sp>
+        <p:nvSpPr>
+          <p:cNvPr id="14" name="TextBox 13">
+            <a:extLst>
+              <a:ext uri="{FF2B5EF4-FFF2-40B4-BE49-F238E27FC236}">
+                <a16:creationId xmlns:a16="http://schemas.microsoft.com/office/drawing/2014/main" id="{89A42016-C3C8-C677-24EC-95577B36F43F}"/>
+              </a:ext>
+            </a:extLst>
+          </p:cNvPr>
+          <p:cNvSpPr txBox="1"/>
           <p:nvPr/>
-        </p:nvPicPr>
-        <p:blipFill>
-          <a:blip r:embed="rId4"/>
-          <a:stretch>
-            <a:fillRect/>
-          </a:stretch>
-        </p:blipFill>
+        </p:nvSpPr>
         <p:spPr>
           <a:xfrm>
-            <a:off x="587229" y="3894182"/>
-            <a:ext cx="4870777" cy="2546262"/>
+            <a:off x="7037895" y="1979429"/>
+            <a:ext cx="4273620" cy="646331"/>
           </a:xfrm>
           <a:prstGeom prst="rect">
             <a:avLst/>
           </a:prstGeom>
+          <a:solidFill>
+            <a:schemeClr val="bg1"/>
+          </a:solidFill>
           <a:ln>
-            <a:noFill/>
+            <a:solidFill>
+              <a:schemeClr val="tx1"/>
+            </a:solidFill>
           </a:ln>
-          <a:effectLst>
-            <a:outerShdw blurRad="292100" dist="139700" dir="2700000" algn="tl" rotWithShape="0">
-              <a:srgbClr val="333333">
-                <a:alpha val="65000"/>
-              </a:srgbClr>
-            </a:outerShdw>
-          </a:effectLst>
         </p:spPr>
-      </p:pic>
-      <p:pic>
-        <p:nvPicPr>
-          <p:cNvPr id="12" name="Picture 11">
-            <a:extLst>
-              <a:ext uri="{FF2B5EF4-FFF2-40B4-BE49-F238E27FC236}">
-                <a16:creationId xmlns:a16="http://schemas.microsoft.com/office/drawing/2014/main" id="{C49F760C-C366-4D74-8830-895C8024EB3C}"/>
-              </a:ext>
-            </a:extLst>
-          </p:cNvPr>
-          <p:cNvPicPr>
-            <a:picLocks noChangeAspect="1"/>
-          </p:cNvPicPr>
+        <p:txBody>
+          <a:bodyPr wrap="square" rtlCol="0">
+            <a:spAutoFit/>
+          </a:bodyPr>
+          <a:lstStyle/>
+          <a:p>
+            <a:r>
+              <a:rPr lang="en-NZ" dirty="0"/>
+              <a:t>Here you can see what objects are in your workspace</a:t>
+            </a:r>
+          </a:p>
+        </p:txBody>
+      </p:sp>
+      <p:sp>
+        <p:nvSpPr>
+          <p:cNvPr id="15" name="TextBox 14">
+            <a:extLst>
+              <a:ext uri="{FF2B5EF4-FFF2-40B4-BE49-F238E27FC236}">
+                <a16:creationId xmlns:a16="http://schemas.microsoft.com/office/drawing/2014/main" id="{9EA90995-7E19-689F-2C4B-C04DC9AC7EA0}"/>
+              </a:ext>
+            </a:extLst>
+          </p:cNvPr>
+          <p:cNvSpPr txBox="1"/>
           <p:nvPr/>
-        </p:nvPicPr>
-        <p:blipFill>
-          <a:blip r:embed="rId5"/>
-          <a:stretch>
-            <a:fillRect/>
-          </a:stretch>
-        </p:blipFill>
+        </p:nvSpPr>
         <p:spPr>
           <a:xfrm>
-            <a:off x="5928220" y="3894182"/>
-            <a:ext cx="6058746" cy="2610214"/>
+            <a:off x="7399643" y="3985964"/>
+            <a:ext cx="4148701" cy="369332"/>
           </a:xfrm>
           <a:prstGeom prst="rect">
             <a:avLst/>
           </a:prstGeom>
+          <a:solidFill>
+            <a:schemeClr val="bg1"/>
+          </a:solidFill>
+          <a:ln w="38100">
+            <a:solidFill>
+              <a:schemeClr val="tx1"/>
+            </a:solidFill>
+          </a:ln>
+        </p:spPr>
+        <p:txBody>
+          <a:bodyPr wrap="square" rtlCol="0">
+            <a:spAutoFit/>
+          </a:bodyPr>
+          <a:lstStyle/>
+          <a:p>
+            <a:r>
+              <a:rPr lang="en-NZ" b="1" dirty="0"/>
+              <a:t>4.  FILES/PLOTS/PACKAGES/HELP</a:t>
+            </a:r>
+          </a:p>
+        </p:txBody>
+      </p:sp>
+      <p:sp>
+        <p:nvSpPr>
+          <p:cNvPr id="16" name="TextBox 15">
+            <a:extLst>
+              <a:ext uri="{FF2B5EF4-FFF2-40B4-BE49-F238E27FC236}">
+                <a16:creationId xmlns:a16="http://schemas.microsoft.com/office/drawing/2014/main" id="{053D5C61-CF2D-0513-8A36-F641954A45D3}"/>
+              </a:ext>
+            </a:extLst>
+          </p:cNvPr>
+          <p:cNvSpPr txBox="1"/>
+          <p:nvPr/>
+        </p:nvSpPr>
+        <p:spPr>
+          <a:xfrm>
+            <a:off x="7399643" y="4583952"/>
+            <a:ext cx="4273620" cy="923330"/>
+          </a:xfrm>
+          <a:prstGeom prst="rect">
+            <a:avLst/>
+          </a:prstGeom>
+          <a:solidFill>
+            <a:schemeClr val="bg1"/>
+          </a:solidFill>
           <a:ln>
-            <a:noFill/>
+            <a:solidFill>
+              <a:schemeClr val="tx1"/>
+            </a:solidFill>
           </a:ln>
-          <a:effectLst>
-            <a:outerShdw blurRad="292100" dist="139700" dir="2700000" algn="tl" rotWithShape="0">
-              <a:srgbClr val="333333">
-                <a:alpha val="65000"/>
-              </a:srgbClr>
-            </a:outerShdw>
-          </a:effectLst>
         </p:spPr>
-      </p:pic>
+        <p:txBody>
+          <a:bodyPr wrap="square" rtlCol="0">
+            <a:spAutoFit/>
+          </a:bodyPr>
+          <a:lstStyle/>
+          <a:p>
+            <a:r>
+              <a:rPr lang="en-NZ" dirty="0"/>
+              <a:t>Here you can see file directories, view plots, browse packages, and access R Help</a:t>
+            </a:r>
+          </a:p>
+        </p:txBody>
+      </p:sp>
+      <p:sp>
+        <p:nvSpPr>
+          <p:cNvPr id="17" name="TextBox 16">
+            <a:extLst>
+              <a:ext uri="{FF2B5EF4-FFF2-40B4-BE49-F238E27FC236}">
+                <a16:creationId xmlns:a16="http://schemas.microsoft.com/office/drawing/2014/main" id="{3ADB1F15-F335-244A-5BFD-2505685A665D}"/>
+              </a:ext>
+            </a:extLst>
+          </p:cNvPr>
+          <p:cNvSpPr txBox="1"/>
+          <p:nvPr/>
+        </p:nvSpPr>
+        <p:spPr>
+          <a:xfrm>
+            <a:off x="289237" y="4471236"/>
+            <a:ext cx="1680966" cy="369332"/>
+          </a:xfrm>
+          <a:prstGeom prst="rect">
+            <a:avLst/>
+          </a:prstGeom>
+          <a:solidFill>
+            <a:schemeClr val="bg1"/>
+          </a:solidFill>
+          <a:ln w="38100">
+            <a:solidFill>
+              <a:schemeClr val="tx1"/>
+            </a:solidFill>
+          </a:ln>
+        </p:spPr>
+        <p:txBody>
+          <a:bodyPr wrap="square" rtlCol="0">
+            <a:spAutoFit/>
+          </a:bodyPr>
+          <a:lstStyle/>
+          <a:p>
+            <a:r>
+              <a:rPr lang="en-NZ" b="1" dirty="0"/>
+              <a:t>3. CONSOLE</a:t>
+            </a:r>
+          </a:p>
+        </p:txBody>
+      </p:sp>
+      <p:sp>
+        <p:nvSpPr>
+          <p:cNvPr id="18" name="TextBox 17">
+            <a:extLst>
+              <a:ext uri="{FF2B5EF4-FFF2-40B4-BE49-F238E27FC236}">
+                <a16:creationId xmlns:a16="http://schemas.microsoft.com/office/drawing/2014/main" id="{34A04514-FFE1-812C-E8B4-3A767FF055A8}"/>
+              </a:ext>
+            </a:extLst>
+          </p:cNvPr>
+          <p:cNvSpPr txBox="1"/>
+          <p:nvPr/>
+        </p:nvSpPr>
+        <p:spPr>
+          <a:xfrm>
+            <a:off x="289236" y="5069224"/>
+            <a:ext cx="4273620" cy="1477328"/>
+          </a:xfrm>
+          <a:prstGeom prst="rect">
+            <a:avLst/>
+          </a:prstGeom>
+          <a:solidFill>
+            <a:schemeClr val="bg1"/>
+          </a:solidFill>
+          <a:ln>
+            <a:solidFill>
+              <a:schemeClr val="tx1"/>
+            </a:solidFill>
+          </a:ln>
+        </p:spPr>
+        <p:txBody>
+          <a:bodyPr wrap="square" rtlCol="0">
+            <a:spAutoFit/>
+          </a:bodyPr>
+          <a:lstStyle/>
+          <a:p>
+            <a:r>
+              <a:rPr lang="en-NZ" dirty="0"/>
+              <a:t>This is where your code from the Source is run by R.</a:t>
+            </a:r>
+          </a:p>
+          <a:p>
+            <a:endParaRPr lang="en-NZ" dirty="0"/>
+          </a:p>
+          <a:p>
+            <a:r>
+              <a:rPr lang="en-NZ" dirty="0"/>
+              <a:t>You can also use the console to perform actions you don’t need to save</a:t>
+            </a:r>
+          </a:p>
+        </p:txBody>
+      </p:sp>
     </p:spTree>
     <p:extLst>
       <p:ext uri="{BB962C8B-B14F-4D97-AF65-F5344CB8AC3E}">
-        <p14:creationId xmlns:p14="http://schemas.microsoft.com/office/powerpoint/2010/main" val="3372727847"/>
+        <p14:creationId xmlns:p14="http://schemas.microsoft.com/office/powerpoint/2010/main" val="1659628676"/>
       </p:ext>
     </p:extLst>
   </p:cSld>
@@ -10265,7 +13470,7 @@
           <p:cNvPr id="2" name="Title 1">
             <a:extLst>
               <a:ext uri="{FF2B5EF4-FFF2-40B4-BE49-F238E27FC236}">
-                <a16:creationId xmlns:a16="http://schemas.microsoft.com/office/drawing/2014/main" id="{6899BA41-0636-741F-6F3C-F6D758386E3F}"/>
+                <a16:creationId xmlns:a16="http://schemas.microsoft.com/office/drawing/2014/main" id="{3FFF4BD0-4986-81BF-0737-276F553F9322}"/>
               </a:ext>
             </a:extLst>
           </p:cNvPr>
@@ -10282,18 +13487,46 @@
           <a:lstStyle/>
           <a:p>
             <a:r>
-              <a:rPr lang="en-NZ"/>
-              <a:t>Project-oriented Workflows</a:t>
+              <a:rPr lang="en-NZ" dirty="0"/>
+              <a:t>Creating objects in R</a:t>
+            </a:r>
+          </a:p>
+        </p:txBody>
+      </p:sp>
+      <p:sp>
+        <p:nvSpPr>
+          <p:cNvPr id="3" name="Content Placeholder 2">
+            <a:extLst>
+              <a:ext uri="{FF2B5EF4-FFF2-40B4-BE49-F238E27FC236}">
+                <a16:creationId xmlns:a16="http://schemas.microsoft.com/office/drawing/2014/main" id="{FB8B0742-41DD-84CE-8DCC-9ABADC95E599}"/>
+              </a:ext>
+            </a:extLst>
+          </p:cNvPr>
+          <p:cNvSpPr>
+            <a:spLocks noGrp="1"/>
+          </p:cNvSpPr>
+          <p:nvPr>
+            <p:ph idx="1"/>
+          </p:nvPr>
+        </p:nvSpPr>
+        <p:spPr/>
+        <p:txBody>
+          <a:bodyPr/>
+          <a:lstStyle/>
+          <a:p>
+            <a:r>
+              <a:rPr lang="en-NZ" dirty="0"/>
+              <a:t>You can type code in the editor or the console. Run code from the editor to source into the console (hit ‘Run’ or CTRL + ENTER with your cursor anywhere in the line of code)</a:t>
             </a:r>
           </a:p>
         </p:txBody>
       </p:sp>
       <p:pic>
         <p:nvPicPr>
-          <p:cNvPr id="7" name="Picture 6">
-            <a:extLst>
-              <a:ext uri="{FF2B5EF4-FFF2-40B4-BE49-F238E27FC236}">
-                <a16:creationId xmlns:a16="http://schemas.microsoft.com/office/drawing/2014/main" id="{57863765-5ED4-207C-0F51-9BB570DC776D}"/>
+          <p:cNvPr id="5" name="Picture 4">
+            <a:extLst>
+              <a:ext uri="{FF2B5EF4-FFF2-40B4-BE49-F238E27FC236}">
+                <a16:creationId xmlns:a16="http://schemas.microsoft.com/office/drawing/2014/main" id="{75205E0B-D224-161F-0807-DFAA6BF8481F}"/>
               </a:ext>
             </a:extLst>
           </p:cNvPr>
@@ -10310,8 +13543,8 @@
         </p:blipFill>
         <p:spPr>
           <a:xfrm>
-            <a:off x="348724" y="3208454"/>
-            <a:ext cx="5839640" cy="590632"/>
+            <a:off x="1137545" y="5634458"/>
+            <a:ext cx="9564435" cy="609685"/>
           </a:xfrm>
           <a:prstGeom prst="rect">
             <a:avLst/>
@@ -10320,10 +13553,10 @@
       </p:pic>
       <p:pic>
         <p:nvPicPr>
-          <p:cNvPr id="9" name="Picture 8">
-            <a:extLst>
-              <a:ext uri="{FF2B5EF4-FFF2-40B4-BE49-F238E27FC236}">
-                <a16:creationId xmlns:a16="http://schemas.microsoft.com/office/drawing/2014/main" id="{16886480-5E18-3B1A-C9DD-BD7AF2201D71}"/>
+          <p:cNvPr id="7" name="Picture 6">
+            <a:extLst>
+              <a:ext uri="{FF2B5EF4-FFF2-40B4-BE49-F238E27FC236}">
+                <a16:creationId xmlns:a16="http://schemas.microsoft.com/office/drawing/2014/main" id="{CC02E646-A224-233E-6546-69D376772374}"/>
               </a:ext>
             </a:extLst>
           </p:cNvPr>
@@ -10334,224 +13567,88 @@
         </p:nvPicPr>
         <p:blipFill>
           <a:blip r:embed="rId3"/>
-          <a:srcRect r="17002"/>
-          <a:stretch/>
+          <a:stretch>
+            <a:fillRect/>
+          </a:stretch>
         </p:blipFill>
         <p:spPr>
           <a:xfrm>
-            <a:off x="7598990" y="1042467"/>
-            <a:ext cx="4419828" cy="2257740"/>
+            <a:off x="1137545" y="3716421"/>
+            <a:ext cx="9916909" cy="1105054"/>
           </a:xfrm>
           <a:prstGeom prst="rect">
             <a:avLst/>
           </a:prstGeom>
         </p:spPr>
       </p:pic>
-      <p:pic>
-        <p:nvPicPr>
-          <p:cNvPr id="11" name="Picture 10">
-            <a:extLst>
-              <a:ext uri="{FF2B5EF4-FFF2-40B4-BE49-F238E27FC236}">
-                <a16:creationId xmlns:a16="http://schemas.microsoft.com/office/drawing/2014/main" id="{CB9777C2-AEB0-55D1-BAA1-E7E220C3A320}"/>
-              </a:ext>
-            </a:extLst>
-          </p:cNvPr>
-          <p:cNvPicPr>
-            <a:picLocks noChangeAspect="1"/>
-          </p:cNvPicPr>
+      <p:sp>
+        <p:nvSpPr>
+          <p:cNvPr id="8" name="TextBox 7">
+            <a:extLst>
+              <a:ext uri="{FF2B5EF4-FFF2-40B4-BE49-F238E27FC236}">
+                <a16:creationId xmlns:a16="http://schemas.microsoft.com/office/drawing/2014/main" id="{DD3AC0EA-76DC-5196-B11E-D925483CCBED}"/>
+              </a:ext>
+            </a:extLst>
+          </p:cNvPr>
+          <p:cNvSpPr txBox="1"/>
           <p:nvPr/>
-        </p:nvPicPr>
-        <p:blipFill>
-          <a:blip r:embed="rId4"/>
-          <a:stretch>
-            <a:fillRect/>
-          </a:stretch>
-        </p:blipFill>
+        </p:nvSpPr>
         <p:spPr>
           <a:xfrm>
-            <a:off x="348724" y="4152851"/>
-            <a:ext cx="10402752" cy="362001"/>
-          </a:xfrm>
-          <a:prstGeom prst="rect">
-            <a:avLst/>
-          </a:prstGeom>
-        </p:spPr>
-      </p:pic>
-      <p:pic>
-        <p:nvPicPr>
-          <p:cNvPr id="17" name="Picture 16">
-            <a:extLst>
-              <a:ext uri="{FF2B5EF4-FFF2-40B4-BE49-F238E27FC236}">
-                <a16:creationId xmlns:a16="http://schemas.microsoft.com/office/drawing/2014/main" id="{3672FE20-8720-DA85-C946-951CB6393BCC}"/>
-              </a:ext>
-            </a:extLst>
-          </p:cNvPr>
-          <p:cNvPicPr>
-            <a:picLocks noChangeAspect="1"/>
-          </p:cNvPicPr>
-          <p:nvPr/>
-        </p:nvPicPr>
-        <p:blipFill>
-          <a:blip r:embed="rId5"/>
-          <a:stretch>
-            <a:fillRect/>
-          </a:stretch>
-        </p:blipFill>
-        <p:spPr>
-          <a:xfrm>
-            <a:off x="10885185" y="478123"/>
-            <a:ext cx="1133633" cy="457264"/>
-          </a:xfrm>
-          <a:prstGeom prst="rect">
-            <a:avLst/>
-          </a:prstGeom>
-        </p:spPr>
-      </p:pic>
-      <p:pic>
-        <p:nvPicPr>
-          <p:cNvPr id="19" name="Picture 18">
-            <a:extLst>
-              <a:ext uri="{FF2B5EF4-FFF2-40B4-BE49-F238E27FC236}">
-                <a16:creationId xmlns:a16="http://schemas.microsoft.com/office/drawing/2014/main" id="{987D5D12-4F82-B57D-9891-2A011ED7BC05}"/>
-              </a:ext>
-            </a:extLst>
-          </p:cNvPr>
-          <p:cNvPicPr>
-            <a:picLocks noChangeAspect="1"/>
-          </p:cNvPicPr>
-          <p:nvPr/>
-        </p:nvPicPr>
-        <p:blipFill>
-          <a:blip r:embed="rId6"/>
-          <a:stretch>
-            <a:fillRect/>
-          </a:stretch>
-        </p:blipFill>
-        <p:spPr>
-          <a:xfrm>
-            <a:off x="377303" y="5152166"/>
-            <a:ext cx="5172797" cy="495369"/>
-          </a:xfrm>
-          <a:prstGeom prst="rect">
-            <a:avLst/>
-          </a:prstGeom>
-        </p:spPr>
-      </p:pic>
-      <p:pic>
-        <p:nvPicPr>
-          <p:cNvPr id="1026" name="Picture 2" descr="Thumbs Down Vector Art, Icons, and ...">
-            <a:extLst>
-              <a:ext uri="{FF2B5EF4-FFF2-40B4-BE49-F238E27FC236}">
-                <a16:creationId xmlns:a16="http://schemas.microsoft.com/office/drawing/2014/main" id="{9CCBE4C5-79B6-5552-30A0-9C16440B42E6}"/>
-              </a:ext>
-            </a:extLst>
-          </p:cNvPr>
-          <p:cNvPicPr>
-            <a:picLocks noChangeAspect="1" noChangeArrowheads="1"/>
-          </p:cNvPicPr>
-          <p:nvPr/>
-        </p:nvPicPr>
-        <p:blipFill>
-          <a:blip r:embed="rId7">
-            <a:extLst>
-              <a:ext uri="{28A0092B-C50C-407E-A947-70E740481C1C}">
-                <a14:useLocalDpi xmlns:a14="http://schemas.microsoft.com/office/drawing/2010/main" val="0"/>
-              </a:ext>
-            </a:extLst>
-          </a:blip>
-          <a:srcRect/>
-          <a:stretch>
-            <a:fillRect/>
-          </a:stretch>
-        </p:blipFill>
-        <p:spPr bwMode="auto">
-          <a:xfrm>
-            <a:off x="10769077" y="3759261"/>
-            <a:ext cx="1422923" cy="1422923"/>
+            <a:off x="1137545" y="3279909"/>
+            <a:ext cx="1488332" cy="369332"/>
           </a:xfrm>
           <a:prstGeom prst="rect">
             <a:avLst/>
           </a:prstGeom>
           <a:noFill/>
-          <a:extLst>
-            <a:ext uri="{909E8E84-426E-40DD-AFC4-6F175D3DCCD1}">
-              <a14:hiddenFill xmlns:a14="http://schemas.microsoft.com/office/drawing/2010/main">
-                <a:solidFill>
-                  <a:srgbClr val="FFFFFF"/>
-                </a:solidFill>
-              </a14:hiddenFill>
-            </a:ext>
-          </a:extLst>
+          <a:ln w="38100">
+            <a:solidFill>
+              <a:schemeClr val="tx1"/>
+            </a:solidFill>
+          </a:ln>
         </p:spPr>
-      </p:pic>
-      <p:pic>
-        <p:nvPicPr>
-          <p:cNvPr id="1028" name="Picture 4" descr="Thumbs Up Images Png Free PNG Images ...">
-            <a:extLst>
-              <a:ext uri="{FF2B5EF4-FFF2-40B4-BE49-F238E27FC236}">
-                <a16:creationId xmlns:a16="http://schemas.microsoft.com/office/drawing/2014/main" id="{07EBE7D5-E719-2887-6853-54E08700CD59}"/>
-              </a:ext>
-            </a:extLst>
-          </p:cNvPr>
-          <p:cNvPicPr>
-            <a:picLocks noChangeAspect="1" noChangeArrowheads="1"/>
-          </p:cNvPicPr>
+        <p:txBody>
+          <a:bodyPr wrap="square" rtlCol="0">
+            <a:spAutoFit/>
+          </a:bodyPr>
+          <a:lstStyle/>
+          <a:p>
+            <a:r>
+              <a:rPr lang="en-NZ" b="1" dirty="0"/>
+              <a:t>SOURCE</a:t>
+            </a:r>
+          </a:p>
+        </p:txBody>
+      </p:sp>
+      <p:sp>
+        <p:nvSpPr>
+          <p:cNvPr id="9" name="TextBox 8">
+            <a:extLst>
+              <a:ext uri="{FF2B5EF4-FFF2-40B4-BE49-F238E27FC236}">
+                <a16:creationId xmlns:a16="http://schemas.microsoft.com/office/drawing/2014/main" id="{454BA6BD-B457-D532-2F27-EA7951EB9B9B}"/>
+              </a:ext>
+            </a:extLst>
+          </p:cNvPr>
+          <p:cNvSpPr txBox="1"/>
           <p:nvPr/>
-        </p:nvPicPr>
-        <p:blipFill>
-          <a:blip r:embed="rId8">
-            <a:extLst>
-              <a:ext uri="{28A0092B-C50C-407E-A947-70E740481C1C}">
-                <a14:useLocalDpi xmlns:a14="http://schemas.microsoft.com/office/drawing/2010/main" val="0"/>
-              </a:ext>
-            </a:extLst>
-          </a:blip>
-          <a:srcRect/>
-          <a:stretch>
-            <a:fillRect/>
-          </a:stretch>
-        </p:blipFill>
-        <p:spPr bwMode="auto">
+        </p:nvSpPr>
+        <p:spPr>
           <a:xfrm>
-            <a:off x="5930440" y="4763283"/>
-            <a:ext cx="1422924" cy="1507777"/>
+            <a:off x="1137545" y="5180726"/>
+            <a:ext cx="1680966" cy="369332"/>
           </a:xfrm>
           <a:prstGeom prst="rect">
             <a:avLst/>
           </a:prstGeom>
-          <a:noFill/>
-          <a:extLst>
-            <a:ext uri="{909E8E84-426E-40DD-AFC4-6F175D3DCCD1}">
-              <a14:hiddenFill xmlns:a14="http://schemas.microsoft.com/office/drawing/2010/main">
-                <a:solidFill>
-                  <a:srgbClr val="FFFFFF"/>
-                </a:solidFill>
-              </a14:hiddenFill>
-            </a:ext>
-          </a:extLst>
-        </p:spPr>
-      </p:pic>
-      <p:sp>
-        <p:nvSpPr>
-          <p:cNvPr id="20" name="TextBox 19">
-            <a:extLst>
-              <a:ext uri="{FF2B5EF4-FFF2-40B4-BE49-F238E27FC236}">
-                <a16:creationId xmlns:a16="http://schemas.microsoft.com/office/drawing/2014/main" id="{DC55D4FF-FCBA-04B6-F1E7-5CDAAFA5944F}"/>
-              </a:ext>
-            </a:extLst>
-          </p:cNvPr>
-          <p:cNvSpPr txBox="1"/>
-          <p:nvPr/>
-        </p:nvSpPr>
-        <p:spPr>
-          <a:xfrm>
-            <a:off x="1330035" y="1510728"/>
-            <a:ext cx="5347855" cy="707886"/>
-          </a:xfrm>
-          <a:prstGeom prst="rect">
-            <a:avLst/>
-          </a:prstGeom>
-          <a:noFill/>
+          <a:solidFill>
+            <a:schemeClr val="bg1"/>
+          </a:solidFill>
+          <a:ln w="38100">
+            <a:solidFill>
+              <a:schemeClr val="tx1"/>
+            </a:solidFill>
+          </a:ln>
         </p:spPr>
         <p:txBody>
           <a:bodyPr wrap="square" rtlCol="0">
@@ -10559,23 +13656,9 @@
           </a:bodyPr>
           <a:lstStyle/>
           <a:p>
-            <a:pPr marL="285750" indent="-285750">
-              <a:buFont typeface="Arial" panose="020B0604020202020204" pitchFamily="34" charset="0"/>
-              <a:buChar char="•"/>
-            </a:pPr>
-            <a:r>
-              <a:rPr lang="en-NZ" sz="2000"/>
-              <a:t>Enables repeatability (for yourself)</a:t>
-            </a:r>
-          </a:p>
-          <a:p>
-            <a:pPr marL="285750" indent="-285750">
-              <a:buFont typeface="Arial" panose="020B0604020202020204" pitchFamily="34" charset="0"/>
-              <a:buChar char="•"/>
-            </a:pPr>
-            <a:r>
-              <a:rPr lang="en-NZ" sz="2000"/>
-              <a:t>Enables reproducibility (for someone else)</a:t>
+            <a:r>
+              <a:rPr lang="en-NZ" b="1" dirty="0"/>
+              <a:t>CONSOLE</a:t>
             </a:r>
           </a:p>
         </p:txBody>
@@ -10583,7 +13666,7 @@
     </p:spTree>
     <p:extLst>
       <p:ext uri="{BB962C8B-B14F-4D97-AF65-F5344CB8AC3E}">
-        <p14:creationId xmlns:p14="http://schemas.microsoft.com/office/powerpoint/2010/main" val="1174405677"/>
+        <p14:creationId xmlns:p14="http://schemas.microsoft.com/office/powerpoint/2010/main" val="1973130145"/>
       </p:ext>
     </p:extLst>
   </p:cSld>
@@ -10598,7 +13681,13 @@
   <p:cSld>
     <p:spTree>
       <p:nvGrpSpPr>
-        <p:cNvPr id="1" name=""/>
+        <p:cNvPr id="1" name="">
+          <a:extLst>
+            <a:ext uri="{FF2B5EF4-FFF2-40B4-BE49-F238E27FC236}">
+              <a16:creationId xmlns:a16="http://schemas.microsoft.com/office/drawing/2014/main" id="{E719EDFC-26DB-9322-F5AF-9337424DD067}"/>
+            </a:ext>
+          </a:extLst>
+        </p:cNvPr>
         <p:cNvGrpSpPr/>
         <p:nvPr/>
       </p:nvGrpSpPr>
@@ -10615,7 +13704,7 @@
           <p:cNvPr id="2" name="Title 1">
             <a:extLst>
               <a:ext uri="{FF2B5EF4-FFF2-40B4-BE49-F238E27FC236}">
-                <a16:creationId xmlns:a16="http://schemas.microsoft.com/office/drawing/2014/main" id="{0E3B55EA-E157-ED47-AA45-B3CED349C012}"/>
+                <a16:creationId xmlns:a16="http://schemas.microsoft.com/office/drawing/2014/main" id="{9F16EA10-C62A-31B0-6454-AFF9B85E43B0}"/>
               </a:ext>
             </a:extLst>
           </p:cNvPr>
@@ -10632,8 +13721,8 @@
           <a:lstStyle/>
           <a:p>
             <a:r>
-              <a:rPr lang="en-NZ"/>
-              <a:t>Setting up a “Project” in R</a:t>
+              <a:rPr lang="en-NZ" dirty="0"/>
+              <a:t>Creating objects in R</a:t>
             </a:r>
           </a:p>
         </p:txBody>
@@ -10643,7 +13732,7 @@
           <p:cNvPr id="3" name="Content Placeholder 2">
             <a:extLst>
               <a:ext uri="{FF2B5EF4-FFF2-40B4-BE49-F238E27FC236}">
-                <a16:creationId xmlns:a16="http://schemas.microsoft.com/office/drawing/2014/main" id="{45DE22BE-2708-1BDA-02F3-278D3F163E61}"/>
+                <a16:creationId xmlns:a16="http://schemas.microsoft.com/office/drawing/2014/main" id="{D0F2C80A-8435-F725-0191-B692C106646B}"/>
               </a:ext>
             </a:extLst>
           </p:cNvPr>
@@ -10654,40 +13743,106 @@
             <p:ph idx="1"/>
           </p:nvPr>
         </p:nvSpPr>
+        <p:spPr/>
+        <p:txBody>
+          <a:bodyPr/>
+          <a:lstStyle/>
+          <a:p>
+            <a:r>
+              <a:rPr lang="en-NZ" dirty="0"/>
+              <a:t>R is object-oriented. You can create and modify objects in R sequentially</a:t>
+            </a:r>
+          </a:p>
+        </p:txBody>
+      </p:sp>
+      <p:sp>
+        <p:nvSpPr>
+          <p:cNvPr id="8" name="TextBox 7">
+            <a:extLst>
+              <a:ext uri="{FF2B5EF4-FFF2-40B4-BE49-F238E27FC236}">
+                <a16:creationId xmlns:a16="http://schemas.microsoft.com/office/drawing/2014/main" id="{0AC2A61E-DF18-A7C4-8B68-D5E62FB9265F}"/>
+              </a:ext>
+            </a:extLst>
+          </p:cNvPr>
+          <p:cNvSpPr txBox="1"/>
+          <p:nvPr/>
+        </p:nvSpPr>
         <p:spPr>
           <a:xfrm>
-            <a:off x="838200" y="1825625"/>
-            <a:ext cx="5190441" cy="4351338"/>
+            <a:off x="1233862" y="2755565"/>
+            <a:ext cx="1488332" cy="369332"/>
           </a:xfrm>
+          <a:prstGeom prst="rect">
+            <a:avLst/>
+          </a:prstGeom>
+          <a:noFill/>
+          <a:ln w="38100">
+            <a:solidFill>
+              <a:schemeClr val="tx1"/>
+            </a:solidFill>
+          </a:ln>
         </p:spPr>
         <p:txBody>
-          <a:bodyPr/>
-          <a:lstStyle/>
-          <a:p>
-            <a:r>
-              <a:rPr lang="en-NZ"/>
-              <a:t>Step 1: Open RStudio</a:t>
-            </a:r>
-          </a:p>
-          <a:p>
-            <a:r>
-              <a:rPr lang="en-NZ"/>
-              <a:t>Step 2: Select “New Project” in upper right in </a:t>
-            </a:r>
-            <a:r>
-              <a:rPr lang="en-NZ" err="1"/>
-              <a:t>Rstudio</a:t>
-            </a:r>
-            <a:endParaRPr lang="en-NZ"/>
+          <a:bodyPr wrap="square" rtlCol="0">
+            <a:spAutoFit/>
+          </a:bodyPr>
+          <a:lstStyle/>
+          <a:p>
+            <a:r>
+              <a:rPr lang="en-NZ" b="1" dirty="0"/>
+              <a:t>SOURCE</a:t>
+            </a:r>
+          </a:p>
+        </p:txBody>
+      </p:sp>
+      <p:sp>
+        <p:nvSpPr>
+          <p:cNvPr id="9" name="TextBox 8">
+            <a:extLst>
+              <a:ext uri="{FF2B5EF4-FFF2-40B4-BE49-F238E27FC236}">
+                <a16:creationId xmlns:a16="http://schemas.microsoft.com/office/drawing/2014/main" id="{8054F3B9-97BE-95D9-F60C-044898387046}"/>
+              </a:ext>
+            </a:extLst>
+          </p:cNvPr>
+          <p:cNvSpPr txBox="1"/>
+          <p:nvPr/>
+        </p:nvSpPr>
+        <p:spPr>
+          <a:xfrm>
+            <a:off x="1137545" y="5180726"/>
+            <a:ext cx="1680966" cy="369332"/>
+          </a:xfrm>
+          <a:prstGeom prst="rect">
+            <a:avLst/>
+          </a:prstGeom>
+          <a:solidFill>
+            <a:schemeClr val="bg1"/>
+          </a:solidFill>
+          <a:ln w="38100">
+            <a:solidFill>
+              <a:schemeClr val="tx1"/>
+            </a:solidFill>
+          </a:ln>
+        </p:spPr>
+        <p:txBody>
+          <a:bodyPr wrap="square" rtlCol="0">
+            <a:spAutoFit/>
+          </a:bodyPr>
+          <a:lstStyle/>
+          <a:p>
+            <a:r>
+              <a:rPr lang="en-NZ" b="1" dirty="0"/>
+              <a:t>CONSOLE</a:t>
+            </a:r>
           </a:p>
         </p:txBody>
       </p:sp>
       <p:pic>
         <p:nvPicPr>
-          <p:cNvPr id="5" name="Picture 4">
-            <a:extLst>
-              <a:ext uri="{FF2B5EF4-FFF2-40B4-BE49-F238E27FC236}">
-                <a16:creationId xmlns:a16="http://schemas.microsoft.com/office/drawing/2014/main" id="{091345EF-C472-73E1-EA89-1FFD558BAFEE}"/>
+          <p:cNvPr id="6" name="Picture 5">
+            <a:extLst>
+              <a:ext uri="{FF2B5EF4-FFF2-40B4-BE49-F238E27FC236}">
+                <a16:creationId xmlns:a16="http://schemas.microsoft.com/office/drawing/2014/main" id="{F168C18F-FA56-23EA-6983-C8F66C0555B1}"/>
               </a:ext>
             </a:extLst>
           </p:cNvPr>
@@ -10704,70 +13859,48 @@
         </p:blipFill>
         <p:spPr>
           <a:xfrm>
-            <a:off x="7981479" y="1690688"/>
-            <a:ext cx="3372321" cy="4544059"/>
+            <a:off x="1142308" y="3368941"/>
+            <a:ext cx="9907383" cy="1371791"/>
           </a:xfrm>
           <a:prstGeom prst="rect">
             <a:avLst/>
           </a:prstGeom>
         </p:spPr>
       </p:pic>
-      <p:sp>
-        <p:nvSpPr>
-          <p:cNvPr id="6" name="Rectangle 5">
-            <a:extLst>
-              <a:ext uri="{FF2B5EF4-FFF2-40B4-BE49-F238E27FC236}">
-                <a16:creationId xmlns:a16="http://schemas.microsoft.com/office/drawing/2014/main" id="{50D6393F-3CB5-4AB4-83CA-CCEFE10F3B52}"/>
-              </a:ext>
-            </a:extLst>
-          </p:cNvPr>
-          <p:cNvSpPr/>
+      <p:pic>
+        <p:nvPicPr>
+          <p:cNvPr id="11" name="Picture 10">
+            <a:extLst>
+              <a:ext uri="{FF2B5EF4-FFF2-40B4-BE49-F238E27FC236}">
+                <a16:creationId xmlns:a16="http://schemas.microsoft.com/office/drawing/2014/main" id="{950BD794-6A77-D88D-FD80-EFEC1A66BBBC}"/>
+              </a:ext>
+            </a:extLst>
+          </p:cNvPr>
+          <p:cNvPicPr>
+            <a:picLocks noChangeAspect="1"/>
+          </p:cNvPicPr>
           <p:nvPr/>
-        </p:nvSpPr>
+        </p:nvPicPr>
+        <p:blipFill>
+          <a:blip r:embed="rId3"/>
+          <a:stretch>
+            <a:fillRect/>
+          </a:stretch>
+        </p:blipFill>
         <p:spPr>
           <a:xfrm>
-            <a:off x="8735492" y="1952782"/>
-            <a:ext cx="1968759" cy="258992"/>
+            <a:off x="1109362" y="5791146"/>
+            <a:ext cx="9640645" cy="771633"/>
           </a:xfrm>
           <a:prstGeom prst="rect">
             <a:avLst/>
           </a:prstGeom>
-          <a:noFill/>
-          <a:ln w="28575">
-            <a:solidFill>
-              <a:srgbClr val="FF0000"/>
-            </a:solidFill>
-          </a:ln>
         </p:spPr>
-        <p:style>
-          <a:lnRef idx="2">
-            <a:schemeClr val="accent1">
-              <a:shade val="15000"/>
-            </a:schemeClr>
-          </a:lnRef>
-          <a:fillRef idx="1">
-            <a:schemeClr val="accent1"/>
-          </a:fillRef>
-          <a:effectRef idx="0">
-            <a:schemeClr val="accent1"/>
-          </a:effectRef>
-          <a:fontRef idx="minor">
-            <a:schemeClr val="lt1"/>
-          </a:fontRef>
-        </p:style>
-        <p:txBody>
-          <a:bodyPr rtlCol="0" anchor="ctr"/>
-          <a:lstStyle/>
-          <a:p>
-            <a:pPr algn="ctr"/>
-            <a:endParaRPr lang="en-NZ"/>
-          </a:p>
-        </p:txBody>
-      </p:sp>
+      </p:pic>
     </p:spTree>
     <p:extLst>
       <p:ext uri="{BB962C8B-B14F-4D97-AF65-F5344CB8AC3E}">
-        <p14:creationId xmlns:p14="http://schemas.microsoft.com/office/powerpoint/2010/main" val="1747411298"/>
+        <p14:creationId xmlns:p14="http://schemas.microsoft.com/office/powerpoint/2010/main" val="1539637338"/>
       </p:ext>
     </p:extLst>
   </p:cSld>
@@ -10782,7 +13915,13 @@
   <p:cSld>
     <p:spTree>
       <p:nvGrpSpPr>
-        <p:cNvPr id="1" name=""/>
+        <p:cNvPr id="1" name="">
+          <a:extLst>
+            <a:ext uri="{FF2B5EF4-FFF2-40B4-BE49-F238E27FC236}">
+              <a16:creationId xmlns:a16="http://schemas.microsoft.com/office/drawing/2014/main" id="{E412E780-0416-7E59-9FDF-936C1C48809B}"/>
+            </a:ext>
+          </a:extLst>
+        </p:cNvPr>
         <p:cNvGrpSpPr/>
         <p:nvPr/>
       </p:nvGrpSpPr>
@@ -10799,7 +13938,7 @@
           <p:cNvPr id="2" name="Title 1">
             <a:extLst>
               <a:ext uri="{FF2B5EF4-FFF2-40B4-BE49-F238E27FC236}">
-                <a16:creationId xmlns:a16="http://schemas.microsoft.com/office/drawing/2014/main" id="{0E3B55EA-E157-ED47-AA45-B3CED349C012}"/>
+                <a16:creationId xmlns:a16="http://schemas.microsoft.com/office/drawing/2014/main" id="{865C5087-09C9-24E1-07ED-D13A10CBFA5E}"/>
               </a:ext>
             </a:extLst>
           </p:cNvPr>
@@ -10816,8 +13955,8 @@
           <a:lstStyle/>
           <a:p>
             <a:r>
-              <a:rPr lang="en-NZ"/>
-              <a:t>Setting up a “Project” in R</a:t>
+              <a:rPr lang="en-NZ" dirty="0"/>
+              <a:t>Creating objects in R</a:t>
             </a:r>
           </a:p>
         </p:txBody>
@@ -10827,7 +13966,7 @@
           <p:cNvPr id="3" name="Content Placeholder 2">
             <a:extLst>
               <a:ext uri="{FF2B5EF4-FFF2-40B4-BE49-F238E27FC236}">
-                <a16:creationId xmlns:a16="http://schemas.microsoft.com/office/drawing/2014/main" id="{45DE22BE-2708-1BDA-02F3-278D3F163E61}"/>
+                <a16:creationId xmlns:a16="http://schemas.microsoft.com/office/drawing/2014/main" id="{C0B5E0B3-CBAC-7C52-76A1-02C2995D1AE9}"/>
               </a:ext>
             </a:extLst>
           </p:cNvPr>
@@ -10838,46 +13977,42 @@
             <p:ph idx="1"/>
           </p:nvPr>
         </p:nvSpPr>
-        <p:spPr>
-          <a:xfrm>
-            <a:off x="838200" y="1825625"/>
-            <a:ext cx="4876063" cy="4351338"/>
-          </a:xfrm>
-        </p:spPr>
+        <p:spPr/>
         <p:txBody>
           <a:bodyPr/>
           <a:lstStyle/>
           <a:p>
             <a:r>
-              <a:rPr lang="en-NZ"/>
-              <a:t>Step 1: Open RStudio</a:t>
-            </a:r>
-          </a:p>
-          <a:p>
-            <a:r>
-              <a:rPr lang="en-NZ"/>
-              <a:t>Step 2: Select “New Project” in upper right in </a:t>
-            </a:r>
-            <a:r>
-              <a:rPr lang="en-NZ" err="1"/>
-              <a:t>Rstudio</a:t>
-            </a:r>
-            <a:endParaRPr lang="en-NZ"/>
-          </a:p>
-          <a:p>
-            <a:r>
-              <a:rPr lang="en-NZ"/>
-              <a:t>Step 3: Select “New Directory” -&gt; “New Project”</a:t>
+              <a:rPr lang="en-NZ" dirty="0"/>
+              <a:t>Once you create objects, you can manipulate them. This is the power of R!</a:t>
+            </a:r>
+          </a:p>
+          <a:p>
+            <a:endParaRPr lang="en-NZ" dirty="0"/>
+          </a:p>
+          <a:p>
+            <a:endParaRPr lang="en-NZ" dirty="0"/>
+          </a:p>
+          <a:p>
+            <a:endParaRPr lang="en-NZ" dirty="0"/>
+          </a:p>
+          <a:p>
+            <a:endParaRPr lang="en-NZ" dirty="0"/>
+          </a:p>
+          <a:p>
+            <a:r>
+              <a:rPr lang="en-NZ" dirty="0"/>
+              <a:t>Anything with ## is a ‘comment’ and is ignored by R</a:t>
             </a:r>
           </a:p>
         </p:txBody>
       </p:sp>
       <p:pic>
         <p:nvPicPr>
-          <p:cNvPr id="5" name="Picture 4">
-            <a:extLst>
-              <a:ext uri="{FF2B5EF4-FFF2-40B4-BE49-F238E27FC236}">
-                <a16:creationId xmlns:a16="http://schemas.microsoft.com/office/drawing/2014/main" id="{091345EF-C472-73E1-EA89-1FFD558BAFEE}"/>
+          <p:cNvPr id="10" name="Picture 9">
+            <a:extLst>
+              <a:ext uri="{FF2B5EF4-FFF2-40B4-BE49-F238E27FC236}">
+                <a16:creationId xmlns:a16="http://schemas.microsoft.com/office/drawing/2014/main" id="{97BD58C0-22A7-DB29-FB2E-DA6BA6315230}"/>
               </a:ext>
             </a:extLst>
           </p:cNvPr>
@@ -10894,120 +14029,8 @@
         </p:blipFill>
         <p:spPr>
           <a:xfrm>
-            <a:off x="8384397" y="1086313"/>
-            <a:ext cx="3372321" cy="4544059"/>
-          </a:xfrm>
-          <a:prstGeom prst="rect">
-            <a:avLst/>
-          </a:prstGeom>
-        </p:spPr>
-      </p:pic>
-      <p:sp>
-        <p:nvSpPr>
-          <p:cNvPr id="6" name="Rectangle 5">
-            <a:extLst>
-              <a:ext uri="{FF2B5EF4-FFF2-40B4-BE49-F238E27FC236}">
-                <a16:creationId xmlns:a16="http://schemas.microsoft.com/office/drawing/2014/main" id="{50D6393F-3CB5-4AB4-83CA-CCEFE10F3B52}"/>
-              </a:ext>
-            </a:extLst>
-          </p:cNvPr>
-          <p:cNvSpPr/>
-          <p:nvPr/>
-        </p:nvSpPr>
-        <p:spPr>
-          <a:xfrm>
-            <a:off x="8735492" y="1952782"/>
-            <a:ext cx="1968759" cy="258992"/>
-          </a:xfrm>
-          <a:prstGeom prst="rect">
-            <a:avLst/>
-          </a:prstGeom>
-          <a:noFill/>
-          <a:ln w="28575">
-            <a:solidFill>
-              <a:srgbClr val="FF0000"/>
-            </a:solidFill>
-          </a:ln>
-        </p:spPr>
-        <p:style>
-          <a:lnRef idx="2">
-            <a:schemeClr val="accent1">
-              <a:shade val="15000"/>
-            </a:schemeClr>
-          </a:lnRef>
-          <a:fillRef idx="1">
-            <a:schemeClr val="accent1"/>
-          </a:fillRef>
-          <a:effectRef idx="0">
-            <a:schemeClr val="accent1"/>
-          </a:effectRef>
-          <a:fontRef idx="minor">
-            <a:schemeClr val="lt1"/>
-          </a:fontRef>
-        </p:style>
-        <p:txBody>
-          <a:bodyPr rtlCol="0" anchor="ctr"/>
-          <a:lstStyle/>
-          <a:p>
-            <a:pPr algn="ctr"/>
-            <a:endParaRPr lang="en-NZ"/>
-          </a:p>
-        </p:txBody>
-      </p:sp>
-      <p:pic>
-        <p:nvPicPr>
-          <p:cNvPr id="8" name="Picture 7">
-            <a:extLst>
-              <a:ext uri="{FF2B5EF4-FFF2-40B4-BE49-F238E27FC236}">
-                <a16:creationId xmlns:a16="http://schemas.microsoft.com/office/drawing/2014/main" id="{4EA98AF1-7323-55D3-F4AA-19ED812AA35E}"/>
-              </a:ext>
-            </a:extLst>
-          </p:cNvPr>
-          <p:cNvPicPr>
-            <a:picLocks noChangeAspect="1"/>
-          </p:cNvPicPr>
-          <p:nvPr/>
-        </p:nvPicPr>
-        <p:blipFill>
-          <a:blip r:embed="rId3"/>
-          <a:stretch>
-            <a:fillRect/>
-          </a:stretch>
-        </p:blipFill>
-        <p:spPr>
-          <a:xfrm>
-            <a:off x="6096000" y="1690688"/>
-            <a:ext cx="4782217" cy="3305636"/>
-          </a:xfrm>
-          <a:prstGeom prst="rect">
-            <a:avLst/>
-          </a:prstGeom>
-        </p:spPr>
-      </p:pic>
-      <p:pic>
-        <p:nvPicPr>
-          <p:cNvPr id="10" name="Picture 9">
-            <a:extLst>
-              <a:ext uri="{FF2B5EF4-FFF2-40B4-BE49-F238E27FC236}">
-                <a16:creationId xmlns:a16="http://schemas.microsoft.com/office/drawing/2014/main" id="{0D739BA2-EF2A-9C89-AF7C-8162C9C2AC4E}"/>
-              </a:ext>
-            </a:extLst>
-          </p:cNvPr>
-          <p:cNvPicPr>
-            <a:picLocks noChangeAspect="1"/>
-          </p:cNvPicPr>
-          <p:nvPr/>
-        </p:nvPicPr>
-        <p:blipFill>
-          <a:blip r:embed="rId4"/>
-          <a:stretch>
-            <a:fillRect/>
-          </a:stretch>
-        </p:blipFill>
-        <p:spPr>
-          <a:xfrm>
-            <a:off x="7116713" y="3765507"/>
-            <a:ext cx="4258269" cy="3105583"/>
+            <a:off x="1161361" y="3164450"/>
+            <a:ext cx="9869277" cy="1124107"/>
           </a:xfrm>
           <a:prstGeom prst="rect">
             <a:avLst/>
@@ -11017,7 +14040,7 @@
     </p:spTree>
     <p:extLst>
       <p:ext uri="{BB962C8B-B14F-4D97-AF65-F5344CB8AC3E}">
-        <p14:creationId xmlns:p14="http://schemas.microsoft.com/office/powerpoint/2010/main" val="3513143537"/>
+        <p14:creationId xmlns:p14="http://schemas.microsoft.com/office/powerpoint/2010/main" val="3270316992"/>
       </p:ext>
     </p:extLst>
   </p:cSld>

--- a/Introduction to R Workshop 1.pptx
+++ b/Introduction to R Workshop 1.pptx
@@ -16,31 +16,31 @@
     <p:sldId id="527" r:id="rId10"/>
     <p:sldId id="526" r:id="rId11"/>
     <p:sldId id="528" r:id="rId12"/>
-    <p:sldId id="529" r:id="rId13"/>
-    <p:sldId id="532" r:id="rId14"/>
-    <p:sldId id="533" r:id="rId15"/>
-    <p:sldId id="534" r:id="rId16"/>
-    <p:sldId id="535" r:id="rId17"/>
-    <p:sldId id="536" r:id="rId18"/>
-    <p:sldId id="490" r:id="rId19"/>
-    <p:sldId id="491" r:id="rId20"/>
-    <p:sldId id="495" r:id="rId21"/>
-    <p:sldId id="514" r:id="rId22"/>
-    <p:sldId id="492" r:id="rId23"/>
-    <p:sldId id="500" r:id="rId24"/>
-    <p:sldId id="504" r:id="rId25"/>
-    <p:sldId id="505" r:id="rId26"/>
-    <p:sldId id="506" r:id="rId27"/>
-    <p:sldId id="507" r:id="rId28"/>
-    <p:sldId id="494" r:id="rId29"/>
-    <p:sldId id="493" r:id="rId30"/>
-    <p:sldId id="531" r:id="rId31"/>
-    <p:sldId id="497" r:id="rId32"/>
-    <p:sldId id="516" r:id="rId33"/>
-    <p:sldId id="517" r:id="rId34"/>
-    <p:sldId id="519" r:id="rId35"/>
-    <p:sldId id="518" r:id="rId36"/>
-    <p:sldId id="501" r:id="rId37"/>
+    <p:sldId id="537" r:id="rId13"/>
+    <p:sldId id="529" r:id="rId14"/>
+    <p:sldId id="532" r:id="rId15"/>
+    <p:sldId id="533" r:id="rId16"/>
+    <p:sldId id="534" r:id="rId17"/>
+    <p:sldId id="535" r:id="rId18"/>
+    <p:sldId id="536" r:id="rId19"/>
+    <p:sldId id="490" r:id="rId20"/>
+    <p:sldId id="491" r:id="rId21"/>
+    <p:sldId id="495" r:id="rId22"/>
+    <p:sldId id="514" r:id="rId23"/>
+    <p:sldId id="493" r:id="rId24"/>
+    <p:sldId id="531" r:id="rId25"/>
+    <p:sldId id="497" r:id="rId26"/>
+    <p:sldId id="516" r:id="rId27"/>
+    <p:sldId id="517" r:id="rId28"/>
+    <p:sldId id="518" r:id="rId29"/>
+    <p:sldId id="501" r:id="rId30"/>
+    <p:sldId id="492" r:id="rId31"/>
+    <p:sldId id="500" r:id="rId32"/>
+    <p:sldId id="504" r:id="rId33"/>
+    <p:sldId id="505" r:id="rId34"/>
+    <p:sldId id="506" r:id="rId35"/>
+    <p:sldId id="507" r:id="rId36"/>
+    <p:sldId id="494" r:id="rId37"/>
     <p:sldId id="508" r:id="rId38"/>
     <p:sldId id="511" r:id="rId39"/>
   </p:sldIdLst>
@@ -152,7 +152,7 @@
 <file path=ppt/revisionInfo.xml><?xml version="1.0" encoding="utf-8"?>
 <p1510:revInfo xmlns:a="http://schemas.openxmlformats.org/drawingml/2006/main" xmlns:r="http://schemas.openxmlformats.org/officeDocument/2006/relationships" xmlns:p1510="http://schemas.microsoft.com/office/powerpoint/2015/10/main">
   <p1510:revLst>
-    <p1510:client id="{F242522B-6172-4F94-B25D-5926311B3CF4}" v="230" dt="2025-04-24T02:14:30.130"/>
+    <p1510:client id="{F242522B-6172-4F94-B25D-5926311B3CF4}" v="234" dt="2025-04-28T04:14:29.940"/>
   </p1510:revLst>
 </p1510:revInfo>
 </file>
@@ -162,7 +162,7 @@
   <pc:docChgLst>
     <pc:chgData name="Whitney Woelmer" userId="cc1e44da-7691-4c78-aceb-77bbb5a56163" providerId="ADAL" clId="{F242522B-6172-4F94-B25D-5926311B3CF4}"/>
     <pc:docChg chg="undo custSel addSld delSld modSld sldOrd">
-      <pc:chgData name="Whitney Woelmer" userId="cc1e44da-7691-4c78-aceb-77bbb5a56163" providerId="ADAL" clId="{F242522B-6172-4F94-B25D-5926311B3CF4}" dt="2025-04-24T02:15:09.734" v="5059" actId="20577"/>
+      <pc:chgData name="Whitney Woelmer" userId="cc1e44da-7691-4c78-aceb-77bbb5a56163" providerId="ADAL" clId="{F242522B-6172-4F94-B25D-5926311B3CF4}" dt="2025-04-28T04:15:44.884" v="5280" actId="47"/>
       <pc:docMkLst>
         <pc:docMk/>
       </pc:docMkLst>
@@ -225,22 +225,6 @@
           <pc:docMk/>
           <pc:sldMk cId="1218801410" sldId="259"/>
         </pc:sldMkLst>
-        <pc:picChg chg="add del">
-          <ac:chgData name="Whitney Woelmer" userId="cc1e44da-7691-4c78-aceb-77bbb5a56163" providerId="ADAL" clId="{F242522B-6172-4F94-B25D-5926311B3CF4}" dt="2025-04-23T23:02:46.300" v="1836" actId="478"/>
-          <ac:picMkLst>
-            <pc:docMk/>
-            <pc:sldMk cId="1218801410" sldId="259"/>
-            <ac:picMk id="5" creationId="{1758AA46-8990-0B2B-AA04-A677C1AACC3D}"/>
-          </ac:picMkLst>
-        </pc:picChg>
-        <pc:picChg chg="mod">
-          <ac:chgData name="Whitney Woelmer" userId="cc1e44da-7691-4c78-aceb-77bbb5a56163" providerId="ADAL" clId="{F242522B-6172-4F94-B25D-5926311B3CF4}" dt="2025-04-23T23:03:13.651" v="1843" actId="1076"/>
-          <ac:picMkLst>
-            <pc:docMk/>
-            <pc:sldMk cId="1218801410" sldId="259"/>
-            <ac:picMk id="8" creationId="{E16E7A9E-BE97-45C8-A002-55F4C24B35A5}"/>
-          </ac:picMkLst>
-        </pc:picChg>
       </pc:sldChg>
       <pc:sldChg chg="del">
         <pc:chgData name="Whitney Woelmer" userId="cc1e44da-7691-4c78-aceb-77bbb5a56163" providerId="ADAL" clId="{F242522B-6172-4F94-B25D-5926311B3CF4}" dt="2025-04-23T23:37:21.430" v="3615" actId="47"/>
@@ -285,7 +269,7 @@
         </pc:sldMkLst>
       </pc:sldChg>
       <pc:sldChg chg="delSp modSp mod ord">
-        <pc:chgData name="Whitney Woelmer" userId="cc1e44da-7691-4c78-aceb-77bbb5a56163" providerId="ADAL" clId="{F242522B-6172-4F94-B25D-5926311B3CF4}" dt="2025-04-24T00:08:16.980" v="4211" actId="1076"/>
+        <pc:chgData name="Whitney Woelmer" userId="cc1e44da-7691-4c78-aceb-77bbb5a56163" providerId="ADAL" clId="{F242522B-6172-4F94-B25D-5926311B3CF4}" dt="2025-04-28T04:14:30.847" v="5177" actId="20577"/>
         <pc:sldMkLst>
           <pc:docMk/>
           <pc:sldMk cId="109847312" sldId="490"/>
@@ -298,16 +282,8 @@
             <ac:spMk id="2" creationId="{F02609FF-25DA-ADDD-2C6B-995478744182}"/>
           </ac:spMkLst>
         </pc:spChg>
-        <pc:spChg chg="del mod">
-          <ac:chgData name="Whitney Woelmer" userId="cc1e44da-7691-4c78-aceb-77bbb5a56163" providerId="ADAL" clId="{F242522B-6172-4F94-B25D-5926311B3CF4}" dt="2025-04-24T00:07:49.796" v="4208" actId="478"/>
-          <ac:spMkLst>
-            <pc:docMk/>
-            <pc:sldMk cId="109847312" sldId="490"/>
-            <ac:spMk id="3" creationId="{3E39AE31-D10B-8AF6-2409-C9471B8BA189}"/>
-          </ac:spMkLst>
-        </pc:spChg>
         <pc:graphicFrameChg chg="mod modGraphic">
-          <ac:chgData name="Whitney Woelmer" userId="cc1e44da-7691-4c78-aceb-77bbb5a56163" providerId="ADAL" clId="{F242522B-6172-4F94-B25D-5926311B3CF4}" dt="2025-04-24T00:07:30.163" v="4207" actId="20577"/>
+          <ac:chgData name="Whitney Woelmer" userId="cc1e44da-7691-4c78-aceb-77bbb5a56163" providerId="ADAL" clId="{F242522B-6172-4F94-B25D-5926311B3CF4}" dt="2025-04-28T04:14:30.847" v="5177" actId="20577"/>
           <ac:graphicFrameMkLst>
             <pc:docMk/>
             <pc:sldMk cId="109847312" sldId="490"/>
@@ -315,14 +291,21 @@
           </ac:graphicFrameMkLst>
         </pc:graphicFrameChg>
       </pc:sldChg>
+      <pc:sldChg chg="ord">
+        <pc:chgData name="Whitney Woelmer" userId="cc1e44da-7691-4c78-aceb-77bbb5a56163" providerId="ADAL" clId="{F242522B-6172-4F94-B25D-5926311B3CF4}" dt="2025-04-28T01:34:52.130" v="5133"/>
+        <pc:sldMkLst>
+          <pc:docMk/>
+          <pc:sldMk cId="1024380196" sldId="492"/>
+        </pc:sldMkLst>
+      </pc:sldChg>
       <pc:sldChg chg="modSp mod">
-        <pc:chgData name="Whitney Woelmer" userId="cc1e44da-7691-4c78-aceb-77bbb5a56163" providerId="ADAL" clId="{F242522B-6172-4F94-B25D-5926311B3CF4}" dt="2025-04-23T23:55:10.992" v="4006" actId="20577"/>
+        <pc:chgData name="Whitney Woelmer" userId="cc1e44da-7691-4c78-aceb-77bbb5a56163" providerId="ADAL" clId="{F242522B-6172-4F94-B25D-5926311B3CF4}" dt="2025-04-28T04:15:30.428" v="5279" actId="20577"/>
         <pc:sldMkLst>
           <pc:docMk/>
           <pc:sldMk cId="1710418133" sldId="493"/>
         </pc:sldMkLst>
         <pc:spChg chg="mod">
-          <ac:chgData name="Whitney Woelmer" userId="cc1e44da-7691-4c78-aceb-77bbb5a56163" providerId="ADAL" clId="{F242522B-6172-4F94-B25D-5926311B3CF4}" dt="2025-04-23T23:55:10.992" v="4006" actId="20577"/>
+          <ac:chgData name="Whitney Woelmer" userId="cc1e44da-7691-4c78-aceb-77bbb5a56163" providerId="ADAL" clId="{F242522B-6172-4F94-B25D-5926311B3CF4}" dt="2025-04-28T04:15:30.428" v="5279" actId="20577"/>
           <ac:spMkLst>
             <pc:docMk/>
             <pc:sldMk cId="1710418133" sldId="493"/>
@@ -330,8 +313,8 @@
           </ac:spMkLst>
         </pc:spChg>
       </pc:sldChg>
-      <pc:sldChg chg="modSp mod">
-        <pc:chgData name="Whitney Woelmer" userId="cc1e44da-7691-4c78-aceb-77bbb5a56163" providerId="ADAL" clId="{F242522B-6172-4F94-B25D-5926311B3CF4}" dt="2025-04-23T23:38:59.087" v="3618" actId="313"/>
+      <pc:sldChg chg="modSp mod ord">
+        <pc:chgData name="Whitney Woelmer" userId="cc1e44da-7691-4c78-aceb-77bbb5a56163" providerId="ADAL" clId="{F242522B-6172-4F94-B25D-5926311B3CF4}" dt="2025-04-28T01:34:52.130" v="5133"/>
         <pc:sldMkLst>
           <pc:docMk/>
           <pc:sldMk cId="776326194" sldId="494"/>
@@ -381,6 +364,13 @@
           <pc:sldMk cId="3757547828" sldId="499"/>
         </pc:sldMkLst>
       </pc:sldChg>
+      <pc:sldChg chg="ord">
+        <pc:chgData name="Whitney Woelmer" userId="cc1e44da-7691-4c78-aceb-77bbb5a56163" providerId="ADAL" clId="{F242522B-6172-4F94-B25D-5926311B3CF4}" dt="2025-04-28T01:34:52.130" v="5133"/>
+        <pc:sldMkLst>
+          <pc:docMk/>
+          <pc:sldMk cId="3684534518" sldId="500"/>
+        </pc:sldMkLst>
+      </pc:sldChg>
       <pc:sldChg chg="modSp mod">
         <pc:chgData name="Whitney Woelmer" userId="cc1e44da-7691-4c78-aceb-77bbb5a56163" providerId="ADAL" clId="{F242522B-6172-4F94-B25D-5926311B3CF4}" dt="2025-03-31T22:07:19.403" v="620" actId="20577"/>
         <pc:sldMkLst>
@@ -395,6 +385,34 @@
             <ac:spMk id="2" creationId="{4FB7C0BC-2C00-7361-BF21-0DB3767226A5}"/>
           </ac:spMkLst>
         </pc:spChg>
+      </pc:sldChg>
+      <pc:sldChg chg="ord">
+        <pc:chgData name="Whitney Woelmer" userId="cc1e44da-7691-4c78-aceb-77bbb5a56163" providerId="ADAL" clId="{F242522B-6172-4F94-B25D-5926311B3CF4}" dt="2025-04-28T01:34:52.130" v="5133"/>
+        <pc:sldMkLst>
+          <pc:docMk/>
+          <pc:sldMk cId="3515601365" sldId="504"/>
+        </pc:sldMkLst>
+      </pc:sldChg>
+      <pc:sldChg chg="ord">
+        <pc:chgData name="Whitney Woelmer" userId="cc1e44da-7691-4c78-aceb-77bbb5a56163" providerId="ADAL" clId="{F242522B-6172-4F94-B25D-5926311B3CF4}" dt="2025-04-28T01:34:52.130" v="5133"/>
+        <pc:sldMkLst>
+          <pc:docMk/>
+          <pc:sldMk cId="13037438" sldId="505"/>
+        </pc:sldMkLst>
+      </pc:sldChg>
+      <pc:sldChg chg="ord">
+        <pc:chgData name="Whitney Woelmer" userId="cc1e44da-7691-4c78-aceb-77bbb5a56163" providerId="ADAL" clId="{F242522B-6172-4F94-B25D-5926311B3CF4}" dt="2025-04-28T01:34:52.130" v="5133"/>
+        <pc:sldMkLst>
+          <pc:docMk/>
+          <pc:sldMk cId="240749909" sldId="506"/>
+        </pc:sldMkLst>
+      </pc:sldChg>
+      <pc:sldChg chg="ord">
+        <pc:chgData name="Whitney Woelmer" userId="cc1e44da-7691-4c78-aceb-77bbb5a56163" providerId="ADAL" clId="{F242522B-6172-4F94-B25D-5926311B3CF4}" dt="2025-04-28T01:34:52.130" v="5133"/>
+        <pc:sldMkLst>
+          <pc:docMk/>
+          <pc:sldMk cId="3558655378" sldId="507"/>
+        </pc:sldMkLst>
       </pc:sldChg>
       <pc:sldChg chg="ord">
         <pc:chgData name="Whitney Woelmer" userId="cc1e44da-7691-4c78-aceb-77bbb5a56163" providerId="ADAL" clId="{F242522B-6172-4F94-B25D-5926311B3CF4}" dt="2025-03-31T22:07:10.736" v="576"/>
@@ -440,36 +458,12 @@
             <ac:spMk id="4" creationId="{2F7F0186-4D28-59DD-3CBC-0E74084EA720}"/>
           </ac:spMkLst>
         </pc:spChg>
-        <pc:picChg chg="add del mod">
-          <ac:chgData name="Whitney Woelmer" userId="cc1e44da-7691-4c78-aceb-77bbb5a56163" providerId="ADAL" clId="{F242522B-6172-4F94-B25D-5926311B3CF4}" dt="2025-04-23T22:36:38.018" v="1271" actId="478"/>
-          <ac:picMkLst>
-            <pc:docMk/>
-            <pc:sldMk cId="1383627114" sldId="510"/>
-            <ac:picMk id="1026" creationId="{DA77B7BF-CCF6-B3A3-5412-24927CED392D}"/>
-          </ac:picMkLst>
-        </pc:picChg>
         <pc:picChg chg="add mod">
           <ac:chgData name="Whitney Woelmer" userId="cc1e44da-7691-4c78-aceb-77bbb5a56163" providerId="ADAL" clId="{F242522B-6172-4F94-B25D-5926311B3CF4}" dt="2025-04-23T22:44:25.034" v="1565" actId="1076"/>
           <ac:picMkLst>
             <pc:docMk/>
             <pc:sldMk cId="1383627114" sldId="510"/>
             <ac:picMk id="1028" creationId="{41FC2245-2D5B-8CC1-FBA2-AEC13157B867}"/>
-          </ac:picMkLst>
-        </pc:picChg>
-        <pc:picChg chg="add">
-          <ac:chgData name="Whitney Woelmer" userId="cc1e44da-7691-4c78-aceb-77bbb5a56163" providerId="ADAL" clId="{F242522B-6172-4F94-B25D-5926311B3CF4}" dt="2025-04-23T22:39:27.808" v="1420"/>
-          <ac:picMkLst>
-            <pc:docMk/>
-            <pc:sldMk cId="1383627114" sldId="510"/>
-            <ac:picMk id="1030" creationId="{9FA9B73A-DB32-FC1A-027B-025C7A8D2C9F}"/>
-          </ac:picMkLst>
-        </pc:picChg>
-        <pc:picChg chg="add del mod">
-          <ac:chgData name="Whitney Woelmer" userId="cc1e44da-7691-4c78-aceb-77bbb5a56163" providerId="ADAL" clId="{F242522B-6172-4F94-B25D-5926311B3CF4}" dt="2025-04-23T22:44:19.984" v="1564" actId="478"/>
-          <ac:picMkLst>
-            <pc:docMk/>
-            <pc:sldMk cId="1383627114" sldId="510"/>
-            <ac:picMk id="1032" creationId="{62C5DD17-EE10-C1BE-59D1-3C73A0D8AC0B}"/>
           </ac:picMkLst>
         </pc:picChg>
       </pc:sldChg>
@@ -488,7 +482,7 @@
         </pc:sldMkLst>
       </pc:sldChg>
       <pc:sldChg chg="addSp modSp new mod modAnim">
-        <pc:chgData name="Whitney Woelmer" userId="cc1e44da-7691-4c78-aceb-77bbb5a56163" providerId="ADAL" clId="{F242522B-6172-4F94-B25D-5926311B3CF4}" dt="2025-03-31T22:34:57.038" v="626"/>
+        <pc:chgData name="Whitney Woelmer" userId="cc1e44da-7691-4c78-aceb-77bbb5a56163" providerId="ADAL" clId="{F242522B-6172-4F94-B25D-5926311B3CF4}" dt="2025-04-28T01:31:39.998" v="5131" actId="1076"/>
         <pc:sldMkLst>
           <pc:docMk/>
           <pc:sldMk cId="536556539" sldId="514"/>
@@ -518,7 +512,7 @@
           </ac:picMkLst>
         </pc:picChg>
         <pc:picChg chg="add mod">
-          <ac:chgData name="Whitney Woelmer" userId="cc1e44da-7691-4c78-aceb-77bbb5a56163" providerId="ADAL" clId="{F242522B-6172-4F94-B25D-5926311B3CF4}" dt="2025-03-31T22:34:53.697" v="625" actId="1076"/>
+          <ac:chgData name="Whitney Woelmer" userId="cc1e44da-7691-4c78-aceb-77bbb5a56163" providerId="ADAL" clId="{F242522B-6172-4F94-B25D-5926311B3CF4}" dt="2025-04-28T01:31:39.998" v="5131" actId="1076"/>
           <ac:picMkLst>
             <pc:docMk/>
             <pc:sldMk cId="536556539" sldId="514"/>
@@ -602,8 +596,8 @@
           </ac:spMkLst>
         </pc:spChg>
       </pc:sldChg>
-      <pc:sldChg chg="modSp new mod">
-        <pc:chgData name="Whitney Woelmer" userId="cc1e44da-7691-4c78-aceb-77bbb5a56163" providerId="ADAL" clId="{F242522B-6172-4F94-B25D-5926311B3CF4}" dt="2025-04-11T04:14:22.747" v="929" actId="20577"/>
+      <pc:sldChg chg="modSp new del mod">
+        <pc:chgData name="Whitney Woelmer" userId="cc1e44da-7691-4c78-aceb-77bbb5a56163" providerId="ADAL" clId="{F242522B-6172-4F94-B25D-5926311B3CF4}" dt="2025-04-28T04:15:44.884" v="5280" actId="47"/>
         <pc:sldMkLst>
           <pc:docMk/>
           <pc:sldMk cId="3301916229" sldId="519"/>
@@ -631,14 +625,6 @@
           <pc:docMk/>
           <pc:sldMk cId="2894135038" sldId="520"/>
         </pc:sldMkLst>
-        <pc:spChg chg="mod">
-          <ac:chgData name="Whitney Woelmer" userId="cc1e44da-7691-4c78-aceb-77bbb5a56163" providerId="ADAL" clId="{F242522B-6172-4F94-B25D-5926311B3CF4}" dt="2025-04-23T22:15:50.124" v="1032" actId="20577"/>
-          <ac:spMkLst>
-            <pc:docMk/>
-            <pc:sldMk cId="2894135038" sldId="520"/>
-            <ac:spMk id="2" creationId="{3B94A77A-6538-3948-CC8F-EF8A1006204F}"/>
-          </ac:spMkLst>
-        </pc:spChg>
       </pc:sldChg>
       <pc:sldChg chg="addSp delSp modSp add mod">
         <pc:chgData name="Whitney Woelmer" userId="cc1e44da-7691-4c78-aceb-77bbb5a56163" providerId="ADAL" clId="{F242522B-6172-4F94-B25D-5926311B3CF4}" dt="2025-04-23T22:45:38.912" v="1656" actId="20577"/>
@@ -670,14 +656,6 @@
             <ac:spMk id="5" creationId="{596EDD67-8DFB-FBAF-3BDA-1DD4FB538813}"/>
           </ac:spMkLst>
         </pc:spChg>
-        <pc:picChg chg="del">
-          <ac:chgData name="Whitney Woelmer" userId="cc1e44da-7691-4c78-aceb-77bbb5a56163" providerId="ADAL" clId="{F242522B-6172-4F94-B25D-5926311B3CF4}" dt="2025-04-23T22:40:45.700" v="1481" actId="478"/>
-          <ac:picMkLst>
-            <pc:docMk/>
-            <pc:sldMk cId="2905640424" sldId="520"/>
-            <ac:picMk id="1028" creationId="{2F6A7EAF-9DDF-A0A3-1699-2F0A17587EFE}"/>
-          </ac:picMkLst>
-        </pc:picChg>
         <pc:picChg chg="add mod">
           <ac:chgData name="Whitney Woelmer" userId="cc1e44da-7691-4c78-aceb-77bbb5a56163" providerId="ADAL" clId="{F242522B-6172-4F94-B25D-5926311B3CF4}" dt="2025-04-23T22:42:34.275" v="1554" actId="1076"/>
           <ac:picMkLst>
@@ -701,30 +679,6 @@
           <pc:docMk/>
           <pc:sldMk cId="331280755" sldId="521"/>
         </pc:sldMkLst>
-        <pc:spChg chg="del mod">
-          <ac:chgData name="Whitney Woelmer" userId="cc1e44da-7691-4c78-aceb-77bbb5a56163" providerId="ADAL" clId="{F242522B-6172-4F94-B25D-5926311B3CF4}" dt="2025-04-23T23:17:58.371" v="2511" actId="478"/>
-          <ac:spMkLst>
-            <pc:docMk/>
-            <pc:sldMk cId="331280755" sldId="521"/>
-            <ac:spMk id="2" creationId="{DBC34469-0FFB-B5A0-7E6E-DAB4F93288F9}"/>
-          </ac:spMkLst>
-        </pc:spChg>
-        <pc:spChg chg="del">
-          <ac:chgData name="Whitney Woelmer" userId="cc1e44da-7691-4c78-aceb-77bbb5a56163" providerId="ADAL" clId="{F242522B-6172-4F94-B25D-5926311B3CF4}" dt="2025-04-23T22:48:40.660" v="1677" actId="478"/>
-          <ac:spMkLst>
-            <pc:docMk/>
-            <pc:sldMk cId="331280755" sldId="521"/>
-            <ac:spMk id="3" creationId="{D80C42CD-450D-3D84-E12F-4FA062255B76}"/>
-          </ac:spMkLst>
-        </pc:spChg>
-        <pc:spChg chg="add del mod">
-          <ac:chgData name="Whitney Woelmer" userId="cc1e44da-7691-4c78-aceb-77bbb5a56163" providerId="ADAL" clId="{F242522B-6172-4F94-B25D-5926311B3CF4}" dt="2025-04-23T22:49:05.938" v="1697" actId="478"/>
-          <ac:spMkLst>
-            <pc:docMk/>
-            <pc:sldMk cId="331280755" sldId="521"/>
-            <ac:spMk id="4" creationId="{92FC9AA5-6C4C-ED80-D8CC-8E4E2F0905A0}"/>
-          </ac:spMkLst>
-        </pc:spChg>
         <pc:spChg chg="add mod">
           <ac:chgData name="Whitney Woelmer" userId="cc1e44da-7691-4c78-aceb-77bbb5a56163" providerId="ADAL" clId="{F242522B-6172-4F94-B25D-5926311B3CF4}" dt="2025-04-23T23:18:08.552" v="2513" actId="1076"/>
           <ac:spMkLst>
@@ -741,22 +695,6 @@
             <ac:spMk id="7" creationId="{DB914362-8366-BDAB-9DB2-4AEC0DF18E5C}"/>
           </ac:spMkLst>
         </pc:spChg>
-        <pc:spChg chg="add del mod">
-          <ac:chgData name="Whitney Woelmer" userId="cc1e44da-7691-4c78-aceb-77bbb5a56163" providerId="ADAL" clId="{F242522B-6172-4F94-B25D-5926311B3CF4}" dt="2025-04-23T23:17:59.902" v="2512" actId="478"/>
-          <ac:spMkLst>
-            <pc:docMk/>
-            <pc:sldMk cId="331280755" sldId="521"/>
-            <ac:spMk id="9" creationId="{93EBFB40-6CE7-7BBC-AACD-FDBCA4A0CAAC}"/>
-          </ac:spMkLst>
-        </pc:spChg>
-        <pc:picChg chg="add del mod">
-          <ac:chgData name="Whitney Woelmer" userId="cc1e44da-7691-4c78-aceb-77bbb5a56163" providerId="ADAL" clId="{F242522B-6172-4F94-B25D-5926311B3CF4}" dt="2025-04-23T22:54:36.184" v="1757" actId="478"/>
-          <ac:picMkLst>
-            <pc:docMk/>
-            <pc:sldMk cId="331280755" sldId="521"/>
-            <ac:picMk id="6" creationId="{37588B2F-9354-0048-7668-49253E7FF87B}"/>
-          </ac:picMkLst>
-        </pc:picChg>
         <pc:picChg chg="add mod">
           <ac:chgData name="Whitney Woelmer" userId="cc1e44da-7691-4c78-aceb-77bbb5a56163" providerId="ADAL" clId="{F242522B-6172-4F94-B25D-5926311B3CF4}" dt="2025-04-23T23:18:08.552" v="2513" actId="1076"/>
           <ac:picMkLst>
@@ -773,60 +711,12 @@
             <ac:picMk id="3076" creationId="{0E0FD291-227C-32DC-7819-C1838E00A9E7}"/>
           </ac:picMkLst>
         </pc:picChg>
-        <pc:picChg chg="add del mod">
-          <ac:chgData name="Whitney Woelmer" userId="cc1e44da-7691-4c78-aceb-77bbb5a56163" providerId="ADAL" clId="{F242522B-6172-4F94-B25D-5926311B3CF4}" dt="2025-04-23T22:55:53.513" v="1772" actId="478"/>
-          <ac:picMkLst>
-            <pc:docMk/>
-            <pc:sldMk cId="331280755" sldId="521"/>
-            <ac:picMk id="3078" creationId="{F379D9A2-6861-7721-BECE-FCE0672BAA78}"/>
-          </ac:picMkLst>
-        </pc:picChg>
         <pc:picChg chg="add mod">
           <ac:chgData name="Whitney Woelmer" userId="cc1e44da-7691-4c78-aceb-77bbb5a56163" providerId="ADAL" clId="{F242522B-6172-4F94-B25D-5926311B3CF4}" dt="2025-04-23T23:18:08.552" v="2513" actId="1076"/>
           <ac:picMkLst>
             <pc:docMk/>
             <pc:sldMk cId="331280755" sldId="521"/>
             <ac:picMk id="3080" creationId="{1CDF0165-5733-B40E-8577-552DA1608343}"/>
-          </ac:picMkLst>
-        </pc:picChg>
-        <pc:picChg chg="add del mod">
-          <ac:chgData name="Whitney Woelmer" userId="cc1e44da-7691-4c78-aceb-77bbb5a56163" providerId="ADAL" clId="{F242522B-6172-4F94-B25D-5926311B3CF4}" dt="2025-04-23T22:58:51.115" v="1801" actId="478"/>
-          <ac:picMkLst>
-            <pc:docMk/>
-            <pc:sldMk cId="331280755" sldId="521"/>
-            <ac:picMk id="3082" creationId="{57BA4794-E756-7A08-AE70-5B40876B21D0}"/>
-          </ac:picMkLst>
-        </pc:picChg>
-        <pc:picChg chg="add del mod">
-          <ac:chgData name="Whitney Woelmer" userId="cc1e44da-7691-4c78-aceb-77bbb5a56163" providerId="ADAL" clId="{F242522B-6172-4F94-B25D-5926311B3CF4}" dt="2025-04-23T22:58:53.721" v="1804" actId="478"/>
-          <ac:picMkLst>
-            <pc:docMk/>
-            <pc:sldMk cId="331280755" sldId="521"/>
-            <ac:picMk id="3084" creationId="{745C60C1-8C9C-14C0-42D3-BA9D77F5FECC}"/>
-          </ac:picMkLst>
-        </pc:picChg>
-        <pc:picChg chg="add del">
-          <ac:chgData name="Whitney Woelmer" userId="cc1e44da-7691-4c78-aceb-77bbb5a56163" providerId="ADAL" clId="{F242522B-6172-4F94-B25D-5926311B3CF4}" dt="2025-04-23T22:59:06.811" v="1806" actId="478"/>
-          <ac:picMkLst>
-            <pc:docMk/>
-            <pc:sldMk cId="331280755" sldId="521"/>
-            <ac:picMk id="3086" creationId="{DC0772C5-70F9-ECE5-F59E-B67D5B3B0DF4}"/>
-          </ac:picMkLst>
-        </pc:picChg>
-        <pc:picChg chg="add del mod">
-          <ac:chgData name="Whitney Woelmer" userId="cc1e44da-7691-4c78-aceb-77bbb5a56163" providerId="ADAL" clId="{F242522B-6172-4F94-B25D-5926311B3CF4}" dt="2025-04-23T22:59:48.044" v="1824" actId="478"/>
-          <ac:picMkLst>
-            <pc:docMk/>
-            <pc:sldMk cId="331280755" sldId="521"/>
-            <ac:picMk id="3088" creationId="{B1D8A4F5-CDFB-5EE3-F3E6-23780EF2F9A8}"/>
-          </ac:picMkLst>
-        </pc:picChg>
-        <pc:picChg chg="add del">
-          <ac:chgData name="Whitney Woelmer" userId="cc1e44da-7691-4c78-aceb-77bbb5a56163" providerId="ADAL" clId="{F242522B-6172-4F94-B25D-5926311B3CF4}" dt="2025-04-23T23:00:12.940" v="1826" actId="478"/>
-          <ac:picMkLst>
-            <pc:docMk/>
-            <pc:sldMk cId="331280755" sldId="521"/>
-            <ac:picMk id="3090" creationId="{7EDD99AB-B00E-661F-D7D9-07F7F353C8C0}"/>
           </ac:picMkLst>
         </pc:picChg>
         <pc:picChg chg="add mod">
@@ -844,22 +734,6 @@
           <pc:docMk/>
           <pc:sldMk cId="1659628676" sldId="522"/>
         </pc:sldMkLst>
-        <pc:spChg chg="del">
-          <ac:chgData name="Whitney Woelmer" userId="cc1e44da-7691-4c78-aceb-77bbb5a56163" providerId="ADAL" clId="{F242522B-6172-4F94-B25D-5926311B3CF4}" dt="2025-04-23T23:03:00.634" v="1839" actId="478"/>
-          <ac:spMkLst>
-            <pc:docMk/>
-            <pc:sldMk cId="1659628676" sldId="522"/>
-            <ac:spMk id="2" creationId="{856D63B5-E3AD-44DF-BAD1-378EE6FF1A03}"/>
-          </ac:spMkLst>
-        </pc:spChg>
-        <pc:spChg chg="add del mod">
-          <ac:chgData name="Whitney Woelmer" userId="cc1e44da-7691-4c78-aceb-77bbb5a56163" providerId="ADAL" clId="{F242522B-6172-4F94-B25D-5926311B3CF4}" dt="2025-04-23T23:04:08.638" v="1885" actId="478"/>
-          <ac:spMkLst>
-            <pc:docMk/>
-            <pc:sldMk cId="1659628676" sldId="522"/>
-            <ac:spMk id="5" creationId="{4D5C51E3-CE3E-7776-E2D6-C54966BB9AAD}"/>
-          </ac:spMkLst>
-        </pc:spChg>
         <pc:spChg chg="add mod">
           <ac:chgData name="Whitney Woelmer" userId="cc1e44da-7691-4c78-aceb-77bbb5a56163" providerId="ADAL" clId="{F242522B-6172-4F94-B25D-5926311B3CF4}" dt="2025-04-23T23:05:15.719" v="1902" actId="1582"/>
           <ac:spMkLst>
@@ -940,28 +814,12 @@
             <ac:spMk id="18" creationId="{34A04514-FFE1-812C-E8B4-3A767FF055A8}"/>
           </ac:spMkLst>
         </pc:spChg>
-        <pc:picChg chg="add del mod">
-          <ac:chgData name="Whitney Woelmer" userId="cc1e44da-7691-4c78-aceb-77bbb5a56163" providerId="ADAL" clId="{F242522B-6172-4F94-B25D-5926311B3CF4}" dt="2025-04-23T23:04:06.092" v="1884" actId="478"/>
-          <ac:picMkLst>
-            <pc:docMk/>
-            <pc:sldMk cId="1659628676" sldId="522"/>
-            <ac:picMk id="4" creationId="{B0807DD7-F246-4803-7CD1-F7279D12F5E0}"/>
-          </ac:picMkLst>
-        </pc:picChg>
         <pc:picChg chg="add mod">
           <ac:chgData name="Whitney Woelmer" userId="cc1e44da-7691-4c78-aceb-77bbb5a56163" providerId="ADAL" clId="{F242522B-6172-4F94-B25D-5926311B3CF4}" dt="2025-04-23T23:07:37.372" v="2123" actId="1076"/>
           <ac:picMkLst>
             <pc:docMk/>
             <pc:sldMk cId="1659628676" sldId="522"/>
             <ac:picMk id="7" creationId="{D5D7702D-4586-CEA3-9AAA-0C4B2EECE50B}"/>
-          </ac:picMkLst>
-        </pc:picChg>
-        <pc:picChg chg="add del mod">
-          <ac:chgData name="Whitney Woelmer" userId="cc1e44da-7691-4c78-aceb-77bbb5a56163" providerId="ADAL" clId="{F242522B-6172-4F94-B25D-5926311B3CF4}" dt="2025-04-23T23:10:29.674" v="2504" actId="478"/>
-          <ac:picMkLst>
-            <pc:docMk/>
-            <pc:sldMk cId="1659628676" sldId="522"/>
-            <ac:picMk id="8" creationId="{5555932D-F98C-4DBE-5E42-24C74AB4E47A}"/>
           </ac:picMkLst>
         </pc:picChg>
       </pc:sldChg>
@@ -1049,28 +907,12 @@
             <ac:spMk id="8" creationId="{0AC2A61E-DF18-A7C4-8B68-D5E62FB9265F}"/>
           </ac:spMkLst>
         </pc:spChg>
-        <pc:picChg chg="del">
-          <ac:chgData name="Whitney Woelmer" userId="cc1e44da-7691-4c78-aceb-77bbb5a56163" providerId="ADAL" clId="{F242522B-6172-4F94-B25D-5926311B3CF4}" dt="2025-04-23T23:23:55.083" v="2849" actId="478"/>
-          <ac:picMkLst>
-            <pc:docMk/>
-            <pc:sldMk cId="1539637338" sldId="525"/>
-            <ac:picMk id="5" creationId="{0C6E81DD-841D-E22C-3988-4AD922D4E063}"/>
-          </ac:picMkLst>
-        </pc:picChg>
         <pc:picChg chg="add mod">
           <ac:chgData name="Whitney Woelmer" userId="cc1e44da-7691-4c78-aceb-77bbb5a56163" providerId="ADAL" clId="{F242522B-6172-4F94-B25D-5926311B3CF4}" dt="2025-04-23T23:23:36.837" v="2848" actId="1076"/>
           <ac:picMkLst>
             <pc:docMk/>
             <pc:sldMk cId="1539637338" sldId="525"/>
             <ac:picMk id="6" creationId="{F168C18F-FA56-23EA-6983-C8F66C0555B1}"/>
-          </ac:picMkLst>
-        </pc:picChg>
-        <pc:picChg chg="del">
-          <ac:chgData name="Whitney Woelmer" userId="cc1e44da-7691-4c78-aceb-77bbb5a56163" providerId="ADAL" clId="{F242522B-6172-4F94-B25D-5926311B3CF4}" dt="2025-04-23T23:23:29.915" v="2844" actId="478"/>
-          <ac:picMkLst>
-            <pc:docMk/>
-            <pc:sldMk cId="1539637338" sldId="525"/>
-            <ac:picMk id="7" creationId="{790B1E4A-D4B8-6BD8-6CCD-5A95D816BA03}"/>
           </ac:picMkLst>
         </pc:picChg>
         <pc:picChg chg="add mod">
@@ -1127,38 +969,6 @@
             <ac:spMk id="3" creationId="{C0B5E0B3-CBAC-7C52-76A1-02C2995D1AE9}"/>
           </ac:spMkLst>
         </pc:spChg>
-        <pc:spChg chg="del">
-          <ac:chgData name="Whitney Woelmer" userId="cc1e44da-7691-4c78-aceb-77bbb5a56163" providerId="ADAL" clId="{F242522B-6172-4F94-B25D-5926311B3CF4}" dt="2025-04-23T23:30:12.717" v="3127" actId="478"/>
-          <ac:spMkLst>
-            <pc:docMk/>
-            <pc:sldMk cId="3270316992" sldId="527"/>
-            <ac:spMk id="8" creationId="{AA20AF7C-1794-2387-64BF-C58FE0E420B0}"/>
-          </ac:spMkLst>
-        </pc:spChg>
-        <pc:spChg chg="del">
-          <ac:chgData name="Whitney Woelmer" userId="cc1e44da-7691-4c78-aceb-77bbb5a56163" providerId="ADAL" clId="{F242522B-6172-4F94-B25D-5926311B3CF4}" dt="2025-04-23T23:30:13.776" v="3128" actId="478"/>
-          <ac:spMkLst>
-            <pc:docMk/>
-            <pc:sldMk cId="3270316992" sldId="527"/>
-            <ac:spMk id="9" creationId="{16C18B30-09D6-0728-EA43-4775501702B6}"/>
-          </ac:spMkLst>
-        </pc:spChg>
-        <pc:picChg chg="add del mod">
-          <ac:chgData name="Whitney Woelmer" userId="cc1e44da-7691-4c78-aceb-77bbb5a56163" providerId="ADAL" clId="{F242522B-6172-4F94-B25D-5926311B3CF4}" dt="2025-04-23T23:29:59.027" v="3124" actId="478"/>
-          <ac:picMkLst>
-            <pc:docMk/>
-            <pc:sldMk cId="3270316992" sldId="527"/>
-            <ac:picMk id="5" creationId="{611A7CD3-443A-64A4-ACAD-DC2E1CDDB148}"/>
-          </ac:picMkLst>
-        </pc:picChg>
-        <pc:picChg chg="del">
-          <ac:chgData name="Whitney Woelmer" userId="cc1e44da-7691-4c78-aceb-77bbb5a56163" providerId="ADAL" clId="{F242522B-6172-4F94-B25D-5926311B3CF4}" dt="2025-04-23T23:29:54.785" v="3121" actId="478"/>
-          <ac:picMkLst>
-            <pc:docMk/>
-            <pc:sldMk cId="3270316992" sldId="527"/>
-            <ac:picMk id="6" creationId="{E2FF85B1-1824-0AFA-3A0C-9A75E808FFBE}"/>
-          </ac:picMkLst>
-        </pc:picChg>
         <pc:picChg chg="add mod">
           <ac:chgData name="Whitney Woelmer" userId="cc1e44da-7691-4c78-aceb-77bbb5a56163" providerId="ADAL" clId="{F242522B-6172-4F94-B25D-5926311B3CF4}" dt="2025-04-23T23:30:18.831" v="3130" actId="1076"/>
           <ac:picMkLst>
@@ -1167,37 +977,21 @@
             <ac:picMk id="10" creationId="{97BD58C0-22A7-DB29-FB2E-DA6BA6315230}"/>
           </ac:picMkLst>
         </pc:picChg>
-        <pc:picChg chg="del">
-          <ac:chgData name="Whitney Woelmer" userId="cc1e44da-7691-4c78-aceb-77bbb5a56163" providerId="ADAL" clId="{F242522B-6172-4F94-B25D-5926311B3CF4}" dt="2025-04-23T23:30:14.445" v="3129" actId="478"/>
-          <ac:picMkLst>
-            <pc:docMk/>
-            <pc:sldMk cId="3270316992" sldId="527"/>
-            <ac:picMk id="11" creationId="{71DA1817-D5E9-7572-7B52-65494AC73353}"/>
-          </ac:picMkLst>
-        </pc:picChg>
       </pc:sldChg>
       <pc:sldChg chg="addSp delSp modSp add mod">
-        <pc:chgData name="Whitney Woelmer" userId="cc1e44da-7691-4c78-aceb-77bbb5a56163" providerId="ADAL" clId="{F242522B-6172-4F94-B25D-5926311B3CF4}" dt="2025-04-23T23:36:47.924" v="3614" actId="27636"/>
+        <pc:chgData name="Whitney Woelmer" userId="cc1e44da-7691-4c78-aceb-77bbb5a56163" providerId="ADAL" clId="{F242522B-6172-4F94-B25D-5926311B3CF4}" dt="2025-04-28T01:23:24.643" v="5127" actId="20577"/>
         <pc:sldMkLst>
           <pc:docMk/>
           <pc:sldMk cId="779704714" sldId="528"/>
         </pc:sldMkLst>
         <pc:spChg chg="mod">
-          <ac:chgData name="Whitney Woelmer" userId="cc1e44da-7691-4c78-aceb-77bbb5a56163" providerId="ADAL" clId="{F242522B-6172-4F94-B25D-5926311B3CF4}" dt="2025-04-23T23:36:47.924" v="3614" actId="27636"/>
+          <ac:chgData name="Whitney Woelmer" userId="cc1e44da-7691-4c78-aceb-77bbb5a56163" providerId="ADAL" clId="{F242522B-6172-4F94-B25D-5926311B3CF4}" dt="2025-04-28T01:23:24.643" v="5127" actId="20577"/>
           <ac:spMkLst>
             <pc:docMk/>
             <pc:sldMk cId="779704714" sldId="528"/>
             <ac:spMk id="3" creationId="{D57A27F7-050B-12C2-6CCE-7A0478E02441}"/>
           </ac:spMkLst>
         </pc:spChg>
-        <pc:picChg chg="del">
-          <ac:chgData name="Whitney Woelmer" userId="cc1e44da-7691-4c78-aceb-77bbb5a56163" providerId="ADAL" clId="{F242522B-6172-4F94-B25D-5926311B3CF4}" dt="2025-04-23T23:31:25.058" v="3192" actId="478"/>
-          <ac:picMkLst>
-            <pc:docMk/>
-            <pc:sldMk cId="779704714" sldId="528"/>
-            <ac:picMk id="5" creationId="{C7F4CC5A-886E-C746-AA08-A08C53C2B3FF}"/>
-          </ac:picMkLst>
-        </pc:picChg>
         <pc:picChg chg="add mod">
           <ac:chgData name="Whitney Woelmer" userId="cc1e44da-7691-4c78-aceb-77bbb5a56163" providerId="ADAL" clId="{F242522B-6172-4F94-B25D-5926311B3CF4}" dt="2025-04-23T23:32:47.874" v="3294" actId="1076"/>
           <ac:picMkLst>
@@ -1227,14 +1021,6 @@
             <pc:docMk/>
             <pc:sldMk cId="1540252618" sldId="529"/>
             <ac:picMk id="5" creationId="{A812DE6C-7C9E-595F-7141-6C02850D682F}"/>
-          </ac:picMkLst>
-        </pc:picChg>
-        <pc:picChg chg="del">
-          <ac:chgData name="Whitney Woelmer" userId="cc1e44da-7691-4c78-aceb-77bbb5a56163" providerId="ADAL" clId="{F242522B-6172-4F94-B25D-5926311B3CF4}" dt="2025-04-23T23:34:41.805" v="3478" actId="478"/>
-          <ac:picMkLst>
-            <pc:docMk/>
-            <pc:sldMk cId="1540252618" sldId="529"/>
-            <ac:picMk id="6" creationId="{916B7B68-2019-D574-A3C0-B9D0E45E6A39}"/>
           </ac:picMkLst>
         </pc:picChg>
         <pc:picChg chg="add mod">
@@ -1306,22 +1092,6 @@
             <ac:spMk id="15" creationId="{255A994A-F0BC-FF5C-5957-2D1875AC2DF1}"/>
           </ac:spMkLst>
         </pc:spChg>
-        <pc:grpChg chg="mod">
-          <ac:chgData name="Whitney Woelmer" userId="cc1e44da-7691-4c78-aceb-77bbb5a56163" providerId="ADAL" clId="{F242522B-6172-4F94-B25D-5926311B3CF4}" dt="2025-04-24T02:02:53.990" v="4353"/>
-          <ac:grpSpMkLst>
-            <pc:docMk/>
-            <pc:sldMk cId="4173238154" sldId="532"/>
-            <ac:grpSpMk id="10" creationId="{2B464C35-B693-61CF-3F80-45E575930638}"/>
-          </ac:grpSpMkLst>
-        </pc:grpChg>
-        <pc:picChg chg="add del mod">
-          <ac:chgData name="Whitney Woelmer" userId="cc1e44da-7691-4c78-aceb-77bbb5a56163" providerId="ADAL" clId="{F242522B-6172-4F94-B25D-5926311B3CF4}" dt="2025-04-24T02:02:21.774" v="4343" actId="478"/>
-          <ac:picMkLst>
-            <pc:docMk/>
-            <pc:sldMk cId="4173238154" sldId="532"/>
-            <ac:picMk id="5" creationId="{BF7C4E29-A112-453D-27BD-955CC54CF3C3}"/>
-          </ac:picMkLst>
-        </pc:picChg>
         <pc:picChg chg="add mod">
           <ac:chgData name="Whitney Woelmer" userId="cc1e44da-7691-4c78-aceb-77bbb5a56163" providerId="ADAL" clId="{F242522B-6172-4F94-B25D-5926311B3CF4}" dt="2025-04-24T02:02:23.911" v="4345" actId="1076"/>
           <ac:picMkLst>
@@ -1330,46 +1100,6 @@
             <ac:picMk id="7" creationId="{B1E7DB40-3B18-C508-D320-D3B2CEB760E4}"/>
           </ac:picMkLst>
         </pc:picChg>
-        <pc:inkChg chg="add del mod">
-          <ac:chgData name="Whitney Woelmer" userId="cc1e44da-7691-4c78-aceb-77bbb5a56163" providerId="ADAL" clId="{F242522B-6172-4F94-B25D-5926311B3CF4}" dt="2025-04-24T02:02:54.782" v="4354" actId="9405"/>
-          <ac:inkMkLst>
-            <pc:docMk/>
-            <pc:sldMk cId="4173238154" sldId="532"/>
-            <ac:inkMk id="8" creationId="{4578E0D0-2DAB-410A-735E-7EF2F014E5B2}"/>
-          </ac:inkMkLst>
-        </pc:inkChg>
-        <pc:inkChg chg="add del mod">
-          <ac:chgData name="Whitney Woelmer" userId="cc1e44da-7691-4c78-aceb-77bbb5a56163" providerId="ADAL" clId="{F242522B-6172-4F94-B25D-5926311B3CF4}" dt="2025-04-24T02:02:53.990" v="4353"/>
-          <ac:inkMkLst>
-            <pc:docMk/>
-            <pc:sldMk cId="4173238154" sldId="532"/>
-            <ac:inkMk id="9" creationId="{155C27ED-1CCF-E821-7173-8CBB3DCA88FA}"/>
-          </ac:inkMkLst>
-        </pc:inkChg>
-        <pc:inkChg chg="add del">
-          <ac:chgData name="Whitney Woelmer" userId="cc1e44da-7691-4c78-aceb-77bbb5a56163" providerId="ADAL" clId="{F242522B-6172-4F94-B25D-5926311B3CF4}" dt="2025-04-24T02:03:15.942" v="4358" actId="9405"/>
-          <ac:inkMkLst>
-            <pc:docMk/>
-            <pc:sldMk cId="4173238154" sldId="532"/>
-            <ac:inkMk id="11" creationId="{FEC5428A-CDEF-D6DD-BB60-AB60BFB3E9C5}"/>
-          </ac:inkMkLst>
-        </pc:inkChg>
-        <pc:inkChg chg="add del">
-          <ac:chgData name="Whitney Woelmer" userId="cc1e44da-7691-4c78-aceb-77bbb5a56163" providerId="ADAL" clId="{F242522B-6172-4F94-B25D-5926311B3CF4}" dt="2025-04-24T02:03:14.141" v="4357" actId="9405"/>
-          <ac:inkMkLst>
-            <pc:docMk/>
-            <pc:sldMk cId="4173238154" sldId="532"/>
-            <ac:inkMk id="12" creationId="{BE822311-B9F4-3F32-A6AA-4B6F73AEFA18}"/>
-          </ac:inkMkLst>
-        </pc:inkChg>
-        <pc:inkChg chg="add del">
-          <ac:chgData name="Whitney Woelmer" userId="cc1e44da-7691-4c78-aceb-77bbb5a56163" providerId="ADAL" clId="{F242522B-6172-4F94-B25D-5926311B3CF4}" dt="2025-04-24T02:03:48.893" v="4362" actId="478"/>
-          <ac:inkMkLst>
-            <pc:docMk/>
-            <pc:sldMk cId="4173238154" sldId="532"/>
-            <ac:inkMk id="13" creationId="{52E36AA3-B1CC-0800-4341-9CAC8208379A}"/>
-          </ac:inkMkLst>
-        </pc:inkChg>
         <pc:inkChg chg="add">
           <ac:chgData name="Whitney Woelmer" userId="cc1e44da-7691-4c78-aceb-77bbb5a56163" providerId="ADAL" clId="{F242522B-6172-4F94-B25D-5926311B3CF4}" dt="2025-04-24T02:03:52.324" v="4363" actId="9405"/>
           <ac:inkMkLst>
@@ -1485,38 +1215,29 @@
             <ac:spMk id="3" creationId="{BD2F0820-025D-077C-C66A-BE4C846F2CC1}"/>
           </ac:spMkLst>
         </pc:spChg>
-        <pc:spChg chg="add del mod">
-          <ac:chgData name="Whitney Woelmer" userId="cc1e44da-7691-4c78-aceb-77bbb5a56163" providerId="ADAL" clId="{F242522B-6172-4F94-B25D-5926311B3CF4}" dt="2025-04-24T02:14:33.815" v="4937" actId="478"/>
+      </pc:sldChg>
+      <pc:sldChg chg="addSp modSp new mod">
+        <pc:chgData name="Whitney Woelmer" userId="cc1e44da-7691-4c78-aceb-77bbb5a56163" providerId="ADAL" clId="{F242522B-6172-4F94-B25D-5926311B3CF4}" dt="2025-04-28T04:13:24.635" v="5171" actId="20577"/>
+        <pc:sldMkLst>
+          <pc:docMk/>
+          <pc:sldMk cId="4182796323" sldId="537"/>
+        </pc:sldMkLst>
+        <pc:spChg chg="mod">
+          <ac:chgData name="Whitney Woelmer" userId="cc1e44da-7691-4c78-aceb-77bbb5a56163" providerId="ADAL" clId="{F242522B-6172-4F94-B25D-5926311B3CF4}" dt="2025-04-28T04:13:24.635" v="5171" actId="20577"/>
           <ac:spMkLst>
             <pc:docMk/>
-            <pc:sldMk cId="2832461732" sldId="536"/>
-            <ac:spMk id="5" creationId="{29804D9B-C587-A2C4-22EA-71C714035B1F}"/>
+            <pc:sldMk cId="4182796323" sldId="537"/>
+            <ac:spMk id="3" creationId="{683B6ADF-329B-52E5-4244-121588F24197}"/>
           </ac:spMkLst>
         </pc:spChg>
-        <pc:spChg chg="del">
-          <ac:chgData name="Whitney Woelmer" userId="cc1e44da-7691-4c78-aceb-77bbb5a56163" providerId="ADAL" clId="{F242522B-6172-4F94-B25D-5926311B3CF4}" dt="2025-04-24T02:14:25.605" v="4933" actId="478"/>
-          <ac:spMkLst>
-            <pc:docMk/>
-            <pc:sldMk cId="2832461732" sldId="536"/>
-            <ac:spMk id="15" creationId="{B7278519-6BAC-FDB6-E230-C1842790AE31}"/>
-          </ac:spMkLst>
-        </pc:spChg>
-        <pc:picChg chg="del">
-          <ac:chgData name="Whitney Woelmer" userId="cc1e44da-7691-4c78-aceb-77bbb5a56163" providerId="ADAL" clId="{F242522B-6172-4F94-B25D-5926311B3CF4}" dt="2025-04-24T02:14:21.028" v="4931" actId="478"/>
+        <pc:picChg chg="add mod">
+          <ac:chgData name="Whitney Woelmer" userId="cc1e44da-7691-4c78-aceb-77bbb5a56163" providerId="ADAL" clId="{F242522B-6172-4F94-B25D-5926311B3CF4}" dt="2025-04-28T04:13:07.227" v="5135" actId="1076"/>
           <ac:picMkLst>
             <pc:docMk/>
-            <pc:sldMk cId="2832461732" sldId="536"/>
-            <ac:picMk id="4" creationId="{0A47FA91-86D9-BFBD-98F2-DC5A78CDB10C}"/>
+            <pc:sldMk cId="4182796323" sldId="537"/>
+            <ac:picMk id="5" creationId="{97CCBEC6-ADBA-CB91-E63A-851B93564350}"/>
           </ac:picMkLst>
         </pc:picChg>
-        <pc:inkChg chg="del">
-          <ac:chgData name="Whitney Woelmer" userId="cc1e44da-7691-4c78-aceb-77bbb5a56163" providerId="ADAL" clId="{F242522B-6172-4F94-B25D-5926311B3CF4}" dt="2025-04-24T02:14:22.707" v="4932" actId="478"/>
-          <ac:inkMkLst>
-            <pc:docMk/>
-            <pc:sldMk cId="2832461732" sldId="536"/>
-            <ac:inkMk id="14" creationId="{9A81BED0-6CE5-A769-CD2E-1544957C82D6}"/>
-          </ac:inkMkLst>
-        </pc:inkChg>
       </pc:sldChg>
     </pc:docChg>
   </pc:docChgLst>
@@ -1800,7 +1521,7 @@
           <a:p>
             <a:fld id="{34DAE4EE-2DF8-45FB-8651-0A1C8E883882}" type="datetimeFigureOut">
               <a:rPr lang="en-NZ" smtClean="0"/>
-              <a:t>24/04/2025</a:t>
+              <a:t>28/04/2025</a:t>
             </a:fld>
             <a:endParaRPr lang="en-NZ"/>
           </a:p>
@@ -2000,7 +1721,7 @@
           <a:p>
             <a:fld id="{34DAE4EE-2DF8-45FB-8651-0A1C8E883882}" type="datetimeFigureOut">
               <a:rPr lang="en-NZ" smtClean="0"/>
-              <a:t>24/04/2025</a:t>
+              <a:t>28/04/2025</a:t>
             </a:fld>
             <a:endParaRPr lang="en-NZ"/>
           </a:p>
@@ -2210,7 +1931,7 @@
           <a:p>
             <a:fld id="{34DAE4EE-2DF8-45FB-8651-0A1C8E883882}" type="datetimeFigureOut">
               <a:rPr lang="en-NZ" smtClean="0"/>
-              <a:t>24/04/2025</a:t>
+              <a:t>28/04/2025</a:t>
             </a:fld>
             <a:endParaRPr lang="en-NZ"/>
           </a:p>
@@ -2410,7 +2131,7 @@
           <a:p>
             <a:fld id="{34DAE4EE-2DF8-45FB-8651-0A1C8E883882}" type="datetimeFigureOut">
               <a:rPr lang="en-NZ" smtClean="0"/>
-              <a:t>24/04/2025</a:t>
+              <a:t>28/04/2025</a:t>
             </a:fld>
             <a:endParaRPr lang="en-NZ"/>
           </a:p>
@@ -2686,7 +2407,7 @@
           <a:p>
             <a:fld id="{34DAE4EE-2DF8-45FB-8651-0A1C8E883882}" type="datetimeFigureOut">
               <a:rPr lang="en-NZ" smtClean="0"/>
-              <a:t>24/04/2025</a:t>
+              <a:t>28/04/2025</a:t>
             </a:fld>
             <a:endParaRPr lang="en-NZ"/>
           </a:p>
@@ -2954,7 +2675,7 @@
           <a:p>
             <a:fld id="{34DAE4EE-2DF8-45FB-8651-0A1C8E883882}" type="datetimeFigureOut">
               <a:rPr lang="en-NZ" smtClean="0"/>
-              <a:t>24/04/2025</a:t>
+              <a:t>28/04/2025</a:t>
             </a:fld>
             <a:endParaRPr lang="en-NZ"/>
           </a:p>
@@ -3369,7 +3090,7 @@
           <a:p>
             <a:fld id="{34DAE4EE-2DF8-45FB-8651-0A1C8E883882}" type="datetimeFigureOut">
               <a:rPr lang="en-NZ" smtClean="0"/>
-              <a:t>24/04/2025</a:t>
+              <a:t>28/04/2025</a:t>
             </a:fld>
             <a:endParaRPr lang="en-NZ"/>
           </a:p>
@@ -3511,7 +3232,7 @@
           <a:p>
             <a:fld id="{34DAE4EE-2DF8-45FB-8651-0A1C8E883882}" type="datetimeFigureOut">
               <a:rPr lang="en-NZ" smtClean="0"/>
-              <a:t>24/04/2025</a:t>
+              <a:t>28/04/2025</a:t>
             </a:fld>
             <a:endParaRPr lang="en-NZ"/>
           </a:p>
@@ -3624,7 +3345,7 @@
           <a:p>
             <a:fld id="{34DAE4EE-2DF8-45FB-8651-0A1C8E883882}" type="datetimeFigureOut">
               <a:rPr lang="en-NZ" smtClean="0"/>
-              <a:t>24/04/2025</a:t>
+              <a:t>28/04/2025</a:t>
             </a:fld>
             <a:endParaRPr lang="en-NZ"/>
           </a:p>
@@ -3937,7 +3658,7 @@
           <a:p>
             <a:fld id="{34DAE4EE-2DF8-45FB-8651-0A1C8E883882}" type="datetimeFigureOut">
               <a:rPr lang="en-NZ" smtClean="0"/>
-              <a:t>24/04/2025</a:t>
+              <a:t>28/04/2025</a:t>
             </a:fld>
             <a:endParaRPr lang="en-NZ"/>
           </a:p>
@@ -4226,7 +3947,7 @@
           <a:p>
             <a:fld id="{34DAE4EE-2DF8-45FB-8651-0A1C8E883882}" type="datetimeFigureOut">
               <a:rPr lang="en-NZ" smtClean="0"/>
-              <a:t>24/04/2025</a:t>
+              <a:t>28/04/2025</a:t>
             </a:fld>
             <a:endParaRPr lang="en-NZ"/>
           </a:p>
@@ -4469,7 +4190,7 @@
           <a:p>
             <a:fld id="{34DAE4EE-2DF8-45FB-8651-0A1C8E883882}" type="datetimeFigureOut">
               <a:rPr lang="en-NZ" smtClean="0"/>
-              <a:t>24/04/2025</a:t>
+              <a:t>28/04/2025</a:t>
             </a:fld>
             <a:endParaRPr lang="en-NZ"/>
           </a:p>
@@ -5218,7 +4939,7 @@
         <p:spPr/>
         <p:txBody>
           <a:bodyPr>
-            <a:normAutofit lnSpcReduction="10000"/>
+            <a:normAutofit fontScale="92500" lnSpcReduction="10000"/>
           </a:bodyPr>
           <a:lstStyle/>
           <a:p>
@@ -5228,6 +4949,16 @@
             </a:r>
           </a:p>
           <a:p>
+            <a:r>
+              <a:rPr lang="en-NZ" dirty="0">
+                <a:highlight>
+                  <a:srgbClr val="FFFF00"/>
+                </a:highlight>
+              </a:rPr>
+              <a:t>NOTE: change CRAN mirror to U of Auckland</a:t>
+            </a:r>
+          </a:p>
+          <a:p>
             <a:endParaRPr lang="en-NZ" dirty="0"/>
           </a:p>
           <a:p>
@@ -5253,7 +4984,7 @@
           <a:p>
             <a:r>
               <a:rPr lang="en-NZ" dirty="0"/>
-              <a:t>You can also create custom functions (more on that another time!)</a:t>
+              <a:t>You can also create custom functions (more on that if there is interest!)</a:t>
             </a:r>
           </a:p>
           <a:p>
@@ -5309,6 +5040,124 @@
   <p:cSld>
     <p:spTree>
       <p:nvGrpSpPr>
+        <p:cNvPr id="1" name=""/>
+        <p:cNvGrpSpPr/>
+        <p:nvPr/>
+      </p:nvGrpSpPr>
+      <p:grpSpPr>
+        <a:xfrm>
+          <a:off x="0" y="0"/>
+          <a:ext cx="0" cy="0"/>
+          <a:chOff x="0" y="0"/>
+          <a:chExt cx="0" cy="0"/>
+        </a:xfrm>
+      </p:grpSpPr>
+      <p:sp>
+        <p:nvSpPr>
+          <p:cNvPr id="2" name="Title 1">
+            <a:extLst>
+              <a:ext uri="{FF2B5EF4-FFF2-40B4-BE49-F238E27FC236}">
+                <a16:creationId xmlns:a16="http://schemas.microsoft.com/office/drawing/2014/main" id="{64C464D2-9480-4B57-CB47-69FFB069BAF6}"/>
+              </a:ext>
+            </a:extLst>
+          </p:cNvPr>
+          <p:cNvSpPr>
+            <a:spLocks noGrp="1"/>
+          </p:cNvSpPr>
+          <p:nvPr>
+            <p:ph type="title"/>
+          </p:nvPr>
+        </p:nvSpPr>
+        <p:spPr/>
+        <p:txBody>
+          <a:bodyPr/>
+          <a:lstStyle/>
+          <a:p>
+            <a:endParaRPr lang="en-NZ"/>
+          </a:p>
+        </p:txBody>
+      </p:sp>
+      <p:sp>
+        <p:nvSpPr>
+          <p:cNvPr id="3" name="Content Placeholder 2">
+            <a:extLst>
+              <a:ext uri="{FF2B5EF4-FFF2-40B4-BE49-F238E27FC236}">
+                <a16:creationId xmlns:a16="http://schemas.microsoft.com/office/drawing/2014/main" id="{683B6ADF-329B-52E5-4244-121588F24197}"/>
+              </a:ext>
+            </a:extLst>
+          </p:cNvPr>
+          <p:cNvSpPr>
+            <a:spLocks noGrp="1"/>
+          </p:cNvSpPr>
+          <p:nvPr>
+            <p:ph idx="1"/>
+          </p:nvPr>
+        </p:nvSpPr>
+        <p:spPr>
+          <a:xfrm>
+            <a:off x="838200" y="1825625"/>
+            <a:ext cx="4383024" cy="4351338"/>
+          </a:xfrm>
+        </p:spPr>
+        <p:txBody>
+          <a:bodyPr/>
+          <a:lstStyle/>
+          <a:p>
+            <a:r>
+              <a:rPr lang="en-NZ" dirty="0"/>
+              <a:t>Under global options -&gt; Packages</a:t>
+            </a:r>
+          </a:p>
+        </p:txBody>
+      </p:sp>
+      <p:pic>
+        <p:nvPicPr>
+          <p:cNvPr id="5" name="Picture 4">
+            <a:extLst>
+              <a:ext uri="{FF2B5EF4-FFF2-40B4-BE49-F238E27FC236}">
+                <a16:creationId xmlns:a16="http://schemas.microsoft.com/office/drawing/2014/main" id="{97CCBEC6-ADBA-CB91-E63A-851B93564350}"/>
+              </a:ext>
+            </a:extLst>
+          </p:cNvPr>
+          <p:cNvPicPr>
+            <a:picLocks noChangeAspect="1"/>
+          </p:cNvPicPr>
+          <p:nvPr/>
+        </p:nvPicPr>
+        <p:blipFill>
+          <a:blip r:embed="rId2"/>
+          <a:stretch>
+            <a:fillRect/>
+          </a:stretch>
+        </p:blipFill>
+        <p:spPr>
+          <a:xfrm>
+            <a:off x="5413248" y="1392737"/>
+            <a:ext cx="5655722" cy="5100138"/>
+          </a:xfrm>
+          <a:prstGeom prst="rect">
+            <a:avLst/>
+          </a:prstGeom>
+        </p:spPr>
+      </p:pic>
+    </p:spTree>
+    <p:extLst>
+      <p:ext uri="{BB962C8B-B14F-4D97-AF65-F5344CB8AC3E}">
+        <p14:creationId xmlns:p14="http://schemas.microsoft.com/office/powerpoint/2010/main" val="4182796323"/>
+      </p:ext>
+    </p:extLst>
+  </p:cSld>
+  <p:clrMapOvr>
+    <a:masterClrMapping/>
+  </p:clrMapOvr>
+</p:sld>
+</file>
+
+<file path=ppt/slides/slide13.xml><?xml version="1.0" encoding="utf-8"?>
+<p:sld xmlns:a="http://schemas.openxmlformats.org/drawingml/2006/main" xmlns:r="http://schemas.openxmlformats.org/officeDocument/2006/relationships" xmlns:p="http://schemas.openxmlformats.org/presentationml/2006/main">
+  <p:cSld>
+    <p:spTree>
+      <p:nvGrpSpPr>
         <p:cNvPr id="1" name="">
           <a:extLst>
             <a:ext uri="{FF2B5EF4-FFF2-40B4-BE49-F238E27FC236}">
@@ -5486,7 +5335,7 @@
 </p:sld>
 </file>
 
-<file path=ppt/slides/slide13.xml><?xml version="1.0" encoding="utf-8"?>
+<file path=ppt/slides/slide14.xml><?xml version="1.0" encoding="utf-8"?>
 <p:sld xmlns:a="http://schemas.openxmlformats.org/drawingml/2006/main" xmlns:r="http://schemas.openxmlformats.org/officeDocument/2006/relationships" xmlns:p="http://schemas.openxmlformats.org/presentationml/2006/main">
   <p:cSld>
     <p:spTree>
@@ -5598,8 +5447,8 @@
           </a:prstGeom>
         </p:spPr>
       </p:pic>
-      <mc:AlternateContent xmlns:mc="http://schemas.openxmlformats.org/markup-compatibility/2006">
-        <mc:Choice xmlns:p14="http://schemas.microsoft.com/office/powerpoint/2010/main" Requires="p14">
+      <mc:AlternateContent xmlns:mc="http://schemas.openxmlformats.org/markup-compatibility/2006" xmlns:p14="http://schemas.microsoft.com/office/powerpoint/2010/main">
+        <mc:Choice Requires="p14">
           <p:contentPart p14:bwMode="auto" r:id="rId3">
             <p14:nvContentPartPr>
               <p14:cNvPr id="14" name="Ink 13">
@@ -5618,7 +5467,7 @@
             </p14:xfrm>
           </p:contentPart>
         </mc:Choice>
-        <mc:Fallback>
+        <mc:Fallback xmlns="">
           <p:pic>
             <p:nvPicPr>
               <p:cNvPr id="14" name="Ink 13">
@@ -5705,7 +5554,7 @@
 </p:sld>
 </file>
 
-<file path=ppt/slides/slide14.xml><?xml version="1.0" encoding="utf-8"?>
+<file path=ppt/slides/slide15.xml><?xml version="1.0" encoding="utf-8"?>
 <p:sld xmlns:a="http://schemas.openxmlformats.org/drawingml/2006/main" xmlns:r="http://schemas.openxmlformats.org/officeDocument/2006/relationships" xmlns:p="http://schemas.openxmlformats.org/presentationml/2006/main">
   <p:cSld>
     <p:spTree>
@@ -5823,8 +5672,8 @@
           </a:prstGeom>
         </p:spPr>
       </p:pic>
-      <mc:AlternateContent xmlns:mc="http://schemas.openxmlformats.org/markup-compatibility/2006">
-        <mc:Choice xmlns:p14="http://schemas.microsoft.com/office/powerpoint/2010/main" Requires="p14">
+      <mc:AlternateContent xmlns:mc="http://schemas.openxmlformats.org/markup-compatibility/2006" xmlns:p14="http://schemas.microsoft.com/office/powerpoint/2010/main">
+        <mc:Choice Requires="p14">
           <p:contentPart p14:bwMode="auto" r:id="rId3">
             <p14:nvContentPartPr>
               <p14:cNvPr id="14" name="Ink 13">
@@ -5843,7 +5692,7 @@
             </p14:xfrm>
           </p:contentPart>
         </mc:Choice>
-        <mc:Fallback>
+        <mc:Fallback xmlns="">
           <p:pic>
             <p:nvPicPr>
               <p:cNvPr id="14" name="Ink 13">
@@ -5930,7 +5779,7 @@
 </p:sld>
 </file>
 
-<file path=ppt/slides/slide15.xml><?xml version="1.0" encoding="utf-8"?>
+<file path=ppt/slides/slide16.xml><?xml version="1.0" encoding="utf-8"?>
 <p:sld xmlns:a="http://schemas.openxmlformats.org/drawingml/2006/main" xmlns:r="http://schemas.openxmlformats.org/officeDocument/2006/relationships" xmlns:p="http://schemas.openxmlformats.org/presentationml/2006/main">
   <p:cSld>
     <p:spTree>
@@ -6048,8 +5897,8 @@
           </a:prstGeom>
         </p:spPr>
       </p:pic>
-      <mc:AlternateContent xmlns:mc="http://schemas.openxmlformats.org/markup-compatibility/2006">
-        <mc:Choice xmlns:p14="http://schemas.microsoft.com/office/powerpoint/2010/main" Requires="p14">
+      <mc:AlternateContent xmlns:mc="http://schemas.openxmlformats.org/markup-compatibility/2006" xmlns:p14="http://schemas.microsoft.com/office/powerpoint/2010/main">
+        <mc:Choice Requires="p14">
           <p:contentPart p14:bwMode="auto" r:id="rId3">
             <p14:nvContentPartPr>
               <p14:cNvPr id="14" name="Ink 13">
@@ -6068,7 +5917,7 @@
             </p14:xfrm>
           </p:contentPart>
         </mc:Choice>
-        <mc:Fallback>
+        <mc:Fallback xmlns="">
           <p:pic>
             <p:nvPicPr>
               <p:cNvPr id="14" name="Ink 13">
@@ -6177,7 +6026,7 @@
 </p:sld>
 </file>
 
-<file path=ppt/slides/slide16.xml><?xml version="1.0" encoding="utf-8"?>
+<file path=ppt/slides/slide17.xml><?xml version="1.0" encoding="utf-8"?>
 <p:sld xmlns:a="http://schemas.openxmlformats.org/drawingml/2006/main" xmlns:r="http://schemas.openxmlformats.org/officeDocument/2006/relationships" xmlns:p="http://schemas.openxmlformats.org/presentationml/2006/main">
   <p:cSld>
     <p:spTree>
@@ -6295,8 +6144,8 @@
           </a:prstGeom>
         </p:spPr>
       </p:pic>
-      <mc:AlternateContent xmlns:mc="http://schemas.openxmlformats.org/markup-compatibility/2006">
-        <mc:Choice xmlns:p14="http://schemas.microsoft.com/office/powerpoint/2010/main" Requires="p14">
+      <mc:AlternateContent xmlns:mc="http://schemas.openxmlformats.org/markup-compatibility/2006" xmlns:p14="http://schemas.microsoft.com/office/powerpoint/2010/main">
+        <mc:Choice Requires="p14">
           <p:contentPart p14:bwMode="auto" r:id="rId3">
             <p14:nvContentPartPr>
               <p14:cNvPr id="14" name="Ink 13">
@@ -6315,7 +6164,7 @@
             </p14:xfrm>
           </p:contentPart>
         </mc:Choice>
-        <mc:Fallback>
+        <mc:Fallback xmlns="">
           <p:pic>
             <p:nvPicPr>
               <p:cNvPr id="14" name="Ink 13">
@@ -6424,7 +6273,7 @@
 </p:sld>
 </file>
 
-<file path=ppt/slides/slide17.xml><?xml version="1.0" encoding="utf-8"?>
+<file path=ppt/slides/slide18.xml><?xml version="1.0" encoding="utf-8"?>
 <p:sld xmlns:a="http://schemas.openxmlformats.org/drawingml/2006/main" xmlns:r="http://schemas.openxmlformats.org/officeDocument/2006/relationships" xmlns:p="http://schemas.openxmlformats.org/presentationml/2006/main">
   <p:cSld>
     <p:spTree>
@@ -6519,11 +6368,7 @@
           <a:p>
             <a:r>
               <a:rPr lang="en-NZ" dirty="0"/>
-              <a:t>You don’t need to specify ‘path’ but it can help </a:t>
-            </a:r>
-            <a:r>
-              <a:rPr lang="en-NZ"/>
-              <a:t>with organizing</a:t>
+              <a:t>You don’t need to specify ‘path’ but it can help with organizing</a:t>
             </a:r>
           </a:p>
           <a:p>
@@ -6583,7 +6428,7 @@
 </p:sld>
 </file>
 
-<file path=ppt/slides/slide18.xml><?xml version="1.0" encoding="utf-8"?>
+<file path=ppt/slides/slide19.xml><?xml version="1.0" encoding="utf-8"?>
 <p:sld xmlns:a="http://schemas.openxmlformats.org/drawingml/2006/main" xmlns:r="http://schemas.openxmlformats.org/officeDocument/2006/relationships" xmlns:p="http://schemas.openxmlformats.org/presentationml/2006/main">
   <p:cSld>
     <p:spTree>
@@ -6648,14 +6493,14 @@
           <p:nvPr>
             <p:extLst>
               <p:ext uri="{D42A27DB-BD31-4B8C-83A1-F6EECF244321}">
-                <p14:modId xmlns:p14="http://schemas.microsoft.com/office/powerpoint/2010/main" val="3463265485"/>
+                <p14:modId xmlns:p14="http://schemas.microsoft.com/office/powerpoint/2010/main" val="3770805718"/>
               </p:ext>
             </p:extLst>
           </p:nvPr>
         </p:nvGraphicFramePr>
         <p:xfrm>
           <a:off x="253678" y="1367632"/>
-          <a:ext cx="11549204" cy="5217160"/>
+          <a:ext cx="11549204" cy="4942840"/>
         </p:xfrm>
         <a:graphic>
           <a:graphicData uri="http://schemas.openxmlformats.org/drawingml/2006/table">
@@ -6972,6 +6817,64 @@
                             <a:schemeClr val="accent1"/>
                           </a:solidFill>
                         </a:rPr>
+                        <a:t>buoy_rotoehu</a:t>
+                      </a:r>
+                      <a:r>
+                        <a:rPr lang="en-NZ" dirty="0"/>
+                        <a:t> &lt;- read.csv(‘./data/buoy_data.csv’)</a:t>
+                      </a:r>
+                    </a:p>
+                    <a:p>
+                      <a:pPr marL="0" marR="0" lvl="0" indent="0" algn="l" defTabSz="914400" rtl="0" eaLnBrk="1" fontAlgn="auto" latinLnBrk="0" hangingPunct="1">
+                        <a:lnSpc>
+                          <a:spcPct val="100000"/>
+                        </a:lnSpc>
+                        <a:spcBef>
+                          <a:spcPts val="0"/>
+                        </a:spcBef>
+                        <a:spcAft>
+                          <a:spcPts val="0"/>
+                        </a:spcAft>
+                        <a:buClrTx/>
+                        <a:buSzTx/>
+                        <a:buFontTx/>
+                        <a:buNone/>
+                        <a:tabLst/>
+                        <a:defRPr/>
+                      </a:pPr>
+                      <a:r>
+                        <a:rPr lang="en-NZ" dirty="0" err="1">
+                          <a:solidFill>
+                            <a:schemeClr val="accent1"/>
+                          </a:solidFill>
+                        </a:rPr>
+                        <a:t>ctd_rotoehu</a:t>
+                      </a:r>
+                      <a:r>
+                        <a:rPr lang="en-NZ" dirty="0"/>
+                        <a:t> &lt;- read.csv(‘./data/ctd_data.csv’)</a:t>
+                      </a:r>
+                    </a:p>
+                  </a:txBody>
+                  <a:tcPr>
+                    <a:solidFill>
+                      <a:schemeClr val="bg2">
+                        <a:lumMod val="75000"/>
+                      </a:schemeClr>
+                    </a:solidFill>
+                  </a:tcPr>
+                </a:tc>
+                <a:tc>
+                  <a:txBody>
+                    <a:bodyPr/>
+                    <a:lstStyle/>
+                    <a:p>
+                      <a:r>
+                        <a:rPr lang="en-NZ" dirty="0" err="1">
+                          <a:solidFill>
+                            <a:schemeClr val="accent1"/>
+                          </a:solidFill>
+                        </a:rPr>
                         <a:t>buOy_Rotoehu</a:t>
                       </a:r>
                       <a:r>
@@ -7010,70 +6913,6 @@
                         <a:t> &lt;- read.csv(‘./data/ctd_data.csv’)</a:t>
                       </a:r>
                     </a:p>
-                    <a:p>
-                      <a:endParaRPr lang="en-NZ" dirty="0"/>
-                    </a:p>
-                  </a:txBody>
-                  <a:tcPr>
-                    <a:solidFill>
-                      <a:schemeClr val="bg2">
-                        <a:lumMod val="75000"/>
-                      </a:schemeClr>
-                    </a:solidFill>
-                  </a:tcPr>
-                </a:tc>
-                <a:tc>
-                  <a:txBody>
-                    <a:bodyPr/>
-                    <a:lstStyle/>
-                    <a:p>
-                      <a:r>
-                        <a:rPr lang="en-NZ" dirty="0" err="1">
-                          <a:solidFill>
-                            <a:schemeClr val="accent1"/>
-                          </a:solidFill>
-                        </a:rPr>
-                        <a:t>buoy_rotoehu</a:t>
-                      </a:r>
-                      <a:r>
-                        <a:rPr lang="en-NZ" dirty="0"/>
-                        <a:t> &lt;- read.csv(‘./data/buoy_data.csv’)</a:t>
-                      </a:r>
-                    </a:p>
-                    <a:p>
-                      <a:pPr marL="0" marR="0" lvl="0" indent="0" algn="l" defTabSz="914400" rtl="0" eaLnBrk="1" fontAlgn="auto" latinLnBrk="0" hangingPunct="1">
-                        <a:lnSpc>
-                          <a:spcPct val="100000"/>
-                        </a:lnSpc>
-                        <a:spcBef>
-                          <a:spcPts val="0"/>
-                        </a:spcBef>
-                        <a:spcAft>
-                          <a:spcPts val="0"/>
-                        </a:spcAft>
-                        <a:buClrTx/>
-                        <a:buSzTx/>
-                        <a:buFontTx/>
-                        <a:buNone/>
-                        <a:tabLst/>
-                        <a:defRPr/>
-                      </a:pPr>
-                      <a:r>
-                        <a:rPr lang="en-NZ" dirty="0" err="1">
-                          <a:solidFill>
-                            <a:schemeClr val="accent1"/>
-                          </a:solidFill>
-                        </a:rPr>
-                        <a:t>ctd_rotoehu</a:t>
-                      </a:r>
-                      <a:r>
-                        <a:rPr lang="en-NZ" dirty="0"/>
-                        <a:t> &lt;- read.csv(‘./data/ctd_data.csv’)</a:t>
-                      </a:r>
-                    </a:p>
-                    <a:p>
-                      <a:endParaRPr lang="en-NZ" dirty="0"/>
-                    </a:p>
                   </a:txBody>
                   <a:tcPr>
                     <a:solidFill>
@@ -7096,7 +6935,7 @@
                     <a:lstStyle/>
                     <a:p>
                       <a:r>
-                        <a:rPr lang="en-NZ"/>
+                        <a:rPr lang="en-NZ" dirty="0"/>
                         <a:t>Don’t use spaces or special characters</a:t>
                       </a:r>
                     </a:p>
@@ -7179,20 +7018,28 @@
                         <a:defRPr/>
                       </a:pPr>
                       <a:r>
-                        <a:rPr lang="en-NZ">
+                        <a:rPr lang="en-NZ" dirty="0" err="1">
                           <a:solidFill>
                             <a:schemeClr val="accent1"/>
                           </a:solidFill>
                         </a:rPr>
-                        <a:t>ctd data </a:t>
+                        <a:t>ctd</a:t>
                       </a:r>
                       <a:r>
-                        <a:rPr lang="en-NZ"/>
+                        <a:rPr lang="en-NZ" dirty="0">
+                          <a:solidFill>
+                            <a:schemeClr val="accent1"/>
+                          </a:solidFill>
+                        </a:rPr>
+                        <a:t> data </a:t>
+                      </a:r>
+                      <a:r>
+                        <a:rPr lang="en-NZ" dirty="0"/>
                         <a:t>&lt;- read.csv(‘./data/ctd_data.csv’)</a:t>
                       </a:r>
                     </a:p>
                     <a:p>
-                      <a:endParaRPr lang="en-NZ"/>
+                      <a:endParaRPr lang="en-NZ" dirty="0"/>
                     </a:p>
                   </a:txBody>
                   <a:tcPr>
@@ -7216,7 +7063,7 @@
                     <a:lstStyle/>
                     <a:p>
                       <a:r>
-                        <a:rPr lang="en-NZ"/>
+                        <a:rPr lang="en-NZ" dirty="0"/>
                         <a:t>Keep it simple</a:t>
                       </a:r>
                     </a:p>
@@ -7252,7 +7099,7 @@
                         <a:defRPr/>
                       </a:pPr>
                       <a:r>
-                        <a:rPr lang="en-NZ">
+                        <a:rPr lang="en-NZ" dirty="0" err="1">
                           <a:solidFill>
                             <a:schemeClr val="accent1"/>
                           </a:solidFill>
@@ -7260,12 +7107,12 @@
                         <a:t>ctd</a:t>
                       </a:r>
                       <a:r>
-                        <a:rPr lang="en-NZ"/>
+                        <a:rPr lang="en-NZ" dirty="0"/>
                         <a:t> &lt;- read.csv(‘./data/ctd_data.csv’)</a:t>
                       </a:r>
                     </a:p>
                     <a:p>
-                      <a:endParaRPr lang="en-NZ"/>
+                      <a:endParaRPr lang="en-NZ" dirty="0"/>
                     </a:p>
                   </a:txBody>
                   <a:tcPr>
@@ -7299,7 +7146,7 @@
                         <a:defRPr/>
                       </a:pPr>
                       <a:r>
-                        <a:rPr lang="en-NZ">
+                        <a:rPr lang="en-NZ" dirty="0">
                           <a:solidFill>
                             <a:schemeClr val="accent1"/>
                           </a:solidFill>
@@ -7307,12 +7154,12 @@
                         <a:t>ctd_2019_Rotoehu_bop_temp_do_chl_all_depths_df2 </a:t>
                       </a:r>
                       <a:r>
-                        <a:rPr lang="en-NZ"/>
+                        <a:rPr lang="en-NZ" dirty="0"/>
                         <a:t>&lt;- read.csv(‘./data/ctd_data.csv’)</a:t>
                       </a:r>
                     </a:p>
                     <a:p>
-                      <a:endParaRPr lang="en-NZ"/>
+                      <a:endParaRPr lang="en-NZ" dirty="0"/>
                     </a:p>
                   </a:txBody>
                   <a:tcPr>
@@ -7336,10 +7183,10 @@
                     <a:lstStyle/>
                     <a:p>
                       <a:r>
-                        <a:rPr lang="en-US"/>
+                        <a:rPr lang="en-US" dirty="0"/>
                         <a:t>Don’t name something the same as a function</a:t>
                       </a:r>
-                      <a:endParaRPr lang="en-NZ"/>
+                      <a:endParaRPr lang="en-NZ" dirty="0"/>
                     </a:p>
                   </a:txBody>
                   <a:tcPr>
@@ -7356,18 +7203,50 @@
                     <a:lstStyle/>
                     <a:p>
                       <a:r>
-                        <a:rPr lang="en-US">
+                        <a:rPr lang="en-US" dirty="0" err="1">
                           <a:solidFill>
                             <a:schemeClr val="accent1"/>
                           </a:solidFill>
                         </a:rPr>
-                        <a:t>thermo_depth </a:t>
+                        <a:t>thermo_depth</a:t>
                       </a:r>
                       <a:r>
-                        <a:rPr lang="en-US"/>
-                        <a:t>&lt;- thermo.depth(data$temp, data$depth)</a:t>
+                        <a:rPr lang="en-US" dirty="0">
+                          <a:solidFill>
+                            <a:schemeClr val="accent1"/>
+                          </a:solidFill>
+                        </a:rPr>
+                        <a:t> </a:t>
                       </a:r>
-                      <a:endParaRPr lang="en-NZ"/>
+                      <a:r>
+                        <a:rPr lang="en-US" dirty="0"/>
+                        <a:t>&lt;- </a:t>
+                      </a:r>
+                      <a:r>
+                        <a:rPr lang="en-US" dirty="0" err="1"/>
+                        <a:t>thermo.depth</a:t>
+                      </a:r>
+                      <a:r>
+                        <a:rPr lang="en-US" dirty="0"/>
+                        <a:t>(</a:t>
+                      </a:r>
+                      <a:r>
+                        <a:rPr lang="en-US" dirty="0" err="1"/>
+                        <a:t>data$temp</a:t>
+                      </a:r>
+                      <a:r>
+                        <a:rPr lang="en-US" dirty="0"/>
+                        <a:t>, </a:t>
+                      </a:r>
+                      <a:r>
+                        <a:rPr lang="en-US" dirty="0" err="1"/>
+                        <a:t>data$depth</a:t>
+                      </a:r>
+                      <a:r>
+                        <a:rPr lang="en-US" dirty="0"/>
+                        <a:t>)</a:t>
+                      </a:r>
+                      <a:endParaRPr lang="en-NZ" dirty="0"/>
                     </a:p>
                   </a:txBody>
                   <a:tcPr>
@@ -7481,7 +7360,156 @@
 </p:sld>
 </file>
 
-<file path=ppt/slides/slide19.xml><?xml version="1.0" encoding="utf-8"?>
+<file path=ppt/slides/slide2.xml><?xml version="1.0" encoding="utf-8"?>
+<p:sld xmlns:a="http://schemas.openxmlformats.org/drawingml/2006/main" xmlns:r="http://schemas.openxmlformats.org/officeDocument/2006/relationships" xmlns:p="http://schemas.openxmlformats.org/presentationml/2006/main">
+  <p:cSld>
+    <p:spTree>
+      <p:nvGrpSpPr>
+        <p:cNvPr id="1" name=""/>
+        <p:cNvGrpSpPr/>
+        <p:nvPr/>
+      </p:nvGrpSpPr>
+      <p:grpSpPr>
+        <a:xfrm>
+          <a:off x="0" y="0"/>
+          <a:ext cx="0" cy="0"/>
+          <a:chOff x="0" y="0"/>
+          <a:chExt cx="0" cy="0"/>
+        </a:xfrm>
+      </p:grpSpPr>
+      <p:sp>
+        <p:nvSpPr>
+          <p:cNvPr id="2" name="Title 1">
+            <a:extLst>
+              <a:ext uri="{FF2B5EF4-FFF2-40B4-BE49-F238E27FC236}">
+                <a16:creationId xmlns:a16="http://schemas.microsoft.com/office/drawing/2014/main" id="{EB6A6314-C8EF-BB3E-4BD3-6690211DBFD5}"/>
+              </a:ext>
+            </a:extLst>
+          </p:cNvPr>
+          <p:cNvSpPr>
+            <a:spLocks noGrp="1"/>
+          </p:cNvSpPr>
+          <p:nvPr>
+            <p:ph type="title"/>
+          </p:nvPr>
+        </p:nvSpPr>
+        <p:spPr/>
+        <p:txBody>
+          <a:bodyPr/>
+          <a:lstStyle/>
+          <a:p>
+            <a:r>
+              <a:rPr lang="en-NZ"/>
+              <a:t>Topics</a:t>
+            </a:r>
+          </a:p>
+        </p:txBody>
+      </p:sp>
+      <p:sp>
+        <p:nvSpPr>
+          <p:cNvPr id="3" name="Content Placeholder 2">
+            <a:extLst>
+              <a:ext uri="{FF2B5EF4-FFF2-40B4-BE49-F238E27FC236}">
+                <a16:creationId xmlns:a16="http://schemas.microsoft.com/office/drawing/2014/main" id="{B19E93A5-97F5-820C-D2C2-CEDE6A204914}"/>
+              </a:ext>
+            </a:extLst>
+          </p:cNvPr>
+          <p:cNvSpPr>
+            <a:spLocks noGrp="1"/>
+          </p:cNvSpPr>
+          <p:nvPr>
+            <p:ph idx="1"/>
+          </p:nvPr>
+        </p:nvSpPr>
+        <p:spPr/>
+        <p:txBody>
+          <a:bodyPr>
+            <a:normAutofit/>
+          </a:bodyPr>
+          <a:lstStyle/>
+          <a:p>
+            <a:r>
+              <a:rPr lang="en-NZ" dirty="0"/>
+              <a:t>Why R?</a:t>
+            </a:r>
+          </a:p>
+          <a:p>
+            <a:r>
+              <a:rPr lang="en-NZ" dirty="0"/>
+              <a:t>Basics for using R</a:t>
+            </a:r>
+          </a:p>
+          <a:p>
+            <a:r>
+              <a:rPr lang="en-NZ" dirty="0"/>
+              <a:t>Using Projects in R</a:t>
+            </a:r>
+          </a:p>
+          <a:p>
+            <a:r>
+              <a:rPr lang="en-NZ" dirty="0"/>
+              <a:t>Real code examples</a:t>
+            </a:r>
+          </a:p>
+          <a:p>
+            <a:pPr lvl="1"/>
+            <a:r>
+              <a:rPr lang="en-NZ" dirty="0"/>
+              <a:t>Install some packages</a:t>
+            </a:r>
+          </a:p>
+          <a:p>
+            <a:pPr lvl="1"/>
+            <a:r>
+              <a:rPr lang="en-NZ" dirty="0"/>
+              <a:t>Create new objects in R</a:t>
+            </a:r>
+          </a:p>
+          <a:p>
+            <a:pPr lvl="1"/>
+            <a:r>
+              <a:rPr lang="en-NZ" dirty="0"/>
+              <a:t>Read in data from a .csv and a .</a:t>
+            </a:r>
+            <a:r>
+              <a:rPr lang="en-NZ" dirty="0" err="1"/>
+              <a:t>xls</a:t>
+            </a:r>
+            <a:r>
+              <a:rPr lang="en-NZ" dirty="0"/>
+              <a:t> file</a:t>
+            </a:r>
+          </a:p>
+          <a:p>
+            <a:pPr lvl="1"/>
+            <a:r>
+              <a:rPr lang="en-NZ" dirty="0"/>
+              <a:t>Use base R functions</a:t>
+            </a:r>
+          </a:p>
+          <a:p>
+            <a:pPr lvl="1"/>
+            <a:r>
+              <a:rPr lang="en-NZ" dirty="0"/>
+              <a:t>Access help documentation for functions</a:t>
+            </a:r>
+          </a:p>
+        </p:txBody>
+      </p:sp>
+    </p:spTree>
+    <p:extLst>
+      <p:ext uri="{BB962C8B-B14F-4D97-AF65-F5344CB8AC3E}">
+        <p14:creationId xmlns:p14="http://schemas.microsoft.com/office/powerpoint/2010/main" val="4106393768"/>
+      </p:ext>
+    </p:extLst>
+  </p:cSld>
+  <p:clrMapOvr>
+    <a:masterClrMapping/>
+  </p:clrMapOvr>
+</p:sld>
+</file>
+
+<file path=ppt/slides/slide20.xml><?xml version="1.0" encoding="utf-8"?>
 <p:sld xmlns:a="http://schemas.openxmlformats.org/drawingml/2006/main" xmlns:r="http://schemas.openxmlformats.org/officeDocument/2006/relationships" xmlns:p="http://schemas.openxmlformats.org/presentationml/2006/main">
   <p:cSld>
     <p:spTree>
@@ -7831,156 +7859,7 @@
 </p:sld>
 </file>
 
-<file path=ppt/slides/slide2.xml><?xml version="1.0" encoding="utf-8"?>
-<p:sld xmlns:a="http://schemas.openxmlformats.org/drawingml/2006/main" xmlns:r="http://schemas.openxmlformats.org/officeDocument/2006/relationships" xmlns:p="http://schemas.openxmlformats.org/presentationml/2006/main">
-  <p:cSld>
-    <p:spTree>
-      <p:nvGrpSpPr>
-        <p:cNvPr id="1" name=""/>
-        <p:cNvGrpSpPr/>
-        <p:nvPr/>
-      </p:nvGrpSpPr>
-      <p:grpSpPr>
-        <a:xfrm>
-          <a:off x="0" y="0"/>
-          <a:ext cx="0" cy="0"/>
-          <a:chOff x="0" y="0"/>
-          <a:chExt cx="0" cy="0"/>
-        </a:xfrm>
-      </p:grpSpPr>
-      <p:sp>
-        <p:nvSpPr>
-          <p:cNvPr id="2" name="Title 1">
-            <a:extLst>
-              <a:ext uri="{FF2B5EF4-FFF2-40B4-BE49-F238E27FC236}">
-                <a16:creationId xmlns:a16="http://schemas.microsoft.com/office/drawing/2014/main" id="{EB6A6314-C8EF-BB3E-4BD3-6690211DBFD5}"/>
-              </a:ext>
-            </a:extLst>
-          </p:cNvPr>
-          <p:cNvSpPr>
-            <a:spLocks noGrp="1"/>
-          </p:cNvSpPr>
-          <p:nvPr>
-            <p:ph type="title"/>
-          </p:nvPr>
-        </p:nvSpPr>
-        <p:spPr/>
-        <p:txBody>
-          <a:bodyPr/>
-          <a:lstStyle/>
-          <a:p>
-            <a:r>
-              <a:rPr lang="en-NZ"/>
-              <a:t>Topics</a:t>
-            </a:r>
-          </a:p>
-        </p:txBody>
-      </p:sp>
-      <p:sp>
-        <p:nvSpPr>
-          <p:cNvPr id="3" name="Content Placeholder 2">
-            <a:extLst>
-              <a:ext uri="{FF2B5EF4-FFF2-40B4-BE49-F238E27FC236}">
-                <a16:creationId xmlns:a16="http://schemas.microsoft.com/office/drawing/2014/main" id="{B19E93A5-97F5-820C-D2C2-CEDE6A204914}"/>
-              </a:ext>
-            </a:extLst>
-          </p:cNvPr>
-          <p:cNvSpPr>
-            <a:spLocks noGrp="1"/>
-          </p:cNvSpPr>
-          <p:nvPr>
-            <p:ph idx="1"/>
-          </p:nvPr>
-        </p:nvSpPr>
-        <p:spPr/>
-        <p:txBody>
-          <a:bodyPr>
-            <a:normAutofit/>
-          </a:bodyPr>
-          <a:lstStyle/>
-          <a:p>
-            <a:r>
-              <a:rPr lang="en-NZ" dirty="0"/>
-              <a:t>Why R?</a:t>
-            </a:r>
-          </a:p>
-          <a:p>
-            <a:r>
-              <a:rPr lang="en-NZ" dirty="0"/>
-              <a:t>Basics for using R</a:t>
-            </a:r>
-          </a:p>
-          <a:p>
-            <a:r>
-              <a:rPr lang="en-NZ" dirty="0"/>
-              <a:t>Using Projects in R</a:t>
-            </a:r>
-          </a:p>
-          <a:p>
-            <a:r>
-              <a:rPr lang="en-NZ" dirty="0"/>
-              <a:t>Real code examples</a:t>
-            </a:r>
-          </a:p>
-          <a:p>
-            <a:pPr lvl="1"/>
-            <a:r>
-              <a:rPr lang="en-NZ" dirty="0"/>
-              <a:t>Install some packages</a:t>
-            </a:r>
-          </a:p>
-          <a:p>
-            <a:pPr lvl="1"/>
-            <a:r>
-              <a:rPr lang="en-NZ" dirty="0"/>
-              <a:t>Create new objects in R</a:t>
-            </a:r>
-          </a:p>
-          <a:p>
-            <a:pPr lvl="1"/>
-            <a:r>
-              <a:rPr lang="en-NZ" dirty="0"/>
-              <a:t>Read in data from a .csv and a .</a:t>
-            </a:r>
-            <a:r>
-              <a:rPr lang="en-NZ" dirty="0" err="1"/>
-              <a:t>xls</a:t>
-            </a:r>
-            <a:r>
-              <a:rPr lang="en-NZ" dirty="0"/>
-              <a:t> file</a:t>
-            </a:r>
-          </a:p>
-          <a:p>
-            <a:pPr lvl="1"/>
-            <a:r>
-              <a:rPr lang="en-NZ" dirty="0"/>
-              <a:t>Use base R functions</a:t>
-            </a:r>
-          </a:p>
-          <a:p>
-            <a:pPr lvl="1"/>
-            <a:r>
-              <a:rPr lang="en-NZ" dirty="0"/>
-              <a:t>Access help documentation for functions</a:t>
-            </a:r>
-          </a:p>
-        </p:txBody>
-      </p:sp>
-    </p:spTree>
-    <p:extLst>
-      <p:ext uri="{BB962C8B-B14F-4D97-AF65-F5344CB8AC3E}">
-        <p14:creationId xmlns:p14="http://schemas.microsoft.com/office/powerpoint/2010/main" val="4106393768"/>
-      </p:ext>
-    </p:extLst>
-  </p:cSld>
-  <p:clrMapOvr>
-    <a:masterClrMapping/>
-  </p:clrMapOvr>
-</p:sld>
-</file>
-
-<file path=ppt/slides/slide20.xml><?xml version="1.0" encoding="utf-8"?>
+<file path=ppt/slides/slide21.xml><?xml version="1.0" encoding="utf-8"?>
 <p:sld xmlns:a="http://schemas.openxmlformats.org/drawingml/2006/main" xmlns:r="http://schemas.openxmlformats.org/officeDocument/2006/relationships" xmlns:p="http://schemas.openxmlformats.org/presentationml/2006/main">
   <p:cSld>
     <p:spTree>
@@ -8239,7 +8118,7 @@
 </p:sld>
 </file>
 
-<file path=ppt/slides/slide21.xml><?xml version="1.0" encoding="utf-8"?>
+<file path=ppt/slides/slide22.xml><?xml version="1.0" encoding="utf-8"?>
 <p:sld xmlns:a="http://schemas.openxmlformats.org/drawingml/2006/main" xmlns:r="http://schemas.openxmlformats.org/officeDocument/2006/relationships" xmlns:p="http://schemas.openxmlformats.org/presentationml/2006/main">
   <p:cSld>
     <p:spTree>
@@ -8394,7 +8273,7 @@
         </p:blipFill>
         <p:spPr>
           <a:xfrm>
-            <a:off x="1339882" y="3839237"/>
+            <a:off x="2256889" y="3999718"/>
             <a:ext cx="7678222" cy="1428949"/>
           </a:xfrm>
           <a:prstGeom prst="rect">
@@ -8535,7 +8414,7 @@
 </p:sld>
 </file>
 
-<file path=ppt/slides/slide22.xml><?xml version="1.0" encoding="utf-8"?>
+<file path=ppt/slides/slide23.xml><?xml version="1.0" encoding="utf-8"?>
 <p:sld xmlns:a="http://schemas.openxmlformats.org/drawingml/2006/main" xmlns:r="http://schemas.openxmlformats.org/officeDocument/2006/relationships" xmlns:p="http://schemas.openxmlformats.org/presentationml/2006/main">
   <p:cSld>
     <p:spTree>
@@ -8557,6 +8436,1430 @@
           <p:cNvPr id="2" name="Title 1">
             <a:extLst>
               <a:ext uri="{FF2B5EF4-FFF2-40B4-BE49-F238E27FC236}">
+                <a16:creationId xmlns:a16="http://schemas.microsoft.com/office/drawing/2014/main" id="{891D5FEC-7D39-4D40-A86D-E2A2A3BDE594}"/>
+              </a:ext>
+            </a:extLst>
+          </p:cNvPr>
+          <p:cNvSpPr>
+            <a:spLocks noGrp="1"/>
+          </p:cNvSpPr>
+          <p:nvPr>
+            <p:ph type="title"/>
+          </p:nvPr>
+        </p:nvSpPr>
+        <p:spPr/>
+        <p:txBody>
+          <a:bodyPr/>
+          <a:lstStyle/>
+          <a:p>
+            <a:r>
+              <a:rPr lang="en-NZ"/>
+              <a:t>Let’s go to a working example</a:t>
+            </a:r>
+          </a:p>
+        </p:txBody>
+      </p:sp>
+      <p:sp>
+        <p:nvSpPr>
+          <p:cNvPr id="5" name="Content Placeholder 4">
+            <a:extLst>
+              <a:ext uri="{FF2B5EF4-FFF2-40B4-BE49-F238E27FC236}">
+                <a16:creationId xmlns:a16="http://schemas.microsoft.com/office/drawing/2014/main" id="{A00DA842-CE19-2836-C24F-0124C4144507}"/>
+              </a:ext>
+            </a:extLst>
+          </p:cNvPr>
+          <p:cNvSpPr>
+            <a:spLocks noGrp="1"/>
+          </p:cNvSpPr>
+          <p:nvPr>
+            <p:ph idx="1"/>
+          </p:nvPr>
+        </p:nvSpPr>
+        <p:spPr/>
+        <p:txBody>
+          <a:bodyPr>
+            <a:normAutofit/>
+          </a:bodyPr>
+          <a:lstStyle/>
+          <a:p>
+            <a:pPr marL="0" indent="0">
+              <a:buNone/>
+            </a:pPr>
+            <a:r>
+              <a:rPr lang="en-NZ" dirty="0"/>
+              <a:t>Link here to a </a:t>
+            </a:r>
+            <a:r>
+              <a:rPr lang="en-NZ" dirty="0" err="1"/>
+              <a:t>Github</a:t>
+            </a:r>
+            <a:r>
+              <a:rPr lang="en-NZ" dirty="0"/>
+              <a:t> repository: </a:t>
+            </a:r>
+            <a:r>
+              <a:rPr lang="en-NZ" dirty="0">
+                <a:hlinkClick r:id="rId2"/>
+              </a:rPr>
+              <a:t>https://github.com/wwoelmer/BOPRC_1_R_Fundamentals</a:t>
+            </a:r>
+            <a:endParaRPr lang="en-NZ" dirty="0"/>
+          </a:p>
+          <a:p>
+            <a:pPr marL="0" indent="0">
+              <a:buNone/>
+            </a:pPr>
+            <a:endParaRPr lang="en-NZ" dirty="0"/>
+          </a:p>
+          <a:p>
+            <a:pPr marL="0" indent="0">
+              <a:buNone/>
+            </a:pPr>
+            <a:r>
+              <a:rPr lang="en-NZ" dirty="0"/>
+              <a:t>Objectives of Lesson 1: R Fundamentals </a:t>
+            </a:r>
+          </a:p>
+          <a:p>
+            <a:pPr lvl="1"/>
+            <a:r>
+              <a:rPr lang="en-NZ" dirty="0"/>
+              <a:t>Install and use packages</a:t>
+            </a:r>
+          </a:p>
+          <a:p>
+            <a:pPr lvl="1"/>
+            <a:r>
+              <a:rPr lang="en-NZ" dirty="0"/>
+              <a:t>Create new objects in R</a:t>
+            </a:r>
+          </a:p>
+          <a:p>
+            <a:pPr lvl="1"/>
+            <a:r>
+              <a:rPr lang="en-NZ" dirty="0"/>
+              <a:t>Read in data from a .csv and a .</a:t>
+            </a:r>
+            <a:r>
+              <a:rPr lang="en-NZ" dirty="0" err="1"/>
+              <a:t>xls</a:t>
+            </a:r>
+            <a:r>
+              <a:rPr lang="en-NZ" dirty="0"/>
+              <a:t> file</a:t>
+            </a:r>
+          </a:p>
+          <a:p>
+            <a:pPr lvl="1"/>
+            <a:r>
+              <a:rPr lang="en-NZ" dirty="0"/>
+              <a:t>Understand data classes</a:t>
+            </a:r>
+          </a:p>
+          <a:p>
+            <a:pPr lvl="1"/>
+            <a:r>
+              <a:rPr lang="en-NZ" dirty="0"/>
+              <a:t>Use base R functions to subset and calculate summary statistics</a:t>
+            </a:r>
+          </a:p>
+          <a:p>
+            <a:pPr lvl="1"/>
+            <a:r>
+              <a:rPr lang="en-NZ" dirty="0"/>
+              <a:t>Plot data using </a:t>
+            </a:r>
+            <a:r>
+              <a:rPr lang="en-NZ" dirty="0" err="1"/>
+              <a:t>ggplot</a:t>
+            </a:r>
+            <a:endParaRPr lang="en-NZ" dirty="0"/>
+          </a:p>
+        </p:txBody>
+      </p:sp>
+    </p:spTree>
+    <p:extLst>
+      <p:ext uri="{BB962C8B-B14F-4D97-AF65-F5344CB8AC3E}">
+        <p14:creationId xmlns:p14="http://schemas.microsoft.com/office/powerpoint/2010/main" val="1710418133"/>
+      </p:ext>
+    </p:extLst>
+  </p:cSld>
+  <p:clrMapOvr>
+    <a:masterClrMapping/>
+  </p:clrMapOvr>
+</p:sld>
+</file>
+
+<file path=ppt/slides/slide24.xml><?xml version="1.0" encoding="utf-8"?>
+<p:sld xmlns:a="http://schemas.openxmlformats.org/drawingml/2006/main" xmlns:r="http://schemas.openxmlformats.org/officeDocument/2006/relationships" xmlns:p="http://schemas.openxmlformats.org/presentationml/2006/main">
+  <p:cSld>
+    <p:spTree>
+      <p:nvGrpSpPr>
+        <p:cNvPr id="1" name="">
+          <a:extLst>
+            <a:ext uri="{FF2B5EF4-FFF2-40B4-BE49-F238E27FC236}">
+              <a16:creationId xmlns:a16="http://schemas.microsoft.com/office/drawing/2014/main" id="{1D216315-88D6-EBAD-4A3C-0C3BD9A96F16}"/>
+            </a:ext>
+          </a:extLst>
+        </p:cNvPr>
+        <p:cNvGrpSpPr/>
+        <p:nvPr/>
+      </p:nvGrpSpPr>
+      <p:grpSpPr>
+        <a:xfrm>
+          <a:off x="0" y="0"/>
+          <a:ext cx="0" cy="0"/>
+          <a:chOff x="0" y="0"/>
+          <a:chExt cx="0" cy="0"/>
+        </a:xfrm>
+      </p:grpSpPr>
+      <p:sp>
+        <p:nvSpPr>
+          <p:cNvPr id="2" name="Title 1">
+            <a:extLst>
+              <a:ext uri="{FF2B5EF4-FFF2-40B4-BE49-F238E27FC236}">
+                <a16:creationId xmlns:a16="http://schemas.microsoft.com/office/drawing/2014/main" id="{A2675702-4388-760B-1760-C1064F5033FA}"/>
+              </a:ext>
+            </a:extLst>
+          </p:cNvPr>
+          <p:cNvSpPr>
+            <a:spLocks noGrp="1"/>
+          </p:cNvSpPr>
+          <p:nvPr>
+            <p:ph type="title"/>
+          </p:nvPr>
+        </p:nvSpPr>
+        <p:spPr/>
+        <p:txBody>
+          <a:bodyPr/>
+          <a:lstStyle/>
+          <a:p>
+            <a:r>
+              <a:rPr lang="en-NZ"/>
+              <a:t>Let’s go to a working example</a:t>
+            </a:r>
+          </a:p>
+        </p:txBody>
+      </p:sp>
+      <p:sp>
+        <p:nvSpPr>
+          <p:cNvPr id="5" name="Content Placeholder 4">
+            <a:extLst>
+              <a:ext uri="{FF2B5EF4-FFF2-40B4-BE49-F238E27FC236}">
+                <a16:creationId xmlns:a16="http://schemas.microsoft.com/office/drawing/2014/main" id="{B7ED4CD2-DB71-3FCC-DF46-354006CFA5F0}"/>
+              </a:ext>
+            </a:extLst>
+          </p:cNvPr>
+          <p:cNvSpPr>
+            <a:spLocks noGrp="1"/>
+          </p:cNvSpPr>
+          <p:nvPr>
+            <p:ph idx="1"/>
+          </p:nvPr>
+        </p:nvSpPr>
+        <p:spPr/>
+        <p:txBody>
+          <a:bodyPr>
+            <a:normAutofit/>
+          </a:bodyPr>
+          <a:lstStyle/>
+          <a:p>
+            <a:pPr marL="0" indent="0">
+              <a:buNone/>
+            </a:pPr>
+            <a:r>
+              <a:rPr lang="en-NZ" dirty="0"/>
+              <a:t>Link here to a </a:t>
+            </a:r>
+            <a:r>
+              <a:rPr lang="en-NZ" dirty="0" err="1"/>
+              <a:t>Github</a:t>
+            </a:r>
+            <a:r>
+              <a:rPr lang="en-NZ" dirty="0"/>
+              <a:t> repository: </a:t>
+            </a:r>
+            <a:r>
+              <a:rPr lang="en-NZ" dirty="0">
+                <a:hlinkClick r:id="rId2"/>
+              </a:rPr>
+              <a:t>https://github.com/wwoelmer/BOPRC_1_R_Fundamentals</a:t>
+            </a:r>
+            <a:endParaRPr lang="en-NZ" dirty="0"/>
+          </a:p>
+          <a:p>
+            <a:pPr marL="0" indent="0">
+              <a:buNone/>
+            </a:pPr>
+            <a:endParaRPr lang="en-NZ" dirty="0"/>
+          </a:p>
+          <a:p>
+            <a:pPr marL="514350" indent="-514350">
+              <a:buFont typeface="+mj-lt"/>
+              <a:buAutoNum type="arabicPeriod"/>
+            </a:pPr>
+            <a:r>
+              <a:rPr lang="en-NZ" dirty="0"/>
+              <a:t>Download a zipped folder from the link above</a:t>
+            </a:r>
+          </a:p>
+          <a:p>
+            <a:pPr marL="514350" indent="-514350">
+              <a:buFont typeface="+mj-lt"/>
+              <a:buAutoNum type="arabicPeriod"/>
+            </a:pPr>
+            <a:r>
+              <a:rPr lang="en-NZ" dirty="0"/>
+              <a:t>Unzip the folder on your computer (Desktop is a good go-to)</a:t>
+            </a:r>
+          </a:p>
+          <a:p>
+            <a:pPr marL="514350" indent="-514350">
+              <a:buFont typeface="+mj-lt"/>
+              <a:buAutoNum type="arabicPeriod"/>
+            </a:pPr>
+            <a:r>
+              <a:rPr lang="en-NZ" dirty="0"/>
+              <a:t>Create a project in RStudio using an existing directory (where you unzipped the folder)</a:t>
+            </a:r>
+          </a:p>
+          <a:p>
+            <a:pPr marL="514350" indent="-514350">
+              <a:buFont typeface="+mj-lt"/>
+              <a:buAutoNum type="arabicPeriod"/>
+            </a:pPr>
+            <a:r>
+              <a:rPr lang="en-NZ" dirty="0"/>
+              <a:t>Open the script “Lesson1_Fundamentals_of_R.R” in RStudio</a:t>
+            </a:r>
+          </a:p>
+        </p:txBody>
+      </p:sp>
+    </p:spTree>
+    <p:extLst>
+      <p:ext uri="{BB962C8B-B14F-4D97-AF65-F5344CB8AC3E}">
+        <p14:creationId xmlns:p14="http://schemas.microsoft.com/office/powerpoint/2010/main" val="1937472351"/>
+      </p:ext>
+    </p:extLst>
+  </p:cSld>
+  <p:clrMapOvr>
+    <a:masterClrMapping/>
+  </p:clrMapOvr>
+</p:sld>
+</file>
+
+<file path=ppt/slides/slide25.xml><?xml version="1.0" encoding="utf-8"?>
+<p:sld xmlns:a="http://schemas.openxmlformats.org/drawingml/2006/main" xmlns:r="http://schemas.openxmlformats.org/officeDocument/2006/relationships" xmlns:p="http://schemas.openxmlformats.org/presentationml/2006/main">
+  <p:cSld>
+    <p:spTree>
+      <p:nvGrpSpPr>
+        <p:cNvPr id="1" name=""/>
+        <p:cNvGrpSpPr/>
+        <p:nvPr/>
+      </p:nvGrpSpPr>
+      <p:grpSpPr>
+        <a:xfrm>
+          <a:off x="0" y="0"/>
+          <a:ext cx="0" cy="0"/>
+          <a:chOff x="0" y="0"/>
+          <a:chExt cx="0" cy="0"/>
+        </a:xfrm>
+      </p:grpSpPr>
+      <p:sp>
+        <p:nvSpPr>
+          <p:cNvPr id="2" name="Title 1">
+            <a:extLst>
+              <a:ext uri="{FF2B5EF4-FFF2-40B4-BE49-F238E27FC236}">
+                <a16:creationId xmlns:a16="http://schemas.microsoft.com/office/drawing/2014/main" id="{0E3B55EA-E157-ED47-AA45-B3CED349C012}"/>
+              </a:ext>
+            </a:extLst>
+          </p:cNvPr>
+          <p:cNvSpPr>
+            <a:spLocks noGrp="1"/>
+          </p:cNvSpPr>
+          <p:nvPr>
+            <p:ph type="title"/>
+          </p:nvPr>
+        </p:nvSpPr>
+        <p:spPr/>
+        <p:txBody>
+          <a:bodyPr/>
+          <a:lstStyle/>
+          <a:p>
+            <a:r>
+              <a:rPr lang="en-NZ"/>
+              <a:t>Setting up a “Project” in R</a:t>
+            </a:r>
+          </a:p>
+        </p:txBody>
+      </p:sp>
+      <p:sp>
+        <p:nvSpPr>
+          <p:cNvPr id="3" name="Content Placeholder 2">
+            <a:extLst>
+              <a:ext uri="{FF2B5EF4-FFF2-40B4-BE49-F238E27FC236}">
+                <a16:creationId xmlns:a16="http://schemas.microsoft.com/office/drawing/2014/main" id="{45DE22BE-2708-1BDA-02F3-278D3F163E61}"/>
+              </a:ext>
+            </a:extLst>
+          </p:cNvPr>
+          <p:cNvSpPr>
+            <a:spLocks noGrp="1"/>
+          </p:cNvSpPr>
+          <p:nvPr>
+            <p:ph idx="1"/>
+          </p:nvPr>
+        </p:nvSpPr>
+        <p:spPr>
+          <a:xfrm>
+            <a:off x="838200" y="1825625"/>
+            <a:ext cx="5190441" cy="4351338"/>
+          </a:xfrm>
+        </p:spPr>
+        <p:txBody>
+          <a:bodyPr/>
+          <a:lstStyle/>
+          <a:p>
+            <a:r>
+              <a:rPr lang="en-NZ"/>
+              <a:t>Step 1: Open RStudio</a:t>
+            </a:r>
+          </a:p>
+          <a:p>
+            <a:r>
+              <a:rPr lang="en-NZ"/>
+              <a:t>Step 2: Select “New Project” in upper right in </a:t>
+            </a:r>
+            <a:r>
+              <a:rPr lang="en-NZ" err="1"/>
+              <a:t>Rstudio</a:t>
+            </a:r>
+            <a:endParaRPr lang="en-NZ"/>
+          </a:p>
+        </p:txBody>
+      </p:sp>
+      <p:pic>
+        <p:nvPicPr>
+          <p:cNvPr id="5" name="Picture 4">
+            <a:extLst>
+              <a:ext uri="{FF2B5EF4-FFF2-40B4-BE49-F238E27FC236}">
+                <a16:creationId xmlns:a16="http://schemas.microsoft.com/office/drawing/2014/main" id="{091345EF-C472-73E1-EA89-1FFD558BAFEE}"/>
+              </a:ext>
+            </a:extLst>
+          </p:cNvPr>
+          <p:cNvPicPr>
+            <a:picLocks noChangeAspect="1"/>
+          </p:cNvPicPr>
+          <p:nvPr/>
+        </p:nvPicPr>
+        <p:blipFill>
+          <a:blip r:embed="rId2"/>
+          <a:stretch>
+            <a:fillRect/>
+          </a:stretch>
+        </p:blipFill>
+        <p:spPr>
+          <a:xfrm>
+            <a:off x="7981479" y="1690688"/>
+            <a:ext cx="3372321" cy="4544059"/>
+          </a:xfrm>
+          <a:prstGeom prst="rect">
+            <a:avLst/>
+          </a:prstGeom>
+        </p:spPr>
+      </p:pic>
+      <p:sp>
+        <p:nvSpPr>
+          <p:cNvPr id="6" name="Rectangle 5">
+            <a:extLst>
+              <a:ext uri="{FF2B5EF4-FFF2-40B4-BE49-F238E27FC236}">
+                <a16:creationId xmlns:a16="http://schemas.microsoft.com/office/drawing/2014/main" id="{50D6393F-3CB5-4AB4-83CA-CCEFE10F3B52}"/>
+              </a:ext>
+            </a:extLst>
+          </p:cNvPr>
+          <p:cNvSpPr/>
+          <p:nvPr/>
+        </p:nvSpPr>
+        <p:spPr>
+          <a:xfrm>
+            <a:off x="8735492" y="1952782"/>
+            <a:ext cx="1968759" cy="258992"/>
+          </a:xfrm>
+          <a:prstGeom prst="rect">
+            <a:avLst/>
+          </a:prstGeom>
+          <a:noFill/>
+          <a:ln w="28575">
+            <a:solidFill>
+              <a:srgbClr val="FF0000"/>
+            </a:solidFill>
+          </a:ln>
+        </p:spPr>
+        <p:style>
+          <a:lnRef idx="2">
+            <a:schemeClr val="accent1">
+              <a:shade val="15000"/>
+            </a:schemeClr>
+          </a:lnRef>
+          <a:fillRef idx="1">
+            <a:schemeClr val="accent1"/>
+          </a:fillRef>
+          <a:effectRef idx="0">
+            <a:schemeClr val="accent1"/>
+          </a:effectRef>
+          <a:fontRef idx="minor">
+            <a:schemeClr val="lt1"/>
+          </a:fontRef>
+        </p:style>
+        <p:txBody>
+          <a:bodyPr rtlCol="0" anchor="ctr"/>
+          <a:lstStyle/>
+          <a:p>
+            <a:pPr algn="ctr"/>
+            <a:endParaRPr lang="en-NZ"/>
+          </a:p>
+        </p:txBody>
+      </p:sp>
+    </p:spTree>
+    <p:extLst>
+      <p:ext uri="{BB962C8B-B14F-4D97-AF65-F5344CB8AC3E}">
+        <p14:creationId xmlns:p14="http://schemas.microsoft.com/office/powerpoint/2010/main" val="1202587141"/>
+      </p:ext>
+    </p:extLst>
+  </p:cSld>
+  <p:clrMapOvr>
+    <a:masterClrMapping/>
+  </p:clrMapOvr>
+</p:sld>
+</file>
+
+<file path=ppt/slides/slide26.xml><?xml version="1.0" encoding="utf-8"?>
+<p:sld xmlns:a="http://schemas.openxmlformats.org/drawingml/2006/main" xmlns:r="http://schemas.openxmlformats.org/officeDocument/2006/relationships" xmlns:p="http://schemas.openxmlformats.org/presentationml/2006/main">
+  <p:cSld>
+    <p:spTree>
+      <p:nvGrpSpPr>
+        <p:cNvPr id="1" name=""/>
+        <p:cNvGrpSpPr/>
+        <p:nvPr/>
+      </p:nvGrpSpPr>
+      <p:grpSpPr>
+        <a:xfrm>
+          <a:off x="0" y="0"/>
+          <a:ext cx="0" cy="0"/>
+          <a:chOff x="0" y="0"/>
+          <a:chExt cx="0" cy="0"/>
+        </a:xfrm>
+      </p:grpSpPr>
+      <p:sp>
+        <p:nvSpPr>
+          <p:cNvPr id="2" name="Title 1">
+            <a:extLst>
+              <a:ext uri="{FF2B5EF4-FFF2-40B4-BE49-F238E27FC236}">
+                <a16:creationId xmlns:a16="http://schemas.microsoft.com/office/drawing/2014/main" id="{0E3B55EA-E157-ED47-AA45-B3CED349C012}"/>
+              </a:ext>
+            </a:extLst>
+          </p:cNvPr>
+          <p:cNvSpPr>
+            <a:spLocks noGrp="1"/>
+          </p:cNvSpPr>
+          <p:nvPr>
+            <p:ph type="title"/>
+          </p:nvPr>
+        </p:nvSpPr>
+        <p:spPr/>
+        <p:txBody>
+          <a:bodyPr/>
+          <a:lstStyle/>
+          <a:p>
+            <a:r>
+              <a:rPr lang="en-NZ"/>
+              <a:t>Setting up a “Project” in R</a:t>
+            </a:r>
+          </a:p>
+        </p:txBody>
+      </p:sp>
+      <p:sp>
+        <p:nvSpPr>
+          <p:cNvPr id="3" name="Content Placeholder 2">
+            <a:extLst>
+              <a:ext uri="{FF2B5EF4-FFF2-40B4-BE49-F238E27FC236}">
+                <a16:creationId xmlns:a16="http://schemas.microsoft.com/office/drawing/2014/main" id="{45DE22BE-2708-1BDA-02F3-278D3F163E61}"/>
+              </a:ext>
+            </a:extLst>
+          </p:cNvPr>
+          <p:cNvSpPr>
+            <a:spLocks noGrp="1"/>
+          </p:cNvSpPr>
+          <p:nvPr>
+            <p:ph idx="1"/>
+          </p:nvPr>
+        </p:nvSpPr>
+        <p:spPr>
+          <a:xfrm>
+            <a:off x="838200" y="1825625"/>
+            <a:ext cx="4876063" cy="4351338"/>
+          </a:xfrm>
+        </p:spPr>
+        <p:txBody>
+          <a:bodyPr/>
+          <a:lstStyle/>
+          <a:p>
+            <a:r>
+              <a:rPr lang="en-NZ"/>
+              <a:t>Step 1: Open RStudio</a:t>
+            </a:r>
+          </a:p>
+          <a:p>
+            <a:r>
+              <a:rPr lang="en-NZ"/>
+              <a:t>Step 2: Select “New Project” in upper right in </a:t>
+            </a:r>
+            <a:r>
+              <a:rPr lang="en-NZ" err="1"/>
+              <a:t>Rstudio</a:t>
+            </a:r>
+            <a:endParaRPr lang="en-NZ"/>
+          </a:p>
+          <a:p>
+            <a:r>
+              <a:rPr lang="en-NZ"/>
+              <a:t>Step 3: Select “Existing Directory” -&gt; Navigate to where you unzipped the folder on your PC</a:t>
+            </a:r>
+          </a:p>
+        </p:txBody>
+      </p:sp>
+      <p:pic>
+        <p:nvPicPr>
+          <p:cNvPr id="5" name="Picture 4">
+            <a:extLst>
+              <a:ext uri="{FF2B5EF4-FFF2-40B4-BE49-F238E27FC236}">
+                <a16:creationId xmlns:a16="http://schemas.microsoft.com/office/drawing/2014/main" id="{091345EF-C472-73E1-EA89-1FFD558BAFEE}"/>
+              </a:ext>
+            </a:extLst>
+          </p:cNvPr>
+          <p:cNvPicPr>
+            <a:picLocks noChangeAspect="1"/>
+          </p:cNvPicPr>
+          <p:nvPr/>
+        </p:nvPicPr>
+        <p:blipFill>
+          <a:blip r:embed="rId2"/>
+          <a:stretch>
+            <a:fillRect/>
+          </a:stretch>
+        </p:blipFill>
+        <p:spPr>
+          <a:xfrm>
+            <a:off x="8384397" y="1086313"/>
+            <a:ext cx="3372321" cy="4544059"/>
+          </a:xfrm>
+          <a:prstGeom prst="rect">
+            <a:avLst/>
+          </a:prstGeom>
+        </p:spPr>
+      </p:pic>
+      <p:sp>
+        <p:nvSpPr>
+          <p:cNvPr id="6" name="Rectangle 5">
+            <a:extLst>
+              <a:ext uri="{FF2B5EF4-FFF2-40B4-BE49-F238E27FC236}">
+                <a16:creationId xmlns:a16="http://schemas.microsoft.com/office/drawing/2014/main" id="{50D6393F-3CB5-4AB4-83CA-CCEFE10F3B52}"/>
+              </a:ext>
+            </a:extLst>
+          </p:cNvPr>
+          <p:cNvSpPr/>
+          <p:nvPr/>
+        </p:nvSpPr>
+        <p:spPr>
+          <a:xfrm>
+            <a:off x="9086177" y="1351484"/>
+            <a:ext cx="1968759" cy="258992"/>
+          </a:xfrm>
+          <a:prstGeom prst="rect">
+            <a:avLst/>
+          </a:prstGeom>
+          <a:noFill/>
+          <a:ln w="28575">
+            <a:solidFill>
+              <a:srgbClr val="FF0000"/>
+            </a:solidFill>
+          </a:ln>
+        </p:spPr>
+        <p:style>
+          <a:lnRef idx="2">
+            <a:schemeClr val="accent1">
+              <a:shade val="15000"/>
+            </a:schemeClr>
+          </a:lnRef>
+          <a:fillRef idx="1">
+            <a:schemeClr val="accent1"/>
+          </a:fillRef>
+          <a:effectRef idx="0">
+            <a:schemeClr val="accent1"/>
+          </a:effectRef>
+          <a:fontRef idx="minor">
+            <a:schemeClr val="lt1"/>
+          </a:fontRef>
+        </p:style>
+        <p:txBody>
+          <a:bodyPr rtlCol="0" anchor="ctr"/>
+          <a:lstStyle/>
+          <a:p>
+            <a:pPr algn="ctr"/>
+            <a:endParaRPr lang="en-NZ"/>
+          </a:p>
+        </p:txBody>
+      </p:sp>
+      <p:pic>
+        <p:nvPicPr>
+          <p:cNvPr id="7" name="Picture 6">
+            <a:extLst>
+              <a:ext uri="{FF2B5EF4-FFF2-40B4-BE49-F238E27FC236}">
+                <a16:creationId xmlns:a16="http://schemas.microsoft.com/office/drawing/2014/main" id="{2EB929CF-9B8E-8F07-29F1-79A8D3F590B9}"/>
+              </a:ext>
+            </a:extLst>
+          </p:cNvPr>
+          <p:cNvPicPr>
+            <a:picLocks noChangeAspect="1"/>
+          </p:cNvPicPr>
+          <p:nvPr/>
+        </p:nvPicPr>
+        <p:blipFill>
+          <a:blip r:embed="rId3"/>
+          <a:stretch>
+            <a:fillRect/>
+          </a:stretch>
+        </p:blipFill>
+        <p:spPr>
+          <a:xfrm>
+            <a:off x="5977402" y="1825625"/>
+            <a:ext cx="5077534" cy="3639058"/>
+          </a:xfrm>
+          <a:prstGeom prst="rect">
+            <a:avLst/>
+          </a:prstGeom>
+        </p:spPr>
+      </p:pic>
+      <p:pic>
+        <p:nvPicPr>
+          <p:cNvPr id="11" name="Picture 10">
+            <a:extLst>
+              <a:ext uri="{FF2B5EF4-FFF2-40B4-BE49-F238E27FC236}">
+                <a16:creationId xmlns:a16="http://schemas.microsoft.com/office/drawing/2014/main" id="{EB03813D-D939-CB7A-C9D1-F84BA0F5CB7F}"/>
+              </a:ext>
+            </a:extLst>
+          </p:cNvPr>
+          <p:cNvPicPr>
+            <a:picLocks noChangeAspect="1"/>
+          </p:cNvPicPr>
+          <p:nvPr/>
+        </p:nvPicPr>
+        <p:blipFill>
+          <a:blip r:embed="rId4"/>
+          <a:stretch>
+            <a:fillRect/>
+          </a:stretch>
+        </p:blipFill>
+        <p:spPr>
+          <a:xfrm>
+            <a:off x="6927394" y="3218942"/>
+            <a:ext cx="4829324" cy="3429000"/>
+          </a:xfrm>
+          <a:prstGeom prst="rect">
+            <a:avLst/>
+          </a:prstGeom>
+        </p:spPr>
+      </p:pic>
+      <p:sp>
+        <p:nvSpPr>
+          <p:cNvPr id="12" name="Rectangle: Rounded Corners 11">
+            <a:extLst>
+              <a:ext uri="{FF2B5EF4-FFF2-40B4-BE49-F238E27FC236}">
+                <a16:creationId xmlns:a16="http://schemas.microsoft.com/office/drawing/2014/main" id="{4FE6F226-1EB5-9D51-CF9B-78DF377F74BE}"/>
+              </a:ext>
+            </a:extLst>
+          </p:cNvPr>
+          <p:cNvSpPr/>
+          <p:nvPr/>
+        </p:nvSpPr>
+        <p:spPr>
+          <a:xfrm>
+            <a:off x="7979435" y="3994031"/>
+            <a:ext cx="3777284" cy="543464"/>
+          </a:xfrm>
+          <a:prstGeom prst="roundRect">
+            <a:avLst/>
+          </a:prstGeom>
+          <a:noFill/>
+          <a:ln w="38100">
+            <a:solidFill>
+              <a:srgbClr val="FF0000"/>
+            </a:solidFill>
+          </a:ln>
+        </p:spPr>
+        <p:style>
+          <a:lnRef idx="2">
+            <a:schemeClr val="accent1">
+              <a:shade val="15000"/>
+            </a:schemeClr>
+          </a:lnRef>
+          <a:fillRef idx="1">
+            <a:schemeClr val="accent1"/>
+          </a:fillRef>
+          <a:effectRef idx="0">
+            <a:schemeClr val="accent1"/>
+          </a:effectRef>
+          <a:fontRef idx="minor">
+            <a:schemeClr val="lt1"/>
+          </a:fontRef>
+        </p:style>
+        <p:txBody>
+          <a:bodyPr rtlCol="0" anchor="ctr"/>
+          <a:lstStyle/>
+          <a:p>
+            <a:pPr algn="ctr"/>
+            <a:endParaRPr lang="en-NZ"/>
+          </a:p>
+        </p:txBody>
+      </p:sp>
+    </p:spTree>
+    <p:extLst>
+      <p:ext uri="{BB962C8B-B14F-4D97-AF65-F5344CB8AC3E}">
+        <p14:creationId xmlns:p14="http://schemas.microsoft.com/office/powerpoint/2010/main" val="3168936602"/>
+      </p:ext>
+    </p:extLst>
+  </p:cSld>
+  <p:clrMapOvr>
+    <a:masterClrMapping/>
+  </p:clrMapOvr>
+</p:sld>
+</file>
+
+<file path=ppt/slides/slide27.xml><?xml version="1.0" encoding="utf-8"?>
+<p:sld xmlns:a="http://schemas.openxmlformats.org/drawingml/2006/main" xmlns:r="http://schemas.openxmlformats.org/officeDocument/2006/relationships" xmlns:p="http://schemas.openxmlformats.org/presentationml/2006/main">
+  <p:cSld>
+    <p:spTree>
+      <p:nvGrpSpPr>
+        <p:cNvPr id="1" name=""/>
+        <p:cNvGrpSpPr/>
+        <p:nvPr/>
+      </p:nvGrpSpPr>
+      <p:grpSpPr>
+        <a:xfrm>
+          <a:off x="0" y="0"/>
+          <a:ext cx="0" cy="0"/>
+          <a:chOff x="0" y="0"/>
+          <a:chExt cx="0" cy="0"/>
+        </a:xfrm>
+      </p:grpSpPr>
+      <p:pic>
+        <p:nvPicPr>
+          <p:cNvPr id="7" name="Picture 6">
+            <a:extLst>
+              <a:ext uri="{FF2B5EF4-FFF2-40B4-BE49-F238E27FC236}">
+                <a16:creationId xmlns:a16="http://schemas.microsoft.com/office/drawing/2014/main" id="{3AF43088-DE23-6A11-7503-4705D9B9AC76}"/>
+              </a:ext>
+            </a:extLst>
+          </p:cNvPr>
+          <p:cNvPicPr>
+            <a:picLocks noChangeAspect="1"/>
+          </p:cNvPicPr>
+          <p:nvPr/>
+        </p:nvPicPr>
+        <p:blipFill>
+          <a:blip r:embed="rId2"/>
+          <a:stretch>
+            <a:fillRect/>
+          </a:stretch>
+        </p:blipFill>
+        <p:spPr>
+          <a:xfrm>
+            <a:off x="1701463" y="2558280"/>
+            <a:ext cx="6649378" cy="1924319"/>
+          </a:xfrm>
+          <a:prstGeom prst="rect">
+            <a:avLst/>
+          </a:prstGeom>
+        </p:spPr>
+      </p:pic>
+      <p:sp>
+        <p:nvSpPr>
+          <p:cNvPr id="2" name="Title 1">
+            <a:extLst>
+              <a:ext uri="{FF2B5EF4-FFF2-40B4-BE49-F238E27FC236}">
+                <a16:creationId xmlns:a16="http://schemas.microsoft.com/office/drawing/2014/main" id="{6BB0246F-D1B0-0CB9-6421-9635A9E7683E}"/>
+              </a:ext>
+            </a:extLst>
+          </p:cNvPr>
+          <p:cNvSpPr>
+            <a:spLocks noGrp="1"/>
+          </p:cNvSpPr>
+          <p:nvPr>
+            <p:ph type="title"/>
+          </p:nvPr>
+        </p:nvSpPr>
+        <p:spPr/>
+        <p:txBody>
+          <a:bodyPr/>
+          <a:lstStyle/>
+          <a:p>
+            <a:r>
+              <a:rPr lang="en-NZ"/>
+              <a:t>File structure in R should look like this (but on your computer)</a:t>
+            </a:r>
+          </a:p>
+        </p:txBody>
+      </p:sp>
+      <p:sp>
+        <p:nvSpPr>
+          <p:cNvPr id="3" name="Content Placeholder 2">
+            <a:extLst>
+              <a:ext uri="{FF2B5EF4-FFF2-40B4-BE49-F238E27FC236}">
+                <a16:creationId xmlns:a16="http://schemas.microsoft.com/office/drawing/2014/main" id="{D7BC38F7-FE60-79F3-089D-EC254FE3D596}"/>
+              </a:ext>
+            </a:extLst>
+          </p:cNvPr>
+          <p:cNvSpPr>
+            <a:spLocks noGrp="1"/>
+          </p:cNvSpPr>
+          <p:nvPr>
+            <p:ph idx="1"/>
+          </p:nvPr>
+        </p:nvSpPr>
+        <p:spPr/>
+        <p:txBody>
+          <a:bodyPr/>
+          <a:lstStyle/>
+          <a:p>
+            <a:endParaRPr lang="en-NZ"/>
+          </a:p>
+        </p:txBody>
+      </p:sp>
+      <p:sp>
+        <p:nvSpPr>
+          <p:cNvPr id="6" name="Rectangle 5">
+            <a:extLst>
+              <a:ext uri="{FF2B5EF4-FFF2-40B4-BE49-F238E27FC236}">
+                <a16:creationId xmlns:a16="http://schemas.microsoft.com/office/drawing/2014/main" id="{57A5DF49-1824-A03D-C8C0-23701BEADE0E}"/>
+              </a:ext>
+            </a:extLst>
+          </p:cNvPr>
+          <p:cNvSpPr/>
+          <p:nvPr/>
+        </p:nvSpPr>
+        <p:spPr>
+          <a:xfrm>
+            <a:off x="2014860" y="2999232"/>
+            <a:ext cx="5126603" cy="310394"/>
+          </a:xfrm>
+          <a:prstGeom prst="rect">
+            <a:avLst/>
+          </a:prstGeom>
+          <a:noFill/>
+          <a:ln w="57150">
+            <a:solidFill>
+              <a:srgbClr val="FF0000"/>
+            </a:solidFill>
+          </a:ln>
+        </p:spPr>
+        <p:style>
+          <a:lnRef idx="2">
+            <a:schemeClr val="accent1">
+              <a:shade val="15000"/>
+            </a:schemeClr>
+          </a:lnRef>
+          <a:fillRef idx="1">
+            <a:schemeClr val="accent1"/>
+          </a:fillRef>
+          <a:effectRef idx="0">
+            <a:schemeClr val="accent1"/>
+          </a:effectRef>
+          <a:fontRef idx="minor">
+            <a:schemeClr val="lt1"/>
+          </a:fontRef>
+        </p:style>
+        <p:txBody>
+          <a:bodyPr rtlCol="0" anchor="ctr"/>
+          <a:lstStyle/>
+          <a:p>
+            <a:pPr algn="ctr"/>
+            <a:endParaRPr lang="en-NZ"/>
+          </a:p>
+        </p:txBody>
+      </p:sp>
+    </p:spTree>
+    <p:extLst>
+      <p:ext uri="{BB962C8B-B14F-4D97-AF65-F5344CB8AC3E}">
+        <p14:creationId xmlns:p14="http://schemas.microsoft.com/office/powerpoint/2010/main" val="2651678924"/>
+      </p:ext>
+    </p:extLst>
+  </p:cSld>
+  <p:clrMapOvr>
+    <a:masterClrMapping/>
+  </p:clrMapOvr>
+</p:sld>
+</file>
+
+<file path=ppt/slides/slide28.xml><?xml version="1.0" encoding="utf-8"?>
+<p:sld xmlns:a="http://schemas.openxmlformats.org/drawingml/2006/main" xmlns:r="http://schemas.openxmlformats.org/officeDocument/2006/relationships" xmlns:p="http://schemas.openxmlformats.org/presentationml/2006/main">
+  <p:cSld>
+    <p:spTree>
+      <p:nvGrpSpPr>
+        <p:cNvPr id="1" name=""/>
+        <p:cNvGrpSpPr/>
+        <p:nvPr/>
+      </p:nvGrpSpPr>
+      <p:grpSpPr>
+        <a:xfrm>
+          <a:off x="0" y="0"/>
+          <a:ext cx="0" cy="0"/>
+          <a:chOff x="0" y="0"/>
+          <a:chExt cx="0" cy="0"/>
+        </a:xfrm>
+      </p:grpSpPr>
+      <p:sp>
+        <p:nvSpPr>
+          <p:cNvPr id="2" name="Title 1">
+            <a:extLst>
+              <a:ext uri="{FF2B5EF4-FFF2-40B4-BE49-F238E27FC236}">
+                <a16:creationId xmlns:a16="http://schemas.microsoft.com/office/drawing/2014/main" id="{A08ADA87-3EEE-5DB4-E312-14EE30A1383F}"/>
+              </a:ext>
+            </a:extLst>
+          </p:cNvPr>
+          <p:cNvSpPr>
+            <a:spLocks noGrp="1"/>
+          </p:cNvSpPr>
+          <p:nvPr>
+            <p:ph type="title"/>
+          </p:nvPr>
+        </p:nvSpPr>
+        <p:spPr/>
+        <p:txBody>
+          <a:bodyPr/>
+          <a:lstStyle/>
+          <a:p>
+            <a:r>
+              <a:rPr lang="en-NZ"/>
+              <a:t>Some “homework”…</a:t>
+            </a:r>
+            <a:endParaRPr lang="en-NZ" dirty="0"/>
+          </a:p>
+        </p:txBody>
+      </p:sp>
+      <p:sp>
+        <p:nvSpPr>
+          <p:cNvPr id="3" name="Content Placeholder 2">
+            <a:extLst>
+              <a:ext uri="{FF2B5EF4-FFF2-40B4-BE49-F238E27FC236}">
+                <a16:creationId xmlns:a16="http://schemas.microsoft.com/office/drawing/2014/main" id="{34466161-D9D6-E141-9BDC-BFE98A04D640}"/>
+              </a:ext>
+            </a:extLst>
+          </p:cNvPr>
+          <p:cNvSpPr>
+            <a:spLocks noGrp="1"/>
+          </p:cNvSpPr>
+          <p:nvPr>
+            <p:ph idx="1"/>
+          </p:nvPr>
+        </p:nvSpPr>
+        <p:spPr/>
+        <p:txBody>
+          <a:bodyPr/>
+          <a:lstStyle/>
+          <a:p>
+            <a:r>
+              <a:rPr lang="en-NZ" dirty="0"/>
+              <a:t>Download Lesson 2 (LINK) and create a project in R</a:t>
+            </a:r>
+          </a:p>
+          <a:p>
+            <a:endParaRPr lang="en-NZ" dirty="0"/>
+          </a:p>
+          <a:p>
+            <a:r>
+              <a:rPr lang="en-NZ" dirty="0"/>
+              <a:t>Run </a:t>
+            </a:r>
+            <a:r>
+              <a:rPr lang="en-NZ" dirty="0">
+                <a:latin typeface="Aptos (Body)"/>
+              </a:rPr>
+              <a:t>through </a:t>
+            </a:r>
+            <a:r>
+              <a:rPr lang="en-NZ" kern="100" dirty="0">
+                <a:effectLst/>
+                <a:latin typeface="Aptos (Body)"/>
+                <a:ea typeface="Aptos" panose="020B0004020202020204" pitchFamily="34" charset="0"/>
+                <a:cs typeface="Times New Roman" panose="02020603050405020304" pitchFamily="18" charset="0"/>
+              </a:rPr>
+              <a:t>Data Carpentries, Data analysis and visualization in R for Ecologists: </a:t>
+            </a:r>
+            <a:r>
+              <a:rPr lang="en-NZ" u="sng" kern="100" dirty="0">
+                <a:solidFill>
+                  <a:srgbClr val="467886"/>
+                </a:solidFill>
+                <a:effectLst/>
+                <a:latin typeface="Aptos (Body)"/>
+                <a:ea typeface="Aptos" panose="020B0004020202020204" pitchFamily="34" charset="0"/>
+                <a:cs typeface="Times New Roman" panose="02020603050405020304" pitchFamily="18" charset="0"/>
+                <a:hlinkClick r:id="rId2"/>
+              </a:rPr>
+              <a:t>https://datacarpentry.org/R-ecology-lesson/index.html</a:t>
+            </a:r>
+            <a:endParaRPr lang="en-NZ" u="sng" kern="100" dirty="0">
+              <a:solidFill>
+                <a:srgbClr val="467886"/>
+              </a:solidFill>
+              <a:effectLst/>
+              <a:latin typeface="Aptos (Body)"/>
+              <a:ea typeface="Aptos" panose="020B0004020202020204" pitchFamily="34" charset="0"/>
+              <a:cs typeface="Times New Roman" panose="02020603050405020304" pitchFamily="18" charset="0"/>
+            </a:endParaRPr>
+          </a:p>
+          <a:p>
+            <a:endParaRPr lang="en-NZ" kern="100" dirty="0">
+              <a:effectLst/>
+              <a:latin typeface="Aptos (Body)"/>
+              <a:ea typeface="Aptos" panose="020B0004020202020204" pitchFamily="34" charset="0"/>
+              <a:cs typeface="Times New Roman" panose="02020603050405020304" pitchFamily="18" charset="0"/>
+            </a:endParaRPr>
+          </a:p>
+          <a:p>
+            <a:endParaRPr lang="en-NZ" dirty="0"/>
+          </a:p>
+        </p:txBody>
+      </p:sp>
+    </p:spTree>
+    <p:extLst>
+      <p:ext uri="{BB962C8B-B14F-4D97-AF65-F5344CB8AC3E}">
+        <p14:creationId xmlns:p14="http://schemas.microsoft.com/office/powerpoint/2010/main" val="1621439892"/>
+      </p:ext>
+    </p:extLst>
+  </p:cSld>
+  <p:clrMapOvr>
+    <a:masterClrMapping/>
+  </p:clrMapOvr>
+</p:sld>
+</file>
+
+<file path=ppt/slides/slide29.xml><?xml version="1.0" encoding="utf-8"?>
+<p:sld xmlns:a="http://schemas.openxmlformats.org/drawingml/2006/main" xmlns:r="http://schemas.openxmlformats.org/officeDocument/2006/relationships" xmlns:p="http://schemas.openxmlformats.org/presentationml/2006/main">
+  <p:cSld>
+    <p:spTree>
+      <p:nvGrpSpPr>
+        <p:cNvPr id="1" name=""/>
+        <p:cNvGrpSpPr/>
+        <p:nvPr/>
+      </p:nvGrpSpPr>
+      <p:grpSpPr>
+        <a:xfrm>
+          <a:off x="0" y="0"/>
+          <a:ext cx="0" cy="0"/>
+          <a:chOff x="0" y="0"/>
+          <a:chExt cx="0" cy="0"/>
+        </a:xfrm>
+      </p:grpSpPr>
+      <p:sp>
+        <p:nvSpPr>
+          <p:cNvPr id="2" name="Title 1">
+            <a:extLst>
+              <a:ext uri="{FF2B5EF4-FFF2-40B4-BE49-F238E27FC236}">
+                <a16:creationId xmlns:a16="http://schemas.microsoft.com/office/drawing/2014/main" id="{4FB7C0BC-2C00-7361-BF21-0DB3767226A5}"/>
+              </a:ext>
+            </a:extLst>
+          </p:cNvPr>
+          <p:cNvSpPr>
+            <a:spLocks noGrp="1"/>
+          </p:cNvSpPr>
+          <p:nvPr>
+            <p:ph type="title"/>
+          </p:nvPr>
+        </p:nvSpPr>
+        <p:spPr/>
+        <p:txBody>
+          <a:bodyPr/>
+          <a:lstStyle/>
+          <a:p>
+            <a:r>
+              <a:rPr lang="en-NZ"/>
+              <a:t>Extra files for different lessons if needed</a:t>
+            </a:r>
+          </a:p>
+        </p:txBody>
+      </p:sp>
+      <p:sp>
+        <p:nvSpPr>
+          <p:cNvPr id="3" name="Content Placeholder 2">
+            <a:extLst>
+              <a:ext uri="{FF2B5EF4-FFF2-40B4-BE49-F238E27FC236}">
+                <a16:creationId xmlns:a16="http://schemas.microsoft.com/office/drawing/2014/main" id="{D8797174-6BED-B804-44A8-72115329F811}"/>
+              </a:ext>
+            </a:extLst>
+          </p:cNvPr>
+          <p:cNvSpPr>
+            <a:spLocks noGrp="1"/>
+          </p:cNvSpPr>
+          <p:nvPr>
+            <p:ph idx="1"/>
+          </p:nvPr>
+        </p:nvSpPr>
+        <p:spPr/>
+        <p:txBody>
+          <a:bodyPr/>
+          <a:lstStyle/>
+          <a:p>
+            <a:endParaRPr lang="en-NZ"/>
+          </a:p>
+        </p:txBody>
+      </p:sp>
+    </p:spTree>
+    <p:extLst>
+      <p:ext uri="{BB962C8B-B14F-4D97-AF65-F5344CB8AC3E}">
+        <p14:creationId xmlns:p14="http://schemas.microsoft.com/office/powerpoint/2010/main" val="990989293"/>
+      </p:ext>
+    </p:extLst>
+  </p:cSld>
+  <p:clrMapOvr>
+    <a:masterClrMapping/>
+  </p:clrMapOvr>
+</p:sld>
+</file>
+
+<file path=ppt/slides/slide3.xml><?xml version="1.0" encoding="utf-8"?>
+<p:sld xmlns:a="http://schemas.openxmlformats.org/drawingml/2006/main" xmlns:r="http://schemas.openxmlformats.org/officeDocument/2006/relationships" xmlns:p="http://schemas.openxmlformats.org/presentationml/2006/main">
+  <p:cSld>
+    <p:spTree>
+      <p:nvGrpSpPr>
+        <p:cNvPr id="1" name=""/>
+        <p:cNvGrpSpPr/>
+        <p:nvPr/>
+      </p:nvGrpSpPr>
+      <p:grpSpPr>
+        <a:xfrm>
+          <a:off x="0" y="0"/>
+          <a:ext cx="0" cy="0"/>
+          <a:chOff x="0" y="0"/>
+          <a:chExt cx="0" cy="0"/>
+        </a:xfrm>
+      </p:grpSpPr>
+      <p:sp>
+        <p:nvSpPr>
+          <p:cNvPr id="2" name="Title 1">
+            <a:extLst>
+              <a:ext uri="{FF2B5EF4-FFF2-40B4-BE49-F238E27FC236}">
+                <a16:creationId xmlns:a16="http://schemas.microsoft.com/office/drawing/2014/main" id="{000B4007-10B0-487D-8AC0-75065DFE0876}"/>
+              </a:ext>
+            </a:extLst>
+          </p:cNvPr>
+          <p:cNvSpPr>
+            <a:spLocks noGrp="1"/>
+          </p:cNvSpPr>
+          <p:nvPr>
+            <p:ph type="title"/>
+          </p:nvPr>
+        </p:nvSpPr>
+        <p:spPr/>
+        <p:txBody>
+          <a:bodyPr/>
+          <a:lstStyle/>
+          <a:p>
+            <a:r>
+              <a:rPr lang="en-US" dirty="0"/>
+              <a:t>Why use R??</a:t>
+            </a:r>
+            <a:endParaRPr lang="en-NZ" dirty="0"/>
+          </a:p>
+        </p:txBody>
+      </p:sp>
+      <p:sp>
+        <p:nvSpPr>
+          <p:cNvPr id="3" name="Content Placeholder 2">
+            <a:extLst>
+              <a:ext uri="{FF2B5EF4-FFF2-40B4-BE49-F238E27FC236}">
+                <a16:creationId xmlns:a16="http://schemas.microsoft.com/office/drawing/2014/main" id="{93D009D5-DF8E-476D-8BDE-3EBB2404D4B2}"/>
+              </a:ext>
+            </a:extLst>
+          </p:cNvPr>
+          <p:cNvSpPr>
+            <a:spLocks noGrp="1"/>
+          </p:cNvSpPr>
+          <p:nvPr>
+            <p:ph idx="1"/>
+          </p:nvPr>
+        </p:nvSpPr>
+        <p:spPr>
+          <a:xfrm>
+            <a:off x="570452" y="1661020"/>
+            <a:ext cx="5217506" cy="4608222"/>
+          </a:xfrm>
+        </p:spPr>
+        <p:txBody>
+          <a:bodyPr>
+            <a:normAutofit/>
+          </a:bodyPr>
+          <a:lstStyle/>
+          <a:p>
+            <a:r>
+              <a:rPr lang="en-US" sz="2400" dirty="0"/>
+              <a:t>R is a free, platform-independent software environment </a:t>
+            </a:r>
+          </a:p>
+          <a:p>
+            <a:r>
+              <a:rPr lang="en-US" sz="2400" dirty="0"/>
+              <a:t>Software of choice for academic, governmental, and private industries</a:t>
+            </a:r>
+          </a:p>
+          <a:p>
+            <a:r>
+              <a:rPr lang="en-US" sz="2400" dirty="0"/>
+              <a:t>Numerous user-created packages</a:t>
+            </a:r>
+          </a:p>
+          <a:p>
+            <a:r>
+              <a:rPr lang="en-US" sz="2400" dirty="0"/>
+              <a:t>Worldwide support network</a:t>
+            </a:r>
+          </a:p>
+          <a:p>
+            <a:r>
+              <a:rPr lang="en-US" sz="2400" dirty="0"/>
+              <a:t>Requires you to think more deeply about research questions, data, and analyses</a:t>
+            </a:r>
+          </a:p>
+          <a:p>
+            <a:r>
+              <a:rPr lang="en-US" sz="2400" dirty="0"/>
+              <a:t>Reproducibility</a:t>
+            </a:r>
+            <a:endParaRPr lang="en-NZ" sz="2400" dirty="0"/>
+          </a:p>
+        </p:txBody>
+      </p:sp>
+      <p:pic>
+        <p:nvPicPr>
+          <p:cNvPr id="1028" name="Picture 4" descr="What Is R Programming?">
+            <a:extLst>
+              <a:ext uri="{FF2B5EF4-FFF2-40B4-BE49-F238E27FC236}">
+                <a16:creationId xmlns:a16="http://schemas.microsoft.com/office/drawing/2014/main" id="{41FC2245-2D5B-8CC1-FBA2-AEC13157B867}"/>
+              </a:ext>
+            </a:extLst>
+          </p:cNvPr>
+          <p:cNvPicPr>
+            <a:picLocks noChangeAspect="1" noChangeArrowheads="1"/>
+          </p:cNvPicPr>
+          <p:nvPr/>
+        </p:nvPicPr>
+        <p:blipFill>
+          <a:blip r:embed="rId2">
+            <a:extLst>
+              <a:ext uri="{28A0092B-C50C-407E-A947-70E740481C1C}">
+                <a14:useLocalDpi xmlns:a14="http://schemas.microsoft.com/office/drawing/2010/main" val="0"/>
+              </a:ext>
+            </a:extLst>
+          </a:blip>
+          <a:srcRect/>
+          <a:stretch>
+            <a:fillRect/>
+          </a:stretch>
+        </p:blipFill>
+        <p:spPr bwMode="auto">
+          <a:xfrm>
+            <a:off x="5810250" y="1504225"/>
+            <a:ext cx="6381750" cy="4352925"/>
+          </a:xfrm>
+          <a:prstGeom prst="rect">
+            <a:avLst/>
+          </a:prstGeom>
+          <a:noFill/>
+          <a:extLst>
+            <a:ext uri="{909E8E84-426E-40DD-AFC4-6F175D3DCCD1}">
+              <a14:hiddenFill xmlns:a14="http://schemas.microsoft.com/office/drawing/2010/main">
+                <a:solidFill>
+                  <a:srgbClr val="FFFFFF"/>
+                </a:solidFill>
+              </a14:hiddenFill>
+            </a:ext>
+          </a:extLst>
+        </p:spPr>
+      </p:pic>
+      <p:sp>
+        <p:nvSpPr>
+          <p:cNvPr id="4" name="TextBox 3">
+            <a:extLst>
+              <a:ext uri="{FF2B5EF4-FFF2-40B4-BE49-F238E27FC236}">
+                <a16:creationId xmlns:a16="http://schemas.microsoft.com/office/drawing/2014/main" id="{2F7F0186-4D28-59DD-3CBC-0E74084EA720}"/>
+              </a:ext>
+            </a:extLst>
+          </p:cNvPr>
+          <p:cNvSpPr txBox="1"/>
+          <p:nvPr/>
+        </p:nvSpPr>
+        <p:spPr>
+          <a:xfrm>
+            <a:off x="6624536" y="5657095"/>
+            <a:ext cx="1031132" cy="200055"/>
+          </a:xfrm>
+          <a:prstGeom prst="rect">
+            <a:avLst/>
+          </a:prstGeom>
+          <a:noFill/>
+        </p:spPr>
+        <p:txBody>
+          <a:bodyPr wrap="square" rtlCol="0">
+            <a:spAutoFit/>
+          </a:bodyPr>
+          <a:lstStyle/>
+          <a:p>
+            <a:r>
+              <a:rPr lang="en-NZ" sz="700" dirty="0"/>
+              <a:t>Image: </a:t>
+            </a:r>
+            <a:r>
+              <a:rPr lang="en-NZ" sz="700" dirty="0" err="1"/>
+              <a:t>DevTechnosys</a:t>
+            </a:r>
+            <a:endParaRPr lang="en-NZ" sz="700" dirty="0"/>
+          </a:p>
+        </p:txBody>
+      </p:sp>
+    </p:spTree>
+    <p:extLst>
+      <p:ext uri="{BB962C8B-B14F-4D97-AF65-F5344CB8AC3E}">
+        <p14:creationId xmlns:p14="http://schemas.microsoft.com/office/powerpoint/2010/main" val="1383627114"/>
+      </p:ext>
+    </p:extLst>
+  </p:cSld>
+  <p:clrMapOvr>
+    <a:masterClrMapping/>
+  </p:clrMapOvr>
+</p:sld>
+</file>
+
+<file path=ppt/slides/slide30.xml><?xml version="1.0" encoding="utf-8"?>
+<p:sld xmlns:a="http://schemas.openxmlformats.org/drawingml/2006/main" xmlns:r="http://schemas.openxmlformats.org/officeDocument/2006/relationships" xmlns:p="http://schemas.openxmlformats.org/presentationml/2006/main">
+  <p:cSld>
+    <p:spTree>
+      <p:nvGrpSpPr>
+        <p:cNvPr id="1" name=""/>
+        <p:cNvGrpSpPr/>
+        <p:nvPr/>
+      </p:nvGrpSpPr>
+      <p:grpSpPr>
+        <a:xfrm>
+          <a:off x="0" y="0"/>
+          <a:ext cx="0" cy="0"/>
+          <a:chOff x="0" y="0"/>
+          <a:chExt cx="0" cy="0"/>
+        </a:xfrm>
+      </p:grpSpPr>
+      <p:sp>
+        <p:nvSpPr>
+          <p:cNvPr id="2" name="Title 1">
+            <a:extLst>
+              <a:ext uri="{FF2B5EF4-FFF2-40B4-BE49-F238E27FC236}">
                 <a16:creationId xmlns:a16="http://schemas.microsoft.com/office/drawing/2014/main" id="{11534537-CA61-5E4C-916E-9B21B7D08F8D}"/>
               </a:ext>
             </a:extLst>
@@ -8679,7 +9982,7 @@
 </p:sld>
 </file>
 
-<file path=ppt/slides/slide23.xml><?xml version="1.0" encoding="utf-8"?>
+<file path=ppt/slides/slide31.xml><?xml version="1.0" encoding="utf-8"?>
 <p:sld xmlns:a="http://schemas.openxmlformats.org/drawingml/2006/main" xmlns:r="http://schemas.openxmlformats.org/officeDocument/2006/relationships" xmlns:p="http://schemas.openxmlformats.org/presentationml/2006/main">
   <p:cSld>
     <p:spTree>
@@ -8831,7 +10134,7 @@
                     <a:lstStyle/>
                     <a:p>
                       <a:r>
-                        <a:rPr lang="en-NZ"/>
+                        <a:rPr lang="en-NZ" dirty="0"/>
                         <a:t>%&gt;%</a:t>
                       </a:r>
                     </a:p>
@@ -8877,7 +10180,7 @@
                     <a:lstStyle/>
                     <a:p>
                       <a:r>
-                        <a:rPr lang="en-NZ"/>
+                        <a:rPr lang="en-NZ" dirty="0"/>
                         <a:t>&lt;-</a:t>
                       </a:r>
                     </a:p>
@@ -8922,7 +10225,7 @@
                     <a:bodyPr/>
                     <a:lstStyle/>
                     <a:p>
-                      <a:endParaRPr lang="en-NZ"/>
+                      <a:endParaRPr lang="en-NZ" dirty="0"/>
                     </a:p>
                   </a:txBody>
                   <a:tcPr/>
@@ -9092,10 +10395,10 @@
                     <a:lstStyle/>
                     <a:p>
                       <a:r>
-                        <a:rPr lang="en-US"/>
+                        <a:rPr lang="en-US" dirty="0"/>
                         <a:t>Will show you a list of items in the directory to choose from</a:t>
                       </a:r>
-                      <a:endParaRPr lang="en-NZ"/>
+                      <a:endParaRPr lang="en-NZ" dirty="0"/>
                     </a:p>
                   </a:txBody>
                   <a:tcPr/>
@@ -9265,7 +10568,7 @@
 </p:sld>
 </file>
 
-<file path=ppt/slides/slide24.xml><?xml version="1.0" encoding="utf-8"?>
+<file path=ppt/slides/slide32.xml><?xml version="1.0" encoding="utf-8"?>
 <p:sld xmlns:a="http://schemas.openxmlformats.org/drawingml/2006/main" xmlns:r="http://schemas.openxmlformats.org/officeDocument/2006/relationships" xmlns:p="http://schemas.openxmlformats.org/presentationml/2006/main">
   <p:cSld>
     <p:spTree>
@@ -9374,7 +10677,7 @@
 </p:sld>
 </file>
 
-<file path=ppt/slides/slide25.xml><?xml version="1.0" encoding="utf-8"?>
+<file path=ppt/slides/slide33.xml><?xml version="1.0" encoding="utf-8"?>
 <p:sld xmlns:a="http://schemas.openxmlformats.org/drawingml/2006/main" xmlns:r="http://schemas.openxmlformats.org/officeDocument/2006/relationships" xmlns:p="http://schemas.openxmlformats.org/presentationml/2006/main">
   <p:cSld>
     <p:spTree>
@@ -9507,7 +10810,7 @@
 </p:sld>
 </file>
 
-<file path=ppt/slides/slide26.xml><?xml version="1.0" encoding="utf-8"?>
+<file path=ppt/slides/slide34.xml><?xml version="1.0" encoding="utf-8"?>
 <p:sld xmlns:a="http://schemas.openxmlformats.org/drawingml/2006/main" xmlns:r="http://schemas.openxmlformats.org/officeDocument/2006/relationships" xmlns:p="http://schemas.openxmlformats.org/presentationml/2006/main">
   <p:cSld>
     <p:spTree>
@@ -9998,7 +11301,7 @@
 </p:sld>
 </file>
 
-<file path=ppt/slides/slide27.xml><?xml version="1.0" encoding="utf-8"?>
+<file path=ppt/slides/slide35.xml><?xml version="1.0" encoding="utf-8"?>
 <p:sld xmlns:a="http://schemas.openxmlformats.org/drawingml/2006/main" xmlns:r="http://schemas.openxmlformats.org/officeDocument/2006/relationships" xmlns:p="http://schemas.openxmlformats.org/presentationml/2006/main">
   <p:cSld>
     <p:spTree>
@@ -10238,1589 +11541,6 @@
     <p:extLst>
       <p:ext uri="{BB962C8B-B14F-4D97-AF65-F5344CB8AC3E}">
         <p14:creationId xmlns:p14="http://schemas.microsoft.com/office/powerpoint/2010/main" val="3558655378"/>
-      </p:ext>
-    </p:extLst>
-  </p:cSld>
-  <p:clrMapOvr>
-    <a:masterClrMapping/>
-  </p:clrMapOvr>
-</p:sld>
-</file>
-
-<file path=ppt/slides/slide28.xml><?xml version="1.0" encoding="utf-8"?>
-<p:sld xmlns:a="http://schemas.openxmlformats.org/drawingml/2006/main" xmlns:r="http://schemas.openxmlformats.org/officeDocument/2006/relationships" xmlns:p="http://schemas.openxmlformats.org/presentationml/2006/main">
-  <p:cSld>
-    <p:spTree>
-      <p:nvGrpSpPr>
-        <p:cNvPr id="1" name=""/>
-        <p:cNvGrpSpPr/>
-        <p:nvPr/>
-      </p:nvGrpSpPr>
-      <p:grpSpPr>
-        <a:xfrm>
-          <a:off x="0" y="0"/>
-          <a:ext cx="0" cy="0"/>
-          <a:chOff x="0" y="0"/>
-          <a:chExt cx="0" cy="0"/>
-        </a:xfrm>
-      </p:grpSpPr>
-      <p:sp>
-        <p:nvSpPr>
-          <p:cNvPr id="2" name="Title 1">
-            <a:extLst>
-              <a:ext uri="{FF2B5EF4-FFF2-40B4-BE49-F238E27FC236}">
-                <a16:creationId xmlns:a16="http://schemas.microsoft.com/office/drawing/2014/main" id="{0B0DDE12-CC47-6E02-1CD5-08A93B4D5FE9}"/>
-              </a:ext>
-            </a:extLst>
-          </p:cNvPr>
-          <p:cNvSpPr>
-            <a:spLocks noGrp="1"/>
-          </p:cNvSpPr>
-          <p:nvPr>
-            <p:ph type="title"/>
-          </p:nvPr>
-        </p:nvSpPr>
-        <p:spPr/>
-        <p:txBody>
-          <a:bodyPr/>
-          <a:lstStyle/>
-          <a:p>
-            <a:r>
-              <a:rPr lang="en-NZ"/>
-              <a:t>Useful resources</a:t>
-            </a:r>
-          </a:p>
-        </p:txBody>
-      </p:sp>
-      <p:sp>
-        <p:nvSpPr>
-          <p:cNvPr id="3" name="Content Placeholder 2">
-            <a:extLst>
-              <a:ext uri="{FF2B5EF4-FFF2-40B4-BE49-F238E27FC236}">
-                <a16:creationId xmlns:a16="http://schemas.microsoft.com/office/drawing/2014/main" id="{891D5551-6C94-DED9-2F21-C1024CFDCC13}"/>
-              </a:ext>
-            </a:extLst>
-          </p:cNvPr>
-          <p:cNvSpPr>
-            <a:spLocks noGrp="1"/>
-          </p:cNvSpPr>
-          <p:nvPr>
-            <p:ph idx="1"/>
-          </p:nvPr>
-        </p:nvSpPr>
-        <p:spPr/>
-        <p:txBody>
-          <a:bodyPr>
-            <a:normAutofit lnSpcReduction="10000"/>
-          </a:bodyPr>
-          <a:lstStyle/>
-          <a:p>
-            <a:r>
-              <a:rPr lang="en-NZ" dirty="0"/>
-              <a:t>Numerous </a:t>
-            </a:r>
-            <a:r>
-              <a:rPr lang="en-NZ" dirty="0">
-                <a:hlinkClick r:id="rId2"/>
-              </a:rPr>
-              <a:t>“How-to” videos, lectures, and exercises </a:t>
-            </a:r>
-            <a:r>
-              <a:rPr lang="en-NZ" dirty="0"/>
-              <a:t>for getting started in R</a:t>
-            </a:r>
-          </a:p>
-          <a:p>
-            <a:r>
-              <a:rPr lang="en-NZ" dirty="0"/>
-              <a:t>Style guidelines in R</a:t>
-            </a:r>
-          </a:p>
-          <a:p>
-            <a:r>
-              <a:rPr lang="en-NZ" dirty="0">
-                <a:hlinkClick r:id="rId3"/>
-              </a:rPr>
-              <a:t>Blog on project-oriented workflows</a:t>
-            </a:r>
-            <a:endParaRPr lang="en-NZ" dirty="0"/>
-          </a:p>
-          <a:p>
-            <a:r>
-              <a:rPr lang="en-NZ" dirty="0"/>
-              <a:t>ChatGPT and Google</a:t>
-            </a:r>
-          </a:p>
-          <a:p>
-            <a:pPr lvl="1"/>
-            <a:r>
-              <a:rPr lang="en-NZ" dirty="0">
-                <a:hlinkClick r:id="rId4"/>
-              </a:rPr>
-              <a:t>Article on suggestions for how to best utilize ChatGPT</a:t>
-            </a:r>
-            <a:endParaRPr lang="en-NZ" dirty="0"/>
-          </a:p>
-          <a:p>
-            <a:pPr lvl="2"/>
-            <a:r>
-              <a:rPr lang="en-NZ" dirty="0"/>
-              <a:t>When first starting out, if you wouldn’t be able to explain what the code is doing, try not to use it—or ask someone to help you understand</a:t>
-            </a:r>
-          </a:p>
-          <a:p>
-            <a:pPr lvl="3"/>
-            <a:r>
-              <a:rPr lang="en-NZ" dirty="0"/>
-              <a:t>ChatGPT will give you functions, for loops, etc. These are more advanced techniques that you will need to write yourself some day</a:t>
-            </a:r>
-          </a:p>
-          <a:p>
-            <a:r>
-              <a:rPr lang="en-NZ" dirty="0"/>
-              <a:t>Each other!</a:t>
-            </a:r>
-          </a:p>
-          <a:p>
-            <a:pPr lvl="3"/>
-            <a:endParaRPr lang="en-NZ" dirty="0"/>
-          </a:p>
-        </p:txBody>
-      </p:sp>
-    </p:spTree>
-    <p:extLst>
-      <p:ext uri="{BB962C8B-B14F-4D97-AF65-F5344CB8AC3E}">
-        <p14:creationId xmlns:p14="http://schemas.microsoft.com/office/powerpoint/2010/main" val="776326194"/>
-      </p:ext>
-    </p:extLst>
-  </p:cSld>
-  <p:clrMapOvr>
-    <a:masterClrMapping/>
-  </p:clrMapOvr>
-</p:sld>
-</file>
-
-<file path=ppt/slides/slide29.xml><?xml version="1.0" encoding="utf-8"?>
-<p:sld xmlns:a="http://schemas.openxmlformats.org/drawingml/2006/main" xmlns:r="http://schemas.openxmlformats.org/officeDocument/2006/relationships" xmlns:p="http://schemas.openxmlformats.org/presentationml/2006/main">
-  <p:cSld>
-    <p:spTree>
-      <p:nvGrpSpPr>
-        <p:cNvPr id="1" name=""/>
-        <p:cNvGrpSpPr/>
-        <p:nvPr/>
-      </p:nvGrpSpPr>
-      <p:grpSpPr>
-        <a:xfrm>
-          <a:off x="0" y="0"/>
-          <a:ext cx="0" cy="0"/>
-          <a:chOff x="0" y="0"/>
-          <a:chExt cx="0" cy="0"/>
-        </a:xfrm>
-      </p:grpSpPr>
-      <p:sp>
-        <p:nvSpPr>
-          <p:cNvPr id="2" name="Title 1">
-            <a:extLst>
-              <a:ext uri="{FF2B5EF4-FFF2-40B4-BE49-F238E27FC236}">
-                <a16:creationId xmlns:a16="http://schemas.microsoft.com/office/drawing/2014/main" id="{891D5FEC-7D39-4D40-A86D-E2A2A3BDE594}"/>
-              </a:ext>
-            </a:extLst>
-          </p:cNvPr>
-          <p:cNvSpPr>
-            <a:spLocks noGrp="1"/>
-          </p:cNvSpPr>
-          <p:nvPr>
-            <p:ph type="title"/>
-          </p:nvPr>
-        </p:nvSpPr>
-        <p:spPr/>
-        <p:txBody>
-          <a:bodyPr/>
-          <a:lstStyle/>
-          <a:p>
-            <a:r>
-              <a:rPr lang="en-NZ"/>
-              <a:t>Let’s go to a working example</a:t>
-            </a:r>
-          </a:p>
-        </p:txBody>
-      </p:sp>
-      <p:sp>
-        <p:nvSpPr>
-          <p:cNvPr id="5" name="Content Placeholder 4">
-            <a:extLst>
-              <a:ext uri="{FF2B5EF4-FFF2-40B4-BE49-F238E27FC236}">
-                <a16:creationId xmlns:a16="http://schemas.microsoft.com/office/drawing/2014/main" id="{A00DA842-CE19-2836-C24F-0124C4144507}"/>
-              </a:ext>
-            </a:extLst>
-          </p:cNvPr>
-          <p:cNvSpPr>
-            <a:spLocks noGrp="1"/>
-          </p:cNvSpPr>
-          <p:nvPr>
-            <p:ph idx="1"/>
-          </p:nvPr>
-        </p:nvSpPr>
-        <p:spPr/>
-        <p:txBody>
-          <a:bodyPr>
-            <a:normAutofit/>
-          </a:bodyPr>
-          <a:lstStyle/>
-          <a:p>
-            <a:pPr marL="0" indent="0">
-              <a:buNone/>
-            </a:pPr>
-            <a:r>
-              <a:rPr lang="en-NZ" dirty="0"/>
-              <a:t>Link here to a </a:t>
-            </a:r>
-            <a:r>
-              <a:rPr lang="en-NZ" dirty="0" err="1"/>
-              <a:t>Github</a:t>
-            </a:r>
-            <a:r>
-              <a:rPr lang="en-NZ" dirty="0"/>
-              <a:t> repository: </a:t>
-            </a:r>
-            <a:r>
-              <a:rPr lang="en-NZ" dirty="0">
-                <a:hlinkClick r:id="rId2"/>
-              </a:rPr>
-              <a:t>https://github.com/wwoelmer/BOPRC_1_R_Fundamentals</a:t>
-            </a:r>
-            <a:endParaRPr lang="en-NZ" dirty="0"/>
-          </a:p>
-          <a:p>
-            <a:pPr marL="0" indent="0">
-              <a:buNone/>
-            </a:pPr>
-            <a:endParaRPr lang="en-NZ" dirty="0"/>
-          </a:p>
-          <a:p>
-            <a:pPr marL="0" indent="0">
-              <a:buNone/>
-            </a:pPr>
-            <a:r>
-              <a:rPr lang="en-NZ" dirty="0"/>
-              <a:t>Objectives of Lesson 1: R Fundamentals </a:t>
-            </a:r>
-          </a:p>
-          <a:p>
-            <a:pPr lvl="1"/>
-            <a:r>
-              <a:rPr lang="en-NZ" dirty="0"/>
-              <a:t>Install some packages</a:t>
-            </a:r>
-          </a:p>
-          <a:p>
-            <a:pPr lvl="1"/>
-            <a:r>
-              <a:rPr lang="en-NZ" dirty="0"/>
-              <a:t>Create new objects in R</a:t>
-            </a:r>
-          </a:p>
-          <a:p>
-            <a:pPr lvl="1"/>
-            <a:r>
-              <a:rPr lang="en-NZ" dirty="0"/>
-              <a:t>Read in data from a .csv and a .</a:t>
-            </a:r>
-            <a:r>
-              <a:rPr lang="en-NZ" dirty="0" err="1"/>
-              <a:t>xls</a:t>
-            </a:r>
-            <a:r>
-              <a:rPr lang="en-NZ" dirty="0"/>
-              <a:t> file</a:t>
-            </a:r>
-          </a:p>
-          <a:p>
-            <a:pPr lvl="1"/>
-            <a:r>
-              <a:rPr lang="en-NZ" dirty="0"/>
-              <a:t>Use base R functions</a:t>
-            </a:r>
-          </a:p>
-          <a:p>
-            <a:pPr lvl="1"/>
-            <a:r>
-              <a:rPr lang="en-NZ" dirty="0"/>
-              <a:t>Access help documentation for functions</a:t>
-            </a:r>
-          </a:p>
-        </p:txBody>
-      </p:sp>
-    </p:spTree>
-    <p:extLst>
-      <p:ext uri="{BB962C8B-B14F-4D97-AF65-F5344CB8AC3E}">
-        <p14:creationId xmlns:p14="http://schemas.microsoft.com/office/powerpoint/2010/main" val="1710418133"/>
-      </p:ext>
-    </p:extLst>
-  </p:cSld>
-  <p:clrMapOvr>
-    <a:masterClrMapping/>
-  </p:clrMapOvr>
-</p:sld>
-</file>
-
-<file path=ppt/slides/slide3.xml><?xml version="1.0" encoding="utf-8"?>
-<p:sld xmlns:a="http://schemas.openxmlformats.org/drawingml/2006/main" xmlns:r="http://schemas.openxmlformats.org/officeDocument/2006/relationships" xmlns:p="http://schemas.openxmlformats.org/presentationml/2006/main">
-  <p:cSld>
-    <p:spTree>
-      <p:nvGrpSpPr>
-        <p:cNvPr id="1" name=""/>
-        <p:cNvGrpSpPr/>
-        <p:nvPr/>
-      </p:nvGrpSpPr>
-      <p:grpSpPr>
-        <a:xfrm>
-          <a:off x="0" y="0"/>
-          <a:ext cx="0" cy="0"/>
-          <a:chOff x="0" y="0"/>
-          <a:chExt cx="0" cy="0"/>
-        </a:xfrm>
-      </p:grpSpPr>
-      <p:sp>
-        <p:nvSpPr>
-          <p:cNvPr id="2" name="Title 1">
-            <a:extLst>
-              <a:ext uri="{FF2B5EF4-FFF2-40B4-BE49-F238E27FC236}">
-                <a16:creationId xmlns:a16="http://schemas.microsoft.com/office/drawing/2014/main" id="{000B4007-10B0-487D-8AC0-75065DFE0876}"/>
-              </a:ext>
-            </a:extLst>
-          </p:cNvPr>
-          <p:cNvSpPr>
-            <a:spLocks noGrp="1"/>
-          </p:cNvSpPr>
-          <p:nvPr>
-            <p:ph type="title"/>
-          </p:nvPr>
-        </p:nvSpPr>
-        <p:spPr/>
-        <p:txBody>
-          <a:bodyPr/>
-          <a:lstStyle/>
-          <a:p>
-            <a:r>
-              <a:rPr lang="en-US" dirty="0"/>
-              <a:t>Why use R??</a:t>
-            </a:r>
-            <a:endParaRPr lang="en-NZ" dirty="0"/>
-          </a:p>
-        </p:txBody>
-      </p:sp>
-      <p:sp>
-        <p:nvSpPr>
-          <p:cNvPr id="3" name="Content Placeholder 2">
-            <a:extLst>
-              <a:ext uri="{FF2B5EF4-FFF2-40B4-BE49-F238E27FC236}">
-                <a16:creationId xmlns:a16="http://schemas.microsoft.com/office/drawing/2014/main" id="{93D009D5-DF8E-476D-8BDE-3EBB2404D4B2}"/>
-              </a:ext>
-            </a:extLst>
-          </p:cNvPr>
-          <p:cNvSpPr>
-            <a:spLocks noGrp="1"/>
-          </p:cNvSpPr>
-          <p:nvPr>
-            <p:ph idx="1"/>
-          </p:nvPr>
-        </p:nvSpPr>
-        <p:spPr>
-          <a:xfrm>
-            <a:off x="570452" y="1661020"/>
-            <a:ext cx="5217506" cy="4608222"/>
-          </a:xfrm>
-        </p:spPr>
-        <p:txBody>
-          <a:bodyPr>
-            <a:normAutofit/>
-          </a:bodyPr>
-          <a:lstStyle/>
-          <a:p>
-            <a:r>
-              <a:rPr lang="en-US" sz="2400" dirty="0"/>
-              <a:t>R is a free, platform-independent software environment </a:t>
-            </a:r>
-          </a:p>
-          <a:p>
-            <a:r>
-              <a:rPr lang="en-US" sz="2400" dirty="0"/>
-              <a:t>Software of choice for academic, governmental, and private industries</a:t>
-            </a:r>
-          </a:p>
-          <a:p>
-            <a:r>
-              <a:rPr lang="en-US" sz="2400" dirty="0"/>
-              <a:t>Numerous user-created packages</a:t>
-            </a:r>
-          </a:p>
-          <a:p>
-            <a:r>
-              <a:rPr lang="en-US" sz="2400" dirty="0"/>
-              <a:t>Worldwide support network</a:t>
-            </a:r>
-          </a:p>
-          <a:p>
-            <a:r>
-              <a:rPr lang="en-US" sz="2400" dirty="0"/>
-              <a:t>Requires you to think more deeply about research questions, data, and analyses</a:t>
-            </a:r>
-          </a:p>
-          <a:p>
-            <a:r>
-              <a:rPr lang="en-US" sz="2400" dirty="0"/>
-              <a:t>Reproducibility</a:t>
-            </a:r>
-            <a:endParaRPr lang="en-NZ" sz="2400" dirty="0"/>
-          </a:p>
-        </p:txBody>
-      </p:sp>
-      <p:pic>
-        <p:nvPicPr>
-          <p:cNvPr id="1028" name="Picture 4" descr="What Is R Programming?">
-            <a:extLst>
-              <a:ext uri="{FF2B5EF4-FFF2-40B4-BE49-F238E27FC236}">
-                <a16:creationId xmlns:a16="http://schemas.microsoft.com/office/drawing/2014/main" id="{41FC2245-2D5B-8CC1-FBA2-AEC13157B867}"/>
-              </a:ext>
-            </a:extLst>
-          </p:cNvPr>
-          <p:cNvPicPr>
-            <a:picLocks noChangeAspect="1" noChangeArrowheads="1"/>
-          </p:cNvPicPr>
-          <p:nvPr/>
-        </p:nvPicPr>
-        <p:blipFill>
-          <a:blip r:embed="rId2">
-            <a:extLst>
-              <a:ext uri="{28A0092B-C50C-407E-A947-70E740481C1C}">
-                <a14:useLocalDpi xmlns:a14="http://schemas.microsoft.com/office/drawing/2010/main" val="0"/>
-              </a:ext>
-            </a:extLst>
-          </a:blip>
-          <a:srcRect/>
-          <a:stretch>
-            <a:fillRect/>
-          </a:stretch>
-        </p:blipFill>
-        <p:spPr bwMode="auto">
-          <a:xfrm>
-            <a:off x="5810250" y="1504225"/>
-            <a:ext cx="6381750" cy="4352925"/>
-          </a:xfrm>
-          <a:prstGeom prst="rect">
-            <a:avLst/>
-          </a:prstGeom>
-          <a:noFill/>
-          <a:extLst>
-            <a:ext uri="{909E8E84-426E-40DD-AFC4-6F175D3DCCD1}">
-              <a14:hiddenFill xmlns:a14="http://schemas.microsoft.com/office/drawing/2010/main">
-                <a:solidFill>
-                  <a:srgbClr val="FFFFFF"/>
-                </a:solidFill>
-              </a14:hiddenFill>
-            </a:ext>
-          </a:extLst>
-        </p:spPr>
-      </p:pic>
-      <p:sp>
-        <p:nvSpPr>
-          <p:cNvPr id="4" name="TextBox 3">
-            <a:extLst>
-              <a:ext uri="{FF2B5EF4-FFF2-40B4-BE49-F238E27FC236}">
-                <a16:creationId xmlns:a16="http://schemas.microsoft.com/office/drawing/2014/main" id="{2F7F0186-4D28-59DD-3CBC-0E74084EA720}"/>
-              </a:ext>
-            </a:extLst>
-          </p:cNvPr>
-          <p:cNvSpPr txBox="1"/>
-          <p:nvPr/>
-        </p:nvSpPr>
-        <p:spPr>
-          <a:xfrm>
-            <a:off x="6624536" y="5657095"/>
-            <a:ext cx="1031132" cy="200055"/>
-          </a:xfrm>
-          <a:prstGeom prst="rect">
-            <a:avLst/>
-          </a:prstGeom>
-          <a:noFill/>
-        </p:spPr>
-        <p:txBody>
-          <a:bodyPr wrap="square" rtlCol="0">
-            <a:spAutoFit/>
-          </a:bodyPr>
-          <a:lstStyle/>
-          <a:p>
-            <a:r>
-              <a:rPr lang="en-NZ" sz="700" dirty="0"/>
-              <a:t>Image: </a:t>
-            </a:r>
-            <a:r>
-              <a:rPr lang="en-NZ" sz="700" dirty="0" err="1"/>
-              <a:t>DevTechnosys</a:t>
-            </a:r>
-            <a:endParaRPr lang="en-NZ" sz="700" dirty="0"/>
-          </a:p>
-        </p:txBody>
-      </p:sp>
-    </p:spTree>
-    <p:extLst>
-      <p:ext uri="{BB962C8B-B14F-4D97-AF65-F5344CB8AC3E}">
-        <p14:creationId xmlns:p14="http://schemas.microsoft.com/office/powerpoint/2010/main" val="1383627114"/>
-      </p:ext>
-    </p:extLst>
-  </p:cSld>
-  <p:clrMapOvr>
-    <a:masterClrMapping/>
-  </p:clrMapOvr>
-</p:sld>
-</file>
-
-<file path=ppt/slides/slide30.xml><?xml version="1.0" encoding="utf-8"?>
-<p:sld xmlns:a="http://schemas.openxmlformats.org/drawingml/2006/main" xmlns:r="http://schemas.openxmlformats.org/officeDocument/2006/relationships" xmlns:p="http://schemas.openxmlformats.org/presentationml/2006/main">
-  <p:cSld>
-    <p:spTree>
-      <p:nvGrpSpPr>
-        <p:cNvPr id="1" name="">
-          <a:extLst>
-            <a:ext uri="{FF2B5EF4-FFF2-40B4-BE49-F238E27FC236}">
-              <a16:creationId xmlns:a16="http://schemas.microsoft.com/office/drawing/2014/main" id="{1D216315-88D6-EBAD-4A3C-0C3BD9A96F16}"/>
-            </a:ext>
-          </a:extLst>
-        </p:cNvPr>
-        <p:cNvGrpSpPr/>
-        <p:nvPr/>
-      </p:nvGrpSpPr>
-      <p:grpSpPr>
-        <a:xfrm>
-          <a:off x="0" y="0"/>
-          <a:ext cx="0" cy="0"/>
-          <a:chOff x="0" y="0"/>
-          <a:chExt cx="0" cy="0"/>
-        </a:xfrm>
-      </p:grpSpPr>
-      <p:sp>
-        <p:nvSpPr>
-          <p:cNvPr id="2" name="Title 1">
-            <a:extLst>
-              <a:ext uri="{FF2B5EF4-FFF2-40B4-BE49-F238E27FC236}">
-                <a16:creationId xmlns:a16="http://schemas.microsoft.com/office/drawing/2014/main" id="{A2675702-4388-760B-1760-C1064F5033FA}"/>
-              </a:ext>
-            </a:extLst>
-          </p:cNvPr>
-          <p:cNvSpPr>
-            <a:spLocks noGrp="1"/>
-          </p:cNvSpPr>
-          <p:nvPr>
-            <p:ph type="title"/>
-          </p:nvPr>
-        </p:nvSpPr>
-        <p:spPr/>
-        <p:txBody>
-          <a:bodyPr/>
-          <a:lstStyle/>
-          <a:p>
-            <a:r>
-              <a:rPr lang="en-NZ"/>
-              <a:t>Let’s go to a working example</a:t>
-            </a:r>
-          </a:p>
-        </p:txBody>
-      </p:sp>
-      <p:sp>
-        <p:nvSpPr>
-          <p:cNvPr id="5" name="Content Placeholder 4">
-            <a:extLst>
-              <a:ext uri="{FF2B5EF4-FFF2-40B4-BE49-F238E27FC236}">
-                <a16:creationId xmlns:a16="http://schemas.microsoft.com/office/drawing/2014/main" id="{B7ED4CD2-DB71-3FCC-DF46-354006CFA5F0}"/>
-              </a:ext>
-            </a:extLst>
-          </p:cNvPr>
-          <p:cNvSpPr>
-            <a:spLocks noGrp="1"/>
-          </p:cNvSpPr>
-          <p:nvPr>
-            <p:ph idx="1"/>
-          </p:nvPr>
-        </p:nvSpPr>
-        <p:spPr/>
-        <p:txBody>
-          <a:bodyPr>
-            <a:normAutofit/>
-          </a:bodyPr>
-          <a:lstStyle/>
-          <a:p>
-            <a:pPr marL="0" indent="0">
-              <a:buNone/>
-            </a:pPr>
-            <a:r>
-              <a:rPr lang="en-NZ" dirty="0"/>
-              <a:t>Link here to a </a:t>
-            </a:r>
-            <a:r>
-              <a:rPr lang="en-NZ" dirty="0" err="1"/>
-              <a:t>Github</a:t>
-            </a:r>
-            <a:r>
-              <a:rPr lang="en-NZ" dirty="0"/>
-              <a:t> repository: </a:t>
-            </a:r>
-            <a:r>
-              <a:rPr lang="en-NZ" dirty="0">
-                <a:hlinkClick r:id="rId2"/>
-              </a:rPr>
-              <a:t>https://github.com/wwoelmer/BOPRC_1_R_Fundamentals</a:t>
-            </a:r>
-            <a:endParaRPr lang="en-NZ" dirty="0"/>
-          </a:p>
-          <a:p>
-            <a:pPr marL="0" indent="0">
-              <a:buNone/>
-            </a:pPr>
-            <a:endParaRPr lang="en-NZ" dirty="0"/>
-          </a:p>
-          <a:p>
-            <a:pPr marL="514350" indent="-514350">
-              <a:buFont typeface="+mj-lt"/>
-              <a:buAutoNum type="arabicPeriod"/>
-            </a:pPr>
-            <a:r>
-              <a:rPr lang="en-NZ" dirty="0"/>
-              <a:t>Download a zipped folder from the link above</a:t>
-            </a:r>
-          </a:p>
-          <a:p>
-            <a:pPr marL="514350" indent="-514350">
-              <a:buFont typeface="+mj-lt"/>
-              <a:buAutoNum type="arabicPeriod"/>
-            </a:pPr>
-            <a:r>
-              <a:rPr lang="en-NZ" dirty="0"/>
-              <a:t>Unzip the folder on your computer (Desktop is a good go-to)</a:t>
-            </a:r>
-          </a:p>
-          <a:p>
-            <a:pPr marL="514350" indent="-514350">
-              <a:buFont typeface="+mj-lt"/>
-              <a:buAutoNum type="arabicPeriod"/>
-            </a:pPr>
-            <a:r>
-              <a:rPr lang="en-NZ" dirty="0"/>
-              <a:t>Create a project in RStudio using an existing directory (where you unzipped the folder)</a:t>
-            </a:r>
-          </a:p>
-          <a:p>
-            <a:pPr marL="514350" indent="-514350">
-              <a:buFont typeface="+mj-lt"/>
-              <a:buAutoNum type="arabicPeriod"/>
-            </a:pPr>
-            <a:r>
-              <a:rPr lang="en-NZ" dirty="0"/>
-              <a:t>Open the script “Lesson1_Fundamentals_of_R.R” in RStudio</a:t>
-            </a:r>
-          </a:p>
-        </p:txBody>
-      </p:sp>
-    </p:spTree>
-    <p:extLst>
-      <p:ext uri="{BB962C8B-B14F-4D97-AF65-F5344CB8AC3E}">
-        <p14:creationId xmlns:p14="http://schemas.microsoft.com/office/powerpoint/2010/main" val="1937472351"/>
-      </p:ext>
-    </p:extLst>
-  </p:cSld>
-  <p:clrMapOvr>
-    <a:masterClrMapping/>
-  </p:clrMapOvr>
-</p:sld>
-</file>
-
-<file path=ppt/slides/slide31.xml><?xml version="1.0" encoding="utf-8"?>
-<p:sld xmlns:a="http://schemas.openxmlformats.org/drawingml/2006/main" xmlns:r="http://schemas.openxmlformats.org/officeDocument/2006/relationships" xmlns:p="http://schemas.openxmlformats.org/presentationml/2006/main">
-  <p:cSld>
-    <p:spTree>
-      <p:nvGrpSpPr>
-        <p:cNvPr id="1" name=""/>
-        <p:cNvGrpSpPr/>
-        <p:nvPr/>
-      </p:nvGrpSpPr>
-      <p:grpSpPr>
-        <a:xfrm>
-          <a:off x="0" y="0"/>
-          <a:ext cx="0" cy="0"/>
-          <a:chOff x="0" y="0"/>
-          <a:chExt cx="0" cy="0"/>
-        </a:xfrm>
-      </p:grpSpPr>
-      <p:sp>
-        <p:nvSpPr>
-          <p:cNvPr id="2" name="Title 1">
-            <a:extLst>
-              <a:ext uri="{FF2B5EF4-FFF2-40B4-BE49-F238E27FC236}">
-                <a16:creationId xmlns:a16="http://schemas.microsoft.com/office/drawing/2014/main" id="{0E3B55EA-E157-ED47-AA45-B3CED349C012}"/>
-              </a:ext>
-            </a:extLst>
-          </p:cNvPr>
-          <p:cNvSpPr>
-            <a:spLocks noGrp="1"/>
-          </p:cNvSpPr>
-          <p:nvPr>
-            <p:ph type="title"/>
-          </p:nvPr>
-        </p:nvSpPr>
-        <p:spPr/>
-        <p:txBody>
-          <a:bodyPr/>
-          <a:lstStyle/>
-          <a:p>
-            <a:r>
-              <a:rPr lang="en-NZ"/>
-              <a:t>Setting up a “Project” in R</a:t>
-            </a:r>
-          </a:p>
-        </p:txBody>
-      </p:sp>
-      <p:sp>
-        <p:nvSpPr>
-          <p:cNvPr id="3" name="Content Placeholder 2">
-            <a:extLst>
-              <a:ext uri="{FF2B5EF4-FFF2-40B4-BE49-F238E27FC236}">
-                <a16:creationId xmlns:a16="http://schemas.microsoft.com/office/drawing/2014/main" id="{45DE22BE-2708-1BDA-02F3-278D3F163E61}"/>
-              </a:ext>
-            </a:extLst>
-          </p:cNvPr>
-          <p:cNvSpPr>
-            <a:spLocks noGrp="1"/>
-          </p:cNvSpPr>
-          <p:nvPr>
-            <p:ph idx="1"/>
-          </p:nvPr>
-        </p:nvSpPr>
-        <p:spPr>
-          <a:xfrm>
-            <a:off x="838200" y="1825625"/>
-            <a:ext cx="5190441" cy="4351338"/>
-          </a:xfrm>
-        </p:spPr>
-        <p:txBody>
-          <a:bodyPr/>
-          <a:lstStyle/>
-          <a:p>
-            <a:r>
-              <a:rPr lang="en-NZ"/>
-              <a:t>Step 1: Open RStudio</a:t>
-            </a:r>
-          </a:p>
-          <a:p>
-            <a:r>
-              <a:rPr lang="en-NZ"/>
-              <a:t>Step 2: Select “New Project” in upper right in </a:t>
-            </a:r>
-            <a:r>
-              <a:rPr lang="en-NZ" err="1"/>
-              <a:t>Rstudio</a:t>
-            </a:r>
-            <a:endParaRPr lang="en-NZ"/>
-          </a:p>
-        </p:txBody>
-      </p:sp>
-      <p:pic>
-        <p:nvPicPr>
-          <p:cNvPr id="5" name="Picture 4">
-            <a:extLst>
-              <a:ext uri="{FF2B5EF4-FFF2-40B4-BE49-F238E27FC236}">
-                <a16:creationId xmlns:a16="http://schemas.microsoft.com/office/drawing/2014/main" id="{091345EF-C472-73E1-EA89-1FFD558BAFEE}"/>
-              </a:ext>
-            </a:extLst>
-          </p:cNvPr>
-          <p:cNvPicPr>
-            <a:picLocks noChangeAspect="1"/>
-          </p:cNvPicPr>
-          <p:nvPr/>
-        </p:nvPicPr>
-        <p:blipFill>
-          <a:blip r:embed="rId2"/>
-          <a:stretch>
-            <a:fillRect/>
-          </a:stretch>
-        </p:blipFill>
-        <p:spPr>
-          <a:xfrm>
-            <a:off x="7981479" y="1690688"/>
-            <a:ext cx="3372321" cy="4544059"/>
-          </a:xfrm>
-          <a:prstGeom prst="rect">
-            <a:avLst/>
-          </a:prstGeom>
-        </p:spPr>
-      </p:pic>
-      <p:sp>
-        <p:nvSpPr>
-          <p:cNvPr id="6" name="Rectangle 5">
-            <a:extLst>
-              <a:ext uri="{FF2B5EF4-FFF2-40B4-BE49-F238E27FC236}">
-                <a16:creationId xmlns:a16="http://schemas.microsoft.com/office/drawing/2014/main" id="{50D6393F-3CB5-4AB4-83CA-CCEFE10F3B52}"/>
-              </a:ext>
-            </a:extLst>
-          </p:cNvPr>
-          <p:cNvSpPr/>
-          <p:nvPr/>
-        </p:nvSpPr>
-        <p:spPr>
-          <a:xfrm>
-            <a:off x="8735492" y="1952782"/>
-            <a:ext cx="1968759" cy="258992"/>
-          </a:xfrm>
-          <a:prstGeom prst="rect">
-            <a:avLst/>
-          </a:prstGeom>
-          <a:noFill/>
-          <a:ln w="28575">
-            <a:solidFill>
-              <a:srgbClr val="FF0000"/>
-            </a:solidFill>
-          </a:ln>
-        </p:spPr>
-        <p:style>
-          <a:lnRef idx="2">
-            <a:schemeClr val="accent1">
-              <a:shade val="15000"/>
-            </a:schemeClr>
-          </a:lnRef>
-          <a:fillRef idx="1">
-            <a:schemeClr val="accent1"/>
-          </a:fillRef>
-          <a:effectRef idx="0">
-            <a:schemeClr val="accent1"/>
-          </a:effectRef>
-          <a:fontRef idx="minor">
-            <a:schemeClr val="lt1"/>
-          </a:fontRef>
-        </p:style>
-        <p:txBody>
-          <a:bodyPr rtlCol="0" anchor="ctr"/>
-          <a:lstStyle/>
-          <a:p>
-            <a:pPr algn="ctr"/>
-            <a:endParaRPr lang="en-NZ"/>
-          </a:p>
-        </p:txBody>
-      </p:sp>
-    </p:spTree>
-    <p:extLst>
-      <p:ext uri="{BB962C8B-B14F-4D97-AF65-F5344CB8AC3E}">
-        <p14:creationId xmlns:p14="http://schemas.microsoft.com/office/powerpoint/2010/main" val="1202587141"/>
-      </p:ext>
-    </p:extLst>
-  </p:cSld>
-  <p:clrMapOvr>
-    <a:masterClrMapping/>
-  </p:clrMapOvr>
-</p:sld>
-</file>
-
-<file path=ppt/slides/slide32.xml><?xml version="1.0" encoding="utf-8"?>
-<p:sld xmlns:a="http://schemas.openxmlformats.org/drawingml/2006/main" xmlns:r="http://schemas.openxmlformats.org/officeDocument/2006/relationships" xmlns:p="http://schemas.openxmlformats.org/presentationml/2006/main">
-  <p:cSld>
-    <p:spTree>
-      <p:nvGrpSpPr>
-        <p:cNvPr id="1" name=""/>
-        <p:cNvGrpSpPr/>
-        <p:nvPr/>
-      </p:nvGrpSpPr>
-      <p:grpSpPr>
-        <a:xfrm>
-          <a:off x="0" y="0"/>
-          <a:ext cx="0" cy="0"/>
-          <a:chOff x="0" y="0"/>
-          <a:chExt cx="0" cy="0"/>
-        </a:xfrm>
-      </p:grpSpPr>
-      <p:sp>
-        <p:nvSpPr>
-          <p:cNvPr id="2" name="Title 1">
-            <a:extLst>
-              <a:ext uri="{FF2B5EF4-FFF2-40B4-BE49-F238E27FC236}">
-                <a16:creationId xmlns:a16="http://schemas.microsoft.com/office/drawing/2014/main" id="{0E3B55EA-E157-ED47-AA45-B3CED349C012}"/>
-              </a:ext>
-            </a:extLst>
-          </p:cNvPr>
-          <p:cNvSpPr>
-            <a:spLocks noGrp="1"/>
-          </p:cNvSpPr>
-          <p:nvPr>
-            <p:ph type="title"/>
-          </p:nvPr>
-        </p:nvSpPr>
-        <p:spPr/>
-        <p:txBody>
-          <a:bodyPr/>
-          <a:lstStyle/>
-          <a:p>
-            <a:r>
-              <a:rPr lang="en-NZ"/>
-              <a:t>Setting up a “Project” in R</a:t>
-            </a:r>
-          </a:p>
-        </p:txBody>
-      </p:sp>
-      <p:sp>
-        <p:nvSpPr>
-          <p:cNvPr id="3" name="Content Placeholder 2">
-            <a:extLst>
-              <a:ext uri="{FF2B5EF4-FFF2-40B4-BE49-F238E27FC236}">
-                <a16:creationId xmlns:a16="http://schemas.microsoft.com/office/drawing/2014/main" id="{45DE22BE-2708-1BDA-02F3-278D3F163E61}"/>
-              </a:ext>
-            </a:extLst>
-          </p:cNvPr>
-          <p:cNvSpPr>
-            <a:spLocks noGrp="1"/>
-          </p:cNvSpPr>
-          <p:nvPr>
-            <p:ph idx="1"/>
-          </p:nvPr>
-        </p:nvSpPr>
-        <p:spPr>
-          <a:xfrm>
-            <a:off x="838200" y="1825625"/>
-            <a:ext cx="4876063" cy="4351338"/>
-          </a:xfrm>
-        </p:spPr>
-        <p:txBody>
-          <a:bodyPr/>
-          <a:lstStyle/>
-          <a:p>
-            <a:r>
-              <a:rPr lang="en-NZ"/>
-              <a:t>Step 1: Open RStudio</a:t>
-            </a:r>
-          </a:p>
-          <a:p>
-            <a:r>
-              <a:rPr lang="en-NZ"/>
-              <a:t>Step 2: Select “New Project” in upper right in </a:t>
-            </a:r>
-            <a:r>
-              <a:rPr lang="en-NZ" err="1"/>
-              <a:t>Rstudio</a:t>
-            </a:r>
-            <a:endParaRPr lang="en-NZ"/>
-          </a:p>
-          <a:p>
-            <a:r>
-              <a:rPr lang="en-NZ"/>
-              <a:t>Step 3: Select “Existing Directory” -&gt; Navigate to where you unzipped the folder on your PC</a:t>
-            </a:r>
-          </a:p>
-        </p:txBody>
-      </p:sp>
-      <p:pic>
-        <p:nvPicPr>
-          <p:cNvPr id="5" name="Picture 4">
-            <a:extLst>
-              <a:ext uri="{FF2B5EF4-FFF2-40B4-BE49-F238E27FC236}">
-                <a16:creationId xmlns:a16="http://schemas.microsoft.com/office/drawing/2014/main" id="{091345EF-C472-73E1-EA89-1FFD558BAFEE}"/>
-              </a:ext>
-            </a:extLst>
-          </p:cNvPr>
-          <p:cNvPicPr>
-            <a:picLocks noChangeAspect="1"/>
-          </p:cNvPicPr>
-          <p:nvPr/>
-        </p:nvPicPr>
-        <p:blipFill>
-          <a:blip r:embed="rId2"/>
-          <a:stretch>
-            <a:fillRect/>
-          </a:stretch>
-        </p:blipFill>
-        <p:spPr>
-          <a:xfrm>
-            <a:off x="8384397" y="1086313"/>
-            <a:ext cx="3372321" cy="4544059"/>
-          </a:xfrm>
-          <a:prstGeom prst="rect">
-            <a:avLst/>
-          </a:prstGeom>
-        </p:spPr>
-      </p:pic>
-      <p:sp>
-        <p:nvSpPr>
-          <p:cNvPr id="6" name="Rectangle 5">
-            <a:extLst>
-              <a:ext uri="{FF2B5EF4-FFF2-40B4-BE49-F238E27FC236}">
-                <a16:creationId xmlns:a16="http://schemas.microsoft.com/office/drawing/2014/main" id="{50D6393F-3CB5-4AB4-83CA-CCEFE10F3B52}"/>
-              </a:ext>
-            </a:extLst>
-          </p:cNvPr>
-          <p:cNvSpPr/>
-          <p:nvPr/>
-        </p:nvSpPr>
-        <p:spPr>
-          <a:xfrm>
-            <a:off x="9086177" y="1351484"/>
-            <a:ext cx="1968759" cy="258992"/>
-          </a:xfrm>
-          <a:prstGeom prst="rect">
-            <a:avLst/>
-          </a:prstGeom>
-          <a:noFill/>
-          <a:ln w="28575">
-            <a:solidFill>
-              <a:srgbClr val="FF0000"/>
-            </a:solidFill>
-          </a:ln>
-        </p:spPr>
-        <p:style>
-          <a:lnRef idx="2">
-            <a:schemeClr val="accent1">
-              <a:shade val="15000"/>
-            </a:schemeClr>
-          </a:lnRef>
-          <a:fillRef idx="1">
-            <a:schemeClr val="accent1"/>
-          </a:fillRef>
-          <a:effectRef idx="0">
-            <a:schemeClr val="accent1"/>
-          </a:effectRef>
-          <a:fontRef idx="minor">
-            <a:schemeClr val="lt1"/>
-          </a:fontRef>
-        </p:style>
-        <p:txBody>
-          <a:bodyPr rtlCol="0" anchor="ctr"/>
-          <a:lstStyle/>
-          <a:p>
-            <a:pPr algn="ctr"/>
-            <a:endParaRPr lang="en-NZ"/>
-          </a:p>
-        </p:txBody>
-      </p:sp>
-      <p:pic>
-        <p:nvPicPr>
-          <p:cNvPr id="7" name="Picture 6">
-            <a:extLst>
-              <a:ext uri="{FF2B5EF4-FFF2-40B4-BE49-F238E27FC236}">
-                <a16:creationId xmlns:a16="http://schemas.microsoft.com/office/drawing/2014/main" id="{2EB929CF-9B8E-8F07-29F1-79A8D3F590B9}"/>
-              </a:ext>
-            </a:extLst>
-          </p:cNvPr>
-          <p:cNvPicPr>
-            <a:picLocks noChangeAspect="1"/>
-          </p:cNvPicPr>
-          <p:nvPr/>
-        </p:nvPicPr>
-        <p:blipFill>
-          <a:blip r:embed="rId3"/>
-          <a:stretch>
-            <a:fillRect/>
-          </a:stretch>
-        </p:blipFill>
-        <p:spPr>
-          <a:xfrm>
-            <a:off x="5977402" y="1825625"/>
-            <a:ext cx="5077534" cy="3639058"/>
-          </a:xfrm>
-          <a:prstGeom prst="rect">
-            <a:avLst/>
-          </a:prstGeom>
-        </p:spPr>
-      </p:pic>
-      <p:pic>
-        <p:nvPicPr>
-          <p:cNvPr id="11" name="Picture 10">
-            <a:extLst>
-              <a:ext uri="{FF2B5EF4-FFF2-40B4-BE49-F238E27FC236}">
-                <a16:creationId xmlns:a16="http://schemas.microsoft.com/office/drawing/2014/main" id="{EB03813D-D939-CB7A-C9D1-F84BA0F5CB7F}"/>
-              </a:ext>
-            </a:extLst>
-          </p:cNvPr>
-          <p:cNvPicPr>
-            <a:picLocks noChangeAspect="1"/>
-          </p:cNvPicPr>
-          <p:nvPr/>
-        </p:nvPicPr>
-        <p:blipFill>
-          <a:blip r:embed="rId4"/>
-          <a:stretch>
-            <a:fillRect/>
-          </a:stretch>
-        </p:blipFill>
-        <p:spPr>
-          <a:xfrm>
-            <a:off x="6927394" y="3218942"/>
-            <a:ext cx="4829324" cy="3429000"/>
-          </a:xfrm>
-          <a:prstGeom prst="rect">
-            <a:avLst/>
-          </a:prstGeom>
-        </p:spPr>
-      </p:pic>
-      <p:sp>
-        <p:nvSpPr>
-          <p:cNvPr id="12" name="Rectangle: Rounded Corners 11">
-            <a:extLst>
-              <a:ext uri="{FF2B5EF4-FFF2-40B4-BE49-F238E27FC236}">
-                <a16:creationId xmlns:a16="http://schemas.microsoft.com/office/drawing/2014/main" id="{4FE6F226-1EB5-9D51-CF9B-78DF377F74BE}"/>
-              </a:ext>
-            </a:extLst>
-          </p:cNvPr>
-          <p:cNvSpPr/>
-          <p:nvPr/>
-        </p:nvSpPr>
-        <p:spPr>
-          <a:xfrm>
-            <a:off x="7979435" y="3994031"/>
-            <a:ext cx="3777284" cy="543464"/>
-          </a:xfrm>
-          <a:prstGeom prst="roundRect">
-            <a:avLst/>
-          </a:prstGeom>
-          <a:noFill/>
-          <a:ln w="38100">
-            <a:solidFill>
-              <a:srgbClr val="FF0000"/>
-            </a:solidFill>
-          </a:ln>
-        </p:spPr>
-        <p:style>
-          <a:lnRef idx="2">
-            <a:schemeClr val="accent1">
-              <a:shade val="15000"/>
-            </a:schemeClr>
-          </a:lnRef>
-          <a:fillRef idx="1">
-            <a:schemeClr val="accent1"/>
-          </a:fillRef>
-          <a:effectRef idx="0">
-            <a:schemeClr val="accent1"/>
-          </a:effectRef>
-          <a:fontRef idx="minor">
-            <a:schemeClr val="lt1"/>
-          </a:fontRef>
-        </p:style>
-        <p:txBody>
-          <a:bodyPr rtlCol="0" anchor="ctr"/>
-          <a:lstStyle/>
-          <a:p>
-            <a:pPr algn="ctr"/>
-            <a:endParaRPr lang="en-NZ"/>
-          </a:p>
-        </p:txBody>
-      </p:sp>
-    </p:spTree>
-    <p:extLst>
-      <p:ext uri="{BB962C8B-B14F-4D97-AF65-F5344CB8AC3E}">
-        <p14:creationId xmlns:p14="http://schemas.microsoft.com/office/powerpoint/2010/main" val="3168936602"/>
-      </p:ext>
-    </p:extLst>
-  </p:cSld>
-  <p:clrMapOvr>
-    <a:masterClrMapping/>
-  </p:clrMapOvr>
-</p:sld>
-</file>
-
-<file path=ppt/slides/slide33.xml><?xml version="1.0" encoding="utf-8"?>
-<p:sld xmlns:a="http://schemas.openxmlformats.org/drawingml/2006/main" xmlns:r="http://schemas.openxmlformats.org/officeDocument/2006/relationships" xmlns:p="http://schemas.openxmlformats.org/presentationml/2006/main">
-  <p:cSld>
-    <p:spTree>
-      <p:nvGrpSpPr>
-        <p:cNvPr id="1" name=""/>
-        <p:cNvGrpSpPr/>
-        <p:nvPr/>
-      </p:nvGrpSpPr>
-      <p:grpSpPr>
-        <a:xfrm>
-          <a:off x="0" y="0"/>
-          <a:ext cx="0" cy="0"/>
-          <a:chOff x="0" y="0"/>
-          <a:chExt cx="0" cy="0"/>
-        </a:xfrm>
-      </p:grpSpPr>
-      <p:pic>
-        <p:nvPicPr>
-          <p:cNvPr id="7" name="Picture 6">
-            <a:extLst>
-              <a:ext uri="{FF2B5EF4-FFF2-40B4-BE49-F238E27FC236}">
-                <a16:creationId xmlns:a16="http://schemas.microsoft.com/office/drawing/2014/main" id="{3AF43088-DE23-6A11-7503-4705D9B9AC76}"/>
-              </a:ext>
-            </a:extLst>
-          </p:cNvPr>
-          <p:cNvPicPr>
-            <a:picLocks noChangeAspect="1"/>
-          </p:cNvPicPr>
-          <p:nvPr/>
-        </p:nvPicPr>
-        <p:blipFill>
-          <a:blip r:embed="rId2"/>
-          <a:stretch>
-            <a:fillRect/>
-          </a:stretch>
-        </p:blipFill>
-        <p:spPr>
-          <a:xfrm>
-            <a:off x="1701463" y="2558280"/>
-            <a:ext cx="6649378" cy="1924319"/>
-          </a:xfrm>
-          <a:prstGeom prst="rect">
-            <a:avLst/>
-          </a:prstGeom>
-        </p:spPr>
-      </p:pic>
-      <p:sp>
-        <p:nvSpPr>
-          <p:cNvPr id="2" name="Title 1">
-            <a:extLst>
-              <a:ext uri="{FF2B5EF4-FFF2-40B4-BE49-F238E27FC236}">
-                <a16:creationId xmlns:a16="http://schemas.microsoft.com/office/drawing/2014/main" id="{6BB0246F-D1B0-0CB9-6421-9635A9E7683E}"/>
-              </a:ext>
-            </a:extLst>
-          </p:cNvPr>
-          <p:cNvSpPr>
-            <a:spLocks noGrp="1"/>
-          </p:cNvSpPr>
-          <p:nvPr>
-            <p:ph type="title"/>
-          </p:nvPr>
-        </p:nvSpPr>
-        <p:spPr/>
-        <p:txBody>
-          <a:bodyPr/>
-          <a:lstStyle/>
-          <a:p>
-            <a:r>
-              <a:rPr lang="en-NZ"/>
-              <a:t>File structure in R should look like this (but on your computer)</a:t>
-            </a:r>
-          </a:p>
-        </p:txBody>
-      </p:sp>
-      <p:sp>
-        <p:nvSpPr>
-          <p:cNvPr id="3" name="Content Placeholder 2">
-            <a:extLst>
-              <a:ext uri="{FF2B5EF4-FFF2-40B4-BE49-F238E27FC236}">
-                <a16:creationId xmlns:a16="http://schemas.microsoft.com/office/drawing/2014/main" id="{D7BC38F7-FE60-79F3-089D-EC254FE3D596}"/>
-              </a:ext>
-            </a:extLst>
-          </p:cNvPr>
-          <p:cNvSpPr>
-            <a:spLocks noGrp="1"/>
-          </p:cNvSpPr>
-          <p:nvPr>
-            <p:ph idx="1"/>
-          </p:nvPr>
-        </p:nvSpPr>
-        <p:spPr/>
-        <p:txBody>
-          <a:bodyPr/>
-          <a:lstStyle/>
-          <a:p>
-            <a:endParaRPr lang="en-NZ"/>
-          </a:p>
-        </p:txBody>
-      </p:sp>
-      <p:sp>
-        <p:nvSpPr>
-          <p:cNvPr id="6" name="Rectangle 5">
-            <a:extLst>
-              <a:ext uri="{FF2B5EF4-FFF2-40B4-BE49-F238E27FC236}">
-                <a16:creationId xmlns:a16="http://schemas.microsoft.com/office/drawing/2014/main" id="{57A5DF49-1824-A03D-C8C0-23701BEADE0E}"/>
-              </a:ext>
-            </a:extLst>
-          </p:cNvPr>
-          <p:cNvSpPr/>
-          <p:nvPr/>
-        </p:nvSpPr>
-        <p:spPr>
-          <a:xfrm>
-            <a:off x="2014860" y="2999232"/>
-            <a:ext cx="5126603" cy="310394"/>
-          </a:xfrm>
-          <a:prstGeom prst="rect">
-            <a:avLst/>
-          </a:prstGeom>
-          <a:noFill/>
-          <a:ln w="57150">
-            <a:solidFill>
-              <a:srgbClr val="FF0000"/>
-            </a:solidFill>
-          </a:ln>
-        </p:spPr>
-        <p:style>
-          <a:lnRef idx="2">
-            <a:schemeClr val="accent1">
-              <a:shade val="15000"/>
-            </a:schemeClr>
-          </a:lnRef>
-          <a:fillRef idx="1">
-            <a:schemeClr val="accent1"/>
-          </a:fillRef>
-          <a:effectRef idx="0">
-            <a:schemeClr val="accent1"/>
-          </a:effectRef>
-          <a:fontRef idx="minor">
-            <a:schemeClr val="lt1"/>
-          </a:fontRef>
-        </p:style>
-        <p:txBody>
-          <a:bodyPr rtlCol="0" anchor="ctr"/>
-          <a:lstStyle/>
-          <a:p>
-            <a:pPr algn="ctr"/>
-            <a:endParaRPr lang="en-NZ"/>
-          </a:p>
-        </p:txBody>
-      </p:sp>
-    </p:spTree>
-    <p:extLst>
-      <p:ext uri="{BB962C8B-B14F-4D97-AF65-F5344CB8AC3E}">
-        <p14:creationId xmlns:p14="http://schemas.microsoft.com/office/powerpoint/2010/main" val="2651678924"/>
-      </p:ext>
-    </p:extLst>
-  </p:cSld>
-  <p:clrMapOvr>
-    <a:masterClrMapping/>
-  </p:clrMapOvr>
-</p:sld>
-</file>
-
-<file path=ppt/slides/slide34.xml><?xml version="1.0" encoding="utf-8"?>
-<p:sld xmlns:a="http://schemas.openxmlformats.org/drawingml/2006/main" xmlns:r="http://schemas.openxmlformats.org/officeDocument/2006/relationships" xmlns:p="http://schemas.openxmlformats.org/presentationml/2006/main">
-  <p:cSld>
-    <p:spTree>
-      <p:nvGrpSpPr>
-        <p:cNvPr id="1" name=""/>
-        <p:cNvGrpSpPr/>
-        <p:nvPr/>
-      </p:nvGrpSpPr>
-      <p:grpSpPr>
-        <a:xfrm>
-          <a:off x="0" y="0"/>
-          <a:ext cx="0" cy="0"/>
-          <a:chOff x="0" y="0"/>
-          <a:chExt cx="0" cy="0"/>
-        </a:xfrm>
-      </p:grpSpPr>
-      <p:sp>
-        <p:nvSpPr>
-          <p:cNvPr id="2" name="Title 1">
-            <a:extLst>
-              <a:ext uri="{FF2B5EF4-FFF2-40B4-BE49-F238E27FC236}">
-                <a16:creationId xmlns:a16="http://schemas.microsoft.com/office/drawing/2014/main" id="{4D6083D2-4192-3343-67E4-8869FCB4672F}"/>
-              </a:ext>
-            </a:extLst>
-          </p:cNvPr>
-          <p:cNvSpPr>
-            <a:spLocks noGrp="1"/>
-          </p:cNvSpPr>
-          <p:nvPr>
-            <p:ph type="title"/>
-          </p:nvPr>
-        </p:nvSpPr>
-        <p:spPr/>
-        <p:txBody>
-          <a:bodyPr/>
-          <a:lstStyle/>
-          <a:p>
-            <a:r>
-              <a:rPr lang="en-NZ"/>
-              <a:t>EXPAND THESE</a:t>
-            </a:r>
-            <a:endParaRPr lang="en-NZ" dirty="0"/>
-          </a:p>
-        </p:txBody>
-      </p:sp>
-      <p:sp>
-        <p:nvSpPr>
-          <p:cNvPr id="3" name="Content Placeholder 2">
-            <a:extLst>
-              <a:ext uri="{FF2B5EF4-FFF2-40B4-BE49-F238E27FC236}">
-                <a16:creationId xmlns:a16="http://schemas.microsoft.com/office/drawing/2014/main" id="{8A204C1E-B0B6-6442-7CB3-D8A4EE50C3C4}"/>
-              </a:ext>
-            </a:extLst>
-          </p:cNvPr>
-          <p:cNvSpPr>
-            <a:spLocks noGrp="1"/>
-          </p:cNvSpPr>
-          <p:nvPr>
-            <p:ph idx="1"/>
-          </p:nvPr>
-        </p:nvSpPr>
-        <p:spPr/>
-        <p:txBody>
-          <a:bodyPr/>
-          <a:lstStyle/>
-          <a:p>
-            <a:r>
-              <a:rPr lang="en-NZ" dirty="0"/>
-              <a:t>Slides on how to subset and index </a:t>
-            </a:r>
-            <a:r>
-              <a:rPr lang="en-NZ" dirty="0" err="1"/>
-              <a:t>wq</a:t>
-            </a:r>
-            <a:r>
-              <a:rPr lang="en-NZ" dirty="0"/>
-              <a:t>[row, column]</a:t>
-            </a:r>
-          </a:p>
-          <a:p>
-            <a:r>
-              <a:rPr lang="en-NZ" dirty="0"/>
-              <a:t>Slides on how to use functions</a:t>
-            </a:r>
-          </a:p>
-        </p:txBody>
-      </p:sp>
-    </p:spTree>
-    <p:extLst>
-      <p:ext uri="{BB962C8B-B14F-4D97-AF65-F5344CB8AC3E}">
-        <p14:creationId xmlns:p14="http://schemas.microsoft.com/office/powerpoint/2010/main" val="3301916229"/>
-      </p:ext>
-    </p:extLst>
-  </p:cSld>
-  <p:clrMapOvr>
-    <a:masterClrMapping/>
-  </p:clrMapOvr>
-</p:sld>
-</file>
-
-<file path=ppt/slides/slide35.xml><?xml version="1.0" encoding="utf-8"?>
-<p:sld xmlns:a="http://schemas.openxmlformats.org/drawingml/2006/main" xmlns:r="http://schemas.openxmlformats.org/officeDocument/2006/relationships" xmlns:p="http://schemas.openxmlformats.org/presentationml/2006/main">
-  <p:cSld>
-    <p:spTree>
-      <p:nvGrpSpPr>
-        <p:cNvPr id="1" name=""/>
-        <p:cNvGrpSpPr/>
-        <p:nvPr/>
-      </p:nvGrpSpPr>
-      <p:grpSpPr>
-        <a:xfrm>
-          <a:off x="0" y="0"/>
-          <a:ext cx="0" cy="0"/>
-          <a:chOff x="0" y="0"/>
-          <a:chExt cx="0" cy="0"/>
-        </a:xfrm>
-      </p:grpSpPr>
-      <p:sp>
-        <p:nvSpPr>
-          <p:cNvPr id="2" name="Title 1">
-            <a:extLst>
-              <a:ext uri="{FF2B5EF4-FFF2-40B4-BE49-F238E27FC236}">
-                <a16:creationId xmlns:a16="http://schemas.microsoft.com/office/drawing/2014/main" id="{A08ADA87-3EEE-5DB4-E312-14EE30A1383F}"/>
-              </a:ext>
-            </a:extLst>
-          </p:cNvPr>
-          <p:cNvSpPr>
-            <a:spLocks noGrp="1"/>
-          </p:cNvSpPr>
-          <p:nvPr>
-            <p:ph type="title"/>
-          </p:nvPr>
-        </p:nvSpPr>
-        <p:spPr/>
-        <p:txBody>
-          <a:bodyPr/>
-          <a:lstStyle/>
-          <a:p>
-            <a:r>
-              <a:rPr lang="en-NZ"/>
-              <a:t>Some “homework”…</a:t>
-            </a:r>
-            <a:endParaRPr lang="en-NZ" dirty="0"/>
-          </a:p>
-        </p:txBody>
-      </p:sp>
-      <p:sp>
-        <p:nvSpPr>
-          <p:cNvPr id="3" name="Content Placeholder 2">
-            <a:extLst>
-              <a:ext uri="{FF2B5EF4-FFF2-40B4-BE49-F238E27FC236}">
-                <a16:creationId xmlns:a16="http://schemas.microsoft.com/office/drawing/2014/main" id="{34466161-D9D6-E141-9BDC-BFE98A04D640}"/>
-              </a:ext>
-            </a:extLst>
-          </p:cNvPr>
-          <p:cNvSpPr>
-            <a:spLocks noGrp="1"/>
-          </p:cNvSpPr>
-          <p:nvPr>
-            <p:ph idx="1"/>
-          </p:nvPr>
-        </p:nvSpPr>
-        <p:spPr/>
-        <p:txBody>
-          <a:bodyPr/>
-          <a:lstStyle/>
-          <a:p>
-            <a:r>
-              <a:rPr lang="en-NZ" dirty="0"/>
-              <a:t>Download Lesson 2 (LINK) and create a project in R</a:t>
-            </a:r>
-          </a:p>
-          <a:p>
-            <a:endParaRPr lang="en-NZ" dirty="0"/>
-          </a:p>
-          <a:p>
-            <a:r>
-              <a:rPr lang="en-NZ" dirty="0"/>
-              <a:t>Run </a:t>
-            </a:r>
-            <a:r>
-              <a:rPr lang="en-NZ" dirty="0">
-                <a:latin typeface="Aptos (Body)"/>
-              </a:rPr>
-              <a:t>through </a:t>
-            </a:r>
-            <a:r>
-              <a:rPr lang="en-NZ" kern="100" dirty="0">
-                <a:effectLst/>
-                <a:latin typeface="Aptos (Body)"/>
-                <a:ea typeface="Aptos" panose="020B0004020202020204" pitchFamily="34" charset="0"/>
-                <a:cs typeface="Times New Roman" panose="02020603050405020304" pitchFamily="18" charset="0"/>
-              </a:rPr>
-              <a:t>Data Carpentries, Data analysis and visualization in R for Ecologists: </a:t>
-            </a:r>
-            <a:r>
-              <a:rPr lang="en-NZ" u="sng" kern="100" dirty="0">
-                <a:solidFill>
-                  <a:srgbClr val="467886"/>
-                </a:solidFill>
-                <a:effectLst/>
-                <a:latin typeface="Aptos (Body)"/>
-                <a:ea typeface="Aptos" panose="020B0004020202020204" pitchFamily="34" charset="0"/>
-                <a:cs typeface="Times New Roman" panose="02020603050405020304" pitchFamily="18" charset="0"/>
-                <a:hlinkClick r:id="rId2"/>
-              </a:rPr>
-              <a:t>https://datacarpentry.org/R-ecology-lesson/index.html</a:t>
-            </a:r>
-            <a:endParaRPr lang="en-NZ" u="sng" kern="100" dirty="0">
-              <a:solidFill>
-                <a:srgbClr val="467886"/>
-              </a:solidFill>
-              <a:effectLst/>
-              <a:latin typeface="Aptos (Body)"/>
-              <a:ea typeface="Aptos" panose="020B0004020202020204" pitchFamily="34" charset="0"/>
-              <a:cs typeface="Times New Roman" panose="02020603050405020304" pitchFamily="18" charset="0"/>
-            </a:endParaRPr>
-          </a:p>
-          <a:p>
-            <a:endParaRPr lang="en-NZ" kern="100" dirty="0">
-              <a:effectLst/>
-              <a:latin typeface="Aptos (Body)"/>
-              <a:ea typeface="Aptos" panose="020B0004020202020204" pitchFamily="34" charset="0"/>
-              <a:cs typeface="Times New Roman" panose="02020603050405020304" pitchFamily="18" charset="0"/>
-            </a:endParaRPr>
-          </a:p>
-          <a:p>
-            <a:endParaRPr lang="en-NZ" dirty="0"/>
-          </a:p>
-        </p:txBody>
-      </p:sp>
-    </p:spTree>
-    <p:extLst>
-      <p:ext uri="{BB962C8B-B14F-4D97-AF65-F5344CB8AC3E}">
-        <p14:creationId xmlns:p14="http://schemas.microsoft.com/office/powerpoint/2010/main" val="1621439892"/>
       </p:ext>
     </p:extLst>
   </p:cSld>
@@ -11852,7 +11572,7 @@
           <p:cNvPr id="2" name="Title 1">
             <a:extLst>
               <a:ext uri="{FF2B5EF4-FFF2-40B4-BE49-F238E27FC236}">
-                <a16:creationId xmlns:a16="http://schemas.microsoft.com/office/drawing/2014/main" id="{4FB7C0BC-2C00-7361-BF21-0DB3767226A5}"/>
+                <a16:creationId xmlns:a16="http://schemas.microsoft.com/office/drawing/2014/main" id="{0B0DDE12-CC47-6E02-1CD5-08A93B4D5FE9}"/>
               </a:ext>
             </a:extLst>
           </p:cNvPr>
@@ -11870,7 +11590,7 @@
           <a:p>
             <a:r>
               <a:rPr lang="en-NZ"/>
-              <a:t>Extra files for different lessons if needed</a:t>
+              <a:t>Useful resources</a:t>
             </a:r>
           </a:p>
         </p:txBody>
@@ -11880,7 +11600,7 @@
           <p:cNvPr id="3" name="Content Placeholder 2">
             <a:extLst>
               <a:ext uri="{FF2B5EF4-FFF2-40B4-BE49-F238E27FC236}">
-                <a16:creationId xmlns:a16="http://schemas.microsoft.com/office/drawing/2014/main" id="{D8797174-6BED-B804-44A8-72115329F811}"/>
+                <a16:creationId xmlns:a16="http://schemas.microsoft.com/office/drawing/2014/main" id="{891D5551-6C94-DED9-2F21-C1024CFDCC13}"/>
               </a:ext>
             </a:extLst>
           </p:cNvPr>
@@ -11893,17 +11613,87 @@
         </p:nvSpPr>
         <p:spPr/>
         <p:txBody>
-          <a:bodyPr/>
-          <a:lstStyle/>
-          <a:p>
-            <a:endParaRPr lang="en-NZ"/>
+          <a:bodyPr>
+            <a:normAutofit lnSpcReduction="10000"/>
+          </a:bodyPr>
+          <a:lstStyle/>
+          <a:p>
+            <a:r>
+              <a:rPr lang="en-NZ" dirty="0"/>
+              <a:t>Numerous </a:t>
+            </a:r>
+            <a:r>
+              <a:rPr lang="en-NZ" dirty="0">
+                <a:hlinkClick r:id="rId2"/>
+              </a:rPr>
+              <a:t>“How-to” videos, lectures, and exercises </a:t>
+            </a:r>
+            <a:r>
+              <a:rPr lang="en-NZ" dirty="0"/>
+              <a:t>for getting started in R</a:t>
+            </a:r>
+          </a:p>
+          <a:p>
+            <a:r>
+              <a:rPr lang="en-NZ" dirty="0"/>
+              <a:t>Style guidelines in R</a:t>
+            </a:r>
+          </a:p>
+          <a:p>
+            <a:r>
+              <a:rPr lang="en-NZ" dirty="0">
+                <a:hlinkClick r:id="rId3"/>
+              </a:rPr>
+              <a:t>Blog on project-oriented workflows</a:t>
+            </a:r>
+            <a:endParaRPr lang="en-NZ" dirty="0"/>
+          </a:p>
+          <a:p>
+            <a:r>
+              <a:rPr lang="en-NZ" dirty="0"/>
+              <a:t>ChatGPT and Google</a:t>
+            </a:r>
+          </a:p>
+          <a:p>
+            <a:pPr lvl="1"/>
+            <a:r>
+              <a:rPr lang="en-NZ" dirty="0">
+                <a:hlinkClick r:id="rId4"/>
+              </a:rPr>
+              <a:t>Article on suggestions for how to best utilize ChatGPT</a:t>
+            </a:r>
+            <a:endParaRPr lang="en-NZ" dirty="0"/>
+          </a:p>
+          <a:p>
+            <a:pPr lvl="2"/>
+            <a:r>
+              <a:rPr lang="en-NZ" dirty="0"/>
+              <a:t>When first starting out, if you wouldn’t be able to explain what the code is doing, try not to use it—or ask someone to help you understand</a:t>
+            </a:r>
+          </a:p>
+          <a:p>
+            <a:pPr lvl="3"/>
+            <a:r>
+              <a:rPr lang="en-NZ" dirty="0"/>
+              <a:t>ChatGPT will give you functions, for loops, etc. These are more advanced techniques that you will need to write yourself some day</a:t>
+            </a:r>
+          </a:p>
+          <a:p>
+            <a:r>
+              <a:rPr lang="en-NZ" dirty="0"/>
+              <a:t>Each other!</a:t>
+            </a:r>
+          </a:p>
+          <a:p>
+            <a:pPr lvl="3"/>
+            <a:endParaRPr lang="en-NZ" dirty="0"/>
           </a:p>
         </p:txBody>
       </p:sp>
     </p:spTree>
     <p:extLst>
       <p:ext uri="{BB962C8B-B14F-4D97-AF65-F5344CB8AC3E}">
-        <p14:creationId xmlns:p14="http://schemas.microsoft.com/office/powerpoint/2010/main" val="990989293"/>
+        <p14:creationId xmlns:p14="http://schemas.microsoft.com/office/powerpoint/2010/main" val="776326194"/>
       </p:ext>
     </p:extLst>
   </p:cSld>

--- a/Introduction to R Workshop 1.pptx
+++ b/Introduction to R Workshop 1.pptx
@@ -1521,7 +1521,7 @@
           <a:p>
             <a:fld id="{34DAE4EE-2DF8-45FB-8651-0A1C8E883882}" type="datetimeFigureOut">
               <a:rPr lang="en-NZ" smtClean="0"/>
-              <a:t>28/04/2025</a:t>
+              <a:t>12/05/2025</a:t>
             </a:fld>
             <a:endParaRPr lang="en-NZ"/>
           </a:p>
@@ -1721,7 +1721,7 @@
           <a:p>
             <a:fld id="{34DAE4EE-2DF8-45FB-8651-0A1C8E883882}" type="datetimeFigureOut">
               <a:rPr lang="en-NZ" smtClean="0"/>
-              <a:t>28/04/2025</a:t>
+              <a:t>12/05/2025</a:t>
             </a:fld>
             <a:endParaRPr lang="en-NZ"/>
           </a:p>
@@ -1931,7 +1931,7 @@
           <a:p>
             <a:fld id="{34DAE4EE-2DF8-45FB-8651-0A1C8E883882}" type="datetimeFigureOut">
               <a:rPr lang="en-NZ" smtClean="0"/>
-              <a:t>28/04/2025</a:t>
+              <a:t>12/05/2025</a:t>
             </a:fld>
             <a:endParaRPr lang="en-NZ"/>
           </a:p>
@@ -2131,7 +2131,7 @@
           <a:p>
             <a:fld id="{34DAE4EE-2DF8-45FB-8651-0A1C8E883882}" type="datetimeFigureOut">
               <a:rPr lang="en-NZ" smtClean="0"/>
-              <a:t>28/04/2025</a:t>
+              <a:t>12/05/2025</a:t>
             </a:fld>
             <a:endParaRPr lang="en-NZ"/>
           </a:p>
@@ -2407,7 +2407,7 @@
           <a:p>
             <a:fld id="{34DAE4EE-2DF8-45FB-8651-0A1C8E883882}" type="datetimeFigureOut">
               <a:rPr lang="en-NZ" smtClean="0"/>
-              <a:t>28/04/2025</a:t>
+              <a:t>12/05/2025</a:t>
             </a:fld>
             <a:endParaRPr lang="en-NZ"/>
           </a:p>
@@ -2675,7 +2675,7 @@
           <a:p>
             <a:fld id="{34DAE4EE-2DF8-45FB-8651-0A1C8E883882}" type="datetimeFigureOut">
               <a:rPr lang="en-NZ" smtClean="0"/>
-              <a:t>28/04/2025</a:t>
+              <a:t>12/05/2025</a:t>
             </a:fld>
             <a:endParaRPr lang="en-NZ"/>
           </a:p>
@@ -3090,7 +3090,7 @@
           <a:p>
             <a:fld id="{34DAE4EE-2DF8-45FB-8651-0A1C8E883882}" type="datetimeFigureOut">
               <a:rPr lang="en-NZ" smtClean="0"/>
-              <a:t>28/04/2025</a:t>
+              <a:t>12/05/2025</a:t>
             </a:fld>
             <a:endParaRPr lang="en-NZ"/>
           </a:p>
@@ -3232,7 +3232,7 @@
           <a:p>
             <a:fld id="{34DAE4EE-2DF8-45FB-8651-0A1C8E883882}" type="datetimeFigureOut">
               <a:rPr lang="en-NZ" smtClean="0"/>
-              <a:t>28/04/2025</a:t>
+              <a:t>12/05/2025</a:t>
             </a:fld>
             <a:endParaRPr lang="en-NZ"/>
           </a:p>
@@ -3345,7 +3345,7 @@
           <a:p>
             <a:fld id="{34DAE4EE-2DF8-45FB-8651-0A1C8E883882}" type="datetimeFigureOut">
               <a:rPr lang="en-NZ" smtClean="0"/>
-              <a:t>28/04/2025</a:t>
+              <a:t>12/05/2025</a:t>
             </a:fld>
             <a:endParaRPr lang="en-NZ"/>
           </a:p>
@@ -3658,7 +3658,7 @@
           <a:p>
             <a:fld id="{34DAE4EE-2DF8-45FB-8651-0A1C8E883882}" type="datetimeFigureOut">
               <a:rPr lang="en-NZ" smtClean="0"/>
-              <a:t>28/04/2025</a:t>
+              <a:t>12/05/2025</a:t>
             </a:fld>
             <a:endParaRPr lang="en-NZ"/>
           </a:p>
@@ -3947,7 +3947,7 @@
           <a:p>
             <a:fld id="{34DAE4EE-2DF8-45FB-8651-0A1C8E883882}" type="datetimeFigureOut">
               <a:rPr lang="en-NZ" smtClean="0"/>
-              <a:t>28/04/2025</a:t>
+              <a:t>12/05/2025</a:t>
             </a:fld>
             <a:endParaRPr lang="en-NZ"/>
           </a:p>
@@ -4190,7 +4190,7 @@
           <a:p>
             <a:fld id="{34DAE4EE-2DF8-45FB-8651-0A1C8E883882}" type="datetimeFigureOut">
               <a:rPr lang="en-NZ" smtClean="0"/>
-              <a:t>28/04/2025</a:t>
+              <a:t>12/05/2025</a:t>
             </a:fld>
             <a:endParaRPr lang="en-NZ"/>
           </a:p>
@@ -6493,14 +6493,14 @@
           <p:nvPr>
             <p:extLst>
               <p:ext uri="{D42A27DB-BD31-4B8C-83A1-F6EECF244321}">
-                <p14:modId xmlns:p14="http://schemas.microsoft.com/office/powerpoint/2010/main" val="3770805718"/>
+                <p14:modId xmlns:p14="http://schemas.microsoft.com/office/powerpoint/2010/main" val="3729160858"/>
               </p:ext>
             </p:extLst>
           </p:nvPr>
         </p:nvGraphicFramePr>
         <p:xfrm>
-          <a:off x="253678" y="1367632"/>
-          <a:ext cx="11549204" cy="4942840"/>
+          <a:off x="235390" y="2117440"/>
+          <a:ext cx="11549204" cy="3754120"/>
         </p:xfrm>
         <a:graphic>
           <a:graphicData uri="http://schemas.openxmlformats.org/drawingml/2006/table">
@@ -6537,7 +6537,7 @@
                     <a:bodyPr/>
                     <a:lstStyle/>
                     <a:p>
-                      <a:endParaRPr lang="en-NZ" b="0">
+                      <a:endParaRPr lang="en-NZ" b="0" dirty="0">
                         <a:solidFill>
                           <a:schemeClr val="tx1"/>
                         </a:solidFill>
@@ -6675,8 +6675,8 @@
                   </a:txBody>
                   <a:tcPr>
                     <a:solidFill>
-                      <a:schemeClr val="bg2">
-                        <a:lumMod val="75000"/>
+                      <a:schemeClr val="bg1">
+                        <a:lumMod val="95000"/>
                       </a:schemeClr>
                     </a:solidFill>
                   </a:tcPr>
@@ -6753,8 +6753,8 @@
                   </a:txBody>
                   <a:tcPr>
                     <a:solidFill>
-                      <a:schemeClr val="bg2">
-                        <a:lumMod val="75000"/>
+                      <a:schemeClr val="bg1">
+                        <a:lumMod val="95000"/>
                       </a:schemeClr>
                     </a:solidFill>
                   </a:tcPr>
@@ -6824,42 +6824,11 @@
                         <a:t> &lt;- read.csv(‘./data/buoy_data.csv’)</a:t>
                       </a:r>
                     </a:p>
-                    <a:p>
-                      <a:pPr marL="0" marR="0" lvl="0" indent="0" algn="l" defTabSz="914400" rtl="0" eaLnBrk="1" fontAlgn="auto" latinLnBrk="0" hangingPunct="1">
-                        <a:lnSpc>
-                          <a:spcPct val="100000"/>
-                        </a:lnSpc>
-                        <a:spcBef>
-                          <a:spcPts val="0"/>
-                        </a:spcBef>
-                        <a:spcAft>
-                          <a:spcPts val="0"/>
-                        </a:spcAft>
-                        <a:buClrTx/>
-                        <a:buSzTx/>
-                        <a:buFontTx/>
-                        <a:buNone/>
-                        <a:tabLst/>
-                        <a:defRPr/>
-                      </a:pPr>
-                      <a:r>
-                        <a:rPr lang="en-NZ" dirty="0" err="1">
-                          <a:solidFill>
-                            <a:schemeClr val="accent1"/>
-                          </a:solidFill>
-                        </a:rPr>
-                        <a:t>ctd_rotoehu</a:t>
-                      </a:r>
-                      <a:r>
-                        <a:rPr lang="en-NZ" dirty="0"/>
-                        <a:t> &lt;- read.csv(‘./data/ctd_data.csv’)</a:t>
-                      </a:r>
-                    </a:p>
                   </a:txBody>
                   <a:tcPr>
                     <a:solidFill>
-                      <a:schemeClr val="bg2">
-                        <a:lumMod val="75000"/>
+                      <a:schemeClr val="bg1">
+                        <a:lumMod val="95000"/>
                       </a:schemeClr>
                     </a:solidFill>
                   </a:tcPr>
@@ -6882,42 +6851,11 @@
                         <a:t> &lt;- read.csv(‘./data/buoy_data.csv’)</a:t>
                       </a:r>
                     </a:p>
-                    <a:p>
-                      <a:pPr marL="0" marR="0" lvl="0" indent="0" algn="l" defTabSz="914400" rtl="0" eaLnBrk="1" fontAlgn="auto" latinLnBrk="0" hangingPunct="1">
-                        <a:lnSpc>
-                          <a:spcPct val="100000"/>
-                        </a:lnSpc>
-                        <a:spcBef>
-                          <a:spcPts val="0"/>
-                        </a:spcBef>
-                        <a:spcAft>
-                          <a:spcPts val="0"/>
-                        </a:spcAft>
-                        <a:buClrTx/>
-                        <a:buSzTx/>
-                        <a:buFontTx/>
-                        <a:buNone/>
-                        <a:tabLst/>
-                        <a:defRPr/>
-                      </a:pPr>
-                      <a:r>
-                        <a:rPr lang="en-NZ" dirty="0" err="1">
-                          <a:solidFill>
-                            <a:schemeClr val="accent1"/>
-                          </a:solidFill>
-                        </a:rPr>
-                        <a:t>ctd_rotoehu</a:t>
-                      </a:r>
-                      <a:r>
-                        <a:rPr lang="en-NZ" dirty="0"/>
-                        <a:t> &lt;- read.csv(‘./data/ctd_data.csv’)</a:t>
-                      </a:r>
-                    </a:p>
                   </a:txBody>
                   <a:tcPr>
                     <a:solidFill>
-                      <a:schemeClr val="bg2">
-                        <a:lumMod val="75000"/>
+                      <a:schemeClr val="bg1">
+                        <a:lumMod val="95000"/>
                       </a:schemeClr>
                     </a:solidFill>
                   </a:tcPr>
@@ -6989,8 +6927,8 @@
                   </a:txBody>
                   <a:tcPr>
                     <a:solidFill>
-                      <a:schemeClr val="bg2">
-                        <a:lumMod val="75000"/>
+                      <a:schemeClr val="bg1">
+                        <a:lumMod val="95000"/>
                       </a:schemeClr>
                     </a:solidFill>
                   </a:tcPr>
@@ -7044,8 +6982,8 @@
                   </a:txBody>
                   <a:tcPr>
                     <a:solidFill>
-                      <a:schemeClr val="bg2">
-                        <a:lumMod val="75000"/>
+                      <a:schemeClr val="bg1">
+                        <a:lumMod val="95000"/>
                       </a:schemeClr>
                     </a:solidFill>
                   </a:tcPr>
@@ -7117,8 +7055,8 @@
                   </a:txBody>
                   <a:tcPr>
                     <a:solidFill>
-                      <a:schemeClr val="bg2">
-                        <a:lumMod val="75000"/>
+                      <a:schemeClr val="bg1">
+                        <a:lumMod val="95000"/>
                       </a:schemeClr>
                     </a:solidFill>
                   </a:tcPr>
@@ -7164,8 +7102,8 @@
                   </a:txBody>
                   <a:tcPr>
                     <a:solidFill>
-                      <a:schemeClr val="bg2">
-                        <a:lumMod val="75000"/>
+                      <a:schemeClr val="bg1">
+                        <a:lumMod val="95000"/>
                       </a:schemeClr>
                     </a:solidFill>
                   </a:tcPr>
@@ -7173,173 +7111,6 @@
                 <a:extLst>
                   <a:ext uri="{0D108BD9-81ED-4DB2-BD59-A6C34878D82A}">
                     <a16:rowId xmlns:a16="http://schemas.microsoft.com/office/drawing/2014/main" val="3969969203"/>
-                  </a:ext>
-                </a:extLst>
-              </a:tr>
-              <a:tr h="370840">
-                <a:tc>
-                  <a:txBody>
-                    <a:bodyPr/>
-                    <a:lstStyle/>
-                    <a:p>
-                      <a:r>
-                        <a:rPr lang="en-US" dirty="0"/>
-                        <a:t>Don’t name something the same as a function</a:t>
-                      </a:r>
-                      <a:endParaRPr lang="en-NZ" dirty="0"/>
-                    </a:p>
-                  </a:txBody>
-                  <a:tcPr>
-                    <a:solidFill>
-                      <a:schemeClr val="bg2">
-                        <a:lumMod val="75000"/>
-                      </a:schemeClr>
-                    </a:solidFill>
-                  </a:tcPr>
-                </a:tc>
-                <a:tc>
-                  <a:txBody>
-                    <a:bodyPr/>
-                    <a:lstStyle/>
-                    <a:p>
-                      <a:r>
-                        <a:rPr lang="en-US" dirty="0" err="1">
-                          <a:solidFill>
-                            <a:schemeClr val="accent1"/>
-                          </a:solidFill>
-                        </a:rPr>
-                        <a:t>thermo_depth</a:t>
-                      </a:r>
-                      <a:r>
-                        <a:rPr lang="en-US" dirty="0">
-                          <a:solidFill>
-                            <a:schemeClr val="accent1"/>
-                          </a:solidFill>
-                        </a:rPr>
-                        <a:t> </a:t>
-                      </a:r>
-                      <a:r>
-                        <a:rPr lang="en-US" dirty="0"/>
-                        <a:t>&lt;- </a:t>
-                      </a:r>
-                      <a:r>
-                        <a:rPr lang="en-US" dirty="0" err="1"/>
-                        <a:t>thermo.depth</a:t>
-                      </a:r>
-                      <a:r>
-                        <a:rPr lang="en-US" dirty="0"/>
-                        <a:t>(</a:t>
-                      </a:r>
-                      <a:r>
-                        <a:rPr lang="en-US" dirty="0" err="1"/>
-                        <a:t>data$temp</a:t>
-                      </a:r>
-                      <a:r>
-                        <a:rPr lang="en-US" dirty="0"/>
-                        <a:t>, </a:t>
-                      </a:r>
-                      <a:r>
-                        <a:rPr lang="en-US" dirty="0" err="1"/>
-                        <a:t>data$depth</a:t>
-                      </a:r>
-                      <a:r>
-                        <a:rPr lang="en-US" dirty="0"/>
-                        <a:t>)</a:t>
-                      </a:r>
-                      <a:endParaRPr lang="en-NZ" dirty="0"/>
-                    </a:p>
-                  </a:txBody>
-                  <a:tcPr>
-                    <a:solidFill>
-                      <a:schemeClr val="bg2">
-                        <a:lumMod val="75000"/>
-                      </a:schemeClr>
-                    </a:solidFill>
-                  </a:tcPr>
-                </a:tc>
-                <a:tc>
-                  <a:txBody>
-                    <a:bodyPr/>
-                    <a:lstStyle/>
-                    <a:p>
-                      <a:pPr marL="0" marR="0" lvl="0" indent="0" algn="l" defTabSz="914400" rtl="0" eaLnBrk="1" fontAlgn="auto" latinLnBrk="0" hangingPunct="1">
-                        <a:lnSpc>
-                          <a:spcPct val="100000"/>
-                        </a:lnSpc>
-                        <a:spcBef>
-                          <a:spcPts val="0"/>
-                        </a:spcBef>
-                        <a:spcAft>
-                          <a:spcPts val="0"/>
-                        </a:spcAft>
-                        <a:buClrTx/>
-                        <a:buSzTx/>
-                        <a:buFontTx/>
-                        <a:buNone/>
-                        <a:tabLst/>
-                        <a:defRPr/>
-                      </a:pPr>
-                      <a:r>
-                        <a:rPr lang="en-US" dirty="0" err="1">
-                          <a:solidFill>
-                            <a:schemeClr val="accent1"/>
-                          </a:solidFill>
-                        </a:rPr>
-                        <a:t>thermo.depth</a:t>
-                      </a:r>
-                      <a:r>
-                        <a:rPr lang="en-US" dirty="0">
-                          <a:solidFill>
-                            <a:schemeClr val="accent1"/>
-                          </a:solidFill>
-                        </a:rPr>
-                        <a:t> </a:t>
-                      </a:r>
-                      <a:r>
-                        <a:rPr lang="en-US" dirty="0"/>
-                        <a:t>&lt;- </a:t>
-                      </a:r>
-                      <a:r>
-                        <a:rPr lang="en-US" dirty="0" err="1"/>
-                        <a:t>thermo.depth</a:t>
-                      </a:r>
-                      <a:r>
-                        <a:rPr lang="en-US" dirty="0"/>
-                        <a:t>(</a:t>
-                      </a:r>
-                      <a:r>
-                        <a:rPr lang="en-US" dirty="0" err="1"/>
-                        <a:t>data$temp</a:t>
-                      </a:r>
-                      <a:r>
-                        <a:rPr lang="en-US" dirty="0"/>
-                        <a:t>, </a:t>
-                      </a:r>
-                      <a:r>
-                        <a:rPr lang="en-US" dirty="0" err="1"/>
-                        <a:t>data$depth</a:t>
-                      </a:r>
-                      <a:r>
-                        <a:rPr lang="en-US" dirty="0"/>
-                        <a:t>)</a:t>
-                      </a:r>
-                      <a:endParaRPr lang="en-NZ" dirty="0"/>
-                    </a:p>
-                    <a:p>
-                      <a:endParaRPr lang="en-NZ" dirty="0"/>
-                    </a:p>
-                  </a:txBody>
-                  <a:tcPr>
-                    <a:solidFill>
-                      <a:schemeClr val="bg2">
-                        <a:lumMod val="75000"/>
-                      </a:schemeClr>
-                    </a:solidFill>
-                  </a:tcPr>
-                </a:tc>
-                <a:extLst>
-                  <a:ext uri="{0D108BD9-81ED-4DB2-BD59-A6C34878D82A}">
-                    <a16:rowId xmlns:a16="http://schemas.microsoft.com/office/drawing/2014/main" val="2655674162"/>
                   </a:ext>
                 </a:extLst>
               </a:tr>
@@ -7424,7 +7195,7 @@
         <p:spPr/>
         <p:txBody>
           <a:bodyPr>
-            <a:normAutofit/>
+            <a:normAutofit lnSpcReduction="10000"/>
           </a:bodyPr>
           <a:lstStyle/>
           <a:p>
@@ -7455,7 +7226,7 @@
             <a:pPr lvl="1"/>
             <a:r>
               <a:rPr lang="en-NZ" dirty="0"/>
-              <a:t>Install some packages</a:t>
+              <a:t>Install and use packages</a:t>
             </a:r>
           </a:p>
           <a:p>
@@ -7484,15 +7255,27 @@
             <a:pPr lvl="1"/>
             <a:r>
               <a:rPr lang="en-NZ" dirty="0"/>
-              <a:t>Use base R functions</a:t>
+              <a:t>Understand data classes</a:t>
             </a:r>
           </a:p>
           <a:p>
             <a:pPr lvl="1"/>
             <a:r>
               <a:rPr lang="en-NZ" dirty="0"/>
-              <a:t>Access help documentation for functions</a:t>
-            </a:r>
+              <a:t>Use base R functions to subset and calculate summary statistics</a:t>
+            </a:r>
+          </a:p>
+          <a:p>
+            <a:pPr lvl="1"/>
+            <a:r>
+              <a:rPr lang="en-NZ" dirty="0"/>
+              <a:t>Plot data using </a:t>
+            </a:r>
+            <a:r>
+              <a:rPr lang="en-NZ" dirty="0" err="1"/>
+              <a:t>ggplot</a:t>
+            </a:r>
+            <a:endParaRPr lang="en-NZ" dirty="0"/>
           </a:p>
         </p:txBody>
       </p:sp>
@@ -8453,8 +8236,8 @@
           <a:lstStyle/>
           <a:p>
             <a:r>
-              <a:rPr lang="en-NZ"/>
-              <a:t>Let’s go to a working example</a:t>
+              <a:rPr lang="en-NZ" dirty="0"/>
+              <a:t>Let’s go to try some code!</a:t>
             </a:r>
           </a:p>
         </p:txBody>
